--- a/Diapositivas/3. Database Testing.pptx
+++ b/Diapositivas/3. Database Testing.pptx
@@ -5,7 +5,7 @@
     <p:sldMasterId id="2147483684" r:id="rId1"/>
   </p:sldMasterIdLst>
   <p:notesMasterIdLst>
-    <p:notesMasterId r:id="rId38"/>
+    <p:notesMasterId r:id="rId35"/>
   </p:notesMasterIdLst>
   <p:sldIdLst>
     <p:sldId id="687" r:id="rId2"/>
@@ -21,29 +21,26 @@
     <p:sldId id="561" r:id="rId12"/>
     <p:sldId id="555" r:id="rId13"/>
     <p:sldId id="556" r:id="rId14"/>
-    <p:sldId id="559" r:id="rId15"/>
-    <p:sldId id="534" r:id="rId16"/>
-    <p:sldId id="557" r:id="rId17"/>
-    <p:sldId id="536" r:id="rId18"/>
-    <p:sldId id="560" r:id="rId19"/>
+    <p:sldId id="534" r:id="rId15"/>
+    <p:sldId id="557" r:id="rId16"/>
+    <p:sldId id="688" r:id="rId17"/>
+    <p:sldId id="689" r:id="rId18"/>
+    <p:sldId id="536" r:id="rId19"/>
     <p:sldId id="538" r:id="rId20"/>
-    <p:sldId id="643" r:id="rId21"/>
-    <p:sldId id="644" r:id="rId22"/>
-    <p:sldId id="645" r:id="rId23"/>
-    <p:sldId id="542" r:id="rId24"/>
-    <p:sldId id="578" r:id="rId25"/>
-    <p:sldId id="577" r:id="rId26"/>
-    <p:sldId id="539" r:id="rId27"/>
-    <p:sldId id="562" r:id="rId28"/>
-    <p:sldId id="575" r:id="rId29"/>
-    <p:sldId id="579" r:id="rId30"/>
-    <p:sldId id="583" r:id="rId31"/>
-    <p:sldId id="582" r:id="rId32"/>
-    <p:sldId id="584" r:id="rId33"/>
-    <p:sldId id="574" r:id="rId34"/>
-    <p:sldId id="685" r:id="rId35"/>
-    <p:sldId id="686" r:id="rId36"/>
-    <p:sldId id="585" r:id="rId37"/>
+    <p:sldId id="542" r:id="rId21"/>
+    <p:sldId id="578" r:id="rId22"/>
+    <p:sldId id="577" r:id="rId23"/>
+    <p:sldId id="539" r:id="rId24"/>
+    <p:sldId id="562" r:id="rId25"/>
+    <p:sldId id="575" r:id="rId26"/>
+    <p:sldId id="579" r:id="rId27"/>
+    <p:sldId id="583" r:id="rId28"/>
+    <p:sldId id="582" r:id="rId29"/>
+    <p:sldId id="584" r:id="rId30"/>
+    <p:sldId id="574" r:id="rId31"/>
+    <p:sldId id="685" r:id="rId32"/>
+    <p:sldId id="686" r:id="rId33"/>
+    <p:sldId id="585" r:id="rId34"/>
   </p:sldIdLst>
   <p:sldSz cx="9144000" cy="6858000" type="screen4x3"/>
   <p:notesSz cx="6858000" cy="9144000"/>
@@ -280,7 +277,7 @@
           <a:p>
             <a:fld id="{63D5FC4C-9EE1-4746-A368-724F618FC790}" type="datetimeFigureOut">
               <a:rPr lang="es-PE" smtClean="0"/>
-              <a:t>09/11/2012</a:t>
+              <a:t>01/02/2013</a:t>
             </a:fld>
             <a:endParaRPr lang="es-PE"/>
           </a:p>
@@ -1388,7 +1385,7 @@
           <a:bodyPr/>
           <a:lstStyle/>
           <a:p>
-            <a:fld id="{96DE5A63-0F1F-4DC0-ADE0-CC17EBA6F230}" type="slidenum">
+            <a:fld id="{80C14895-23C8-45AE-85D5-3B35E5980A68}" type="slidenum">
               <a:rPr lang="es-PE" smtClean="0"/>
               <a:t>14</a:t>
             </a:fld>
@@ -1399,7 +1396,7 @@
     </p:spTree>
     <p:extLst>
       <p:ext uri="{BB962C8B-B14F-4D97-AF65-F5344CB8AC3E}">
-        <p14:creationId xmlns:p14="http://schemas.microsoft.com/office/powerpoint/2010/main" val="4239671652"/>
+        <p14:creationId xmlns:p14="http://schemas.microsoft.com/office/powerpoint/2010/main" val="3432092158"/>
       </p:ext>
     </p:extLst>
   </p:cSld>
@@ -1452,6 +1449,37 @@
         <p:txBody>
           <a:bodyPr/>
           <a:lstStyle/>
+          <a:p>
+            <a:pPr marL="0" marR="0" indent="0" algn="l" defTabSz="914400" rtl="0" eaLnBrk="1" fontAlgn="auto" latinLnBrk="0" hangingPunct="1">
+              <a:lnSpc>
+                <a:spcPct val="100000"/>
+              </a:lnSpc>
+              <a:spcBef>
+                <a:spcPts val="0"/>
+              </a:spcBef>
+              <a:spcAft>
+                <a:spcPts val="0"/>
+              </a:spcAft>
+              <a:buClrTx/>
+              <a:buSzTx/>
+              <a:buFontTx/>
+              <a:buNone/>
+              <a:tabLst/>
+              <a:defRPr/>
+            </a:pPr>
+            <a:r>
+              <a:rPr lang="es-PE" sz="1200" dirty="0" smtClean="0"/>
+              <a:t>La organización elegida influye en el mantenimiento de los data </a:t>
+            </a:r>
+            <a:r>
+              <a:rPr lang="es-PE" sz="1200" dirty="0" err="1" smtClean="0"/>
+              <a:t>sources</a:t>
+            </a:r>
+            <a:r>
+              <a:rPr lang="es-PE" sz="1200" dirty="0" smtClean="0"/>
+              <a:t> y en el tiempo de ejecución de la prueba.</a:t>
+            </a:r>
+          </a:p>
           <a:p>
             <a:endParaRPr lang="es-PE" dirty="0"/>
           </a:p>
@@ -1537,38 +1565,23 @@
           <a:bodyPr/>
           <a:lstStyle/>
           <a:p>
-            <a:pPr marL="0" marR="0" indent="0" algn="l" defTabSz="914400" rtl="0" eaLnBrk="1" fontAlgn="auto" latinLnBrk="0" hangingPunct="1">
-              <a:lnSpc>
-                <a:spcPct val="100000"/>
-              </a:lnSpc>
-              <a:spcBef>
-                <a:spcPts val="0"/>
-              </a:spcBef>
-              <a:spcAft>
-                <a:spcPts val="0"/>
-              </a:spcAft>
-              <a:buClrTx/>
-              <a:buSzTx/>
-              <a:buFontTx/>
-              <a:buNone/>
-              <a:tabLst/>
-              <a:defRPr/>
-            </a:pPr>
-            <a:r>
-              <a:rPr lang="es-PE" sz="1200" dirty="0" smtClean="0"/>
-              <a:t>La organización elegida influye en el mantenimiento de los data </a:t>
-            </a:r>
-            <a:r>
-              <a:rPr lang="es-PE" sz="1200" dirty="0" err="1" smtClean="0"/>
-              <a:t>sources</a:t>
-            </a:r>
-            <a:r>
-              <a:rPr lang="es-PE" sz="1200" dirty="0" smtClean="0"/>
-              <a:t> y en el tiempo de ejecución de la prueba.</a:t>
-            </a:r>
-          </a:p>
-          <a:p>
-            <a:endParaRPr lang="es-PE" dirty="0"/>
+            <a:r>
+              <a:rPr lang="es-PE" dirty="0" smtClean="0"/>
+              <a:t>Este método es</a:t>
+            </a:r>
+            <a:r>
+              <a:rPr lang="es-PE" baseline="0" dirty="0" smtClean="0"/>
+              <a:t> el que impacta más en todas las pruebas.</a:t>
+            </a:r>
+          </a:p>
+          <a:p>
+            <a:endParaRPr lang="es-PE" baseline="0" dirty="0" smtClean="0"/>
+          </a:p>
+          <a:p>
+            <a:r>
+              <a:rPr lang="es-PE" baseline="0" dirty="0" smtClean="0"/>
+              <a:t>Se puede aplicar utilizando un ORM o sin el.</a:t>
+            </a:r>
           </a:p>
         </p:txBody>
       </p:sp>
@@ -1652,61 +1665,7 @@
           <a:bodyPr/>
           <a:lstStyle/>
           <a:p>
-            <a:pPr marL="0" marR="0" lvl="1" indent="0" algn="l" defTabSz="914400" rtl="0" eaLnBrk="1" fontAlgn="auto" latinLnBrk="0" hangingPunct="1">
-              <a:lnSpc>
-                <a:spcPct val="100000"/>
-              </a:lnSpc>
-              <a:spcBef>
-                <a:spcPts val="0"/>
-              </a:spcBef>
-              <a:spcAft>
-                <a:spcPts val="0"/>
-              </a:spcAft>
-              <a:buClrTx/>
-              <a:buSzTx/>
-              <a:buFontTx/>
-              <a:buNone/>
-              <a:tabLst/>
-              <a:defRPr/>
-            </a:pPr>
-            <a:r>
-              <a:rPr lang="es-PE" sz="2600" dirty="0" smtClean="0"/>
-              <a:t>Se puede combinar con otros patrones: </a:t>
-            </a:r>
-            <a:br>
-              <a:rPr lang="es-PE" sz="2600" dirty="0" smtClean="0"/>
-            </a:br>
-            <a:r>
-              <a:rPr lang="es-PE" sz="2600" dirty="0" smtClean="0"/>
-              <a:t>Test Data </a:t>
-            </a:r>
-            <a:r>
-              <a:rPr lang="es-PE" sz="2600" dirty="0" err="1" smtClean="0"/>
-              <a:t>Builder</a:t>
-            </a:r>
-            <a:r>
-              <a:rPr lang="es-PE" sz="2600" dirty="0" smtClean="0"/>
-              <a:t>, </a:t>
-            </a:r>
-            <a:r>
-              <a:rPr lang="es-PE" sz="2600" dirty="0" err="1" smtClean="0"/>
-              <a:t>Object</a:t>
-            </a:r>
-            <a:r>
-              <a:rPr lang="es-PE" sz="2600" dirty="0" smtClean="0"/>
-              <a:t> </a:t>
-            </a:r>
-            <a:r>
-              <a:rPr lang="es-PE" sz="2600" dirty="0" err="1" smtClean="0"/>
-              <a:t>Mother</a:t>
-            </a:r>
-            <a:r>
-              <a:rPr lang="es-PE" sz="2600" dirty="0" smtClean="0"/>
-              <a:t>.</a:t>
-            </a:r>
-          </a:p>
-          <a:p>
-            <a:endParaRPr lang="es-PE" dirty="0"/>
+            <a:endParaRPr lang="es-PE" baseline="0" dirty="0" smtClean="0"/>
           </a:p>
         </p:txBody>
       </p:sp>
@@ -1790,6 +1749,60 @@
           <a:bodyPr/>
           <a:lstStyle/>
           <a:p>
+            <a:pPr marL="0" marR="0" lvl="1" indent="0" algn="l" defTabSz="914400" rtl="0" eaLnBrk="1" fontAlgn="auto" latinLnBrk="0" hangingPunct="1">
+              <a:lnSpc>
+                <a:spcPct val="100000"/>
+              </a:lnSpc>
+              <a:spcBef>
+                <a:spcPts val="0"/>
+              </a:spcBef>
+              <a:spcAft>
+                <a:spcPts val="0"/>
+              </a:spcAft>
+              <a:buClrTx/>
+              <a:buSzTx/>
+              <a:buFontTx/>
+              <a:buNone/>
+              <a:tabLst/>
+              <a:defRPr/>
+            </a:pPr>
+            <a:r>
+              <a:rPr lang="es-PE" sz="2600" dirty="0" smtClean="0"/>
+              <a:t>Se puede combinar con otros patrones: </a:t>
+            </a:r>
+            <a:br>
+              <a:rPr lang="es-PE" sz="2600" dirty="0" smtClean="0"/>
+            </a:br>
+            <a:r>
+              <a:rPr lang="es-PE" sz="2600" dirty="0" smtClean="0"/>
+              <a:t>Test Data </a:t>
+            </a:r>
+            <a:r>
+              <a:rPr lang="es-PE" sz="2600" dirty="0" err="1" smtClean="0"/>
+              <a:t>Builder</a:t>
+            </a:r>
+            <a:r>
+              <a:rPr lang="es-PE" sz="2600" dirty="0" smtClean="0"/>
+              <a:t>, </a:t>
+            </a:r>
+            <a:r>
+              <a:rPr lang="es-PE" sz="2600" dirty="0" err="1" smtClean="0"/>
+              <a:t>Object</a:t>
+            </a:r>
+            <a:r>
+              <a:rPr lang="es-PE" sz="2600" dirty="0" smtClean="0"/>
+              <a:t> </a:t>
+            </a:r>
+            <a:r>
+              <a:rPr lang="es-PE" sz="2600" dirty="0" err="1" smtClean="0"/>
+              <a:t>Mother</a:t>
+            </a:r>
+            <a:r>
+              <a:rPr lang="es-PE" sz="2600" dirty="0" smtClean="0"/>
+              <a:t>.</a:t>
+            </a:r>
+          </a:p>
+          <a:p>
             <a:endParaRPr lang="es-PE" dirty="0"/>
           </a:p>
         </p:txBody>
@@ -1809,7 +1822,7 @@
           <a:bodyPr/>
           <a:lstStyle/>
           <a:p>
-            <a:fld id="{96DE5A63-0F1F-4DC0-ADE0-CC17EBA6F230}" type="slidenum">
+            <a:fld id="{80C14895-23C8-45AE-85D5-3B35E5980A68}" type="slidenum">
               <a:rPr lang="es-PE" smtClean="0"/>
               <a:t>18</a:t>
             </a:fld>
@@ -1820,7 +1833,7 @@
     </p:spTree>
     <p:extLst>
       <p:ext uri="{BB962C8B-B14F-4D97-AF65-F5344CB8AC3E}">
-        <p14:creationId xmlns:p14="http://schemas.microsoft.com/office/powerpoint/2010/main" val="4239671652"/>
+        <p14:creationId xmlns:p14="http://schemas.microsoft.com/office/powerpoint/2010/main" val="3432092158"/>
       </p:ext>
     </p:extLst>
   </p:cSld>
@@ -2059,7 +2072,14 @@
           <a:bodyPr/>
           <a:lstStyle/>
           <a:p>
-            <a:endParaRPr lang="es-PE" dirty="0"/>
+            <a:endParaRPr lang="es-PE" sz="1200" dirty="0" smtClean="0"/>
+          </a:p>
+          <a:p>
+            <a:pPr marL="171450" indent="-171450">
+              <a:buFontTx/>
+              <a:buChar char="-"/>
+            </a:pPr>
+            <a:endParaRPr lang="es-PE" b="0" baseline="0" noProof="0" dirty="0" smtClean="0"/>
           </a:p>
         </p:txBody>
       </p:sp>
@@ -2078,7 +2098,7 @@
           <a:bodyPr/>
           <a:lstStyle/>
           <a:p>
-            <a:fld id="{96DE5A63-0F1F-4DC0-ADE0-CC17EBA6F230}" type="slidenum">
+            <a:fld id="{80C14895-23C8-45AE-85D5-3B35E5980A68}" type="slidenum">
               <a:rPr lang="es-PE" smtClean="0"/>
               <a:t>20</a:t>
             </a:fld>
@@ -2089,7 +2109,7 @@
     </p:spTree>
     <p:extLst>
       <p:ext uri="{BB962C8B-B14F-4D97-AF65-F5344CB8AC3E}">
-        <p14:creationId xmlns:p14="http://schemas.microsoft.com/office/powerpoint/2010/main" val="4239671652"/>
+        <p14:creationId xmlns:p14="http://schemas.microsoft.com/office/powerpoint/2010/main" val="3432092158"/>
       </p:ext>
     </p:extLst>
   </p:cSld>
@@ -2143,23 +2163,11 @@
           <a:bodyPr/>
           <a:lstStyle/>
           <a:p>
-            <a:r>
-              <a:rPr lang="es-PE" dirty="0" smtClean="0"/>
-              <a:t>Este método es</a:t>
-            </a:r>
-            <a:r>
-              <a:rPr lang="es-PE" baseline="0" dirty="0" smtClean="0"/>
-              <a:t> el que impacta más en todas las pruebas.</a:t>
-            </a:r>
-          </a:p>
-          <a:p>
-            <a:endParaRPr lang="es-PE" baseline="0" dirty="0" smtClean="0"/>
-          </a:p>
-          <a:p>
-            <a:r>
-              <a:rPr lang="es-PE" baseline="0" dirty="0" smtClean="0"/>
-              <a:t>Se puede aplicar utilizando un ORM o sin el.</a:t>
-            </a:r>
+            <a:pPr marL="171450" indent="-171450">
+              <a:buFontTx/>
+              <a:buChar char="-"/>
+            </a:pPr>
+            <a:endParaRPr lang="es-PE" b="0" baseline="0" noProof="0" dirty="0" smtClean="0"/>
           </a:p>
         </p:txBody>
       </p:sp>
@@ -2243,7 +2251,39 @@
           <a:bodyPr/>
           <a:lstStyle/>
           <a:p>
-            <a:endParaRPr lang="es-PE" baseline="0" dirty="0" smtClean="0"/>
+            <a:r>
+              <a:rPr lang="es-PE" sz="1200" dirty="0" smtClean="0"/>
+              <a:t>Implementar los enfoques "Pruebas Autosuficientes" y "</a:t>
+            </a:r>
+            <a:r>
+              <a:rPr lang="es-PE" sz="1200" dirty="0" err="1" smtClean="0"/>
+              <a:t>Transaction</a:t>
+            </a:r>
+            <a:r>
+              <a:rPr lang="es-PE" sz="1200" dirty="0" smtClean="0"/>
+              <a:t> </a:t>
+            </a:r>
+            <a:r>
+              <a:rPr lang="es-PE" sz="1200" dirty="0" err="1" smtClean="0"/>
+              <a:t>Rollback</a:t>
+            </a:r>
+            <a:r>
+              <a:rPr lang="es-PE" sz="1200" dirty="0" smtClean="0"/>
+              <a:t>" .</a:t>
+            </a:r>
+          </a:p>
+          <a:p>
+            <a:r>
+              <a:rPr lang="es-PE" sz="1200" dirty="0" smtClean="0"/>
+              <a:t>Analizar que factores adicionales se deben considerar cuando se utiliza un ORM.</a:t>
+            </a:r>
+          </a:p>
+          <a:p>
+            <a:pPr marL="171450" indent="-171450">
+              <a:buFontTx/>
+              <a:buChar char="-"/>
+            </a:pPr>
+            <a:endParaRPr lang="es-PE" b="0" baseline="0" noProof="0" dirty="0" smtClean="0"/>
           </a:p>
         </p:txBody>
       </p:sp>
@@ -2327,14 +2367,24 @@
           <a:bodyPr/>
           <a:lstStyle/>
           <a:p>
-            <a:endParaRPr lang="es-PE" sz="1200" dirty="0" smtClean="0"/>
-          </a:p>
-          <a:p>
-            <a:pPr marL="171450" indent="-171450">
+            <a:pPr marL="0" marR="0" indent="0" algn="l" defTabSz="914400" rtl="0" eaLnBrk="1" fontAlgn="auto" latinLnBrk="0" hangingPunct="1">
+              <a:lnSpc>
+                <a:spcPct val="100000"/>
+              </a:lnSpc>
+              <a:spcBef>
+                <a:spcPts val="0"/>
+              </a:spcBef>
+              <a:spcAft>
+                <a:spcPts val="0"/>
+              </a:spcAft>
+              <a:buClrTx/>
+              <a:buSzTx/>
               <a:buFontTx/>
-              <a:buChar char="-"/>
+              <a:buNone/>
+              <a:tabLst/>
+              <a:defRPr/>
             </a:pPr>
-            <a:endParaRPr lang="es-PE" b="0" baseline="0" noProof="0" dirty="0" smtClean="0"/>
+            <a:endParaRPr lang="es-PE" dirty="0"/>
           </a:p>
         </p:txBody>
       </p:sp>
@@ -2418,11 +2468,47 @@
           <a:bodyPr/>
           <a:lstStyle/>
           <a:p>
-            <a:pPr marL="171450" indent="-171450">
+            <a:pPr marL="0" marR="0" indent="0" algn="l" defTabSz="914400" rtl="0" eaLnBrk="1" fontAlgn="auto" latinLnBrk="0" hangingPunct="1">
+              <a:lnSpc>
+                <a:spcPct val="100000"/>
+              </a:lnSpc>
+              <a:spcBef>
+                <a:spcPts val="0"/>
+              </a:spcBef>
+              <a:spcAft>
+                <a:spcPts val="0"/>
+              </a:spcAft>
+              <a:buClrTx/>
+              <a:buSzTx/>
               <a:buFontTx/>
-              <a:buChar char="-"/>
+              <a:buNone/>
+              <a:tabLst/>
+              <a:defRPr/>
             </a:pPr>
-            <a:endParaRPr lang="es-PE" b="0" baseline="0" noProof="0" dirty="0" smtClean="0"/>
+            <a:r>
+              <a:rPr lang="es-PE" baseline="0" dirty="0" smtClean="0"/>
+              <a:t>Segundo tratar a la </a:t>
+            </a:r>
+            <a:r>
+              <a:rPr lang="es-PE" baseline="0" dirty="0" err="1" smtClean="0"/>
+              <a:t>Bd</a:t>
+            </a:r>
+            <a:r>
+              <a:rPr lang="es-PE" baseline="0" dirty="0" smtClean="0"/>
+              <a:t> como un componente que también puede ser probado de manera independiente. Es más existen muchos casos en los cuales la BD no se comunica con ninguna </a:t>
+            </a:r>
+            <a:r>
+              <a:rPr lang="es-PE" baseline="0" dirty="0" err="1" smtClean="0"/>
+              <a:t>app</a:t>
+            </a:r>
+            <a:r>
+              <a:rPr lang="es-PE" baseline="0" dirty="0" smtClean="0"/>
+              <a:t> directamente.</a:t>
+            </a:r>
+            <a:endParaRPr lang="es-PE" dirty="0" smtClean="0"/>
+          </a:p>
+          <a:p>
+            <a:endParaRPr lang="es-PE" dirty="0"/>
           </a:p>
         </p:txBody>
       </p:sp>
@@ -2507,38 +2593,14 @@
           <a:lstStyle/>
           <a:p>
             <a:r>
-              <a:rPr lang="es-PE" sz="1200" dirty="0" smtClean="0"/>
-              <a:t>Implementar los enfoques "Pruebas Autosuficientes" y "</a:t>
-            </a:r>
-            <a:r>
-              <a:rPr lang="es-PE" sz="1200" dirty="0" err="1" smtClean="0"/>
-              <a:t>Transaction</a:t>
-            </a:r>
-            <a:r>
-              <a:rPr lang="es-PE" sz="1200" dirty="0" smtClean="0"/>
-              <a:t> </a:t>
-            </a:r>
-            <a:r>
-              <a:rPr lang="es-PE" sz="1200" dirty="0" err="1" smtClean="0"/>
-              <a:t>Rollback</a:t>
-            </a:r>
-            <a:r>
-              <a:rPr lang="es-PE" sz="1200" dirty="0" smtClean="0"/>
-              <a:t>" .</a:t>
-            </a:r>
-          </a:p>
-          <a:p>
-            <a:r>
-              <a:rPr lang="es-PE" sz="1200" dirty="0" smtClean="0"/>
-              <a:t>Analizar que factores adicionales se deben considerar cuando se utiliza un ORM.</a:t>
-            </a:r>
-          </a:p>
-          <a:p>
-            <a:pPr marL="171450" indent="-171450">
-              <a:buFontTx/>
-              <a:buChar char="-"/>
-            </a:pPr>
-            <a:endParaRPr lang="es-PE" b="0" baseline="0" noProof="0" dirty="0" smtClean="0"/>
+              <a:rPr lang="es-PE" noProof="0" dirty="0" smtClean="0"/>
+              <a:t>- En</a:t>
+            </a:r>
+            <a:r>
+              <a:rPr lang="es-PE" baseline="0" noProof="0" dirty="0" smtClean="0"/>
+              <a:t> el caso de Oracle las herramientas </a:t>
+            </a:r>
+            <a:endParaRPr lang="es-PE" noProof="0" dirty="0"/>
           </a:p>
         </p:txBody>
       </p:sp>
@@ -2622,24 +2684,11 @@
           <a:bodyPr/>
           <a:lstStyle/>
           <a:p>
-            <a:pPr marL="0" marR="0" indent="0" algn="l" defTabSz="914400" rtl="0" eaLnBrk="1" fontAlgn="auto" latinLnBrk="0" hangingPunct="1">
-              <a:lnSpc>
-                <a:spcPct val="100000"/>
-              </a:lnSpc>
-              <a:spcBef>
-                <a:spcPts val="0"/>
-              </a:spcBef>
-              <a:spcAft>
-                <a:spcPts val="0"/>
-              </a:spcAft>
-              <a:buClrTx/>
-              <a:buSzTx/>
+            <a:pPr marL="171450" indent="-171450">
               <a:buFontTx/>
-              <a:buNone/>
-              <a:tabLst/>
-              <a:defRPr/>
+              <a:buChar char="-"/>
             </a:pPr>
-            <a:endParaRPr lang="es-PE" dirty="0"/>
+            <a:endParaRPr lang="es-PE" b="0" baseline="0" noProof="0" dirty="0" smtClean="0"/>
           </a:p>
         </p:txBody>
       </p:sp>
@@ -2740,29 +2789,6 @@
               <a:tabLst/>
               <a:defRPr/>
             </a:pPr>
-            <a:r>
-              <a:rPr lang="es-PE" baseline="0" dirty="0" smtClean="0"/>
-              <a:t>Segundo tratar a la </a:t>
-            </a:r>
-            <a:r>
-              <a:rPr lang="es-PE" baseline="0" dirty="0" err="1" smtClean="0"/>
-              <a:t>Bd</a:t>
-            </a:r>
-            <a:r>
-              <a:rPr lang="es-PE" baseline="0" dirty="0" smtClean="0"/>
-              <a:t> como un componente que también puede ser probado de manera independiente. Es más existen muchos casos en los cuales la BD no se comunica con ninguna </a:t>
-            </a:r>
-            <a:r>
-              <a:rPr lang="es-PE" baseline="0" dirty="0" err="1" smtClean="0"/>
-              <a:t>app</a:t>
-            </a:r>
-            <a:r>
-              <a:rPr lang="es-PE" baseline="0" dirty="0" smtClean="0"/>
-              <a:t> directamente.</a:t>
-            </a:r>
-            <a:endParaRPr lang="es-PE" dirty="0" smtClean="0"/>
-          </a:p>
-          <a:p>
             <a:endParaRPr lang="es-PE" dirty="0"/>
           </a:p>
         </p:txBody>
@@ -2847,15 +2873,24 @@
           <a:bodyPr/>
           <a:lstStyle/>
           <a:p>
-            <a:r>
-              <a:rPr lang="es-PE" noProof="0" dirty="0" smtClean="0"/>
-              <a:t>- En</a:t>
-            </a:r>
-            <a:r>
-              <a:rPr lang="es-PE" baseline="0" noProof="0" dirty="0" smtClean="0"/>
-              <a:t> el caso de Oracle las herramientas </a:t>
-            </a:r>
-            <a:endParaRPr lang="es-PE" noProof="0" dirty="0"/>
+            <a:pPr marL="0" marR="0" indent="0" algn="l" defTabSz="914400" rtl="0" eaLnBrk="1" fontAlgn="auto" latinLnBrk="0" hangingPunct="1">
+              <a:lnSpc>
+                <a:spcPct val="100000"/>
+              </a:lnSpc>
+              <a:spcBef>
+                <a:spcPts val="0"/>
+              </a:spcBef>
+              <a:spcAft>
+                <a:spcPts val="0"/>
+              </a:spcAft>
+              <a:buClrTx/>
+              <a:buSzTx/>
+              <a:buFontTx/>
+              <a:buNone/>
+              <a:tabLst/>
+              <a:defRPr/>
+            </a:pPr>
+            <a:endParaRPr lang="es-PE" dirty="0"/>
           </a:p>
         </p:txBody>
       </p:sp>
@@ -3307,23 +3342,6 @@
           <a:bodyPr/>
           <a:lstStyle/>
           <a:p>
-            <a:pPr marL="0" marR="0" indent="0" algn="l" defTabSz="914400" rtl="0" eaLnBrk="1" fontAlgn="auto" latinLnBrk="0" hangingPunct="1">
-              <a:lnSpc>
-                <a:spcPct val="100000"/>
-              </a:lnSpc>
-              <a:spcBef>
-                <a:spcPts val="0"/>
-              </a:spcBef>
-              <a:spcAft>
-                <a:spcPts val="0"/>
-              </a:spcAft>
-              <a:buClrTx/>
-              <a:buSzTx/>
-              <a:buFontTx/>
-              <a:buNone/>
-              <a:tabLst/>
-              <a:defRPr/>
-            </a:pPr>
             <a:endParaRPr lang="es-PE" dirty="0"/>
           </a:p>
         </p:txBody>
@@ -3408,24 +3426,48 @@
           <a:bodyPr/>
           <a:lstStyle/>
           <a:p>
-            <a:pPr marL="0" marR="0" indent="0" algn="l" defTabSz="914400" rtl="0" eaLnBrk="1" fontAlgn="auto" latinLnBrk="0" hangingPunct="1">
-              <a:lnSpc>
-                <a:spcPct val="100000"/>
-              </a:lnSpc>
-              <a:spcBef>
-                <a:spcPts val="0"/>
-              </a:spcBef>
-              <a:spcAft>
-                <a:spcPts val="0"/>
-              </a:spcAft>
-              <a:buClrTx/>
-              <a:buSzTx/>
-              <a:buFontTx/>
-              <a:buNone/>
-              <a:tabLst/>
-              <a:defRPr/>
-            </a:pPr>
-            <a:endParaRPr lang="es-PE" dirty="0"/>
+            <a:r>
+              <a:rPr lang="es-PE" sz="1200" dirty="0" smtClean="0"/>
+              <a:t>Los </a:t>
+            </a:r>
+            <a:r>
+              <a:rPr lang="es-PE" sz="1200" dirty="0" err="1" smtClean="0"/>
+              <a:t>tests</a:t>
+            </a:r>
+            <a:r>
+              <a:rPr lang="es-PE" sz="1200" dirty="0" smtClean="0"/>
+              <a:t> unitarios no son suficientes, en algún momento el código tendrá que hablar con el mundo exterior.</a:t>
+            </a:r>
+          </a:p>
+          <a:p>
+            <a:r>
+              <a:rPr lang="es-PE" baseline="0" dirty="0" smtClean="0"/>
+              <a:t>-------------------------------------------------------------------------</a:t>
+            </a:r>
+          </a:p>
+          <a:p>
+            <a:r>
+              <a:rPr lang="es-PE" baseline="0" dirty="0" smtClean="0"/>
+              <a:t>Ninguna capa de pruebas es perfecta y si solo dependes de una de ellas tendrás errores en producción.</a:t>
+            </a:r>
+          </a:p>
+          <a:p>
+            <a:endParaRPr lang="es-PE" baseline="0" dirty="0" smtClean="0"/>
+          </a:p>
+          <a:p>
+            <a:r>
+              <a:rPr lang="es-PE" baseline="0" dirty="0" smtClean="0"/>
+              <a:t>Si realizamos pruebas unitarias encontraremos la gran mayoría de errores en el código. Luego si realizamos test de integración (base de datos) encontraremos los restantes.  Luego si realizamos los test de sistema…… test de regresión…..</a:t>
+            </a:r>
+          </a:p>
+          <a:p>
+            <a:endParaRPr lang="es-PE" baseline="0" dirty="0" smtClean="0"/>
+          </a:p>
+          <a:p>
+            <a:r>
+              <a:rPr lang="es-PE" baseline="0" dirty="0" smtClean="0"/>
+              <a:t>Cualquier profesional de seguridad competente sabe que no puede proteger su red si solo se preocupa de los riesgos perimetrales . Tiene que trabajar sobre toda las capas de acceso. Esto mismo es aplicable a las pruebas de software.</a:t>
+            </a:r>
           </a:p>
         </p:txBody>
       </p:sp>
@@ -3509,11 +3551,11 @@
           <a:bodyPr/>
           <a:lstStyle/>
           <a:p>
-            <a:pPr marL="171450" indent="-171450">
+            <a:pPr marL="0" indent="0">
               <a:buFontTx/>
-              <a:buChar char="-"/>
+              <a:buNone/>
             </a:pPr>
-            <a:endParaRPr lang="es-PE" b="0" baseline="0" noProof="0" dirty="0" smtClean="0"/>
+            <a:endParaRPr lang="es-PE" dirty="0"/>
           </a:p>
         </p:txBody>
       </p:sp>
@@ -3637,303 +3679,6 @@
 </p:notes>
 </file>
 
-<file path=ppt/notesSlides/notesSlide34.xml><?xml version="1.0" encoding="utf-8"?>
-<p:notes xmlns:a="http://schemas.openxmlformats.org/drawingml/2006/main" xmlns:r="http://schemas.openxmlformats.org/officeDocument/2006/relationships" xmlns:p="http://schemas.openxmlformats.org/presentationml/2006/main">
-  <p:cSld>
-    <p:spTree>
-      <p:nvGrpSpPr>
-        <p:cNvPr id="1" name=""/>
-        <p:cNvGrpSpPr/>
-        <p:nvPr/>
-      </p:nvGrpSpPr>
-      <p:grpSpPr>
-        <a:xfrm>
-          <a:off x="0" y="0"/>
-          <a:ext cx="0" cy="0"/>
-          <a:chOff x="0" y="0"/>
-          <a:chExt cx="0" cy="0"/>
-        </a:xfrm>
-      </p:grpSpPr>
-      <p:sp>
-        <p:nvSpPr>
-          <p:cNvPr id="2" name="1 Marcador de imagen de diapositiva"/>
-          <p:cNvSpPr>
-            <a:spLocks noGrp="1" noRot="1" noChangeAspect="1"/>
-          </p:cNvSpPr>
-          <p:nvPr>
-            <p:ph type="sldImg"/>
-          </p:nvPr>
-        </p:nvSpPr>
-        <p:spPr/>
-      </p:sp>
-      <p:sp>
-        <p:nvSpPr>
-          <p:cNvPr id="3" name="2 Marcador de notas"/>
-          <p:cNvSpPr>
-            <a:spLocks noGrp="1"/>
-          </p:cNvSpPr>
-          <p:nvPr>
-            <p:ph type="body" idx="1"/>
-          </p:nvPr>
-        </p:nvSpPr>
-        <p:spPr/>
-        <p:txBody>
-          <a:bodyPr/>
-          <a:lstStyle/>
-          <a:p>
-            <a:r>
-              <a:rPr lang="es-PE" sz="1200" dirty="0" smtClean="0"/>
-              <a:t>Los </a:t>
-            </a:r>
-            <a:r>
-              <a:rPr lang="es-PE" sz="1200" dirty="0" err="1" smtClean="0"/>
-              <a:t>tests</a:t>
-            </a:r>
-            <a:r>
-              <a:rPr lang="es-PE" sz="1200" dirty="0" smtClean="0"/>
-              <a:t> unitarios no son suficientes, en algún momento el código tendrá que hablar con el mundo exterior.</a:t>
-            </a:r>
-          </a:p>
-          <a:p>
-            <a:r>
-              <a:rPr lang="es-PE" baseline="0" dirty="0" smtClean="0"/>
-              <a:t>-------------------------------------------------------------------------</a:t>
-            </a:r>
-          </a:p>
-          <a:p>
-            <a:r>
-              <a:rPr lang="es-PE" baseline="0" dirty="0" smtClean="0"/>
-              <a:t>Ninguna capa de pruebas es perfecta y si solo dependes de una de ellas tendrás errores en producción.</a:t>
-            </a:r>
-          </a:p>
-          <a:p>
-            <a:endParaRPr lang="es-PE" baseline="0" dirty="0" smtClean="0"/>
-          </a:p>
-          <a:p>
-            <a:r>
-              <a:rPr lang="es-PE" baseline="0" dirty="0" smtClean="0"/>
-              <a:t>Si realizamos pruebas unitarias encontraremos la gran mayoría de errores en el código. Luego si realizamos test de integración (base de datos) encontraremos los restantes.  Luego si realizamos los test de sistema…… test de regresión…..</a:t>
-            </a:r>
-          </a:p>
-          <a:p>
-            <a:endParaRPr lang="es-PE" baseline="0" dirty="0" smtClean="0"/>
-          </a:p>
-          <a:p>
-            <a:r>
-              <a:rPr lang="es-PE" baseline="0" dirty="0" smtClean="0"/>
-              <a:t>Cualquier profesional de seguridad competente sabe que no puede proteger su red si solo se preocupa de los riesgos perimetrales . Tiene que trabajar sobre toda las capas de acceso. Esto mismo es aplicable a las pruebas de software.</a:t>
-            </a:r>
-          </a:p>
-        </p:txBody>
-      </p:sp>
-      <p:sp>
-        <p:nvSpPr>
-          <p:cNvPr id="4" name="3 Marcador de número de diapositiva"/>
-          <p:cNvSpPr>
-            <a:spLocks noGrp="1"/>
-          </p:cNvSpPr>
-          <p:nvPr>
-            <p:ph type="sldNum" sz="quarter" idx="10"/>
-          </p:nvPr>
-        </p:nvSpPr>
-        <p:spPr/>
-        <p:txBody>
-          <a:bodyPr/>
-          <a:lstStyle/>
-          <a:p>
-            <a:fld id="{80C14895-23C8-45AE-85D5-3B35E5980A68}" type="slidenum">
-              <a:rPr lang="es-PE" smtClean="0"/>
-              <a:t>34</a:t>
-            </a:fld>
-            <a:endParaRPr lang="es-PE"/>
-          </a:p>
-        </p:txBody>
-      </p:sp>
-    </p:spTree>
-    <p:extLst>
-      <p:ext uri="{BB962C8B-B14F-4D97-AF65-F5344CB8AC3E}">
-        <p14:creationId xmlns:p14="http://schemas.microsoft.com/office/powerpoint/2010/main" val="3432092158"/>
-      </p:ext>
-    </p:extLst>
-  </p:cSld>
-  <p:clrMapOvr>
-    <a:masterClrMapping/>
-  </p:clrMapOvr>
-</p:notes>
-</file>
-
-<file path=ppt/notesSlides/notesSlide35.xml><?xml version="1.0" encoding="utf-8"?>
-<p:notes xmlns:a="http://schemas.openxmlformats.org/drawingml/2006/main" xmlns:r="http://schemas.openxmlformats.org/officeDocument/2006/relationships" xmlns:p="http://schemas.openxmlformats.org/presentationml/2006/main">
-  <p:cSld>
-    <p:spTree>
-      <p:nvGrpSpPr>
-        <p:cNvPr id="1" name=""/>
-        <p:cNvGrpSpPr/>
-        <p:nvPr/>
-      </p:nvGrpSpPr>
-      <p:grpSpPr>
-        <a:xfrm>
-          <a:off x="0" y="0"/>
-          <a:ext cx="0" cy="0"/>
-          <a:chOff x="0" y="0"/>
-          <a:chExt cx="0" cy="0"/>
-        </a:xfrm>
-      </p:grpSpPr>
-      <p:sp>
-        <p:nvSpPr>
-          <p:cNvPr id="2" name="1 Marcador de imagen de diapositiva"/>
-          <p:cNvSpPr>
-            <a:spLocks noGrp="1" noRot="1" noChangeAspect="1"/>
-          </p:cNvSpPr>
-          <p:nvPr>
-            <p:ph type="sldImg"/>
-          </p:nvPr>
-        </p:nvSpPr>
-        <p:spPr/>
-      </p:sp>
-      <p:sp>
-        <p:nvSpPr>
-          <p:cNvPr id="3" name="2 Marcador de notas"/>
-          <p:cNvSpPr>
-            <a:spLocks noGrp="1"/>
-          </p:cNvSpPr>
-          <p:nvPr>
-            <p:ph type="body" idx="1"/>
-          </p:nvPr>
-        </p:nvSpPr>
-        <p:spPr/>
-        <p:txBody>
-          <a:bodyPr/>
-          <a:lstStyle/>
-          <a:p>
-            <a:pPr marL="0" indent="0">
-              <a:buFontTx/>
-              <a:buNone/>
-            </a:pPr>
-            <a:endParaRPr lang="es-PE" dirty="0"/>
-          </a:p>
-        </p:txBody>
-      </p:sp>
-      <p:sp>
-        <p:nvSpPr>
-          <p:cNvPr id="4" name="3 Marcador de número de diapositiva"/>
-          <p:cNvSpPr>
-            <a:spLocks noGrp="1"/>
-          </p:cNvSpPr>
-          <p:nvPr>
-            <p:ph type="sldNum" sz="quarter" idx="10"/>
-          </p:nvPr>
-        </p:nvSpPr>
-        <p:spPr/>
-        <p:txBody>
-          <a:bodyPr/>
-          <a:lstStyle/>
-          <a:p>
-            <a:fld id="{80C14895-23C8-45AE-85D5-3B35E5980A68}" type="slidenum">
-              <a:rPr lang="es-PE" smtClean="0"/>
-              <a:t>35</a:t>
-            </a:fld>
-            <a:endParaRPr lang="es-PE"/>
-          </a:p>
-        </p:txBody>
-      </p:sp>
-    </p:spTree>
-    <p:extLst>
-      <p:ext uri="{BB962C8B-B14F-4D97-AF65-F5344CB8AC3E}">
-        <p14:creationId xmlns:p14="http://schemas.microsoft.com/office/powerpoint/2010/main" val="3432092158"/>
-      </p:ext>
-    </p:extLst>
-  </p:cSld>
-  <p:clrMapOvr>
-    <a:masterClrMapping/>
-  </p:clrMapOvr>
-</p:notes>
-</file>
-
-<file path=ppt/notesSlides/notesSlide36.xml><?xml version="1.0" encoding="utf-8"?>
-<p:notes xmlns:a="http://schemas.openxmlformats.org/drawingml/2006/main" xmlns:r="http://schemas.openxmlformats.org/officeDocument/2006/relationships" xmlns:p="http://schemas.openxmlformats.org/presentationml/2006/main">
-  <p:cSld>
-    <p:spTree>
-      <p:nvGrpSpPr>
-        <p:cNvPr id="1" name=""/>
-        <p:cNvGrpSpPr/>
-        <p:nvPr/>
-      </p:nvGrpSpPr>
-      <p:grpSpPr>
-        <a:xfrm>
-          <a:off x="0" y="0"/>
-          <a:ext cx="0" cy="0"/>
-          <a:chOff x="0" y="0"/>
-          <a:chExt cx="0" cy="0"/>
-        </a:xfrm>
-      </p:grpSpPr>
-      <p:sp>
-        <p:nvSpPr>
-          <p:cNvPr id="2" name="1 Marcador de imagen de diapositiva"/>
-          <p:cNvSpPr>
-            <a:spLocks noGrp="1" noRot="1" noChangeAspect="1"/>
-          </p:cNvSpPr>
-          <p:nvPr>
-            <p:ph type="sldImg"/>
-          </p:nvPr>
-        </p:nvSpPr>
-        <p:spPr/>
-      </p:sp>
-      <p:sp>
-        <p:nvSpPr>
-          <p:cNvPr id="3" name="2 Marcador de notas"/>
-          <p:cNvSpPr>
-            <a:spLocks noGrp="1"/>
-          </p:cNvSpPr>
-          <p:nvPr>
-            <p:ph type="body" idx="1"/>
-          </p:nvPr>
-        </p:nvSpPr>
-        <p:spPr/>
-        <p:txBody>
-          <a:bodyPr/>
-          <a:lstStyle/>
-          <a:p>
-            <a:endParaRPr lang="es-PE" dirty="0"/>
-          </a:p>
-        </p:txBody>
-      </p:sp>
-      <p:sp>
-        <p:nvSpPr>
-          <p:cNvPr id="4" name="3 Marcador de número de diapositiva"/>
-          <p:cNvSpPr>
-            <a:spLocks noGrp="1"/>
-          </p:cNvSpPr>
-          <p:nvPr>
-            <p:ph type="sldNum" sz="quarter" idx="10"/>
-          </p:nvPr>
-        </p:nvSpPr>
-        <p:spPr/>
-        <p:txBody>
-          <a:bodyPr/>
-          <a:lstStyle/>
-          <a:p>
-            <a:fld id="{80C14895-23C8-45AE-85D5-3B35E5980A68}" type="slidenum">
-              <a:rPr lang="es-PE" smtClean="0"/>
-              <a:t>36</a:t>
-            </a:fld>
-            <a:endParaRPr lang="es-PE"/>
-          </a:p>
-        </p:txBody>
-      </p:sp>
-    </p:spTree>
-    <p:extLst>
-      <p:ext uri="{BB962C8B-B14F-4D97-AF65-F5344CB8AC3E}">
-        <p14:creationId xmlns:p14="http://schemas.microsoft.com/office/powerpoint/2010/main" val="3432092158"/>
-      </p:ext>
-    </p:extLst>
-  </p:cSld>
-  <p:clrMapOvr>
-    <a:masterClrMapping/>
-  </p:clrMapOvr>
-</p:notes>
-</file>
-
 <file path=ppt/notesSlides/notesSlide4.xml><?xml version="1.0" encoding="utf-8"?>
 <p:notes xmlns:a="http://schemas.openxmlformats.org/drawingml/2006/main" xmlns:r="http://schemas.openxmlformats.org/officeDocument/2006/relationships" xmlns:p="http://schemas.openxmlformats.org/presentationml/2006/main">
   <p:cSld>
@@ -5592,7 +5337,7 @@
             <a:fld id="{807CB568-C05F-482F-9F26-AA302B8892DF}" type="datetimeFigureOut">
               <a:rPr lang="es-ES" smtClean="0"/>
               <a:pPr/>
-              <a:t>09/11/2012</a:t>
+              <a:t>01/02/2013</a:t>
             </a:fld>
             <a:endParaRPr lang="es-ES"/>
           </a:p>
@@ -5771,7 +5516,7 @@
             <a:fld id="{807CB568-C05F-482F-9F26-AA302B8892DF}" type="datetimeFigureOut">
               <a:rPr lang="es-ES" smtClean="0"/>
               <a:pPr/>
-              <a:t>09/11/2012</a:t>
+              <a:t>01/02/2013</a:t>
             </a:fld>
             <a:endParaRPr lang="es-ES"/>
           </a:p>
@@ -5960,7 +5705,7 @@
             <a:fld id="{807CB568-C05F-482F-9F26-AA302B8892DF}" type="datetimeFigureOut">
               <a:rPr lang="es-ES" smtClean="0"/>
               <a:pPr/>
-              <a:t>09/11/2012</a:t>
+              <a:t>01/02/2013</a:t>
             </a:fld>
             <a:endParaRPr lang="es-ES"/>
           </a:p>
@@ -6139,7 +5884,7 @@
             <a:fld id="{807CB568-C05F-482F-9F26-AA302B8892DF}" type="datetimeFigureOut">
               <a:rPr lang="es-ES" smtClean="0"/>
               <a:pPr/>
-              <a:t>09/11/2012</a:t>
+              <a:t>01/02/2013</a:t>
             </a:fld>
             <a:endParaRPr lang="es-ES"/>
           </a:p>
@@ -6394,7 +6139,7 @@
             <a:fld id="{807CB568-C05F-482F-9F26-AA302B8892DF}" type="datetimeFigureOut">
               <a:rPr lang="es-ES" smtClean="0"/>
               <a:pPr/>
-              <a:t>09/11/2012</a:t>
+              <a:t>01/02/2013</a:t>
             </a:fld>
             <a:endParaRPr lang="es-ES"/>
           </a:p>
@@ -6691,7 +6436,7 @@
             <a:fld id="{807CB568-C05F-482F-9F26-AA302B8892DF}" type="datetimeFigureOut">
               <a:rPr lang="es-ES" smtClean="0"/>
               <a:pPr/>
-              <a:t>09/11/2012</a:t>
+              <a:t>01/02/2013</a:t>
             </a:fld>
             <a:endParaRPr lang="es-ES"/>
           </a:p>
@@ -7122,7 +6867,7 @@
             <a:fld id="{807CB568-C05F-482F-9F26-AA302B8892DF}" type="datetimeFigureOut">
               <a:rPr lang="es-ES" smtClean="0"/>
               <a:pPr/>
-              <a:t>09/11/2012</a:t>
+              <a:t>01/02/2013</a:t>
             </a:fld>
             <a:endParaRPr lang="es-ES"/>
           </a:p>
@@ -7249,7 +6994,7 @@
             <a:fld id="{807CB568-C05F-482F-9F26-AA302B8892DF}" type="datetimeFigureOut">
               <a:rPr lang="es-ES" smtClean="0"/>
               <a:pPr/>
-              <a:t>09/11/2012</a:t>
+              <a:t>01/02/2013</a:t>
             </a:fld>
             <a:endParaRPr lang="es-ES"/>
           </a:p>
@@ -7353,7 +7098,7 @@
             <a:fld id="{807CB568-C05F-482F-9F26-AA302B8892DF}" type="datetimeFigureOut">
               <a:rPr lang="es-ES" smtClean="0"/>
               <a:pPr/>
-              <a:t>09/11/2012</a:t>
+              <a:t>01/02/2013</a:t>
             </a:fld>
             <a:endParaRPr lang="es-ES"/>
           </a:p>
@@ -7639,7 +7384,7 @@
             <a:fld id="{807CB568-C05F-482F-9F26-AA302B8892DF}" type="datetimeFigureOut">
               <a:rPr lang="es-ES" smtClean="0"/>
               <a:pPr/>
-              <a:t>09/11/2012</a:t>
+              <a:t>01/02/2013</a:t>
             </a:fld>
             <a:endParaRPr lang="es-ES"/>
           </a:p>
@@ -7908,7 +7653,7 @@
             <a:fld id="{807CB568-C05F-482F-9F26-AA302B8892DF}" type="datetimeFigureOut">
               <a:rPr lang="es-ES" smtClean="0"/>
               <a:pPr/>
-              <a:t>09/11/2012</a:t>
+              <a:t>01/02/2013</a:t>
             </a:fld>
             <a:endParaRPr lang="es-ES"/>
           </a:p>
@@ -8159,7 +7904,7 @@
             <a:fld id="{807CB568-C05F-482F-9F26-AA302B8892DF}" type="datetimeFigureOut">
               <a:rPr lang="es-ES" smtClean="0"/>
               <a:pPr/>
-              <a:t>09/11/2012</a:t>
+              <a:t>01/02/2013</a:t>
             </a:fld>
             <a:endParaRPr lang="es-ES"/>
           </a:p>
@@ -9067,7 +8812,15 @@
                   <a:srgbClr val="00823B"/>
                 </a:solidFill>
               </a:rPr>
-              <a:t>¿ Qué probar ?</a:t>
+              <a:t>Enfoques DB </a:t>
+            </a:r>
+            <a:r>
+              <a:rPr lang="es-PE" dirty="0" err="1" smtClean="0">
+                <a:solidFill>
+                  <a:srgbClr val="00823B"/>
+                </a:solidFill>
+              </a:rPr>
+              <a:t>Testing</a:t>
             </a:r>
             <a:endParaRPr lang="es-PE" dirty="0">
               <a:solidFill>
@@ -9142,7 +8895,7 @@
         </p:nvSpPr>
         <p:spPr>
           <a:xfrm>
-            <a:off x="3641997" y="3843670"/>
+            <a:off x="3641997" y="3861255"/>
             <a:ext cx="1994282" cy="828000"/>
           </a:xfrm>
           <a:prstGeom prst="roundRect">
@@ -9346,8 +9099,8 @@
         </p:nvSpPr>
         <p:spPr>
           <a:xfrm>
-            <a:off x="4196549" y="4048269"/>
-            <a:ext cx="885179" cy="430887"/>
+            <a:off x="3638040" y="3870753"/>
+            <a:ext cx="2030299" cy="769441"/>
           </a:xfrm>
           <a:prstGeom prst="rect">
             <a:avLst/>
@@ -9363,15 +9116,71 @@
           </a:bodyPr>
           <a:lstStyle/>
           <a:p>
-            <a:r>
-              <a:rPr lang="es-PE" sz="2200" b="1" dirty="0" err="1" smtClean="0">
+            <a:pPr algn="ctr"/>
+            <a:r>
+              <a:rPr lang="es-PE" sz="2400" b="1" dirty="0" err="1" smtClean="0">
                 <a:solidFill>
                   <a:srgbClr val="FF0000"/>
                 </a:solidFill>
               </a:rPr>
               <a:t>Inside</a:t>
             </a:r>
-            <a:endParaRPr lang="es-PE" sz="2200" b="1" dirty="0">
+            <a:r>
+              <a:rPr lang="es-PE" sz="2200" b="1" dirty="0" smtClean="0">
+                <a:solidFill>
+                  <a:srgbClr val="FF0000"/>
+                </a:solidFill>
+              </a:rPr>
+              <a:t/>
+            </a:r>
+            <a:br>
+              <a:rPr lang="es-PE" sz="2200" b="1" dirty="0" smtClean="0">
+                <a:solidFill>
+                  <a:srgbClr val="FF0000"/>
+                </a:solidFill>
+              </a:rPr>
+            </a:br>
+            <a:r>
+              <a:rPr lang="es-PE" sz="2000" b="1" dirty="0" smtClean="0">
+                <a:solidFill>
+                  <a:srgbClr val="FF0000"/>
+                </a:solidFill>
+              </a:rPr>
+              <a:t>"</a:t>
+            </a:r>
+            <a:r>
+              <a:rPr lang="es-PE" sz="2000" b="1" dirty="0" err="1" smtClean="0">
+                <a:solidFill>
+                  <a:srgbClr val="FF0000"/>
+                </a:solidFill>
+              </a:rPr>
+              <a:t>Unit</a:t>
+            </a:r>
+            <a:r>
+              <a:rPr lang="es-PE" sz="2000" b="1" dirty="0" smtClean="0">
+                <a:solidFill>
+                  <a:srgbClr val="FF0000"/>
+                </a:solidFill>
+              </a:rPr>
+              <a:t> </a:t>
+            </a:r>
+            <a:r>
+              <a:rPr lang="es-PE" sz="2000" b="1" dirty="0" err="1" smtClean="0">
+                <a:solidFill>
+                  <a:srgbClr val="FF0000"/>
+                </a:solidFill>
+              </a:rPr>
+              <a:t>Testing</a:t>
+            </a:r>
+            <a:r>
+              <a:rPr lang="es-PE" sz="2000" b="1" dirty="0" smtClean="0">
+                <a:solidFill>
+                  <a:srgbClr val="FF0000"/>
+                </a:solidFill>
+              </a:rPr>
+              <a:t>" DB</a:t>
+            </a:r>
+            <a:endParaRPr lang="es-PE" sz="2000" b="1" dirty="0">
               <a:solidFill>
                 <a:srgbClr val="FF0000"/>
               </a:solidFill>
@@ -9387,8 +9196,8 @@
         </p:nvSpPr>
         <p:spPr>
           <a:xfrm>
-            <a:off x="3330960" y="5323855"/>
-            <a:ext cx="2616357" cy="769441"/>
+            <a:off x="1925216" y="5323855"/>
+            <a:ext cx="5427897" cy="769441"/>
           </a:xfrm>
           <a:prstGeom prst="rect">
             <a:avLst/>
@@ -9427,7 +9236,23 @@
                   <a:srgbClr val="FF0000"/>
                 </a:solidFill>
               </a:rPr>
-              <a:t>(Data Access Interface)</a:t>
+              <a:t>"Integration </a:t>
+            </a:r>
+            <a:r>
+              <a:rPr lang="es-PE" sz="2000" b="1" dirty="0" err="1" smtClean="0">
+                <a:solidFill>
+                  <a:srgbClr val="FF0000"/>
+                </a:solidFill>
+              </a:rPr>
+              <a:t>Testing</a:t>
+            </a:r>
+            <a:r>
+              <a:rPr lang="es-PE" sz="2000" b="1" dirty="0" smtClean="0">
+                <a:solidFill>
+                  <a:srgbClr val="FF0000"/>
+                </a:solidFill>
+              </a:rPr>
+              <a:t>" Data Access Interface + DB</a:t>
             </a:r>
             <a:endParaRPr lang="es-PE" sz="2000" b="1" dirty="0">
               <a:solidFill>
@@ -9559,9 +9384,9 @@
         <p:grpSpPr>
           <a:xfrm>
             <a:off x="467544" y="1390716"/>
-            <a:ext cx="3168352" cy="4702580"/>
+            <a:ext cx="3168352" cy="5010357"/>
             <a:chOff x="539552" y="1390716"/>
-            <a:chExt cx="3168352" cy="4702580"/>
+            <a:chExt cx="3168352" cy="5010357"/>
           </a:xfrm>
         </p:grpSpPr>
         <p:sp>
@@ -9835,8 +9660,8 @@
           </p:nvSpPr>
           <p:spPr>
             <a:xfrm>
-              <a:off x="833133" y="5323855"/>
-              <a:ext cx="2616357" cy="769441"/>
+              <a:off x="638369" y="5323855"/>
+              <a:ext cx="3005886" cy="1077218"/>
             </a:xfrm>
             <a:prstGeom prst="rect">
               <a:avLst/>
@@ -9870,18 +9695,60 @@
             <a:p>
               <a:pPr algn="ctr"/>
               <a:r>
+                <a:rPr lang="es-PE" sz="2000" b="1" dirty="0">
+                  <a:solidFill>
+                    <a:srgbClr val="FF0000"/>
+                  </a:solidFill>
+                </a:rPr>
+                <a:t>"Integration </a:t>
+              </a:r>
+              <a:r>
+                <a:rPr lang="es-PE" sz="2000" b="1" dirty="0" err="1">
+                  <a:solidFill>
+                    <a:srgbClr val="FF0000"/>
+                  </a:solidFill>
+                </a:rPr>
+                <a:t>Testing</a:t>
+              </a:r>
+              <a:r>
+                <a:rPr lang="es-PE" sz="2000" b="1" dirty="0">
+                  <a:solidFill>
+                    <a:srgbClr val="FF0000"/>
+                  </a:solidFill>
+                </a:rPr>
+                <a:t>" </a:t>
+              </a:r>
+              <a:r>
                 <a:rPr lang="es-PE" sz="2000" b="1" dirty="0" smtClean="0">
                   <a:solidFill>
                     <a:srgbClr val="FF0000"/>
                   </a:solidFill>
                 </a:rPr>
-                <a:t>(Data Access Interface)</a:t>
+                <a:t/>
               </a:r>
-              <a:endParaRPr lang="es-PE" sz="2000" b="1" dirty="0">
-                <a:solidFill>
-                  <a:srgbClr val="FF0000"/>
-                </a:solidFill>
-              </a:endParaRPr>
+              <a:br>
+                <a:rPr lang="es-PE" sz="2000" b="1" dirty="0" smtClean="0">
+                  <a:solidFill>
+                    <a:srgbClr val="FF0000"/>
+                  </a:solidFill>
+                </a:rPr>
+              </a:br>
+              <a:r>
+                <a:rPr lang="es-PE" sz="2000" b="1" dirty="0" smtClean="0">
+                  <a:solidFill>
+                    <a:srgbClr val="FF0000"/>
+                  </a:solidFill>
+                </a:rPr>
+                <a:t>Data </a:t>
+              </a:r>
+              <a:r>
+                <a:rPr lang="es-PE" sz="2000" b="1" dirty="0">
+                  <a:solidFill>
+                    <a:srgbClr val="FF0000"/>
+                  </a:solidFill>
+                </a:rPr>
+                <a:t>Access Interface + DB</a:t>
+              </a:r>
             </a:p>
           </p:txBody>
         </p:sp>
@@ -10791,14 +10658,50 @@
       </p:grpSpPr>
       <p:sp>
         <p:nvSpPr>
-          <p:cNvPr id="4" name="3 CuadroTexto"/>
+          <p:cNvPr id="3" name="2 Título"/>
+          <p:cNvSpPr>
+            <a:spLocks noGrp="1"/>
+          </p:cNvSpPr>
+          <p:nvPr>
+            <p:ph type="title"/>
+          </p:nvPr>
+        </p:nvSpPr>
+        <p:spPr>
+          <a:xfrm>
+            <a:off x="556805" y="183778"/>
+            <a:ext cx="8229600" cy="724942"/>
+          </a:xfrm>
+        </p:spPr>
+        <p:txBody>
+          <a:bodyPr/>
+          <a:lstStyle/>
+          <a:p>
+            <a:r>
+              <a:rPr lang="es-PE" dirty="0" smtClean="0">
+                <a:solidFill>
+                  <a:srgbClr val="00823B"/>
+                </a:solidFill>
+              </a:rPr>
+              <a:t>Inicializar el estado de la BD</a:t>
+            </a:r>
+            <a:endParaRPr lang="es-PE" dirty="0">
+              <a:solidFill>
+                <a:srgbClr val="00823B"/>
+              </a:solidFill>
+            </a:endParaRPr>
+          </a:p>
+        </p:txBody>
+      </p:sp>
+      <p:sp>
+        <p:nvSpPr>
+          <p:cNvPr id="2" name="1 CuadroTexto"/>
           <p:cNvSpPr txBox="1"/>
           <p:nvPr/>
         </p:nvSpPr>
         <p:spPr>
           <a:xfrm>
-            <a:off x="2710325" y="2567807"/>
-            <a:ext cx="3744038" cy="1200329"/>
+            <a:off x="323528" y="1006517"/>
+            <a:ext cx="8568952" cy="584775"/>
           </a:xfrm>
           <a:prstGeom prst="rect">
             <a:avLst/>
@@ -10806,125 +10709,146 @@
           <a:noFill/>
         </p:spPr>
         <p:txBody>
-          <a:bodyPr wrap="none" rtlCol="0">
+          <a:bodyPr wrap="square" rtlCol="0">
             <a:spAutoFit/>
           </a:bodyPr>
           <a:lstStyle/>
           <a:p>
             <a:pPr algn="ctr"/>
             <a:r>
-              <a:rPr lang="es-PE" sz="3600" dirty="0" smtClean="0">
-                <a:solidFill>
-                  <a:srgbClr val="FFC000"/>
-                </a:solidFill>
-              </a:rPr>
-              <a:t>Inicializar el estado</a:t>
-            </a:r>
-          </a:p>
-          <a:p>
-            <a:pPr algn="ctr"/>
-            <a:r>
-              <a:rPr lang="es-PE" sz="3600" dirty="0" smtClean="0">
-                <a:solidFill>
-                  <a:srgbClr val="FFC000"/>
-                </a:solidFill>
-              </a:rPr>
-              <a:t>de la BD</a:t>
-            </a:r>
-          </a:p>
-        </p:txBody>
-      </p:sp>
-      <p:sp>
-        <p:nvSpPr>
-          <p:cNvPr id="6" name="5 CuadroTexto"/>
-          <p:cNvSpPr txBox="1"/>
+              <a:rPr lang="es-PE" sz="3200" b="1" dirty="0" err="1" smtClean="0">
+                <a:solidFill>
+                  <a:srgbClr val="FF0000"/>
+                </a:solidFill>
+              </a:rPr>
+              <a:t>External</a:t>
+            </a:r>
+            <a:r>
+              <a:rPr lang="es-PE" sz="3200" b="1" dirty="0" smtClean="0">
+                <a:solidFill>
+                  <a:srgbClr val="FF0000"/>
+                </a:solidFill>
+              </a:rPr>
+              <a:t> Data </a:t>
+            </a:r>
+            <a:r>
+              <a:rPr lang="es-PE" sz="3200" b="1" dirty="0" err="1" smtClean="0">
+                <a:solidFill>
+                  <a:srgbClr val="FF0000"/>
+                </a:solidFill>
+              </a:rPr>
+              <a:t>Source</a:t>
+            </a:r>
+            <a:endParaRPr lang="es-PE" sz="3200" b="1" dirty="0" smtClean="0">
+              <a:solidFill>
+                <a:srgbClr val="FF0000"/>
+              </a:solidFill>
+            </a:endParaRPr>
+          </a:p>
+        </p:txBody>
+      </p:sp>
+      <p:sp>
+        <p:nvSpPr>
+          <p:cNvPr id="4" name="3 Rectángulo"/>
+          <p:cNvSpPr/>
           <p:nvPr/>
         </p:nvSpPr>
         <p:spPr>
           <a:xfrm>
-            <a:off x="2757357" y="4007966"/>
-            <a:ext cx="3649974" cy="1077218"/>
+            <a:off x="323528" y="1662644"/>
+            <a:ext cx="8568952" cy="4093428"/>
           </a:xfrm>
           <a:prstGeom prst="rect">
             <a:avLst/>
           </a:prstGeom>
-          <a:noFill/>
         </p:spPr>
         <p:txBody>
-          <a:bodyPr wrap="none" rtlCol="0">
+          <a:bodyPr wrap="square">
             <a:spAutoFit/>
           </a:bodyPr>
           <a:lstStyle/>
           <a:p>
             <a:pPr algn="ctr"/>
             <a:r>
-              <a:rPr lang="es-PE" sz="3200" dirty="0" err="1" smtClean="0"/>
-              <a:t>External</a:t>
-            </a:r>
-            <a:r>
-              <a:rPr lang="es-PE" sz="3200" dirty="0" smtClean="0"/>
-              <a:t> Data </a:t>
-            </a:r>
-            <a:r>
-              <a:rPr lang="es-PE" sz="3200" dirty="0" err="1" smtClean="0"/>
-              <a:t>Source</a:t>
-            </a:r>
-            <a:endParaRPr lang="es-PE" sz="3200" dirty="0" smtClean="0"/>
-          </a:p>
-          <a:p>
-            <a:pPr algn="ctr"/>
-            <a:r>
-              <a:rPr lang="es-PE" sz="3200" dirty="0" err="1" smtClean="0"/>
-              <a:t>Self-Contained</a:t>
-            </a:r>
-            <a:r>
-              <a:rPr lang="es-PE" sz="3200" dirty="0" smtClean="0"/>
-              <a:t> Test</a:t>
-            </a:r>
-            <a:endParaRPr lang="es-PE" sz="3200" dirty="0"/>
-          </a:p>
-        </p:txBody>
-      </p:sp>
-      <p:sp>
-        <p:nvSpPr>
-          <p:cNvPr id="8" name="2 Título"/>
-          <p:cNvSpPr>
-            <a:spLocks noGrp="1"/>
-          </p:cNvSpPr>
-          <p:nvPr>
-            <p:ph type="title"/>
-          </p:nvPr>
-        </p:nvSpPr>
-        <p:spPr>
-          <a:xfrm>
-            <a:off x="467544" y="1140788"/>
-            <a:ext cx="8229600" cy="724942"/>
-          </a:xfrm>
-        </p:spPr>
-        <p:txBody>
-          <a:bodyPr/>
-          <a:lstStyle/>
-          <a:p>
-            <a:r>
-              <a:rPr lang="es-PE" dirty="0" smtClean="0">
-                <a:solidFill>
-                  <a:srgbClr val="00823B"/>
-                </a:solidFill>
-              </a:rPr>
-              <a:t>Patrones para realizar pruebas de Base de Datos</a:t>
-            </a:r>
-            <a:endParaRPr lang="es-PE" dirty="0">
+              <a:rPr lang="es-PE" sz="2600" dirty="0"/>
+              <a:t>Mantener archivos externos con datos que serán cargados cuando sea necesario (Archivos planos, </a:t>
+            </a:r>
+            <a:r>
+              <a:rPr lang="es-PE" sz="2600" dirty="0" smtClean="0"/>
+              <a:t>XML, </a:t>
+            </a:r>
+            <a:r>
+              <a:rPr lang="es-PE" sz="2600" dirty="0" err="1" smtClean="0"/>
+              <a:t>etc</a:t>
+            </a:r>
+            <a:r>
+              <a:rPr lang="es-PE" sz="2600" dirty="0" smtClean="0"/>
+              <a:t>).</a:t>
+            </a:r>
+            <a:endParaRPr lang="es-PE" sz="2600" dirty="0"/>
+          </a:p>
+          <a:p>
+            <a:endParaRPr lang="es-PE" sz="2600" dirty="0" smtClean="0"/>
+          </a:p>
+          <a:p>
+            <a:pPr lvl="1"/>
+            <a:r>
+              <a:rPr lang="es-PE" sz="2600" dirty="0" smtClean="0">
+                <a:solidFill>
+                  <a:srgbClr val="FFC000"/>
+                </a:solidFill>
+              </a:rPr>
+              <a:t>PROS</a:t>
+            </a:r>
+            <a:endParaRPr lang="es-PE" sz="2600" dirty="0">
               <a:solidFill>
-                <a:srgbClr val="00823B"/>
+                <a:srgbClr val="FFC000"/>
               </a:solidFill>
             </a:endParaRPr>
+          </a:p>
+          <a:p>
+            <a:pPr marL="800100" lvl="1" indent="-342900">
+              <a:buFont typeface="Courier New" pitchFamily="49" charset="0"/>
+              <a:buChar char="o"/>
+            </a:pPr>
+            <a:r>
+              <a:rPr lang="es-PE" sz="2600" dirty="0" smtClean="0"/>
+              <a:t>Reutilizar un misma fuente de datos en diferentes pruebas.</a:t>
+            </a:r>
+            <a:endParaRPr lang="es-PE" sz="2600" dirty="0"/>
+          </a:p>
+          <a:p>
+            <a:pPr lvl="1"/>
+            <a:endParaRPr lang="es-PE" sz="2600" dirty="0" smtClean="0"/>
+          </a:p>
+          <a:p>
+            <a:pPr lvl="1"/>
+            <a:r>
+              <a:rPr lang="es-PE" sz="2600" dirty="0" smtClean="0">
+                <a:solidFill>
+                  <a:srgbClr val="FFC000"/>
+                </a:solidFill>
+              </a:rPr>
+              <a:t>CONS</a:t>
+            </a:r>
+          </a:p>
+          <a:p>
+            <a:pPr marL="800100" lvl="1" indent="-342900">
+              <a:buFont typeface="Courier New" pitchFamily="49" charset="0"/>
+              <a:buChar char="o"/>
+            </a:pPr>
+            <a:r>
+              <a:rPr lang="es-PE" sz="2600" dirty="0" smtClean="0"/>
+              <a:t>El mantenimiento de la pruebas es más difícil ya que también se tienen que mantener los archivos externos.</a:t>
+            </a:r>
+            <a:endParaRPr lang="es-PE" sz="2600" dirty="0"/>
           </a:p>
         </p:txBody>
       </p:sp>
     </p:spTree>
     <p:extLst>
       <p:ext uri="{BB962C8B-B14F-4D97-AF65-F5344CB8AC3E}">
-        <p14:creationId xmlns:p14="http://schemas.microsoft.com/office/powerpoint/2010/main" val="2897537488"/>
+        <p14:creationId xmlns:p14="http://schemas.microsoft.com/office/powerpoint/2010/main" val="3988626005"/>
       </p:ext>
     </p:extLst>
   </p:cSld>
@@ -11057,8 +10981,8 @@
         </p:nvSpPr>
         <p:spPr>
           <a:xfrm>
-            <a:off x="323528" y="1662644"/>
-            <a:ext cx="8568952" cy="4093428"/>
+            <a:off x="323528" y="1711836"/>
+            <a:ext cx="8568952" cy="3293209"/>
           </a:xfrm>
           <a:prstGeom prst="rect">
             <a:avLst/>
@@ -11070,78 +10994,205 @@
           </a:bodyPr>
           <a:lstStyle/>
           <a:p>
-            <a:pPr algn="ctr"/>
+            <a:pPr lvl="1" indent="-457200">
+              <a:buFont typeface="Arial" pitchFamily="34" charset="0"/>
+              <a:buChar char="•"/>
+            </a:pPr>
+            <a:r>
+              <a:rPr lang="es-PE" sz="2600" dirty="0" smtClean="0"/>
+              <a:t>Se </a:t>
+            </a:r>
             <a:r>
               <a:rPr lang="es-PE" sz="2600" dirty="0"/>
-              <a:t>Mantener archivos externos con datos que serán cargados cuando sea necesario (Archivos planos, </a:t>
+              <a:t>necesita una organización para los </a:t>
             </a:r>
             <a:r>
               <a:rPr lang="es-PE" sz="2600" dirty="0" smtClean="0"/>
-              <a:t>XML, </a:t>
+              <a:t>data </a:t>
             </a:r>
             <a:r>
               <a:rPr lang="es-PE" sz="2600" dirty="0" err="1" smtClean="0"/>
-              <a:t>etc</a:t>
+              <a:t>sources</a:t>
             </a:r>
             <a:r>
               <a:rPr lang="es-PE" sz="2600" dirty="0" smtClean="0"/>
-              <a:t>).</a:t>
-            </a:r>
-            <a:endParaRPr lang="es-PE" sz="2600" dirty="0"/>
-          </a:p>
-          <a:p>
-            <a:endParaRPr lang="es-PE" sz="2600" dirty="0" smtClean="0"/>
-          </a:p>
-          <a:p>
-            <a:pPr lvl="1"/>
-            <a:r>
-              <a:rPr lang="es-PE" sz="2600" dirty="0" smtClean="0">
-                <a:solidFill>
-                  <a:srgbClr val="FFC000"/>
-                </a:solidFill>
-              </a:rPr>
-              <a:t>PROS</a:t>
-            </a:r>
-            <a:endParaRPr lang="es-PE" sz="2600" dirty="0">
-              <a:solidFill>
-                <a:srgbClr val="FFC000"/>
-              </a:solidFill>
-            </a:endParaRPr>
-          </a:p>
-          <a:p>
-            <a:pPr marL="800100" lvl="1" indent="-342900">
+              <a:t>:</a:t>
+            </a:r>
+          </a:p>
+          <a:p>
+            <a:pPr lvl="2" indent="-457200">
               <a:buFont typeface="Courier New" pitchFamily="49" charset="0"/>
               <a:buChar char="o"/>
             </a:pPr>
             <a:r>
               <a:rPr lang="es-PE" sz="2600" dirty="0" smtClean="0"/>
-              <a:t>Reutilizar un misma fuente de datos en diferentes pruebas.</a:t>
-            </a:r>
-            <a:endParaRPr lang="es-PE" sz="2600" dirty="0"/>
-          </a:p>
-          <a:p>
-            <a:pPr lvl="1"/>
+              <a:t>Data </a:t>
+            </a:r>
+            <a:r>
+              <a:rPr lang="es-PE" sz="2600" dirty="0" err="1" smtClean="0"/>
+              <a:t>Source</a:t>
+            </a:r>
+            <a:r>
+              <a:rPr lang="es-PE" sz="2600" dirty="0" smtClean="0"/>
+              <a:t> x </a:t>
+            </a:r>
+            <a:r>
+              <a:rPr lang="es-PE" sz="2600" dirty="0" err="1" smtClean="0"/>
+              <a:t>Entire</a:t>
+            </a:r>
+            <a:r>
+              <a:rPr lang="es-PE" sz="2600" dirty="0" smtClean="0"/>
+              <a:t> </a:t>
+            </a:r>
+            <a:r>
+              <a:rPr lang="es-PE" sz="2600" dirty="0" err="1" smtClean="0"/>
+              <a:t>Application</a:t>
+            </a:r>
             <a:endParaRPr lang="es-PE" sz="2600" dirty="0" smtClean="0"/>
           </a:p>
           <a:p>
-            <a:pPr lvl="1"/>
-            <a:r>
-              <a:rPr lang="es-PE" sz="2600" dirty="0" smtClean="0">
-                <a:solidFill>
-                  <a:srgbClr val="FFC000"/>
-                </a:solidFill>
-              </a:rPr>
-              <a:t>CONS</a:t>
-            </a:r>
-          </a:p>
-          <a:p>
-            <a:pPr marL="800100" lvl="1" indent="-342900">
+            <a:pPr lvl="2" indent="-457200">
               <a:buFont typeface="Courier New" pitchFamily="49" charset="0"/>
               <a:buChar char="o"/>
             </a:pPr>
             <a:r>
               <a:rPr lang="es-PE" sz="2600" dirty="0" smtClean="0"/>
-              <a:t>El mantenimiento de la pruebas es más difícil ya que también se tienen que mantener los archivos externos.</a:t>
+              <a:t>Data </a:t>
+            </a:r>
+            <a:r>
+              <a:rPr lang="es-PE" sz="2600" dirty="0" err="1" smtClean="0"/>
+              <a:t>Source</a:t>
+            </a:r>
+            <a:r>
+              <a:rPr lang="es-PE" sz="2600" dirty="0" smtClean="0"/>
+              <a:t> x Data Access </a:t>
+            </a:r>
+            <a:r>
+              <a:rPr lang="es-PE" sz="2600" dirty="0" err="1" smtClean="0"/>
+              <a:t>Object</a:t>
+            </a:r>
+            <a:r>
+              <a:rPr lang="es-PE" sz="2600" dirty="0" smtClean="0"/>
+              <a:t>.</a:t>
+            </a:r>
+          </a:p>
+          <a:p>
+            <a:pPr lvl="2" indent="-457200">
+              <a:buFont typeface="Courier New" pitchFamily="49" charset="0"/>
+              <a:buChar char="o"/>
+            </a:pPr>
+            <a:r>
+              <a:rPr lang="es-PE" sz="2600" dirty="0" smtClean="0"/>
+              <a:t>Data </a:t>
+            </a:r>
+            <a:r>
+              <a:rPr lang="es-PE" sz="2600" dirty="0" err="1" smtClean="0"/>
+              <a:t>Source</a:t>
+            </a:r>
+            <a:r>
+              <a:rPr lang="es-PE" sz="2600" dirty="0" smtClean="0"/>
+              <a:t> x </a:t>
+            </a:r>
+            <a:r>
+              <a:rPr lang="es-PE" sz="2600" dirty="0" err="1" smtClean="0"/>
+              <a:t>Feature</a:t>
+            </a:r>
+            <a:r>
+              <a:rPr lang="es-PE" sz="2600" dirty="0"/>
+              <a:t> (</a:t>
+            </a:r>
+            <a:r>
+              <a:rPr lang="es-PE" sz="2600" dirty="0" err="1"/>
+              <a:t>System</a:t>
+            </a:r>
+            <a:r>
+              <a:rPr lang="es-PE" sz="2600" dirty="0"/>
+              <a:t> </a:t>
+            </a:r>
+            <a:r>
+              <a:rPr lang="es-PE" sz="2600" dirty="0" err="1"/>
+              <a:t>Testing</a:t>
+            </a:r>
+            <a:r>
+              <a:rPr lang="es-PE" sz="2600" dirty="0" smtClean="0"/>
+              <a:t>).</a:t>
+            </a:r>
+          </a:p>
+          <a:p>
+            <a:pPr lvl="2" indent="-457200">
+              <a:buFont typeface="Courier New" pitchFamily="49" charset="0"/>
+              <a:buChar char="o"/>
+            </a:pPr>
+            <a:r>
+              <a:rPr lang="es-PE" sz="2600" dirty="0" smtClean="0"/>
+              <a:t>Data </a:t>
+            </a:r>
+            <a:r>
+              <a:rPr lang="es-PE" sz="2600" dirty="0" err="1" smtClean="0"/>
+              <a:t>Source</a:t>
+            </a:r>
+            <a:r>
+              <a:rPr lang="es-PE" sz="2600" dirty="0" smtClean="0"/>
+              <a:t> x </a:t>
+            </a:r>
+            <a:r>
+              <a:rPr lang="es-PE" sz="2600" dirty="0" err="1" smtClean="0"/>
+              <a:t>Jouney</a:t>
+            </a:r>
+            <a:r>
+              <a:rPr lang="es-PE" sz="2600" dirty="0"/>
+              <a:t> </a:t>
+            </a:r>
+            <a:r>
+              <a:rPr lang="es-PE" sz="2600" dirty="0" smtClean="0"/>
+              <a:t>(</a:t>
+            </a:r>
+            <a:r>
+              <a:rPr lang="es-PE" sz="2600" dirty="0" err="1" smtClean="0"/>
+              <a:t>System</a:t>
+            </a:r>
+            <a:r>
+              <a:rPr lang="es-PE" sz="2600" dirty="0" smtClean="0"/>
+              <a:t> </a:t>
+            </a:r>
+            <a:r>
+              <a:rPr lang="es-PE" sz="2600" dirty="0" err="1" smtClean="0"/>
+              <a:t>Testing</a:t>
+            </a:r>
+            <a:r>
+              <a:rPr lang="es-PE" sz="2600" dirty="0" smtClean="0"/>
+              <a:t>).</a:t>
+            </a:r>
+          </a:p>
+          <a:p>
+            <a:pPr lvl="1" indent="-457200">
+              <a:buFont typeface="Arial" pitchFamily="34" charset="0"/>
+              <a:buChar char="•"/>
+            </a:pPr>
+            <a:endParaRPr lang="es-PE" sz="2600" dirty="0"/>
+          </a:p>
+          <a:p>
+            <a:pPr marL="457200" indent="-457200">
+              <a:buFont typeface="Arial" pitchFamily="34" charset="0"/>
+              <a:buChar char="•"/>
+            </a:pPr>
+            <a:r>
+              <a:rPr lang="es-PE" sz="2600" dirty="0" smtClean="0"/>
+              <a:t>Herramientas:</a:t>
+            </a:r>
+          </a:p>
+          <a:p>
+            <a:pPr marL="914400" lvl="1" indent="-457200">
+              <a:buFont typeface="Courier New" pitchFamily="49" charset="0"/>
+              <a:buChar char="o"/>
+            </a:pPr>
+            <a:r>
+              <a:rPr lang="es-PE" sz="2600" dirty="0" err="1" smtClean="0"/>
+              <a:t>NDbUnit</a:t>
+            </a:r>
+            <a:r>
+              <a:rPr lang="es-PE" sz="2600" dirty="0" smtClean="0"/>
+              <a:t>: archivos XML.</a:t>
             </a:r>
             <a:endParaRPr lang="es-PE" sz="2600" dirty="0"/>
           </a:p>
@@ -11150,7 +11201,7 @@
     </p:spTree>
     <p:extLst>
       <p:ext uri="{BB962C8B-B14F-4D97-AF65-F5344CB8AC3E}">
-        <p14:creationId xmlns:p14="http://schemas.microsoft.com/office/powerpoint/2010/main" val="3988626005"/>
+        <p14:creationId xmlns:p14="http://schemas.microsoft.com/office/powerpoint/2010/main" val="2448323735"/>
       </p:ext>
     </p:extLst>
   </p:cSld>
@@ -11210,7 +11261,7 @@
                   <a:srgbClr val="00823B"/>
                 </a:solidFill>
               </a:rPr>
-              <a:t>Inicializar el estado de la BD</a:t>
+              <a:t>Inicializar y Restablecer la BD</a:t>
             </a:r>
             <a:endParaRPr lang="es-PE" dirty="0">
               <a:solidFill>
@@ -11249,7 +11300,7 @@
                   <a:srgbClr val="FF0000"/>
                 </a:solidFill>
               </a:rPr>
-              <a:t>External</a:t>
+              <a:t>Nuke</a:t>
             </a:r>
             <a:r>
               <a:rPr lang="es-PE" sz="3200" b="1" dirty="0" smtClean="0">
@@ -11257,7 +11308,7 @@
                   <a:srgbClr val="FF0000"/>
                 </a:solidFill>
               </a:rPr>
-              <a:t> Data </a:t>
+              <a:t> and </a:t>
             </a:r>
             <a:r>
               <a:rPr lang="es-PE" sz="3200" b="1" dirty="0" err="1" smtClean="0">
@@ -11265,7 +11316,7 @@
                   <a:srgbClr val="FF0000"/>
                 </a:solidFill>
               </a:rPr>
-              <a:t>Source</a:t>
+              <a:t>Pave</a:t>
             </a:r>
             <a:endParaRPr lang="es-PE" sz="3200" b="1" dirty="0" smtClean="0">
               <a:solidFill>
@@ -11283,8 +11334,8 @@
         </p:nvSpPr>
         <p:spPr>
           <a:xfrm>
-            <a:off x="323528" y="1711836"/>
-            <a:ext cx="8568952" cy="2893100"/>
+            <a:off x="431540" y="2636912"/>
+            <a:ext cx="8352928" cy="3293209"/>
           </a:xfrm>
           <a:prstGeom prst="rect">
             <a:avLst/>
@@ -11296,149 +11347,71 @@
           </a:bodyPr>
           <a:lstStyle/>
           <a:p>
-            <a:pPr lvl="1" indent="-457200">
-              <a:buFont typeface="Arial" pitchFamily="34" charset="0"/>
-              <a:buChar char="•"/>
-            </a:pPr>
-            <a:r>
-              <a:rPr lang="es-PE" sz="2600" dirty="0" smtClean="0"/>
-              <a:t>Se </a:t>
-            </a:r>
-            <a:r>
-              <a:rPr lang="es-PE" sz="2600" dirty="0"/>
-              <a:t>necesita una organización para los </a:t>
-            </a:r>
-            <a:r>
-              <a:rPr lang="es-PE" sz="2600" dirty="0" smtClean="0"/>
-              <a:t>data </a:t>
-            </a:r>
-            <a:r>
-              <a:rPr lang="es-PE" sz="2600" dirty="0" err="1" smtClean="0"/>
-              <a:t>sources</a:t>
-            </a:r>
-            <a:r>
-              <a:rPr lang="es-PE" sz="2600" dirty="0" smtClean="0"/>
-              <a:t>:</a:t>
-            </a:r>
-          </a:p>
-          <a:p>
-            <a:pPr lvl="2" indent="-457200">
+            <a:pPr lvl="1"/>
+            <a:r>
+              <a:rPr lang="es-PE" sz="2600" dirty="0" smtClean="0">
+                <a:solidFill>
+                  <a:srgbClr val="FFC000"/>
+                </a:solidFill>
+              </a:rPr>
+              <a:t>PROS</a:t>
+            </a:r>
+          </a:p>
+          <a:p>
+            <a:pPr marL="800100" lvl="1" indent="-342900">
               <a:buFont typeface="Courier New" pitchFamily="49" charset="0"/>
               <a:buChar char="o"/>
             </a:pPr>
             <a:r>
               <a:rPr lang="es-PE" sz="2600" dirty="0" smtClean="0"/>
-              <a:t>Data </a:t>
-            </a:r>
-            <a:r>
-              <a:rPr lang="es-PE" sz="2600" dirty="0" err="1" smtClean="0"/>
-              <a:t>Source</a:t>
-            </a:r>
-            <a:r>
-              <a:rPr lang="es-PE" sz="2600" dirty="0" smtClean="0"/>
-              <a:t> x Data Access </a:t>
-            </a:r>
-            <a:r>
-              <a:rPr lang="es-PE" sz="2600" dirty="0" err="1" smtClean="0"/>
-              <a:t>Object</a:t>
-            </a:r>
-            <a:r>
-              <a:rPr lang="es-PE" sz="2600" dirty="0" smtClean="0"/>
-              <a:t>.</a:t>
-            </a:r>
-          </a:p>
-          <a:p>
-            <a:pPr lvl="2" indent="-457200">
+              <a:t>Fácil de implementar.</a:t>
+            </a:r>
+          </a:p>
+          <a:p>
+            <a:pPr marL="800100" lvl="1" indent="-342900">
               <a:buFont typeface="Courier New" pitchFamily="49" charset="0"/>
               <a:buChar char="o"/>
             </a:pPr>
-            <a:r>
-              <a:rPr lang="es-PE" sz="2600" dirty="0" smtClean="0"/>
-              <a:t>Data </a:t>
-            </a:r>
-            <a:r>
-              <a:rPr lang="es-PE" sz="2600" dirty="0" err="1" smtClean="0"/>
-              <a:t>Source</a:t>
-            </a:r>
-            <a:r>
-              <a:rPr lang="es-PE" sz="2600" dirty="0" smtClean="0"/>
-              <a:t> x </a:t>
-            </a:r>
-            <a:r>
-              <a:rPr lang="es-PE" sz="2600" dirty="0" err="1" smtClean="0"/>
-              <a:t>Feature</a:t>
-            </a:r>
-            <a:r>
-              <a:rPr lang="es-PE" sz="2600" dirty="0"/>
-              <a:t> (</a:t>
-            </a:r>
-            <a:r>
-              <a:rPr lang="es-PE" sz="2600" dirty="0" err="1"/>
-              <a:t>System</a:t>
-            </a:r>
-            <a:r>
-              <a:rPr lang="es-PE" sz="2600" dirty="0"/>
-              <a:t> </a:t>
-            </a:r>
-            <a:r>
-              <a:rPr lang="es-PE" sz="2600" dirty="0" err="1"/>
-              <a:t>Testing</a:t>
-            </a:r>
-            <a:r>
-              <a:rPr lang="es-PE" sz="2600" dirty="0" smtClean="0"/>
-              <a:t>).</a:t>
-            </a:r>
-          </a:p>
-          <a:p>
-            <a:pPr lvl="2" indent="-457200">
+            <a:endParaRPr lang="es-PE" sz="2600" dirty="0" smtClean="0"/>
+          </a:p>
+          <a:p>
+            <a:pPr lvl="1"/>
+            <a:r>
+              <a:rPr lang="es-PE" sz="2600" dirty="0" smtClean="0">
+                <a:solidFill>
+                  <a:srgbClr val="FFC000"/>
+                </a:solidFill>
+              </a:rPr>
+              <a:t>CONS</a:t>
+            </a:r>
+            <a:endParaRPr lang="es-PE" sz="2600" dirty="0">
+              <a:solidFill>
+                <a:srgbClr val="FFC000"/>
+              </a:solidFill>
+            </a:endParaRPr>
+          </a:p>
+          <a:p>
+            <a:pPr marL="800100" lvl="1" indent="-342900">
               <a:buFont typeface="Courier New" pitchFamily="49" charset="0"/>
               <a:buChar char="o"/>
             </a:pPr>
             <a:r>
               <a:rPr lang="es-PE" sz="2600" dirty="0" smtClean="0"/>
-              <a:t>Data </a:t>
-            </a:r>
-            <a:r>
-              <a:rPr lang="es-PE" sz="2600" dirty="0" err="1" smtClean="0"/>
-              <a:t>Source</a:t>
+              <a:t>Gran impacto </a:t>
+            </a:r>
+            <a:r>
+              <a:rPr lang="es-PE" sz="2600" dirty="0"/>
+              <a:t>en el tiempo de ejecución de </a:t>
             </a:r>
             <a:r>
               <a:rPr lang="es-PE" sz="2600" dirty="0" smtClean="0"/>
-              <a:t> x </a:t>
-            </a:r>
-            <a:r>
-              <a:rPr lang="es-PE" sz="2600" dirty="0" err="1" smtClean="0"/>
-              <a:t>Jouney</a:t>
-            </a:r>
-            <a:r>
-              <a:rPr lang="es-PE" sz="2600" dirty="0"/>
-              <a:t> </a:t>
-            </a:r>
-            <a:r>
-              <a:rPr lang="es-PE" sz="2600" dirty="0" smtClean="0"/>
-              <a:t>(</a:t>
-            </a:r>
-            <a:r>
-              <a:rPr lang="es-PE" sz="2600" dirty="0" err="1" smtClean="0"/>
-              <a:t>System</a:t>
-            </a:r>
-            <a:r>
-              <a:rPr lang="es-PE" sz="2600" dirty="0" smtClean="0"/>
-              <a:t> </a:t>
-            </a:r>
-            <a:r>
-              <a:rPr lang="es-PE" sz="2600" dirty="0" err="1" smtClean="0"/>
-              <a:t>Testing</a:t>
-            </a:r>
-            <a:r>
-              <a:rPr lang="es-PE" sz="2600" dirty="0" smtClean="0"/>
-              <a:t>).</a:t>
-            </a:r>
-          </a:p>
-          <a:p>
-            <a:pPr lvl="1" indent="-457200">
-              <a:buFont typeface="Arial" pitchFamily="34" charset="0"/>
-              <a:buChar char="•"/>
+              <a:t>la prueba. (poco escalable si existen muchas pruebas y datos)</a:t>
+            </a:r>
+          </a:p>
+          <a:p>
+            <a:pPr marL="800100" lvl="1" indent="-342900">
+              <a:buFont typeface="Courier New" pitchFamily="49" charset="0"/>
+              <a:buChar char="o"/>
             </a:pPr>
             <a:endParaRPr lang="es-PE" sz="2600" dirty="0"/>
           </a:p>
@@ -11447,23 +11420,58 @@
               <a:buFont typeface="Arial" pitchFamily="34" charset="0"/>
               <a:buChar char="•"/>
             </a:pPr>
+            <a:endParaRPr lang="es-PE" sz="2600" dirty="0" smtClean="0"/>
+          </a:p>
+        </p:txBody>
+      </p:sp>
+      <p:sp>
+        <p:nvSpPr>
+          <p:cNvPr id="6" name="5 Rectángulo"/>
+          <p:cNvSpPr/>
+          <p:nvPr/>
+        </p:nvSpPr>
+        <p:spPr>
+          <a:xfrm>
+            <a:off x="323528" y="1600344"/>
+            <a:ext cx="8568000" cy="892552"/>
+          </a:xfrm>
+          <a:prstGeom prst="rect">
+            <a:avLst/>
+          </a:prstGeom>
+        </p:spPr>
+        <p:txBody>
+          <a:bodyPr wrap="square">
+            <a:spAutoFit/>
+          </a:bodyPr>
+          <a:lstStyle/>
+          <a:p>
+            <a:pPr algn="ctr"/>
+            <a:r>
+              <a:rPr lang="es-PE" sz="2600" dirty="0"/>
+              <a:t>Antes de cada prueba </a:t>
+            </a:r>
             <a:r>
               <a:rPr lang="es-PE" sz="2600" dirty="0" smtClean="0"/>
-              <a:t>Herramientas:</a:t>
-            </a:r>
-          </a:p>
-          <a:p>
-            <a:pPr marL="914400" lvl="1" indent="-457200">
-              <a:buFont typeface="Courier New" pitchFamily="49" charset="0"/>
-              <a:buChar char="o"/>
-            </a:pPr>
-            <a:r>
-              <a:rPr lang="es-PE" sz="2600" dirty="0" err="1" smtClean="0"/>
-              <a:t>NDbUnit</a:t>
-            </a:r>
-            <a:r>
+              <a:t>eliminar todo y volverlo a crear. </a:t>
+            </a:r>
+            <a:br>
               <a:rPr lang="es-PE" sz="2600" dirty="0" smtClean="0"/>
-              <a:t>: archivos XML.</a:t>
+            </a:br>
+            <a:r>
+              <a:rPr lang="es-PE" sz="2600" dirty="0"/>
+              <a:t>(tablas + </a:t>
+            </a:r>
+            <a:r>
+              <a:rPr lang="es-PE" sz="2600" dirty="0" smtClean="0"/>
+              <a:t>datos, </a:t>
+            </a:r>
+            <a:r>
+              <a:rPr lang="es-PE" sz="2600" dirty="0"/>
+              <a:t>solo </a:t>
+            </a:r>
+            <a:r>
+              <a:rPr lang="es-PE" sz="2600" dirty="0" smtClean="0"/>
+              <a:t>datos)</a:t>
             </a:r>
             <a:endParaRPr lang="es-PE" sz="2600" dirty="0"/>
           </a:p>
@@ -11472,7 +11480,7 @@
     </p:spTree>
     <p:extLst>
       <p:ext uri="{BB962C8B-B14F-4D97-AF65-F5344CB8AC3E}">
-        <p14:creationId xmlns:p14="http://schemas.microsoft.com/office/powerpoint/2010/main" val="2448323735"/>
+        <p14:creationId xmlns:p14="http://schemas.microsoft.com/office/powerpoint/2010/main" val="1758697698"/>
       </p:ext>
     </p:extLst>
   </p:cSld>
@@ -11532,7 +11540,7 @@
                   <a:srgbClr val="00823B"/>
                 </a:solidFill>
               </a:rPr>
-              <a:t>Inicializar el estado de la BD</a:t>
+              <a:t>Inicializar y Restablecer la BD</a:t>
             </a:r>
             <a:endParaRPr lang="es-PE" dirty="0">
               <a:solidFill>
@@ -11571,7 +11579,7 @@
                   <a:srgbClr val="FF0000"/>
                 </a:solidFill>
               </a:rPr>
-              <a:t>Self-Contained</a:t>
+              <a:t>Nuke</a:t>
             </a:r>
             <a:r>
               <a:rPr lang="es-PE" sz="3200" b="1" dirty="0" smtClean="0">
@@ -11579,7 +11587,7 @@
                   <a:srgbClr val="FF0000"/>
                 </a:solidFill>
               </a:rPr>
-              <a:t> </a:t>
+              <a:t> and </a:t>
             </a:r>
             <a:r>
               <a:rPr lang="es-PE" sz="3200" b="1" dirty="0" err="1" smtClean="0">
@@ -11587,7 +11595,7 @@
                   <a:srgbClr val="FF0000"/>
                 </a:solidFill>
               </a:rPr>
-              <a:t>Tests</a:t>
+              <a:t>Pave</a:t>
             </a:r>
             <a:endParaRPr lang="es-PE" sz="3200" b="1" dirty="0" smtClean="0">
               <a:solidFill>
@@ -11599,14 +11607,14 @@
       </p:sp>
       <p:sp>
         <p:nvSpPr>
-          <p:cNvPr id="4" name="3 Rectángulo"/>
+          <p:cNvPr id="7" name="6 Rectángulo"/>
           <p:cNvSpPr/>
           <p:nvPr/>
         </p:nvSpPr>
         <p:spPr>
           <a:xfrm>
-            <a:off x="323528" y="1662644"/>
-            <a:ext cx="8568952" cy="4093428"/>
+            <a:off x="323528" y="1711836"/>
+            <a:ext cx="8568952" cy="4493538"/>
           </a:xfrm>
           <a:prstGeom prst="rect">
             <a:avLst/>
@@ -11618,92 +11626,118 @@
           </a:bodyPr>
           <a:lstStyle/>
           <a:p>
-            <a:pPr algn="ctr"/>
-            <a:r>
-              <a:rPr lang="es-PE" sz="2600" dirty="0"/>
-              <a:t>Cada </a:t>
-            </a:r>
+            <a:pPr marL="457200" indent="-457200">
+              <a:buFont typeface="Arial" pitchFamily="34" charset="0"/>
+              <a:buChar char="•"/>
+            </a:pPr>
             <a:r>
               <a:rPr lang="es-PE" sz="2600" dirty="0" smtClean="0"/>
-              <a:t>prueba, </a:t>
-            </a:r>
-            <a:r>
-              <a:rPr lang="es-PE" sz="2600" dirty="0"/>
-              <a:t>por si </a:t>
-            </a:r>
-            <a:r>
-              <a:rPr lang="es-PE" sz="2600" dirty="0" smtClean="0"/>
-              <a:t>misma y de manera interna, inicializa la BD en un estado conocido.</a:t>
-            </a:r>
-            <a:endParaRPr lang="es-PE" sz="2600" dirty="0"/>
-          </a:p>
-          <a:p>
-            <a:endParaRPr lang="es-PE" sz="2600" dirty="0"/>
-          </a:p>
-          <a:p>
-            <a:pPr lvl="1"/>
-            <a:r>
-              <a:rPr lang="es-PE" sz="2600" dirty="0" smtClean="0">
-                <a:solidFill>
-                  <a:srgbClr val="FFC000"/>
-                </a:solidFill>
-              </a:rPr>
-              <a:t>PROS</a:t>
-            </a:r>
-          </a:p>
-          <a:p>
-            <a:pPr marL="800100" lvl="1" indent="-342900">
+              <a:t>Herramientas:</a:t>
+            </a:r>
+          </a:p>
+          <a:p>
+            <a:pPr marL="914400" lvl="1" indent="-457200">
               <a:buFont typeface="Courier New" pitchFamily="49" charset="0"/>
               <a:buChar char="o"/>
             </a:pPr>
             <a:r>
+              <a:rPr lang="es-PE" sz="2600" dirty="0" err="1" smtClean="0"/>
+              <a:t>NDBUnit</a:t>
+            </a:r>
+            <a:r>
               <a:rPr lang="es-PE" sz="2600" dirty="0" smtClean="0"/>
-              <a:t>Menor </a:t>
-            </a:r>
-            <a:r>
-              <a:rPr lang="es-PE" sz="2600" dirty="0"/>
-              <a:t>impacto en el tiempo de ejecución de las pruebas en comparación a las otras estrategias </a:t>
-            </a:r>
+              <a:t>: Permite eliminar todos los datos de las tablas antes de realizar las inserciones.</a:t>
+            </a:r>
+          </a:p>
+          <a:p>
+            <a:pPr marL="914400" lvl="1" indent="-457200">
+              <a:buFont typeface="Courier New" pitchFamily="49" charset="0"/>
+              <a:buChar char="o"/>
+            </a:pPr>
             <a:endParaRPr lang="es-PE" sz="2600" dirty="0" smtClean="0"/>
           </a:p>
           <a:p>
-            <a:pPr marL="800100" lvl="1" indent="-342900">
+            <a:pPr marL="914400" lvl="1" indent="-457200">
+              <a:buFont typeface="Courier New" pitchFamily="49" charset="0"/>
+              <a:buChar char="o"/>
+            </a:pPr>
+            <a:r>
+              <a:rPr lang="es-PE" sz="2600" dirty="0" smtClean="0"/>
+              <a:t>EF </a:t>
+            </a:r>
+            <a:r>
+              <a:rPr lang="es-PE" sz="2600" dirty="0" err="1" smtClean="0"/>
+              <a:t>Initializers</a:t>
+            </a:r>
+            <a:r>
+              <a:rPr lang="es-PE" sz="2600" dirty="0" smtClean="0"/>
+              <a:t>: Permite recrear toda la BD </a:t>
+            </a:r>
+            <a:br>
+              <a:rPr lang="es-PE" sz="2600" dirty="0" smtClean="0"/>
+            </a:br>
+            <a:r>
+              <a:rPr lang="es-PE" sz="2600" dirty="0" smtClean="0"/>
+              <a:t>(tablas y datos) antes de realizar las inserciones.</a:t>
+            </a:r>
+          </a:p>
+          <a:p>
+            <a:pPr marL="914400" lvl="1" indent="-457200">
               <a:buFont typeface="Courier New" pitchFamily="49" charset="0"/>
               <a:buChar char="o"/>
             </a:pPr>
             <a:endParaRPr lang="es-PE" sz="2600" dirty="0"/>
           </a:p>
           <a:p>
-            <a:pPr lvl="1"/>
-            <a:r>
-              <a:rPr lang="es-PE" sz="2600" dirty="0" smtClean="0">
-                <a:solidFill>
-                  <a:srgbClr val="FFC000"/>
-                </a:solidFill>
-              </a:rPr>
-              <a:t>CONS</a:t>
-            </a:r>
-          </a:p>
-          <a:p>
-            <a:pPr marL="800100" lvl="1" indent="-342900">
+            <a:pPr marL="914400" lvl="1" indent="-457200">
               <a:buFont typeface="Courier New" pitchFamily="49" charset="0"/>
               <a:buChar char="o"/>
             </a:pPr>
             <a:r>
+              <a:rPr lang="es-PE" sz="2600" dirty="0"/>
+              <a:t>Los </a:t>
+            </a:r>
+            <a:r>
+              <a:rPr lang="es-PE" sz="2600" dirty="0" err="1"/>
+              <a:t>ORMs</a:t>
+            </a:r>
+            <a:r>
+              <a:rPr lang="es-PE" sz="2600" dirty="0"/>
+              <a:t> ofrecen la funcionalidad de generar toda la BD (tabas y datos) a partir del modelo de las clases.</a:t>
+            </a:r>
+          </a:p>
+          <a:p>
+            <a:pPr marL="914400" lvl="1" indent="-457200">
+              <a:buFont typeface="Courier New" pitchFamily="49" charset="0"/>
+              <a:buChar char="o"/>
+            </a:pPr>
+            <a:endParaRPr lang="es-PE" sz="2600" dirty="0" smtClean="0"/>
+          </a:p>
+          <a:p>
+            <a:pPr marL="914400" lvl="1" indent="-457200">
+              <a:buFont typeface="Courier New" pitchFamily="49" charset="0"/>
+              <a:buChar char="o"/>
+            </a:pPr>
+            <a:r>
               <a:rPr lang="es-PE" sz="2600" dirty="0" smtClean="0"/>
-              <a:t>Un poco difícil de utilizar sin un ORM.</a:t>
-            </a:r>
-          </a:p>
-          <a:p>
-            <a:pPr lvl="1"/>
-            <a:endParaRPr lang="es-PE" sz="2600" dirty="0" smtClean="0"/>
+              <a:t>SQL Server </a:t>
+            </a:r>
+            <a:r>
+              <a:rPr lang="es-PE" sz="2600" dirty="0" err="1" smtClean="0"/>
+              <a:t>Snapshots</a:t>
+            </a:r>
+            <a:r>
+              <a:rPr lang="es-PE" sz="2600" dirty="0" smtClean="0"/>
+              <a:t> / Oracle Flashback</a:t>
+            </a:r>
+            <a:endParaRPr lang="es-PE" sz="2600" dirty="0"/>
           </a:p>
         </p:txBody>
       </p:sp>
     </p:spTree>
     <p:extLst>
       <p:ext uri="{BB962C8B-B14F-4D97-AF65-F5344CB8AC3E}">
-        <p14:creationId xmlns:p14="http://schemas.microsoft.com/office/powerpoint/2010/main" val="1057799750"/>
+        <p14:creationId xmlns:p14="http://schemas.microsoft.com/office/powerpoint/2010/main" val="1071427256"/>
       </p:ext>
     </p:extLst>
   </p:cSld>
@@ -11739,14 +11773,50 @@
       </p:grpSpPr>
       <p:sp>
         <p:nvSpPr>
-          <p:cNvPr id="5" name="4 CuadroTexto"/>
+          <p:cNvPr id="3" name="2 Título"/>
+          <p:cNvSpPr>
+            <a:spLocks noGrp="1"/>
+          </p:cNvSpPr>
+          <p:nvPr>
+            <p:ph type="title"/>
+          </p:nvPr>
+        </p:nvSpPr>
+        <p:spPr>
+          <a:xfrm>
+            <a:off x="556805" y="183778"/>
+            <a:ext cx="8229600" cy="724942"/>
+          </a:xfrm>
+        </p:spPr>
+        <p:txBody>
+          <a:bodyPr/>
+          <a:lstStyle/>
+          <a:p>
+            <a:r>
+              <a:rPr lang="es-PE" dirty="0" smtClean="0">
+                <a:solidFill>
+                  <a:srgbClr val="00823B"/>
+                </a:solidFill>
+              </a:rPr>
+              <a:t>Inicializar el estado de la BD</a:t>
+            </a:r>
+            <a:endParaRPr lang="es-PE" dirty="0">
+              <a:solidFill>
+                <a:srgbClr val="00823B"/>
+              </a:solidFill>
+            </a:endParaRPr>
+          </a:p>
+        </p:txBody>
+      </p:sp>
+      <p:sp>
+        <p:nvSpPr>
+          <p:cNvPr id="2" name="1 CuadroTexto"/>
           <p:cNvSpPr txBox="1"/>
           <p:nvPr/>
         </p:nvSpPr>
         <p:spPr>
           <a:xfrm>
-            <a:off x="2678906" y="4007966"/>
-            <a:ext cx="3806875" cy="584775"/>
+            <a:off x="323528" y="1006517"/>
+            <a:ext cx="8568952" cy="584775"/>
           </a:xfrm>
           <a:prstGeom prst="rect">
             <a:avLst/>
@@ -11754,129 +11824,151 @@
           <a:noFill/>
         </p:spPr>
         <p:txBody>
-          <a:bodyPr wrap="none" rtlCol="0">
+          <a:bodyPr wrap="square" rtlCol="0">
             <a:spAutoFit/>
           </a:bodyPr>
           <a:lstStyle/>
           <a:p>
             <a:pPr algn="ctr"/>
             <a:r>
-              <a:rPr lang="es-PE" sz="3200" dirty="0" err="1" smtClean="0"/>
-              <a:t>Transaction</a:t>
-            </a:r>
-            <a:r>
-              <a:rPr lang="es-PE" sz="3200" dirty="0" smtClean="0"/>
-              <a:t> - </a:t>
-            </a:r>
-            <a:r>
-              <a:rPr lang="es-PE" sz="3200" dirty="0" err="1" smtClean="0"/>
-              <a:t>Rollback</a:t>
-            </a:r>
-            <a:endParaRPr lang="es-PE" sz="3200" dirty="0" smtClean="0"/>
-          </a:p>
-        </p:txBody>
-      </p:sp>
-      <p:sp>
-        <p:nvSpPr>
-          <p:cNvPr id="7" name="6 CuadroTexto"/>
-          <p:cNvSpPr txBox="1"/>
+              <a:rPr lang="es-PE" sz="3200" b="1" dirty="0" err="1" smtClean="0">
+                <a:solidFill>
+                  <a:srgbClr val="FF0000"/>
+                </a:solidFill>
+              </a:rPr>
+              <a:t>Self-Contained</a:t>
+            </a:r>
+            <a:r>
+              <a:rPr lang="es-PE" sz="3200" b="1" dirty="0" smtClean="0">
+                <a:solidFill>
+                  <a:srgbClr val="FF0000"/>
+                </a:solidFill>
+              </a:rPr>
+              <a:t> </a:t>
+            </a:r>
+            <a:r>
+              <a:rPr lang="es-PE" sz="3200" b="1" dirty="0" err="1" smtClean="0">
+                <a:solidFill>
+                  <a:srgbClr val="FF0000"/>
+                </a:solidFill>
+              </a:rPr>
+              <a:t>Tests</a:t>
+            </a:r>
+            <a:endParaRPr lang="es-PE" sz="3200" b="1" dirty="0" smtClean="0">
+              <a:solidFill>
+                <a:srgbClr val="FF0000"/>
+              </a:solidFill>
+            </a:endParaRPr>
+          </a:p>
+        </p:txBody>
+      </p:sp>
+      <p:sp>
+        <p:nvSpPr>
+          <p:cNvPr id="4" name="3 Rectángulo"/>
+          <p:cNvSpPr/>
           <p:nvPr/>
         </p:nvSpPr>
         <p:spPr>
           <a:xfrm>
-            <a:off x="2498761" y="2567805"/>
-            <a:ext cx="4167166" cy="1200329"/>
+            <a:off x="323528" y="1662644"/>
+            <a:ext cx="8568952" cy="4093428"/>
           </a:xfrm>
           <a:prstGeom prst="rect">
             <a:avLst/>
           </a:prstGeom>
-          <a:noFill/>
         </p:spPr>
         <p:txBody>
-          <a:bodyPr wrap="none" rtlCol="0">
+          <a:bodyPr wrap="square">
             <a:spAutoFit/>
           </a:bodyPr>
           <a:lstStyle/>
           <a:p>
             <a:pPr algn="ctr"/>
             <a:r>
-              <a:rPr lang="es-PE" sz="3600" dirty="0" smtClean="0">
+              <a:rPr lang="es-PE" sz="2600" dirty="0"/>
+              <a:t>Cada </a:t>
+            </a:r>
+            <a:r>
+              <a:rPr lang="es-PE" sz="2600" dirty="0" smtClean="0"/>
+              <a:t>prueba, </a:t>
+            </a:r>
+            <a:r>
+              <a:rPr lang="es-PE" sz="2600" dirty="0"/>
+              <a:t>por si </a:t>
+            </a:r>
+            <a:r>
+              <a:rPr lang="es-PE" sz="2600" dirty="0" smtClean="0"/>
+              <a:t>misma y de manera interna, inicializa la BD en un estado conocido.</a:t>
+            </a:r>
+            <a:endParaRPr lang="es-PE" sz="2600" dirty="0"/>
+          </a:p>
+          <a:p>
+            <a:endParaRPr lang="es-PE" sz="2600" dirty="0"/>
+          </a:p>
+          <a:p>
+            <a:pPr lvl="1"/>
+            <a:r>
+              <a:rPr lang="es-PE" sz="2600" dirty="0" smtClean="0">
                 <a:solidFill>
                   <a:srgbClr val="FFC000"/>
                 </a:solidFill>
               </a:rPr>
-              <a:t>Restablecer el </a:t>
-            </a:r>
-            <a:r>
-              <a:rPr lang="es-PE" sz="3600" dirty="0">
+              <a:t>PROS</a:t>
+            </a:r>
+          </a:p>
+          <a:p>
+            <a:pPr marL="800100" lvl="1" indent="-342900">
+              <a:buFont typeface="Courier New" pitchFamily="49" charset="0"/>
+              <a:buChar char="o"/>
+            </a:pPr>
+            <a:r>
+              <a:rPr lang="es-PE" sz="2600" dirty="0" smtClean="0"/>
+              <a:t>Menor </a:t>
+            </a:r>
+            <a:r>
+              <a:rPr lang="es-PE" sz="2600" dirty="0"/>
+              <a:t>impacto en el tiempo de ejecución de las pruebas en comparación a las otras estrategias </a:t>
+            </a:r>
+            <a:endParaRPr lang="es-PE" sz="2600" dirty="0" smtClean="0"/>
+          </a:p>
+          <a:p>
+            <a:pPr marL="800100" lvl="1" indent="-342900">
+              <a:buFont typeface="Courier New" pitchFamily="49" charset="0"/>
+              <a:buChar char="o"/>
+            </a:pPr>
+            <a:endParaRPr lang="es-PE" sz="2600" dirty="0"/>
+          </a:p>
+          <a:p>
+            <a:pPr lvl="1"/>
+            <a:r>
+              <a:rPr lang="es-PE" sz="2600" dirty="0" smtClean="0">
                 <a:solidFill>
                   <a:srgbClr val="FFC000"/>
                 </a:solidFill>
               </a:rPr>
-              <a:t>e</a:t>
-            </a:r>
-            <a:r>
-              <a:rPr lang="es-PE" sz="3600" dirty="0" smtClean="0">
-                <a:solidFill>
-                  <a:srgbClr val="FFC000"/>
-                </a:solidFill>
-              </a:rPr>
-              <a:t>stado</a:t>
-            </a:r>
-          </a:p>
-          <a:p>
-            <a:pPr algn="ctr"/>
-            <a:r>
-              <a:rPr lang="es-PE" sz="3600" dirty="0" smtClean="0">
-                <a:solidFill>
-                  <a:srgbClr val="FFC000"/>
-                </a:solidFill>
-              </a:rPr>
-              <a:t>de la BD</a:t>
-            </a:r>
-          </a:p>
-        </p:txBody>
-      </p:sp>
-      <p:sp>
-        <p:nvSpPr>
-          <p:cNvPr id="8" name="2 Título"/>
-          <p:cNvSpPr>
-            <a:spLocks noGrp="1"/>
-          </p:cNvSpPr>
-          <p:nvPr>
-            <p:ph type="title"/>
-          </p:nvPr>
-        </p:nvSpPr>
-        <p:spPr>
-          <a:xfrm>
-            <a:off x="467544" y="1140787"/>
-            <a:ext cx="8229600" cy="724942"/>
-          </a:xfrm>
-        </p:spPr>
-        <p:txBody>
-          <a:bodyPr/>
-          <a:lstStyle/>
-          <a:p>
-            <a:r>
-              <a:rPr lang="es-PE" dirty="0" smtClean="0">
-                <a:solidFill>
-                  <a:srgbClr val="00823B"/>
-                </a:solidFill>
-              </a:rPr>
-              <a:t>Patrones para realizar pruebas de Base de Datos</a:t>
-            </a:r>
-            <a:endParaRPr lang="es-PE" dirty="0">
-              <a:solidFill>
-                <a:srgbClr val="00823B"/>
-              </a:solidFill>
-            </a:endParaRPr>
+              <a:t>CONS</a:t>
+            </a:r>
+          </a:p>
+          <a:p>
+            <a:pPr marL="800100" lvl="1" indent="-342900">
+              <a:buFont typeface="Courier New" pitchFamily="49" charset="0"/>
+              <a:buChar char="o"/>
+            </a:pPr>
+            <a:r>
+              <a:rPr lang="es-PE" sz="2600" dirty="0" smtClean="0"/>
+              <a:t>Un poco difícil de utilizar sin un ORM.</a:t>
+            </a:r>
+          </a:p>
+          <a:p>
+            <a:pPr lvl="1"/>
+            <a:endParaRPr lang="es-PE" sz="2600" dirty="0" smtClean="0"/>
           </a:p>
         </p:txBody>
       </p:sp>
     </p:spTree>
     <p:extLst>
       <p:ext uri="{BB962C8B-B14F-4D97-AF65-F5344CB8AC3E}">
-        <p14:creationId xmlns:p14="http://schemas.microsoft.com/office/powerpoint/2010/main" val="3613785890"/>
+        <p14:creationId xmlns:p14="http://schemas.microsoft.com/office/powerpoint/2010/main" val="1057799750"/>
       </p:ext>
     </p:extLst>
   </p:cSld>
@@ -12494,119 +12586,320 @@
       </p:grpSpPr>
       <p:sp>
         <p:nvSpPr>
-          <p:cNvPr id="4" name="3 CuadroTexto"/>
-          <p:cNvSpPr txBox="1"/>
+          <p:cNvPr id="4" name="2 Título"/>
+          <p:cNvSpPr txBox="1">
+            <a:spLocks/>
+          </p:cNvSpPr>
           <p:nvPr/>
         </p:nvSpPr>
-        <p:spPr>
+        <p:spPr bwMode="auto">
           <a:xfrm>
-            <a:off x="2267384" y="2567807"/>
-            <a:ext cx="4629922" cy="1200329"/>
+            <a:off x="457200" y="1124744"/>
+            <a:ext cx="8229600" cy="3672408"/>
           </a:xfrm>
           <a:prstGeom prst="rect">
             <a:avLst/>
           </a:prstGeom>
           <a:noFill/>
+          <a:ln w="9525">
+            <a:noFill/>
+            <a:miter lim="800000"/>
+            <a:headEnd/>
+            <a:tailEnd/>
+          </a:ln>
         </p:spPr>
         <p:txBody>
-          <a:bodyPr wrap="none" rtlCol="0">
-            <a:spAutoFit/>
+          <a:bodyPr vert="horz" wrap="square" lIns="91440" tIns="45720" rIns="91440" bIns="45720" numCol="1" anchor="ctr" anchorCtr="0" compatLnSpc="1">
+            <a:prstTxWarp prst="textNoShape">
+              <a:avLst/>
+            </a:prstTxWarp>
           </a:bodyPr>
-          <a:lstStyle/>
-          <a:p>
-            <a:pPr algn="ctr"/>
-            <a:r>
-              <a:rPr lang="es-PE" sz="3600" dirty="0" smtClean="0">
+          <a:lstStyle>
+            <a:lvl1pPr algn="ctr" rtl="0" eaLnBrk="1" fontAlgn="base" hangingPunct="1">
+              <a:spcBef>
+                <a:spcPct val="0"/>
+              </a:spcBef>
+              <a:spcAft>
+                <a:spcPct val="0"/>
+              </a:spcAft>
+              <a:defRPr sz="4400" kern="1200">
+                <a:solidFill>
+                  <a:schemeClr val="tx1"/>
+                </a:solidFill>
+                <a:latin typeface="+mj-lt"/>
+                <a:ea typeface="+mj-ea"/>
+                <a:cs typeface="+mj-cs"/>
+              </a:defRPr>
+            </a:lvl1pPr>
+            <a:lvl2pPr algn="ctr" rtl="0" eaLnBrk="1" fontAlgn="base" hangingPunct="1">
+              <a:spcBef>
+                <a:spcPct val="0"/>
+              </a:spcBef>
+              <a:spcAft>
+                <a:spcPct val="0"/>
+              </a:spcAft>
+              <a:defRPr sz="4400">
+                <a:solidFill>
+                  <a:schemeClr val="tx1"/>
+                </a:solidFill>
+                <a:latin typeface="Calibri" pitchFamily="34" charset="0"/>
+              </a:defRPr>
+            </a:lvl2pPr>
+            <a:lvl3pPr algn="ctr" rtl="0" eaLnBrk="1" fontAlgn="base" hangingPunct="1">
+              <a:spcBef>
+                <a:spcPct val="0"/>
+              </a:spcBef>
+              <a:spcAft>
+                <a:spcPct val="0"/>
+              </a:spcAft>
+              <a:defRPr sz="4400">
+                <a:solidFill>
+                  <a:schemeClr val="tx1"/>
+                </a:solidFill>
+                <a:latin typeface="Calibri" pitchFamily="34" charset="0"/>
+              </a:defRPr>
+            </a:lvl3pPr>
+            <a:lvl4pPr algn="ctr" rtl="0" eaLnBrk="1" fontAlgn="base" hangingPunct="1">
+              <a:spcBef>
+                <a:spcPct val="0"/>
+              </a:spcBef>
+              <a:spcAft>
+                <a:spcPct val="0"/>
+              </a:spcAft>
+              <a:defRPr sz="4400">
+                <a:solidFill>
+                  <a:schemeClr val="tx1"/>
+                </a:solidFill>
+                <a:latin typeface="Calibri" pitchFamily="34" charset="0"/>
+              </a:defRPr>
+            </a:lvl4pPr>
+            <a:lvl5pPr algn="ctr" rtl="0" eaLnBrk="1" fontAlgn="base" hangingPunct="1">
+              <a:spcBef>
+                <a:spcPct val="0"/>
+              </a:spcBef>
+              <a:spcAft>
+                <a:spcPct val="0"/>
+              </a:spcAft>
+              <a:defRPr sz="4400">
+                <a:solidFill>
+                  <a:schemeClr val="tx1"/>
+                </a:solidFill>
+                <a:latin typeface="Calibri" pitchFamily="34" charset="0"/>
+              </a:defRPr>
+            </a:lvl5pPr>
+            <a:lvl6pPr marL="457200" algn="ctr" rtl="0" eaLnBrk="1" fontAlgn="base" hangingPunct="1">
+              <a:spcBef>
+                <a:spcPct val="0"/>
+              </a:spcBef>
+              <a:spcAft>
+                <a:spcPct val="0"/>
+              </a:spcAft>
+              <a:defRPr sz="4400">
+                <a:solidFill>
+                  <a:schemeClr val="tx1"/>
+                </a:solidFill>
+                <a:latin typeface="Calibri" pitchFamily="34" charset="0"/>
+              </a:defRPr>
+            </a:lvl6pPr>
+            <a:lvl7pPr marL="914400" algn="ctr" rtl="0" eaLnBrk="1" fontAlgn="base" hangingPunct="1">
+              <a:spcBef>
+                <a:spcPct val="0"/>
+              </a:spcBef>
+              <a:spcAft>
+                <a:spcPct val="0"/>
+              </a:spcAft>
+              <a:defRPr sz="4400">
+                <a:solidFill>
+                  <a:schemeClr val="tx1"/>
+                </a:solidFill>
+                <a:latin typeface="Calibri" pitchFamily="34" charset="0"/>
+              </a:defRPr>
+            </a:lvl7pPr>
+            <a:lvl8pPr marL="1371600" algn="ctr" rtl="0" eaLnBrk="1" fontAlgn="base" hangingPunct="1">
+              <a:spcBef>
+                <a:spcPct val="0"/>
+              </a:spcBef>
+              <a:spcAft>
+                <a:spcPct val="0"/>
+              </a:spcAft>
+              <a:defRPr sz="4400">
+                <a:solidFill>
+                  <a:schemeClr val="tx1"/>
+                </a:solidFill>
+                <a:latin typeface="Calibri" pitchFamily="34" charset="0"/>
+              </a:defRPr>
+            </a:lvl8pPr>
+            <a:lvl9pPr marL="1828800" algn="ctr" rtl="0" eaLnBrk="1" fontAlgn="base" hangingPunct="1">
+              <a:spcBef>
+                <a:spcPct val="0"/>
+              </a:spcBef>
+              <a:spcAft>
+                <a:spcPct val="0"/>
+              </a:spcAft>
+              <a:defRPr sz="4400">
+                <a:solidFill>
+                  <a:schemeClr val="tx1"/>
+                </a:solidFill>
+                <a:latin typeface="Calibri" pitchFamily="34" charset="0"/>
+              </a:defRPr>
+            </a:lvl9pPr>
+          </a:lstStyle>
+          <a:p>
+            <a:r>
+              <a:rPr lang="es-PE" dirty="0" smtClean="0">
                 <a:solidFill>
                   <a:srgbClr val="FFC000"/>
                 </a:solidFill>
               </a:rPr>
-              <a:t>Inicializar y Restablecer</a:t>
+              <a:t>Ejercicio</a:t>
             </a:r>
             <a:br>
-              <a:rPr lang="es-PE" sz="3600" dirty="0" smtClean="0">
+              <a:rPr lang="es-PE" dirty="0" smtClean="0">
                 <a:solidFill>
                   <a:srgbClr val="FFC000"/>
                 </a:solidFill>
               </a:rPr>
             </a:br>
             <a:r>
-              <a:rPr lang="es-PE" sz="3600" dirty="0" smtClean="0">
-                <a:solidFill>
-                  <a:srgbClr val="FFC000"/>
-                </a:solidFill>
-              </a:rPr>
-              <a:t>el estado de la BD</a:t>
-            </a:r>
-          </a:p>
-        </p:txBody>
-      </p:sp>
-      <p:sp>
-        <p:nvSpPr>
-          <p:cNvPr id="6" name="5 CuadroTexto"/>
-          <p:cNvSpPr txBox="1"/>
-          <p:nvPr/>
-        </p:nvSpPr>
-        <p:spPr>
-          <a:xfrm>
-            <a:off x="3264131" y="4007966"/>
-            <a:ext cx="2636427" cy="584775"/>
-          </a:xfrm>
-          <a:prstGeom prst="rect">
-            <a:avLst/>
-          </a:prstGeom>
-          <a:noFill/>
-        </p:spPr>
-        <p:txBody>
-          <a:bodyPr wrap="none" rtlCol="0">
-            <a:spAutoFit/>
-          </a:bodyPr>
-          <a:lstStyle/>
-          <a:p>
-            <a:pPr algn="ctr"/>
-            <a:r>
-              <a:rPr lang="es-PE" sz="3200" dirty="0" err="1" smtClean="0"/>
+              <a:rPr lang="es-PE" dirty="0" smtClean="0">
+                <a:solidFill>
+                  <a:srgbClr val="00823B"/>
+                </a:solidFill>
+              </a:rPr>
+              <a:t>"</a:t>
+            </a:r>
+            <a:r>
+              <a:rPr lang="es-PE" dirty="0" err="1" smtClean="0">
+                <a:solidFill>
+                  <a:srgbClr val="00823B"/>
+                </a:solidFill>
+              </a:rPr>
+              <a:t>Raw</a:t>
+            </a:r>
+            <a:r>
+              <a:rPr lang="es-PE" dirty="0" smtClean="0">
+                <a:solidFill>
+                  <a:srgbClr val="00823B"/>
+                </a:solidFill>
+              </a:rPr>
+              <a:t>" ADO.NET </a:t>
+            </a:r>
+            <a:r>
+              <a:rPr lang="es-PE" dirty="0" err="1" smtClean="0">
+                <a:solidFill>
+                  <a:srgbClr val="00823B"/>
+                </a:solidFill>
+              </a:rPr>
+              <a:t>Testing</a:t>
+            </a:r>
+            <a:r>
+              <a:rPr lang="es-PE" dirty="0" smtClean="0">
+                <a:solidFill>
+                  <a:srgbClr val="00823B"/>
+                </a:solidFill>
+              </a:rPr>
+              <a:t> </a:t>
+            </a:r>
+            <a:r>
+              <a:rPr lang="es-PE" dirty="0" smtClean="0"/>
+              <a:t/>
+            </a:r>
+            <a:br>
+              <a:rPr lang="es-PE" dirty="0" smtClean="0"/>
+            </a:br>
+            <a:r>
+              <a:rPr lang="es-PE" dirty="0" smtClean="0"/>
+              <a:t>utilizando</a:t>
+            </a:r>
+            <a:br>
+              <a:rPr lang="es-PE" dirty="0" smtClean="0"/>
+            </a:br>
+            <a:r>
+              <a:rPr lang="es-PE" dirty="0" smtClean="0">
+                <a:solidFill>
+                  <a:srgbClr val="00823B"/>
+                </a:solidFill>
+              </a:rPr>
+              <a:t>"</a:t>
+            </a:r>
+            <a:r>
+              <a:rPr lang="es-PE" dirty="0" err="1" smtClean="0">
+                <a:solidFill>
+                  <a:srgbClr val="00823B"/>
+                </a:solidFill>
+              </a:rPr>
+              <a:t>External</a:t>
+            </a:r>
+            <a:r>
+              <a:rPr lang="es-PE" dirty="0" smtClean="0">
+                <a:solidFill>
+                  <a:srgbClr val="00823B"/>
+                </a:solidFill>
+              </a:rPr>
+              <a:t> Data </a:t>
+            </a:r>
+            <a:r>
+              <a:rPr lang="es-PE" dirty="0" err="1" smtClean="0">
+                <a:solidFill>
+                  <a:srgbClr val="00823B"/>
+                </a:solidFill>
+              </a:rPr>
+              <a:t>Source</a:t>
+            </a:r>
+            <a:r>
+              <a:rPr lang="es-PE" dirty="0" smtClean="0">
+                <a:solidFill>
+                  <a:srgbClr val="00823B"/>
+                </a:solidFill>
+              </a:rPr>
+              <a:t>"</a:t>
+            </a:r>
+            <a:br>
+              <a:rPr lang="es-PE" dirty="0" smtClean="0">
+                <a:solidFill>
+                  <a:srgbClr val="00823B"/>
+                </a:solidFill>
+              </a:rPr>
+            </a:br>
+            <a:r>
+              <a:rPr lang="es-PE" dirty="0" smtClean="0">
+                <a:solidFill>
+                  <a:srgbClr val="00823B"/>
+                </a:solidFill>
+              </a:rPr>
+              <a:t>"</a:t>
+            </a:r>
+            <a:r>
+              <a:rPr lang="es-PE" dirty="0" err="1" smtClean="0">
+                <a:solidFill>
+                  <a:srgbClr val="00823B"/>
+                </a:solidFill>
+              </a:rPr>
               <a:t>Nuke</a:t>
             </a:r>
             <a:r>
-              <a:rPr lang="es-PE" sz="3200" dirty="0" smtClean="0"/>
+              <a:rPr lang="es-PE" dirty="0" smtClean="0">
+                <a:solidFill>
+                  <a:srgbClr val="00823B"/>
+                </a:solidFill>
+              </a:rPr>
               <a:t> and </a:t>
             </a:r>
             <a:r>
-              <a:rPr lang="es-PE" sz="3200" dirty="0" err="1" smtClean="0"/>
+              <a:rPr lang="es-PE" dirty="0" err="1" smtClean="0">
+                <a:solidFill>
+                  <a:srgbClr val="00823B"/>
+                </a:solidFill>
+              </a:rPr>
               <a:t>Pave</a:t>
             </a:r>
-            <a:endParaRPr lang="es-PE" sz="3200" dirty="0"/>
-          </a:p>
-        </p:txBody>
-      </p:sp>
-      <p:sp>
-        <p:nvSpPr>
-          <p:cNvPr id="8" name="2 Título"/>
-          <p:cNvSpPr>
-            <a:spLocks noGrp="1"/>
-          </p:cNvSpPr>
-          <p:nvPr>
-            <p:ph type="title"/>
-          </p:nvPr>
-        </p:nvSpPr>
-        <p:spPr>
-          <a:xfrm>
-            <a:off x="467544" y="1140788"/>
-            <a:ext cx="8229600" cy="724942"/>
-          </a:xfrm>
-        </p:spPr>
-        <p:txBody>
-          <a:bodyPr/>
-          <a:lstStyle/>
-          <a:p>
             <a:r>
               <a:rPr lang="es-PE" dirty="0" smtClean="0">
                 <a:solidFill>
                   <a:srgbClr val="00823B"/>
                 </a:solidFill>
               </a:rPr>
-              <a:t>Patrones para realizar pruebas de Base de Datos</a:t>
+              <a:t>"</a:t>
             </a:r>
             <a:endParaRPr lang="es-PE" dirty="0">
               <a:solidFill>
@@ -12619,7 +12912,7 @@
     </p:spTree>
     <p:extLst>
       <p:ext uri="{BB962C8B-B14F-4D97-AF65-F5344CB8AC3E}">
-        <p14:creationId xmlns:p14="http://schemas.microsoft.com/office/powerpoint/2010/main" val="1866959275"/>
+        <p14:creationId xmlns:p14="http://schemas.microsoft.com/office/powerpoint/2010/main" val="3240687454"/>
       </p:ext>
     </p:extLst>
   </p:cSld>
@@ -12655,31 +12948,312 @@
       </p:grpSpPr>
       <p:sp>
         <p:nvSpPr>
-          <p:cNvPr id="3" name="2 Título"/>
-          <p:cNvSpPr>
-            <a:spLocks noGrp="1"/>
+          <p:cNvPr id="4" name="2 Título"/>
+          <p:cNvSpPr txBox="1">
+            <a:spLocks/>
           </p:cNvSpPr>
-          <p:nvPr>
-            <p:ph type="title"/>
-          </p:nvPr>
-        </p:nvSpPr>
-        <p:spPr>
+          <p:nvPr/>
+        </p:nvSpPr>
+        <p:spPr bwMode="auto">
           <a:xfrm>
-            <a:off x="556805" y="183778"/>
-            <a:ext cx="8229600" cy="724942"/>
+            <a:off x="457200" y="1124744"/>
+            <a:ext cx="8229600" cy="3672408"/>
           </a:xfrm>
+          <a:prstGeom prst="rect">
+            <a:avLst/>
+          </a:prstGeom>
+          <a:noFill/>
+          <a:ln w="9525">
+            <a:noFill/>
+            <a:miter lim="800000"/>
+            <a:headEnd/>
+            <a:tailEnd/>
+          </a:ln>
         </p:spPr>
         <p:txBody>
-          <a:bodyPr/>
-          <a:lstStyle/>
+          <a:bodyPr vert="horz" wrap="square" lIns="91440" tIns="45720" rIns="91440" bIns="45720" numCol="1" anchor="ctr" anchorCtr="0" compatLnSpc="1">
+            <a:prstTxWarp prst="textNoShape">
+              <a:avLst/>
+            </a:prstTxWarp>
+          </a:bodyPr>
+          <a:lstStyle>
+            <a:lvl1pPr algn="ctr" rtl="0" eaLnBrk="1" fontAlgn="base" hangingPunct="1">
+              <a:spcBef>
+                <a:spcPct val="0"/>
+              </a:spcBef>
+              <a:spcAft>
+                <a:spcPct val="0"/>
+              </a:spcAft>
+              <a:defRPr sz="4400" kern="1200">
+                <a:solidFill>
+                  <a:schemeClr val="tx1"/>
+                </a:solidFill>
+                <a:latin typeface="+mj-lt"/>
+                <a:ea typeface="+mj-ea"/>
+                <a:cs typeface="+mj-cs"/>
+              </a:defRPr>
+            </a:lvl1pPr>
+            <a:lvl2pPr algn="ctr" rtl="0" eaLnBrk="1" fontAlgn="base" hangingPunct="1">
+              <a:spcBef>
+                <a:spcPct val="0"/>
+              </a:spcBef>
+              <a:spcAft>
+                <a:spcPct val="0"/>
+              </a:spcAft>
+              <a:defRPr sz="4400">
+                <a:solidFill>
+                  <a:schemeClr val="tx1"/>
+                </a:solidFill>
+                <a:latin typeface="Calibri" pitchFamily="34" charset="0"/>
+              </a:defRPr>
+            </a:lvl2pPr>
+            <a:lvl3pPr algn="ctr" rtl="0" eaLnBrk="1" fontAlgn="base" hangingPunct="1">
+              <a:spcBef>
+                <a:spcPct val="0"/>
+              </a:spcBef>
+              <a:spcAft>
+                <a:spcPct val="0"/>
+              </a:spcAft>
+              <a:defRPr sz="4400">
+                <a:solidFill>
+                  <a:schemeClr val="tx1"/>
+                </a:solidFill>
+                <a:latin typeface="Calibri" pitchFamily="34" charset="0"/>
+              </a:defRPr>
+            </a:lvl3pPr>
+            <a:lvl4pPr algn="ctr" rtl="0" eaLnBrk="1" fontAlgn="base" hangingPunct="1">
+              <a:spcBef>
+                <a:spcPct val="0"/>
+              </a:spcBef>
+              <a:spcAft>
+                <a:spcPct val="0"/>
+              </a:spcAft>
+              <a:defRPr sz="4400">
+                <a:solidFill>
+                  <a:schemeClr val="tx1"/>
+                </a:solidFill>
+                <a:latin typeface="Calibri" pitchFamily="34" charset="0"/>
+              </a:defRPr>
+            </a:lvl4pPr>
+            <a:lvl5pPr algn="ctr" rtl="0" eaLnBrk="1" fontAlgn="base" hangingPunct="1">
+              <a:spcBef>
+                <a:spcPct val="0"/>
+              </a:spcBef>
+              <a:spcAft>
+                <a:spcPct val="0"/>
+              </a:spcAft>
+              <a:defRPr sz="4400">
+                <a:solidFill>
+                  <a:schemeClr val="tx1"/>
+                </a:solidFill>
+                <a:latin typeface="Calibri" pitchFamily="34" charset="0"/>
+              </a:defRPr>
+            </a:lvl5pPr>
+            <a:lvl6pPr marL="457200" algn="ctr" rtl="0" eaLnBrk="1" fontAlgn="base" hangingPunct="1">
+              <a:spcBef>
+                <a:spcPct val="0"/>
+              </a:spcBef>
+              <a:spcAft>
+                <a:spcPct val="0"/>
+              </a:spcAft>
+              <a:defRPr sz="4400">
+                <a:solidFill>
+                  <a:schemeClr val="tx1"/>
+                </a:solidFill>
+                <a:latin typeface="Calibri" pitchFamily="34" charset="0"/>
+              </a:defRPr>
+            </a:lvl6pPr>
+            <a:lvl7pPr marL="914400" algn="ctr" rtl="0" eaLnBrk="1" fontAlgn="base" hangingPunct="1">
+              <a:spcBef>
+                <a:spcPct val="0"/>
+              </a:spcBef>
+              <a:spcAft>
+                <a:spcPct val="0"/>
+              </a:spcAft>
+              <a:defRPr sz="4400">
+                <a:solidFill>
+                  <a:schemeClr val="tx1"/>
+                </a:solidFill>
+                <a:latin typeface="Calibri" pitchFamily="34" charset="0"/>
+              </a:defRPr>
+            </a:lvl7pPr>
+            <a:lvl8pPr marL="1371600" algn="ctr" rtl="0" eaLnBrk="1" fontAlgn="base" hangingPunct="1">
+              <a:spcBef>
+                <a:spcPct val="0"/>
+              </a:spcBef>
+              <a:spcAft>
+                <a:spcPct val="0"/>
+              </a:spcAft>
+              <a:defRPr sz="4400">
+                <a:solidFill>
+                  <a:schemeClr val="tx1"/>
+                </a:solidFill>
+                <a:latin typeface="Calibri" pitchFamily="34" charset="0"/>
+              </a:defRPr>
+            </a:lvl8pPr>
+            <a:lvl9pPr marL="1828800" algn="ctr" rtl="0" eaLnBrk="1" fontAlgn="base" hangingPunct="1">
+              <a:spcBef>
+                <a:spcPct val="0"/>
+              </a:spcBef>
+              <a:spcAft>
+                <a:spcPct val="0"/>
+              </a:spcAft>
+              <a:defRPr sz="4400">
+                <a:solidFill>
+                  <a:schemeClr val="tx1"/>
+                </a:solidFill>
+                <a:latin typeface="Calibri" pitchFamily="34" charset="0"/>
+              </a:defRPr>
+            </a:lvl9pPr>
+          </a:lstStyle>
           <a:p>
             <a:r>
               <a:rPr lang="es-PE" dirty="0" smtClean="0">
                 <a:solidFill>
+                  <a:srgbClr val="FFC000"/>
+                </a:solidFill>
+              </a:rPr>
+              <a:t>Ejercicio</a:t>
+            </a:r>
+            <a:br>
+              <a:rPr lang="es-PE" dirty="0" smtClean="0">
+                <a:solidFill>
+                  <a:srgbClr val="FFC000"/>
+                </a:solidFill>
+              </a:rPr>
+            </a:br>
+            <a:r>
+              <a:rPr lang="es-PE" dirty="0" err="1" smtClean="0">
+                <a:solidFill>
                   <a:srgbClr val="00823B"/>
                 </a:solidFill>
               </a:rPr>
-              <a:t>Inicializar y Restablecer la BD</a:t>
+              <a:t>Entity</a:t>
+            </a:r>
+            <a:r>
+              <a:rPr lang="es-PE" dirty="0" smtClean="0">
+                <a:solidFill>
+                  <a:srgbClr val="00823B"/>
+                </a:solidFill>
+              </a:rPr>
+              <a:t> Framework </a:t>
+            </a:r>
+            <a:r>
+              <a:rPr lang="es-PE" dirty="0" err="1" smtClean="0">
+                <a:solidFill>
+                  <a:srgbClr val="00823B"/>
+                </a:solidFill>
+              </a:rPr>
+              <a:t>Testing</a:t>
+            </a:r>
+            <a:r>
+              <a:rPr lang="es-PE" dirty="0" smtClean="0">
+                <a:solidFill>
+                  <a:srgbClr val="00823B"/>
+                </a:solidFill>
+              </a:rPr>
+              <a:t> </a:t>
+            </a:r>
+            <a:r>
+              <a:rPr lang="es-PE" dirty="0" smtClean="0"/>
+              <a:t/>
+            </a:r>
+            <a:br>
+              <a:rPr lang="es-PE" dirty="0" smtClean="0"/>
+            </a:br>
+            <a:r>
+              <a:rPr lang="es-PE" dirty="0" smtClean="0"/>
+              <a:t>utilizando</a:t>
+            </a:r>
+            <a:br>
+              <a:rPr lang="es-PE" dirty="0" smtClean="0"/>
+            </a:br>
+            <a:r>
+              <a:rPr lang="es-PE" dirty="0" smtClean="0">
+                <a:solidFill>
+                  <a:srgbClr val="00823B"/>
+                </a:solidFill>
+              </a:rPr>
+              <a:t>"</a:t>
+            </a:r>
+            <a:r>
+              <a:rPr lang="es-PE" dirty="0" err="1" smtClean="0">
+                <a:solidFill>
+                  <a:srgbClr val="00823B"/>
+                </a:solidFill>
+              </a:rPr>
+              <a:t>Nuke</a:t>
+            </a:r>
+            <a:r>
+              <a:rPr lang="es-PE" dirty="0" smtClean="0">
+                <a:solidFill>
+                  <a:srgbClr val="00823B"/>
+                </a:solidFill>
+              </a:rPr>
+              <a:t> and </a:t>
+            </a:r>
+            <a:r>
+              <a:rPr lang="es-PE" dirty="0" err="1" smtClean="0">
+                <a:solidFill>
+                  <a:srgbClr val="00823B"/>
+                </a:solidFill>
+              </a:rPr>
+              <a:t>Pave</a:t>
+            </a:r>
+            <a:r>
+              <a:rPr lang="es-PE" dirty="0" smtClean="0">
+                <a:solidFill>
+                  <a:srgbClr val="00823B"/>
+                </a:solidFill>
+              </a:rPr>
+              <a:t>"</a:t>
+            </a:r>
+            <a:br>
+              <a:rPr lang="es-PE" dirty="0" smtClean="0">
+                <a:solidFill>
+                  <a:srgbClr val="00823B"/>
+                </a:solidFill>
+              </a:rPr>
+            </a:br>
+            <a:r>
+              <a:rPr lang="es-PE" dirty="0" smtClean="0">
+                <a:solidFill>
+                  <a:srgbClr val="00823B"/>
+                </a:solidFill>
+              </a:rPr>
+              <a:t>"</a:t>
+            </a:r>
+            <a:r>
+              <a:rPr lang="es-PE" dirty="0" err="1" smtClean="0">
+                <a:solidFill>
+                  <a:srgbClr val="00823B"/>
+                </a:solidFill>
+              </a:rPr>
+              <a:t>Transaction</a:t>
+            </a:r>
+            <a:r>
+              <a:rPr lang="es-PE" dirty="0" smtClean="0">
+                <a:solidFill>
+                  <a:srgbClr val="00823B"/>
+                </a:solidFill>
+              </a:rPr>
+              <a:t> - </a:t>
+            </a:r>
+            <a:r>
+              <a:rPr lang="es-PE" dirty="0" err="1" smtClean="0">
+                <a:solidFill>
+                  <a:srgbClr val="00823B"/>
+                </a:solidFill>
+              </a:rPr>
+              <a:t>Rollback</a:t>
+            </a:r>
+            <a:r>
+              <a:rPr lang="es-PE" dirty="0" smtClean="0">
+                <a:solidFill>
+                  <a:srgbClr val="00823B"/>
+                </a:solidFill>
+              </a:rPr>
+              <a:t>"</a:t>
             </a:r>
             <a:endParaRPr lang="es-PE" dirty="0">
               <a:solidFill>
@@ -12689,216 +13263,10 @@
           </a:p>
         </p:txBody>
       </p:sp>
-      <p:sp>
-        <p:nvSpPr>
-          <p:cNvPr id="2" name="1 CuadroTexto"/>
-          <p:cNvSpPr txBox="1"/>
-          <p:nvPr/>
-        </p:nvSpPr>
-        <p:spPr>
-          <a:xfrm>
-            <a:off x="323528" y="1006517"/>
-            <a:ext cx="8568952" cy="584775"/>
-          </a:xfrm>
-          <a:prstGeom prst="rect">
-            <a:avLst/>
-          </a:prstGeom>
-          <a:noFill/>
-        </p:spPr>
-        <p:txBody>
-          <a:bodyPr wrap="square" rtlCol="0">
-            <a:spAutoFit/>
-          </a:bodyPr>
-          <a:lstStyle/>
-          <a:p>
-            <a:pPr algn="ctr"/>
-            <a:r>
-              <a:rPr lang="es-PE" sz="3200" b="1" dirty="0" err="1" smtClean="0">
-                <a:solidFill>
-                  <a:srgbClr val="FF0000"/>
-                </a:solidFill>
-              </a:rPr>
-              <a:t>Nuke</a:t>
-            </a:r>
-            <a:r>
-              <a:rPr lang="es-PE" sz="3200" b="1" dirty="0" smtClean="0">
-                <a:solidFill>
-                  <a:srgbClr val="FF0000"/>
-                </a:solidFill>
-              </a:rPr>
-              <a:t> and </a:t>
-            </a:r>
-            <a:r>
-              <a:rPr lang="es-PE" sz="3200" b="1" dirty="0" err="1" smtClean="0">
-                <a:solidFill>
-                  <a:srgbClr val="FF0000"/>
-                </a:solidFill>
-              </a:rPr>
-              <a:t>Pave</a:t>
-            </a:r>
-            <a:endParaRPr lang="es-PE" sz="3200" b="1" dirty="0" smtClean="0">
-              <a:solidFill>
-                <a:srgbClr val="FF0000"/>
-              </a:solidFill>
-            </a:endParaRPr>
-          </a:p>
-        </p:txBody>
-      </p:sp>
-      <p:sp>
-        <p:nvSpPr>
-          <p:cNvPr id="4" name="3 Rectángulo"/>
-          <p:cNvSpPr/>
-          <p:nvPr/>
-        </p:nvSpPr>
-        <p:spPr>
-          <a:xfrm>
-            <a:off x="431540" y="2636912"/>
-            <a:ext cx="8352928" cy="3293209"/>
-          </a:xfrm>
-          <a:prstGeom prst="rect">
-            <a:avLst/>
-          </a:prstGeom>
-        </p:spPr>
-        <p:txBody>
-          <a:bodyPr wrap="square">
-            <a:spAutoFit/>
-          </a:bodyPr>
-          <a:lstStyle/>
-          <a:p>
-            <a:pPr lvl="1"/>
-            <a:r>
-              <a:rPr lang="es-PE" sz="2600" dirty="0" smtClean="0">
-                <a:solidFill>
-                  <a:srgbClr val="FFC000"/>
-                </a:solidFill>
-              </a:rPr>
-              <a:t>PROS</a:t>
-            </a:r>
-          </a:p>
-          <a:p>
-            <a:pPr marL="800100" lvl="1" indent="-342900">
-              <a:buFont typeface="Courier New" pitchFamily="49" charset="0"/>
-              <a:buChar char="o"/>
-            </a:pPr>
-            <a:r>
-              <a:rPr lang="es-PE" sz="2600" dirty="0" smtClean="0"/>
-              <a:t>Fácil de implementar.</a:t>
-            </a:r>
-          </a:p>
-          <a:p>
-            <a:pPr marL="800100" lvl="1" indent="-342900">
-              <a:buFont typeface="Courier New" pitchFamily="49" charset="0"/>
-              <a:buChar char="o"/>
-            </a:pPr>
-            <a:endParaRPr lang="es-PE" sz="2600" dirty="0" smtClean="0"/>
-          </a:p>
-          <a:p>
-            <a:pPr lvl="1"/>
-            <a:r>
-              <a:rPr lang="es-PE" sz="2600" dirty="0" smtClean="0">
-                <a:solidFill>
-                  <a:srgbClr val="FFC000"/>
-                </a:solidFill>
-              </a:rPr>
-              <a:t>CONS</a:t>
-            </a:r>
-            <a:endParaRPr lang="es-PE" sz="2600" dirty="0">
-              <a:solidFill>
-                <a:srgbClr val="FFC000"/>
-              </a:solidFill>
-            </a:endParaRPr>
-          </a:p>
-          <a:p>
-            <a:pPr marL="800100" lvl="1" indent="-342900">
-              <a:buFont typeface="Courier New" pitchFamily="49" charset="0"/>
-              <a:buChar char="o"/>
-            </a:pPr>
-            <a:r>
-              <a:rPr lang="es-PE" sz="2600" dirty="0" smtClean="0"/>
-              <a:t>Gran impacto </a:t>
-            </a:r>
-            <a:r>
-              <a:rPr lang="es-PE" sz="2600" dirty="0"/>
-              <a:t>en el tiempo de ejecución de </a:t>
-            </a:r>
-            <a:r>
-              <a:rPr lang="es-PE" sz="2600" dirty="0" smtClean="0"/>
-              <a:t>la prueba. (poco escalable si existen muchas pruebas y datos)</a:t>
-            </a:r>
-          </a:p>
-          <a:p>
-            <a:pPr marL="800100" lvl="1" indent="-342900">
-              <a:buFont typeface="Courier New" pitchFamily="49" charset="0"/>
-              <a:buChar char="o"/>
-            </a:pPr>
-            <a:endParaRPr lang="es-PE" sz="2600" dirty="0"/>
-          </a:p>
-          <a:p>
-            <a:pPr marL="457200" indent="-457200">
-              <a:buFont typeface="Arial" pitchFamily="34" charset="0"/>
-              <a:buChar char="•"/>
-            </a:pPr>
-            <a:endParaRPr lang="es-PE" sz="2600" dirty="0" smtClean="0"/>
-          </a:p>
-        </p:txBody>
-      </p:sp>
-      <p:sp>
-        <p:nvSpPr>
-          <p:cNvPr id="6" name="5 Rectángulo"/>
-          <p:cNvSpPr/>
-          <p:nvPr/>
-        </p:nvSpPr>
-        <p:spPr>
-          <a:xfrm>
-            <a:off x="323528" y="1600344"/>
-            <a:ext cx="8568000" cy="892552"/>
-          </a:xfrm>
-          <a:prstGeom prst="rect">
-            <a:avLst/>
-          </a:prstGeom>
-        </p:spPr>
-        <p:txBody>
-          <a:bodyPr wrap="square">
-            <a:spAutoFit/>
-          </a:bodyPr>
-          <a:lstStyle/>
-          <a:p>
-            <a:pPr algn="ctr"/>
-            <a:r>
-              <a:rPr lang="es-PE" sz="2600" dirty="0"/>
-              <a:t>Antes de cada prueba </a:t>
-            </a:r>
-            <a:r>
-              <a:rPr lang="es-PE" sz="2600" dirty="0" smtClean="0"/>
-              <a:t>eliminar todo y volverlo a crear. </a:t>
-            </a:r>
-            <a:br>
-              <a:rPr lang="es-PE" sz="2600" dirty="0" smtClean="0"/>
-            </a:br>
-            <a:r>
-              <a:rPr lang="es-PE" sz="2600" dirty="0"/>
-              <a:t>(tablas + </a:t>
-            </a:r>
-            <a:r>
-              <a:rPr lang="es-PE" sz="2600" dirty="0" smtClean="0"/>
-              <a:t>datos, </a:t>
-            </a:r>
-            <a:r>
-              <a:rPr lang="es-PE" sz="2600" dirty="0"/>
-              <a:t>solo </a:t>
-            </a:r>
-            <a:r>
-              <a:rPr lang="es-PE" sz="2600" dirty="0" smtClean="0"/>
-              <a:t>datos)</a:t>
-            </a:r>
-            <a:endParaRPr lang="es-PE" sz="2600" dirty="0"/>
-          </a:p>
-        </p:txBody>
-      </p:sp>
     </p:spTree>
     <p:extLst>
       <p:ext uri="{BB962C8B-B14F-4D97-AF65-F5344CB8AC3E}">
-        <p14:creationId xmlns:p14="http://schemas.microsoft.com/office/powerpoint/2010/main" val="1934509711"/>
+        <p14:creationId xmlns:p14="http://schemas.microsoft.com/office/powerpoint/2010/main" val="562345185"/>
       </p:ext>
     </p:extLst>
   </p:cSld>
@@ -12934,31 +13302,312 @@
       </p:grpSpPr>
       <p:sp>
         <p:nvSpPr>
-          <p:cNvPr id="3" name="2 Título"/>
-          <p:cNvSpPr>
-            <a:spLocks noGrp="1"/>
+          <p:cNvPr id="4" name="2 Título"/>
+          <p:cNvSpPr txBox="1">
+            <a:spLocks/>
           </p:cNvSpPr>
-          <p:nvPr>
-            <p:ph type="title"/>
-          </p:nvPr>
-        </p:nvSpPr>
-        <p:spPr>
+          <p:nvPr/>
+        </p:nvSpPr>
+        <p:spPr bwMode="auto">
           <a:xfrm>
-            <a:off x="556805" y="183778"/>
-            <a:ext cx="8229600" cy="724942"/>
+            <a:off x="457200" y="1124744"/>
+            <a:ext cx="8229600" cy="3672408"/>
           </a:xfrm>
+          <a:prstGeom prst="rect">
+            <a:avLst/>
+          </a:prstGeom>
+          <a:noFill/>
+          <a:ln w="9525">
+            <a:noFill/>
+            <a:miter lim="800000"/>
+            <a:headEnd/>
+            <a:tailEnd/>
+          </a:ln>
         </p:spPr>
         <p:txBody>
-          <a:bodyPr/>
-          <a:lstStyle/>
+          <a:bodyPr vert="horz" wrap="square" lIns="91440" tIns="45720" rIns="91440" bIns="45720" numCol="1" anchor="ctr" anchorCtr="0" compatLnSpc="1">
+            <a:prstTxWarp prst="textNoShape">
+              <a:avLst/>
+            </a:prstTxWarp>
+          </a:bodyPr>
+          <a:lstStyle>
+            <a:lvl1pPr algn="ctr" rtl="0" eaLnBrk="1" fontAlgn="base" hangingPunct="1">
+              <a:spcBef>
+                <a:spcPct val="0"/>
+              </a:spcBef>
+              <a:spcAft>
+                <a:spcPct val="0"/>
+              </a:spcAft>
+              <a:defRPr sz="4400" kern="1200">
+                <a:solidFill>
+                  <a:schemeClr val="tx1"/>
+                </a:solidFill>
+                <a:latin typeface="+mj-lt"/>
+                <a:ea typeface="+mj-ea"/>
+                <a:cs typeface="+mj-cs"/>
+              </a:defRPr>
+            </a:lvl1pPr>
+            <a:lvl2pPr algn="ctr" rtl="0" eaLnBrk="1" fontAlgn="base" hangingPunct="1">
+              <a:spcBef>
+                <a:spcPct val="0"/>
+              </a:spcBef>
+              <a:spcAft>
+                <a:spcPct val="0"/>
+              </a:spcAft>
+              <a:defRPr sz="4400">
+                <a:solidFill>
+                  <a:schemeClr val="tx1"/>
+                </a:solidFill>
+                <a:latin typeface="Calibri" pitchFamily="34" charset="0"/>
+              </a:defRPr>
+            </a:lvl2pPr>
+            <a:lvl3pPr algn="ctr" rtl="0" eaLnBrk="1" fontAlgn="base" hangingPunct="1">
+              <a:spcBef>
+                <a:spcPct val="0"/>
+              </a:spcBef>
+              <a:spcAft>
+                <a:spcPct val="0"/>
+              </a:spcAft>
+              <a:defRPr sz="4400">
+                <a:solidFill>
+                  <a:schemeClr val="tx1"/>
+                </a:solidFill>
+                <a:latin typeface="Calibri" pitchFamily="34" charset="0"/>
+              </a:defRPr>
+            </a:lvl3pPr>
+            <a:lvl4pPr algn="ctr" rtl="0" eaLnBrk="1" fontAlgn="base" hangingPunct="1">
+              <a:spcBef>
+                <a:spcPct val="0"/>
+              </a:spcBef>
+              <a:spcAft>
+                <a:spcPct val="0"/>
+              </a:spcAft>
+              <a:defRPr sz="4400">
+                <a:solidFill>
+                  <a:schemeClr val="tx1"/>
+                </a:solidFill>
+                <a:latin typeface="Calibri" pitchFamily="34" charset="0"/>
+              </a:defRPr>
+            </a:lvl4pPr>
+            <a:lvl5pPr algn="ctr" rtl="0" eaLnBrk="1" fontAlgn="base" hangingPunct="1">
+              <a:spcBef>
+                <a:spcPct val="0"/>
+              </a:spcBef>
+              <a:spcAft>
+                <a:spcPct val="0"/>
+              </a:spcAft>
+              <a:defRPr sz="4400">
+                <a:solidFill>
+                  <a:schemeClr val="tx1"/>
+                </a:solidFill>
+                <a:latin typeface="Calibri" pitchFamily="34" charset="0"/>
+              </a:defRPr>
+            </a:lvl5pPr>
+            <a:lvl6pPr marL="457200" algn="ctr" rtl="0" eaLnBrk="1" fontAlgn="base" hangingPunct="1">
+              <a:spcBef>
+                <a:spcPct val="0"/>
+              </a:spcBef>
+              <a:spcAft>
+                <a:spcPct val="0"/>
+              </a:spcAft>
+              <a:defRPr sz="4400">
+                <a:solidFill>
+                  <a:schemeClr val="tx1"/>
+                </a:solidFill>
+                <a:latin typeface="Calibri" pitchFamily="34" charset="0"/>
+              </a:defRPr>
+            </a:lvl6pPr>
+            <a:lvl7pPr marL="914400" algn="ctr" rtl="0" eaLnBrk="1" fontAlgn="base" hangingPunct="1">
+              <a:spcBef>
+                <a:spcPct val="0"/>
+              </a:spcBef>
+              <a:spcAft>
+                <a:spcPct val="0"/>
+              </a:spcAft>
+              <a:defRPr sz="4400">
+                <a:solidFill>
+                  <a:schemeClr val="tx1"/>
+                </a:solidFill>
+                <a:latin typeface="Calibri" pitchFamily="34" charset="0"/>
+              </a:defRPr>
+            </a:lvl7pPr>
+            <a:lvl8pPr marL="1371600" algn="ctr" rtl="0" eaLnBrk="1" fontAlgn="base" hangingPunct="1">
+              <a:spcBef>
+                <a:spcPct val="0"/>
+              </a:spcBef>
+              <a:spcAft>
+                <a:spcPct val="0"/>
+              </a:spcAft>
+              <a:defRPr sz="4400">
+                <a:solidFill>
+                  <a:schemeClr val="tx1"/>
+                </a:solidFill>
+                <a:latin typeface="Calibri" pitchFamily="34" charset="0"/>
+              </a:defRPr>
+            </a:lvl8pPr>
+            <a:lvl9pPr marL="1828800" algn="ctr" rtl="0" eaLnBrk="1" fontAlgn="base" hangingPunct="1">
+              <a:spcBef>
+                <a:spcPct val="0"/>
+              </a:spcBef>
+              <a:spcAft>
+                <a:spcPct val="0"/>
+              </a:spcAft>
+              <a:defRPr sz="4400">
+                <a:solidFill>
+                  <a:schemeClr val="tx1"/>
+                </a:solidFill>
+                <a:latin typeface="Calibri" pitchFamily="34" charset="0"/>
+              </a:defRPr>
+            </a:lvl9pPr>
+          </a:lstStyle>
           <a:p>
             <a:r>
               <a:rPr lang="es-PE" dirty="0" smtClean="0">
                 <a:solidFill>
+                  <a:srgbClr val="FFC000"/>
+                </a:solidFill>
+              </a:rPr>
+              <a:t>Ejercicio</a:t>
+            </a:r>
+            <a:br>
+              <a:rPr lang="es-PE" dirty="0" smtClean="0">
+                <a:solidFill>
+                  <a:srgbClr val="FFC000"/>
+                </a:solidFill>
+              </a:rPr>
+            </a:br>
+            <a:r>
+              <a:rPr lang="es-PE" dirty="0" err="1" smtClean="0">
+                <a:solidFill>
                   <a:srgbClr val="00823B"/>
                 </a:solidFill>
               </a:rPr>
-              <a:t>Inicializar y Restablecer la BD</a:t>
+              <a:t>Entity</a:t>
+            </a:r>
+            <a:r>
+              <a:rPr lang="es-PE" dirty="0" smtClean="0">
+                <a:solidFill>
+                  <a:srgbClr val="00823B"/>
+                </a:solidFill>
+              </a:rPr>
+              <a:t> Framework </a:t>
+            </a:r>
+            <a:r>
+              <a:rPr lang="es-PE" dirty="0" err="1" smtClean="0">
+                <a:solidFill>
+                  <a:srgbClr val="00823B"/>
+                </a:solidFill>
+              </a:rPr>
+              <a:t>Testing</a:t>
+            </a:r>
+            <a:r>
+              <a:rPr lang="es-PE" dirty="0" smtClean="0">
+                <a:solidFill>
+                  <a:srgbClr val="00823B"/>
+                </a:solidFill>
+              </a:rPr>
+              <a:t> </a:t>
+            </a:r>
+            <a:r>
+              <a:rPr lang="es-PE" dirty="0" smtClean="0"/>
+              <a:t/>
+            </a:r>
+            <a:br>
+              <a:rPr lang="es-PE" dirty="0" smtClean="0"/>
+            </a:br>
+            <a:r>
+              <a:rPr lang="es-PE" dirty="0" smtClean="0"/>
+              <a:t>utilizando</a:t>
+            </a:r>
+            <a:br>
+              <a:rPr lang="es-PE" dirty="0" smtClean="0"/>
+            </a:br>
+            <a:r>
+              <a:rPr lang="es-PE" dirty="0" smtClean="0">
+                <a:solidFill>
+                  <a:srgbClr val="00823B"/>
+                </a:solidFill>
+              </a:rPr>
+              <a:t>"</a:t>
+            </a:r>
+            <a:r>
+              <a:rPr lang="es-PE" dirty="0" err="1" smtClean="0">
+                <a:solidFill>
+                  <a:srgbClr val="00823B"/>
+                </a:solidFill>
+              </a:rPr>
+              <a:t>Selft-Contained</a:t>
+            </a:r>
+            <a:r>
+              <a:rPr lang="es-PE" dirty="0" smtClean="0">
+                <a:solidFill>
+                  <a:srgbClr val="00823B"/>
+                </a:solidFill>
+              </a:rPr>
+              <a:t> </a:t>
+            </a:r>
+            <a:r>
+              <a:rPr lang="es-PE" dirty="0" err="1" smtClean="0">
+                <a:solidFill>
+                  <a:srgbClr val="00823B"/>
+                </a:solidFill>
+              </a:rPr>
+              <a:t>Tests</a:t>
+            </a:r>
+            <a:r>
+              <a:rPr lang="es-PE" dirty="0" smtClean="0">
+                <a:solidFill>
+                  <a:srgbClr val="00823B"/>
+                </a:solidFill>
+              </a:rPr>
+              <a:t>"</a:t>
+            </a:r>
+            <a:br>
+              <a:rPr lang="es-PE" dirty="0" smtClean="0">
+                <a:solidFill>
+                  <a:srgbClr val="00823B"/>
+                </a:solidFill>
+              </a:rPr>
+            </a:br>
+            <a:r>
+              <a:rPr lang="es-PE" dirty="0" smtClean="0">
+                <a:solidFill>
+                  <a:srgbClr val="00823B"/>
+                </a:solidFill>
+              </a:rPr>
+              <a:t>"</a:t>
+            </a:r>
+            <a:r>
+              <a:rPr lang="es-PE" dirty="0" err="1" smtClean="0">
+                <a:solidFill>
+                  <a:srgbClr val="00823B"/>
+                </a:solidFill>
+              </a:rPr>
+              <a:t>Transaction</a:t>
+            </a:r>
+            <a:r>
+              <a:rPr lang="es-PE" dirty="0" smtClean="0">
+                <a:solidFill>
+                  <a:srgbClr val="00823B"/>
+                </a:solidFill>
+              </a:rPr>
+              <a:t> - </a:t>
+            </a:r>
+            <a:r>
+              <a:rPr lang="es-PE" dirty="0" err="1" smtClean="0">
+                <a:solidFill>
+                  <a:srgbClr val="00823B"/>
+                </a:solidFill>
+              </a:rPr>
+              <a:t>Rollback</a:t>
+            </a:r>
+            <a:r>
+              <a:rPr lang="es-PE" dirty="0" smtClean="0">
+                <a:solidFill>
+                  <a:srgbClr val="00823B"/>
+                </a:solidFill>
+              </a:rPr>
+              <a:t>"</a:t>
             </a:r>
             <a:endParaRPr lang="es-PE" dirty="0">
               <a:solidFill>
@@ -12968,194 +13617,10 @@
           </a:p>
         </p:txBody>
       </p:sp>
-      <p:sp>
-        <p:nvSpPr>
-          <p:cNvPr id="2" name="1 CuadroTexto"/>
-          <p:cNvSpPr txBox="1"/>
-          <p:nvPr/>
-        </p:nvSpPr>
-        <p:spPr>
-          <a:xfrm>
-            <a:off x="323528" y="1006517"/>
-            <a:ext cx="8568952" cy="584775"/>
-          </a:xfrm>
-          <a:prstGeom prst="rect">
-            <a:avLst/>
-          </a:prstGeom>
-          <a:noFill/>
-        </p:spPr>
-        <p:txBody>
-          <a:bodyPr wrap="square" rtlCol="0">
-            <a:spAutoFit/>
-          </a:bodyPr>
-          <a:lstStyle/>
-          <a:p>
-            <a:pPr algn="ctr"/>
-            <a:r>
-              <a:rPr lang="es-PE" sz="3200" b="1" dirty="0" err="1" smtClean="0">
-                <a:solidFill>
-                  <a:srgbClr val="FF0000"/>
-                </a:solidFill>
-              </a:rPr>
-              <a:t>Nuke</a:t>
-            </a:r>
-            <a:r>
-              <a:rPr lang="es-PE" sz="3200" b="1" dirty="0" smtClean="0">
-                <a:solidFill>
-                  <a:srgbClr val="FF0000"/>
-                </a:solidFill>
-              </a:rPr>
-              <a:t> and </a:t>
-            </a:r>
-            <a:r>
-              <a:rPr lang="es-PE" sz="3200" b="1" dirty="0" err="1" smtClean="0">
-                <a:solidFill>
-                  <a:srgbClr val="FF0000"/>
-                </a:solidFill>
-              </a:rPr>
-              <a:t>Pave</a:t>
-            </a:r>
-            <a:endParaRPr lang="es-PE" sz="3200" b="1" dirty="0" smtClean="0">
-              <a:solidFill>
-                <a:srgbClr val="FF0000"/>
-              </a:solidFill>
-            </a:endParaRPr>
-          </a:p>
-        </p:txBody>
-      </p:sp>
-      <p:sp>
-        <p:nvSpPr>
-          <p:cNvPr id="7" name="6 Rectángulo"/>
-          <p:cNvSpPr/>
-          <p:nvPr/>
-        </p:nvSpPr>
-        <p:spPr>
-          <a:xfrm>
-            <a:off x="323528" y="1711836"/>
-            <a:ext cx="8568952" cy="4493538"/>
-          </a:xfrm>
-          <a:prstGeom prst="rect">
-            <a:avLst/>
-          </a:prstGeom>
-        </p:spPr>
-        <p:txBody>
-          <a:bodyPr wrap="square">
-            <a:spAutoFit/>
-          </a:bodyPr>
-          <a:lstStyle/>
-          <a:p>
-            <a:pPr marL="457200" indent="-457200">
-              <a:buFont typeface="Arial" pitchFamily="34" charset="0"/>
-              <a:buChar char="•"/>
-            </a:pPr>
-            <a:r>
-              <a:rPr lang="es-PE" sz="2600" dirty="0" smtClean="0"/>
-              <a:t>Herramientas:</a:t>
-            </a:r>
-          </a:p>
-          <a:p>
-            <a:pPr marL="914400" lvl="1" indent="-457200">
-              <a:buFont typeface="Courier New" pitchFamily="49" charset="0"/>
-              <a:buChar char="o"/>
-            </a:pPr>
-            <a:r>
-              <a:rPr lang="es-PE" sz="2600" dirty="0" err="1" smtClean="0"/>
-              <a:t>NDBUnit</a:t>
-            </a:r>
-            <a:r>
-              <a:rPr lang="es-PE" sz="2600" dirty="0" smtClean="0"/>
-              <a:t>: Permite eliminar todos los datos de las tablas antes de realizar las inserciones.</a:t>
-            </a:r>
-          </a:p>
-          <a:p>
-            <a:pPr marL="914400" lvl="1" indent="-457200">
-              <a:buFont typeface="Courier New" pitchFamily="49" charset="0"/>
-              <a:buChar char="o"/>
-            </a:pPr>
-            <a:endParaRPr lang="es-PE" sz="2600" dirty="0" smtClean="0"/>
-          </a:p>
-          <a:p>
-            <a:pPr marL="914400" lvl="1" indent="-457200">
-              <a:buFont typeface="Courier New" pitchFamily="49" charset="0"/>
-              <a:buChar char="o"/>
-            </a:pPr>
-            <a:r>
-              <a:rPr lang="es-PE" sz="2600" dirty="0" smtClean="0"/>
-              <a:t>EF </a:t>
-            </a:r>
-            <a:r>
-              <a:rPr lang="es-PE" sz="2600" dirty="0" err="1" smtClean="0"/>
-              <a:t>Initializers</a:t>
-            </a:r>
-            <a:r>
-              <a:rPr lang="es-PE" sz="2600" dirty="0" smtClean="0"/>
-              <a:t>: Permite recrear toda la BD </a:t>
-            </a:r>
-            <a:br>
-              <a:rPr lang="es-PE" sz="2600" dirty="0" smtClean="0"/>
-            </a:br>
-            <a:r>
-              <a:rPr lang="es-PE" sz="2600" dirty="0" smtClean="0"/>
-              <a:t>(tablas y datos) antes de realizar las inserciones.</a:t>
-            </a:r>
-          </a:p>
-          <a:p>
-            <a:pPr marL="914400" lvl="1" indent="-457200">
-              <a:buFont typeface="Courier New" pitchFamily="49" charset="0"/>
-              <a:buChar char="o"/>
-            </a:pPr>
-            <a:endParaRPr lang="es-PE" sz="2600" dirty="0"/>
-          </a:p>
-          <a:p>
-            <a:pPr marL="914400" lvl="1" indent="-457200">
-              <a:buFont typeface="Courier New" pitchFamily="49" charset="0"/>
-              <a:buChar char="o"/>
-            </a:pPr>
-            <a:r>
-              <a:rPr lang="es-PE" sz="2600" dirty="0"/>
-              <a:t>Los </a:t>
-            </a:r>
-            <a:r>
-              <a:rPr lang="es-PE" sz="2600" dirty="0" err="1"/>
-              <a:t>ORMs</a:t>
-            </a:r>
-            <a:r>
-              <a:rPr lang="es-PE" sz="2600" dirty="0"/>
-              <a:t> ofrecen la funcionalidad de generar toda la BD (tabas y datos) a partir del modelo de las clases.</a:t>
-            </a:r>
-          </a:p>
-          <a:p>
-            <a:pPr marL="914400" lvl="1" indent="-457200">
-              <a:buFont typeface="Courier New" pitchFamily="49" charset="0"/>
-              <a:buChar char="o"/>
-            </a:pPr>
-            <a:endParaRPr lang="es-PE" sz="2600" dirty="0" smtClean="0"/>
-          </a:p>
-          <a:p>
-            <a:pPr marL="914400" lvl="1" indent="-457200">
-              <a:buFont typeface="Courier New" pitchFamily="49" charset="0"/>
-              <a:buChar char="o"/>
-            </a:pPr>
-            <a:r>
-              <a:rPr lang="es-PE" sz="2600" dirty="0" smtClean="0"/>
-              <a:t>SQL Server </a:t>
-            </a:r>
-            <a:r>
-              <a:rPr lang="es-PE" sz="2600" dirty="0" err="1" smtClean="0"/>
-              <a:t>Snapshots</a:t>
-            </a:r>
-            <a:r>
-              <a:rPr lang="es-PE" sz="2600" dirty="0" smtClean="0"/>
-              <a:t> / Oracle Flashback</a:t>
-            </a:r>
-            <a:endParaRPr lang="es-PE" sz="2600" dirty="0"/>
-          </a:p>
-        </p:txBody>
-      </p:sp>
     </p:spTree>
     <p:extLst>
       <p:ext uri="{BB962C8B-B14F-4D97-AF65-F5344CB8AC3E}">
-        <p14:creationId xmlns:p14="http://schemas.microsoft.com/office/powerpoint/2010/main" val="3120737614"/>
+        <p14:creationId xmlns:p14="http://schemas.microsoft.com/office/powerpoint/2010/main" val="562345185"/>
       </p:ext>
     </p:extLst>
   </p:cSld>
@@ -13191,1076 +13656,6 @@
       </p:grpSpPr>
       <p:sp>
         <p:nvSpPr>
-          <p:cNvPr id="4" name="2 Título"/>
-          <p:cNvSpPr txBox="1">
-            <a:spLocks/>
-          </p:cNvSpPr>
-          <p:nvPr/>
-        </p:nvSpPr>
-        <p:spPr bwMode="auto">
-          <a:xfrm>
-            <a:off x="457200" y="1124744"/>
-            <a:ext cx="8229600" cy="3672408"/>
-          </a:xfrm>
-          <a:prstGeom prst="rect">
-            <a:avLst/>
-          </a:prstGeom>
-          <a:noFill/>
-          <a:ln w="9525">
-            <a:noFill/>
-            <a:miter lim="800000"/>
-            <a:headEnd/>
-            <a:tailEnd/>
-          </a:ln>
-        </p:spPr>
-        <p:txBody>
-          <a:bodyPr vert="horz" wrap="square" lIns="91440" tIns="45720" rIns="91440" bIns="45720" numCol="1" anchor="ctr" anchorCtr="0" compatLnSpc="1">
-            <a:prstTxWarp prst="textNoShape">
-              <a:avLst/>
-            </a:prstTxWarp>
-          </a:bodyPr>
-          <a:lstStyle>
-            <a:lvl1pPr algn="ctr" rtl="0" eaLnBrk="1" fontAlgn="base" hangingPunct="1">
-              <a:spcBef>
-                <a:spcPct val="0"/>
-              </a:spcBef>
-              <a:spcAft>
-                <a:spcPct val="0"/>
-              </a:spcAft>
-              <a:defRPr sz="4400" kern="1200">
-                <a:solidFill>
-                  <a:schemeClr val="tx1"/>
-                </a:solidFill>
-                <a:latin typeface="+mj-lt"/>
-                <a:ea typeface="+mj-ea"/>
-                <a:cs typeface="+mj-cs"/>
-              </a:defRPr>
-            </a:lvl1pPr>
-            <a:lvl2pPr algn="ctr" rtl="0" eaLnBrk="1" fontAlgn="base" hangingPunct="1">
-              <a:spcBef>
-                <a:spcPct val="0"/>
-              </a:spcBef>
-              <a:spcAft>
-                <a:spcPct val="0"/>
-              </a:spcAft>
-              <a:defRPr sz="4400">
-                <a:solidFill>
-                  <a:schemeClr val="tx1"/>
-                </a:solidFill>
-                <a:latin typeface="Calibri" pitchFamily="34" charset="0"/>
-              </a:defRPr>
-            </a:lvl2pPr>
-            <a:lvl3pPr algn="ctr" rtl="0" eaLnBrk="1" fontAlgn="base" hangingPunct="1">
-              <a:spcBef>
-                <a:spcPct val="0"/>
-              </a:spcBef>
-              <a:spcAft>
-                <a:spcPct val="0"/>
-              </a:spcAft>
-              <a:defRPr sz="4400">
-                <a:solidFill>
-                  <a:schemeClr val="tx1"/>
-                </a:solidFill>
-                <a:latin typeface="Calibri" pitchFamily="34" charset="0"/>
-              </a:defRPr>
-            </a:lvl3pPr>
-            <a:lvl4pPr algn="ctr" rtl="0" eaLnBrk="1" fontAlgn="base" hangingPunct="1">
-              <a:spcBef>
-                <a:spcPct val="0"/>
-              </a:spcBef>
-              <a:spcAft>
-                <a:spcPct val="0"/>
-              </a:spcAft>
-              <a:defRPr sz="4400">
-                <a:solidFill>
-                  <a:schemeClr val="tx1"/>
-                </a:solidFill>
-                <a:latin typeface="Calibri" pitchFamily="34" charset="0"/>
-              </a:defRPr>
-            </a:lvl4pPr>
-            <a:lvl5pPr algn="ctr" rtl="0" eaLnBrk="1" fontAlgn="base" hangingPunct="1">
-              <a:spcBef>
-                <a:spcPct val="0"/>
-              </a:spcBef>
-              <a:spcAft>
-                <a:spcPct val="0"/>
-              </a:spcAft>
-              <a:defRPr sz="4400">
-                <a:solidFill>
-                  <a:schemeClr val="tx1"/>
-                </a:solidFill>
-                <a:latin typeface="Calibri" pitchFamily="34" charset="0"/>
-              </a:defRPr>
-            </a:lvl5pPr>
-            <a:lvl6pPr marL="457200" algn="ctr" rtl="0" eaLnBrk="1" fontAlgn="base" hangingPunct="1">
-              <a:spcBef>
-                <a:spcPct val="0"/>
-              </a:spcBef>
-              <a:spcAft>
-                <a:spcPct val="0"/>
-              </a:spcAft>
-              <a:defRPr sz="4400">
-                <a:solidFill>
-                  <a:schemeClr val="tx1"/>
-                </a:solidFill>
-                <a:latin typeface="Calibri" pitchFamily="34" charset="0"/>
-              </a:defRPr>
-            </a:lvl6pPr>
-            <a:lvl7pPr marL="914400" algn="ctr" rtl="0" eaLnBrk="1" fontAlgn="base" hangingPunct="1">
-              <a:spcBef>
-                <a:spcPct val="0"/>
-              </a:spcBef>
-              <a:spcAft>
-                <a:spcPct val="0"/>
-              </a:spcAft>
-              <a:defRPr sz="4400">
-                <a:solidFill>
-                  <a:schemeClr val="tx1"/>
-                </a:solidFill>
-                <a:latin typeface="Calibri" pitchFamily="34" charset="0"/>
-              </a:defRPr>
-            </a:lvl7pPr>
-            <a:lvl8pPr marL="1371600" algn="ctr" rtl="0" eaLnBrk="1" fontAlgn="base" hangingPunct="1">
-              <a:spcBef>
-                <a:spcPct val="0"/>
-              </a:spcBef>
-              <a:spcAft>
-                <a:spcPct val="0"/>
-              </a:spcAft>
-              <a:defRPr sz="4400">
-                <a:solidFill>
-                  <a:schemeClr val="tx1"/>
-                </a:solidFill>
-                <a:latin typeface="Calibri" pitchFamily="34" charset="0"/>
-              </a:defRPr>
-            </a:lvl8pPr>
-            <a:lvl9pPr marL="1828800" algn="ctr" rtl="0" eaLnBrk="1" fontAlgn="base" hangingPunct="1">
-              <a:spcBef>
-                <a:spcPct val="0"/>
-              </a:spcBef>
-              <a:spcAft>
-                <a:spcPct val="0"/>
-              </a:spcAft>
-              <a:defRPr sz="4400">
-                <a:solidFill>
-                  <a:schemeClr val="tx1"/>
-                </a:solidFill>
-                <a:latin typeface="Calibri" pitchFamily="34" charset="0"/>
-              </a:defRPr>
-            </a:lvl9pPr>
-          </a:lstStyle>
-          <a:p>
-            <a:r>
-              <a:rPr lang="es-PE" dirty="0" smtClean="0">
-                <a:solidFill>
-                  <a:srgbClr val="FFC000"/>
-                </a:solidFill>
-              </a:rPr>
-              <a:t>Ejercicio</a:t>
-            </a:r>
-            <a:br>
-              <a:rPr lang="es-PE" dirty="0" smtClean="0">
-                <a:solidFill>
-                  <a:srgbClr val="FFC000"/>
-                </a:solidFill>
-              </a:rPr>
-            </a:br>
-            <a:r>
-              <a:rPr lang="es-PE" dirty="0" smtClean="0">
-                <a:solidFill>
-                  <a:srgbClr val="00823B"/>
-                </a:solidFill>
-              </a:rPr>
-              <a:t>"</a:t>
-            </a:r>
-            <a:r>
-              <a:rPr lang="es-PE" dirty="0" err="1" smtClean="0">
-                <a:solidFill>
-                  <a:srgbClr val="00823B"/>
-                </a:solidFill>
-              </a:rPr>
-              <a:t>Raw</a:t>
-            </a:r>
-            <a:r>
-              <a:rPr lang="es-PE" dirty="0" smtClean="0">
-                <a:solidFill>
-                  <a:srgbClr val="00823B"/>
-                </a:solidFill>
-              </a:rPr>
-              <a:t>" ADO.NET </a:t>
-            </a:r>
-            <a:r>
-              <a:rPr lang="es-PE" dirty="0" err="1" smtClean="0">
-                <a:solidFill>
-                  <a:srgbClr val="00823B"/>
-                </a:solidFill>
-              </a:rPr>
-              <a:t>Testing</a:t>
-            </a:r>
-            <a:r>
-              <a:rPr lang="es-PE" dirty="0" smtClean="0">
-                <a:solidFill>
-                  <a:srgbClr val="00823B"/>
-                </a:solidFill>
-              </a:rPr>
-              <a:t> </a:t>
-            </a:r>
-            <a:r>
-              <a:rPr lang="es-PE" dirty="0" smtClean="0"/>
-              <a:t/>
-            </a:r>
-            <a:br>
-              <a:rPr lang="es-PE" dirty="0" smtClean="0"/>
-            </a:br>
-            <a:r>
-              <a:rPr lang="es-PE" dirty="0" smtClean="0"/>
-              <a:t>utilizando</a:t>
-            </a:r>
-            <a:br>
-              <a:rPr lang="es-PE" dirty="0" smtClean="0"/>
-            </a:br>
-            <a:r>
-              <a:rPr lang="es-PE" dirty="0" smtClean="0">
-                <a:solidFill>
-                  <a:srgbClr val="00823B"/>
-                </a:solidFill>
-              </a:rPr>
-              <a:t>"</a:t>
-            </a:r>
-            <a:r>
-              <a:rPr lang="es-PE" dirty="0" err="1" smtClean="0">
-                <a:solidFill>
-                  <a:srgbClr val="00823B"/>
-                </a:solidFill>
-              </a:rPr>
-              <a:t>External</a:t>
-            </a:r>
-            <a:r>
-              <a:rPr lang="es-PE" dirty="0" smtClean="0">
-                <a:solidFill>
-                  <a:srgbClr val="00823B"/>
-                </a:solidFill>
-              </a:rPr>
-              <a:t> Data </a:t>
-            </a:r>
-            <a:r>
-              <a:rPr lang="es-PE" dirty="0" err="1" smtClean="0">
-                <a:solidFill>
-                  <a:srgbClr val="00823B"/>
-                </a:solidFill>
-              </a:rPr>
-              <a:t>Source</a:t>
-            </a:r>
-            <a:r>
-              <a:rPr lang="es-PE" dirty="0" smtClean="0">
-                <a:solidFill>
-                  <a:srgbClr val="00823B"/>
-                </a:solidFill>
-              </a:rPr>
-              <a:t>"</a:t>
-            </a:r>
-            <a:br>
-              <a:rPr lang="es-PE" dirty="0" smtClean="0">
-                <a:solidFill>
-                  <a:srgbClr val="00823B"/>
-                </a:solidFill>
-              </a:rPr>
-            </a:br>
-            <a:r>
-              <a:rPr lang="es-PE" dirty="0" smtClean="0">
-                <a:solidFill>
-                  <a:srgbClr val="00823B"/>
-                </a:solidFill>
-              </a:rPr>
-              <a:t>"</a:t>
-            </a:r>
-            <a:r>
-              <a:rPr lang="es-PE" dirty="0" err="1" smtClean="0">
-                <a:solidFill>
-                  <a:srgbClr val="00823B"/>
-                </a:solidFill>
-              </a:rPr>
-              <a:t>Nuke</a:t>
-            </a:r>
-            <a:r>
-              <a:rPr lang="es-PE" dirty="0" smtClean="0">
-                <a:solidFill>
-                  <a:srgbClr val="00823B"/>
-                </a:solidFill>
-              </a:rPr>
-              <a:t> and </a:t>
-            </a:r>
-            <a:r>
-              <a:rPr lang="es-PE" dirty="0" err="1" smtClean="0">
-                <a:solidFill>
-                  <a:srgbClr val="00823B"/>
-                </a:solidFill>
-              </a:rPr>
-              <a:t>Pave</a:t>
-            </a:r>
-            <a:r>
-              <a:rPr lang="es-PE" dirty="0" smtClean="0">
-                <a:solidFill>
-                  <a:srgbClr val="00823B"/>
-                </a:solidFill>
-              </a:rPr>
-              <a:t>"</a:t>
-            </a:r>
-            <a:endParaRPr lang="es-PE" dirty="0">
-              <a:solidFill>
-                <a:srgbClr val="00823B"/>
-              </a:solidFill>
-            </a:endParaRPr>
-          </a:p>
-        </p:txBody>
-      </p:sp>
-    </p:spTree>
-    <p:extLst>
-      <p:ext uri="{BB962C8B-B14F-4D97-AF65-F5344CB8AC3E}">
-        <p14:creationId xmlns:p14="http://schemas.microsoft.com/office/powerpoint/2010/main" val="3240687454"/>
-      </p:ext>
-    </p:extLst>
-  </p:cSld>
-  <p:clrMapOvr>
-    <a:masterClrMapping/>
-  </p:clrMapOvr>
-  <p:timing>
-    <p:tnLst>
-      <p:par>
-        <p:cTn id="1" dur="indefinite" restart="never" nodeType="tmRoot"/>
-      </p:par>
-    </p:tnLst>
-  </p:timing>
-</p:sld>
-</file>
-
-<file path=ppt/slides/slide24.xml><?xml version="1.0" encoding="utf-8"?>
-<p:sld xmlns:a="http://schemas.openxmlformats.org/drawingml/2006/main" xmlns:r="http://schemas.openxmlformats.org/officeDocument/2006/relationships" xmlns:p="http://schemas.openxmlformats.org/presentationml/2006/main">
-  <p:cSld>
-    <p:spTree>
-      <p:nvGrpSpPr>
-        <p:cNvPr id="1" name=""/>
-        <p:cNvGrpSpPr/>
-        <p:nvPr/>
-      </p:nvGrpSpPr>
-      <p:grpSpPr>
-        <a:xfrm>
-          <a:off x="0" y="0"/>
-          <a:ext cx="0" cy="0"/>
-          <a:chOff x="0" y="0"/>
-          <a:chExt cx="0" cy="0"/>
-        </a:xfrm>
-      </p:grpSpPr>
-      <p:sp>
-        <p:nvSpPr>
-          <p:cNvPr id="4" name="2 Título"/>
-          <p:cNvSpPr txBox="1">
-            <a:spLocks/>
-          </p:cNvSpPr>
-          <p:nvPr/>
-        </p:nvSpPr>
-        <p:spPr bwMode="auto">
-          <a:xfrm>
-            <a:off x="457200" y="1124744"/>
-            <a:ext cx="8229600" cy="3672408"/>
-          </a:xfrm>
-          <a:prstGeom prst="rect">
-            <a:avLst/>
-          </a:prstGeom>
-          <a:noFill/>
-          <a:ln w="9525">
-            <a:noFill/>
-            <a:miter lim="800000"/>
-            <a:headEnd/>
-            <a:tailEnd/>
-          </a:ln>
-        </p:spPr>
-        <p:txBody>
-          <a:bodyPr vert="horz" wrap="square" lIns="91440" tIns="45720" rIns="91440" bIns="45720" numCol="1" anchor="ctr" anchorCtr="0" compatLnSpc="1">
-            <a:prstTxWarp prst="textNoShape">
-              <a:avLst/>
-            </a:prstTxWarp>
-          </a:bodyPr>
-          <a:lstStyle>
-            <a:lvl1pPr algn="ctr" rtl="0" eaLnBrk="1" fontAlgn="base" hangingPunct="1">
-              <a:spcBef>
-                <a:spcPct val="0"/>
-              </a:spcBef>
-              <a:spcAft>
-                <a:spcPct val="0"/>
-              </a:spcAft>
-              <a:defRPr sz="4400" kern="1200">
-                <a:solidFill>
-                  <a:schemeClr val="tx1"/>
-                </a:solidFill>
-                <a:latin typeface="+mj-lt"/>
-                <a:ea typeface="+mj-ea"/>
-                <a:cs typeface="+mj-cs"/>
-              </a:defRPr>
-            </a:lvl1pPr>
-            <a:lvl2pPr algn="ctr" rtl="0" eaLnBrk="1" fontAlgn="base" hangingPunct="1">
-              <a:spcBef>
-                <a:spcPct val="0"/>
-              </a:spcBef>
-              <a:spcAft>
-                <a:spcPct val="0"/>
-              </a:spcAft>
-              <a:defRPr sz="4400">
-                <a:solidFill>
-                  <a:schemeClr val="tx1"/>
-                </a:solidFill>
-                <a:latin typeface="Calibri" pitchFamily="34" charset="0"/>
-              </a:defRPr>
-            </a:lvl2pPr>
-            <a:lvl3pPr algn="ctr" rtl="0" eaLnBrk="1" fontAlgn="base" hangingPunct="1">
-              <a:spcBef>
-                <a:spcPct val="0"/>
-              </a:spcBef>
-              <a:spcAft>
-                <a:spcPct val="0"/>
-              </a:spcAft>
-              <a:defRPr sz="4400">
-                <a:solidFill>
-                  <a:schemeClr val="tx1"/>
-                </a:solidFill>
-                <a:latin typeface="Calibri" pitchFamily="34" charset="0"/>
-              </a:defRPr>
-            </a:lvl3pPr>
-            <a:lvl4pPr algn="ctr" rtl="0" eaLnBrk="1" fontAlgn="base" hangingPunct="1">
-              <a:spcBef>
-                <a:spcPct val="0"/>
-              </a:spcBef>
-              <a:spcAft>
-                <a:spcPct val="0"/>
-              </a:spcAft>
-              <a:defRPr sz="4400">
-                <a:solidFill>
-                  <a:schemeClr val="tx1"/>
-                </a:solidFill>
-                <a:latin typeface="Calibri" pitchFamily="34" charset="0"/>
-              </a:defRPr>
-            </a:lvl4pPr>
-            <a:lvl5pPr algn="ctr" rtl="0" eaLnBrk="1" fontAlgn="base" hangingPunct="1">
-              <a:spcBef>
-                <a:spcPct val="0"/>
-              </a:spcBef>
-              <a:spcAft>
-                <a:spcPct val="0"/>
-              </a:spcAft>
-              <a:defRPr sz="4400">
-                <a:solidFill>
-                  <a:schemeClr val="tx1"/>
-                </a:solidFill>
-                <a:latin typeface="Calibri" pitchFamily="34" charset="0"/>
-              </a:defRPr>
-            </a:lvl5pPr>
-            <a:lvl6pPr marL="457200" algn="ctr" rtl="0" eaLnBrk="1" fontAlgn="base" hangingPunct="1">
-              <a:spcBef>
-                <a:spcPct val="0"/>
-              </a:spcBef>
-              <a:spcAft>
-                <a:spcPct val="0"/>
-              </a:spcAft>
-              <a:defRPr sz="4400">
-                <a:solidFill>
-                  <a:schemeClr val="tx1"/>
-                </a:solidFill>
-                <a:latin typeface="Calibri" pitchFamily="34" charset="0"/>
-              </a:defRPr>
-            </a:lvl6pPr>
-            <a:lvl7pPr marL="914400" algn="ctr" rtl="0" eaLnBrk="1" fontAlgn="base" hangingPunct="1">
-              <a:spcBef>
-                <a:spcPct val="0"/>
-              </a:spcBef>
-              <a:spcAft>
-                <a:spcPct val="0"/>
-              </a:spcAft>
-              <a:defRPr sz="4400">
-                <a:solidFill>
-                  <a:schemeClr val="tx1"/>
-                </a:solidFill>
-                <a:latin typeface="Calibri" pitchFamily="34" charset="0"/>
-              </a:defRPr>
-            </a:lvl7pPr>
-            <a:lvl8pPr marL="1371600" algn="ctr" rtl="0" eaLnBrk="1" fontAlgn="base" hangingPunct="1">
-              <a:spcBef>
-                <a:spcPct val="0"/>
-              </a:spcBef>
-              <a:spcAft>
-                <a:spcPct val="0"/>
-              </a:spcAft>
-              <a:defRPr sz="4400">
-                <a:solidFill>
-                  <a:schemeClr val="tx1"/>
-                </a:solidFill>
-                <a:latin typeface="Calibri" pitchFamily="34" charset="0"/>
-              </a:defRPr>
-            </a:lvl8pPr>
-            <a:lvl9pPr marL="1828800" algn="ctr" rtl="0" eaLnBrk="1" fontAlgn="base" hangingPunct="1">
-              <a:spcBef>
-                <a:spcPct val="0"/>
-              </a:spcBef>
-              <a:spcAft>
-                <a:spcPct val="0"/>
-              </a:spcAft>
-              <a:defRPr sz="4400">
-                <a:solidFill>
-                  <a:schemeClr val="tx1"/>
-                </a:solidFill>
-                <a:latin typeface="Calibri" pitchFamily="34" charset="0"/>
-              </a:defRPr>
-            </a:lvl9pPr>
-          </a:lstStyle>
-          <a:p>
-            <a:r>
-              <a:rPr lang="es-PE" dirty="0" smtClean="0">
-                <a:solidFill>
-                  <a:srgbClr val="FFC000"/>
-                </a:solidFill>
-              </a:rPr>
-              <a:t>Ejercicio</a:t>
-            </a:r>
-            <a:br>
-              <a:rPr lang="es-PE" dirty="0" smtClean="0">
-                <a:solidFill>
-                  <a:srgbClr val="FFC000"/>
-                </a:solidFill>
-              </a:rPr>
-            </a:br>
-            <a:r>
-              <a:rPr lang="es-PE" dirty="0" err="1" smtClean="0">
-                <a:solidFill>
-                  <a:srgbClr val="00823B"/>
-                </a:solidFill>
-              </a:rPr>
-              <a:t>Entity</a:t>
-            </a:r>
-            <a:r>
-              <a:rPr lang="es-PE" dirty="0" smtClean="0">
-                <a:solidFill>
-                  <a:srgbClr val="00823B"/>
-                </a:solidFill>
-              </a:rPr>
-              <a:t> Framework </a:t>
-            </a:r>
-            <a:r>
-              <a:rPr lang="es-PE" dirty="0" err="1" smtClean="0">
-                <a:solidFill>
-                  <a:srgbClr val="00823B"/>
-                </a:solidFill>
-              </a:rPr>
-              <a:t>Testing</a:t>
-            </a:r>
-            <a:r>
-              <a:rPr lang="es-PE" dirty="0" smtClean="0">
-                <a:solidFill>
-                  <a:srgbClr val="00823B"/>
-                </a:solidFill>
-              </a:rPr>
-              <a:t> </a:t>
-            </a:r>
-            <a:r>
-              <a:rPr lang="es-PE" dirty="0" smtClean="0"/>
-              <a:t/>
-            </a:r>
-            <a:br>
-              <a:rPr lang="es-PE" dirty="0" smtClean="0"/>
-            </a:br>
-            <a:r>
-              <a:rPr lang="es-PE" dirty="0" smtClean="0"/>
-              <a:t>utilizando</a:t>
-            </a:r>
-            <a:br>
-              <a:rPr lang="es-PE" dirty="0" smtClean="0"/>
-            </a:br>
-            <a:r>
-              <a:rPr lang="es-PE" dirty="0" smtClean="0">
-                <a:solidFill>
-                  <a:srgbClr val="00823B"/>
-                </a:solidFill>
-              </a:rPr>
-              <a:t>"</a:t>
-            </a:r>
-            <a:r>
-              <a:rPr lang="es-PE" dirty="0" err="1" smtClean="0">
-                <a:solidFill>
-                  <a:srgbClr val="00823B"/>
-                </a:solidFill>
-              </a:rPr>
-              <a:t>Nuke</a:t>
-            </a:r>
-            <a:r>
-              <a:rPr lang="es-PE" dirty="0" smtClean="0">
-                <a:solidFill>
-                  <a:srgbClr val="00823B"/>
-                </a:solidFill>
-              </a:rPr>
-              <a:t> and </a:t>
-            </a:r>
-            <a:r>
-              <a:rPr lang="es-PE" dirty="0" err="1" smtClean="0">
-                <a:solidFill>
-                  <a:srgbClr val="00823B"/>
-                </a:solidFill>
-              </a:rPr>
-              <a:t>Pave</a:t>
-            </a:r>
-            <a:r>
-              <a:rPr lang="es-PE" dirty="0" smtClean="0">
-                <a:solidFill>
-                  <a:srgbClr val="00823B"/>
-                </a:solidFill>
-              </a:rPr>
-              <a:t>"</a:t>
-            </a:r>
-            <a:br>
-              <a:rPr lang="es-PE" dirty="0" smtClean="0">
-                <a:solidFill>
-                  <a:srgbClr val="00823B"/>
-                </a:solidFill>
-              </a:rPr>
-            </a:br>
-            <a:r>
-              <a:rPr lang="es-PE" dirty="0" smtClean="0">
-                <a:solidFill>
-                  <a:srgbClr val="00823B"/>
-                </a:solidFill>
-              </a:rPr>
-              <a:t>"</a:t>
-            </a:r>
-            <a:r>
-              <a:rPr lang="es-PE" dirty="0" err="1" smtClean="0">
-                <a:solidFill>
-                  <a:srgbClr val="00823B"/>
-                </a:solidFill>
-              </a:rPr>
-              <a:t>Transaction</a:t>
-            </a:r>
-            <a:r>
-              <a:rPr lang="es-PE" dirty="0" smtClean="0">
-                <a:solidFill>
-                  <a:srgbClr val="00823B"/>
-                </a:solidFill>
-              </a:rPr>
-              <a:t> - </a:t>
-            </a:r>
-            <a:r>
-              <a:rPr lang="es-PE" dirty="0" err="1" smtClean="0">
-                <a:solidFill>
-                  <a:srgbClr val="00823B"/>
-                </a:solidFill>
-              </a:rPr>
-              <a:t>Rollback</a:t>
-            </a:r>
-            <a:r>
-              <a:rPr lang="es-PE" dirty="0" smtClean="0">
-                <a:solidFill>
-                  <a:srgbClr val="00823B"/>
-                </a:solidFill>
-              </a:rPr>
-              <a:t>"</a:t>
-            </a:r>
-            <a:endParaRPr lang="es-PE" dirty="0">
-              <a:solidFill>
-                <a:srgbClr val="00823B"/>
-              </a:solidFill>
-            </a:endParaRPr>
-          </a:p>
-        </p:txBody>
-      </p:sp>
-    </p:spTree>
-    <p:extLst>
-      <p:ext uri="{BB962C8B-B14F-4D97-AF65-F5344CB8AC3E}">
-        <p14:creationId xmlns:p14="http://schemas.microsoft.com/office/powerpoint/2010/main" val="562345185"/>
-      </p:ext>
-    </p:extLst>
-  </p:cSld>
-  <p:clrMapOvr>
-    <a:masterClrMapping/>
-  </p:clrMapOvr>
-  <p:timing>
-    <p:tnLst>
-      <p:par>
-        <p:cTn id="1" dur="indefinite" restart="never" nodeType="tmRoot"/>
-      </p:par>
-    </p:tnLst>
-  </p:timing>
-</p:sld>
-</file>
-
-<file path=ppt/slides/slide25.xml><?xml version="1.0" encoding="utf-8"?>
-<p:sld xmlns:a="http://schemas.openxmlformats.org/drawingml/2006/main" xmlns:r="http://schemas.openxmlformats.org/officeDocument/2006/relationships" xmlns:p="http://schemas.openxmlformats.org/presentationml/2006/main">
-  <p:cSld>
-    <p:spTree>
-      <p:nvGrpSpPr>
-        <p:cNvPr id="1" name=""/>
-        <p:cNvGrpSpPr/>
-        <p:nvPr/>
-      </p:nvGrpSpPr>
-      <p:grpSpPr>
-        <a:xfrm>
-          <a:off x="0" y="0"/>
-          <a:ext cx="0" cy="0"/>
-          <a:chOff x="0" y="0"/>
-          <a:chExt cx="0" cy="0"/>
-        </a:xfrm>
-      </p:grpSpPr>
-      <p:sp>
-        <p:nvSpPr>
-          <p:cNvPr id="4" name="2 Título"/>
-          <p:cNvSpPr txBox="1">
-            <a:spLocks/>
-          </p:cNvSpPr>
-          <p:nvPr/>
-        </p:nvSpPr>
-        <p:spPr bwMode="auto">
-          <a:xfrm>
-            <a:off x="457200" y="1124744"/>
-            <a:ext cx="8229600" cy="3672408"/>
-          </a:xfrm>
-          <a:prstGeom prst="rect">
-            <a:avLst/>
-          </a:prstGeom>
-          <a:noFill/>
-          <a:ln w="9525">
-            <a:noFill/>
-            <a:miter lim="800000"/>
-            <a:headEnd/>
-            <a:tailEnd/>
-          </a:ln>
-        </p:spPr>
-        <p:txBody>
-          <a:bodyPr vert="horz" wrap="square" lIns="91440" tIns="45720" rIns="91440" bIns="45720" numCol="1" anchor="ctr" anchorCtr="0" compatLnSpc="1">
-            <a:prstTxWarp prst="textNoShape">
-              <a:avLst/>
-            </a:prstTxWarp>
-          </a:bodyPr>
-          <a:lstStyle>
-            <a:lvl1pPr algn="ctr" rtl="0" eaLnBrk="1" fontAlgn="base" hangingPunct="1">
-              <a:spcBef>
-                <a:spcPct val="0"/>
-              </a:spcBef>
-              <a:spcAft>
-                <a:spcPct val="0"/>
-              </a:spcAft>
-              <a:defRPr sz="4400" kern="1200">
-                <a:solidFill>
-                  <a:schemeClr val="tx1"/>
-                </a:solidFill>
-                <a:latin typeface="+mj-lt"/>
-                <a:ea typeface="+mj-ea"/>
-                <a:cs typeface="+mj-cs"/>
-              </a:defRPr>
-            </a:lvl1pPr>
-            <a:lvl2pPr algn="ctr" rtl="0" eaLnBrk="1" fontAlgn="base" hangingPunct="1">
-              <a:spcBef>
-                <a:spcPct val="0"/>
-              </a:spcBef>
-              <a:spcAft>
-                <a:spcPct val="0"/>
-              </a:spcAft>
-              <a:defRPr sz="4400">
-                <a:solidFill>
-                  <a:schemeClr val="tx1"/>
-                </a:solidFill>
-                <a:latin typeface="Calibri" pitchFamily="34" charset="0"/>
-              </a:defRPr>
-            </a:lvl2pPr>
-            <a:lvl3pPr algn="ctr" rtl="0" eaLnBrk="1" fontAlgn="base" hangingPunct="1">
-              <a:spcBef>
-                <a:spcPct val="0"/>
-              </a:spcBef>
-              <a:spcAft>
-                <a:spcPct val="0"/>
-              </a:spcAft>
-              <a:defRPr sz="4400">
-                <a:solidFill>
-                  <a:schemeClr val="tx1"/>
-                </a:solidFill>
-                <a:latin typeface="Calibri" pitchFamily="34" charset="0"/>
-              </a:defRPr>
-            </a:lvl3pPr>
-            <a:lvl4pPr algn="ctr" rtl="0" eaLnBrk="1" fontAlgn="base" hangingPunct="1">
-              <a:spcBef>
-                <a:spcPct val="0"/>
-              </a:spcBef>
-              <a:spcAft>
-                <a:spcPct val="0"/>
-              </a:spcAft>
-              <a:defRPr sz="4400">
-                <a:solidFill>
-                  <a:schemeClr val="tx1"/>
-                </a:solidFill>
-                <a:latin typeface="Calibri" pitchFamily="34" charset="0"/>
-              </a:defRPr>
-            </a:lvl4pPr>
-            <a:lvl5pPr algn="ctr" rtl="0" eaLnBrk="1" fontAlgn="base" hangingPunct="1">
-              <a:spcBef>
-                <a:spcPct val="0"/>
-              </a:spcBef>
-              <a:spcAft>
-                <a:spcPct val="0"/>
-              </a:spcAft>
-              <a:defRPr sz="4400">
-                <a:solidFill>
-                  <a:schemeClr val="tx1"/>
-                </a:solidFill>
-                <a:latin typeface="Calibri" pitchFamily="34" charset="0"/>
-              </a:defRPr>
-            </a:lvl5pPr>
-            <a:lvl6pPr marL="457200" algn="ctr" rtl="0" eaLnBrk="1" fontAlgn="base" hangingPunct="1">
-              <a:spcBef>
-                <a:spcPct val="0"/>
-              </a:spcBef>
-              <a:spcAft>
-                <a:spcPct val="0"/>
-              </a:spcAft>
-              <a:defRPr sz="4400">
-                <a:solidFill>
-                  <a:schemeClr val="tx1"/>
-                </a:solidFill>
-                <a:latin typeface="Calibri" pitchFamily="34" charset="0"/>
-              </a:defRPr>
-            </a:lvl6pPr>
-            <a:lvl7pPr marL="914400" algn="ctr" rtl="0" eaLnBrk="1" fontAlgn="base" hangingPunct="1">
-              <a:spcBef>
-                <a:spcPct val="0"/>
-              </a:spcBef>
-              <a:spcAft>
-                <a:spcPct val="0"/>
-              </a:spcAft>
-              <a:defRPr sz="4400">
-                <a:solidFill>
-                  <a:schemeClr val="tx1"/>
-                </a:solidFill>
-                <a:latin typeface="Calibri" pitchFamily="34" charset="0"/>
-              </a:defRPr>
-            </a:lvl7pPr>
-            <a:lvl8pPr marL="1371600" algn="ctr" rtl="0" eaLnBrk="1" fontAlgn="base" hangingPunct="1">
-              <a:spcBef>
-                <a:spcPct val="0"/>
-              </a:spcBef>
-              <a:spcAft>
-                <a:spcPct val="0"/>
-              </a:spcAft>
-              <a:defRPr sz="4400">
-                <a:solidFill>
-                  <a:schemeClr val="tx1"/>
-                </a:solidFill>
-                <a:latin typeface="Calibri" pitchFamily="34" charset="0"/>
-              </a:defRPr>
-            </a:lvl8pPr>
-            <a:lvl9pPr marL="1828800" algn="ctr" rtl="0" eaLnBrk="1" fontAlgn="base" hangingPunct="1">
-              <a:spcBef>
-                <a:spcPct val="0"/>
-              </a:spcBef>
-              <a:spcAft>
-                <a:spcPct val="0"/>
-              </a:spcAft>
-              <a:defRPr sz="4400">
-                <a:solidFill>
-                  <a:schemeClr val="tx1"/>
-                </a:solidFill>
-                <a:latin typeface="Calibri" pitchFamily="34" charset="0"/>
-              </a:defRPr>
-            </a:lvl9pPr>
-          </a:lstStyle>
-          <a:p>
-            <a:r>
-              <a:rPr lang="es-PE" dirty="0" smtClean="0">
-                <a:solidFill>
-                  <a:srgbClr val="FFC000"/>
-                </a:solidFill>
-              </a:rPr>
-              <a:t>Ejercicio</a:t>
-            </a:r>
-            <a:br>
-              <a:rPr lang="es-PE" dirty="0" smtClean="0">
-                <a:solidFill>
-                  <a:srgbClr val="FFC000"/>
-                </a:solidFill>
-              </a:rPr>
-            </a:br>
-            <a:r>
-              <a:rPr lang="es-PE" dirty="0" err="1" smtClean="0">
-                <a:solidFill>
-                  <a:srgbClr val="00823B"/>
-                </a:solidFill>
-              </a:rPr>
-              <a:t>Entity</a:t>
-            </a:r>
-            <a:r>
-              <a:rPr lang="es-PE" dirty="0" smtClean="0">
-                <a:solidFill>
-                  <a:srgbClr val="00823B"/>
-                </a:solidFill>
-              </a:rPr>
-              <a:t> Framework </a:t>
-            </a:r>
-            <a:r>
-              <a:rPr lang="es-PE" dirty="0" err="1" smtClean="0">
-                <a:solidFill>
-                  <a:srgbClr val="00823B"/>
-                </a:solidFill>
-              </a:rPr>
-              <a:t>Testing</a:t>
-            </a:r>
-            <a:r>
-              <a:rPr lang="es-PE" dirty="0" smtClean="0">
-                <a:solidFill>
-                  <a:srgbClr val="00823B"/>
-                </a:solidFill>
-              </a:rPr>
-              <a:t> </a:t>
-            </a:r>
-            <a:r>
-              <a:rPr lang="es-PE" dirty="0" smtClean="0"/>
-              <a:t/>
-            </a:r>
-            <a:br>
-              <a:rPr lang="es-PE" dirty="0" smtClean="0"/>
-            </a:br>
-            <a:r>
-              <a:rPr lang="es-PE" dirty="0" smtClean="0"/>
-              <a:t>utilizando</a:t>
-            </a:r>
-            <a:br>
-              <a:rPr lang="es-PE" dirty="0" smtClean="0"/>
-            </a:br>
-            <a:r>
-              <a:rPr lang="es-PE" dirty="0" smtClean="0">
-                <a:solidFill>
-                  <a:srgbClr val="00823B"/>
-                </a:solidFill>
-              </a:rPr>
-              <a:t>"</a:t>
-            </a:r>
-            <a:r>
-              <a:rPr lang="es-PE" dirty="0" err="1" smtClean="0">
-                <a:solidFill>
-                  <a:srgbClr val="00823B"/>
-                </a:solidFill>
-              </a:rPr>
-              <a:t>Selft-Contained</a:t>
-            </a:r>
-            <a:r>
-              <a:rPr lang="es-PE" dirty="0" smtClean="0">
-                <a:solidFill>
-                  <a:srgbClr val="00823B"/>
-                </a:solidFill>
-              </a:rPr>
-              <a:t> </a:t>
-            </a:r>
-            <a:r>
-              <a:rPr lang="es-PE" dirty="0" err="1" smtClean="0">
-                <a:solidFill>
-                  <a:srgbClr val="00823B"/>
-                </a:solidFill>
-              </a:rPr>
-              <a:t>Tests</a:t>
-            </a:r>
-            <a:r>
-              <a:rPr lang="es-PE" dirty="0" smtClean="0">
-                <a:solidFill>
-                  <a:srgbClr val="00823B"/>
-                </a:solidFill>
-              </a:rPr>
-              <a:t>"</a:t>
-            </a:r>
-            <a:br>
-              <a:rPr lang="es-PE" dirty="0" smtClean="0">
-                <a:solidFill>
-                  <a:srgbClr val="00823B"/>
-                </a:solidFill>
-              </a:rPr>
-            </a:br>
-            <a:r>
-              <a:rPr lang="es-PE" dirty="0" smtClean="0">
-                <a:solidFill>
-                  <a:srgbClr val="00823B"/>
-                </a:solidFill>
-              </a:rPr>
-              <a:t>"</a:t>
-            </a:r>
-            <a:r>
-              <a:rPr lang="es-PE" dirty="0" err="1" smtClean="0">
-                <a:solidFill>
-                  <a:srgbClr val="00823B"/>
-                </a:solidFill>
-              </a:rPr>
-              <a:t>Transaction</a:t>
-            </a:r>
-            <a:r>
-              <a:rPr lang="es-PE" dirty="0" smtClean="0">
-                <a:solidFill>
-                  <a:srgbClr val="00823B"/>
-                </a:solidFill>
-              </a:rPr>
-              <a:t> - </a:t>
-            </a:r>
-            <a:r>
-              <a:rPr lang="es-PE" dirty="0" err="1" smtClean="0">
-                <a:solidFill>
-                  <a:srgbClr val="00823B"/>
-                </a:solidFill>
-              </a:rPr>
-              <a:t>Rollback</a:t>
-            </a:r>
-            <a:r>
-              <a:rPr lang="es-PE" dirty="0" smtClean="0">
-                <a:solidFill>
-                  <a:srgbClr val="00823B"/>
-                </a:solidFill>
-              </a:rPr>
-              <a:t>"</a:t>
-            </a:r>
-            <a:endParaRPr lang="es-PE" dirty="0">
-              <a:solidFill>
-                <a:srgbClr val="00823B"/>
-              </a:solidFill>
-            </a:endParaRPr>
-          </a:p>
-        </p:txBody>
-      </p:sp>
-    </p:spTree>
-    <p:extLst>
-      <p:ext uri="{BB962C8B-B14F-4D97-AF65-F5344CB8AC3E}">
-        <p14:creationId xmlns:p14="http://schemas.microsoft.com/office/powerpoint/2010/main" val="562345185"/>
-      </p:ext>
-    </p:extLst>
-  </p:cSld>
-  <p:clrMapOvr>
-    <a:masterClrMapping/>
-  </p:clrMapOvr>
-  <p:timing>
-    <p:tnLst>
-      <p:par>
-        <p:cTn id="1" dur="indefinite" restart="never" nodeType="tmRoot"/>
-      </p:par>
-    </p:tnLst>
-  </p:timing>
-</p:sld>
-</file>
-
-<file path=ppt/slides/slide26.xml><?xml version="1.0" encoding="utf-8"?>
-<p:sld xmlns:a="http://schemas.openxmlformats.org/drawingml/2006/main" xmlns:r="http://schemas.openxmlformats.org/officeDocument/2006/relationships" xmlns:p="http://schemas.openxmlformats.org/presentationml/2006/main">
-  <p:cSld>
-    <p:spTree>
-      <p:nvGrpSpPr>
-        <p:cNvPr id="1" name=""/>
-        <p:cNvGrpSpPr/>
-        <p:nvPr/>
-      </p:nvGrpSpPr>
-      <p:grpSpPr>
-        <a:xfrm>
-          <a:off x="0" y="0"/>
-          <a:ext cx="0" cy="0"/>
-          <a:chOff x="0" y="0"/>
-          <a:chExt cx="0" cy="0"/>
-        </a:xfrm>
-      </p:grpSpPr>
-      <p:sp>
-        <p:nvSpPr>
           <p:cNvPr id="3" name="2 Título"/>
           <p:cNvSpPr>
             <a:spLocks noGrp="1"/>
@@ -14410,7 +13805,7 @@
 </p:sld>
 </file>
 
-<file path=ppt/slides/slide27.xml><?xml version="1.0" encoding="utf-8"?>
+<file path=ppt/slides/slide24.xml><?xml version="1.0" encoding="utf-8"?>
 <p:sld xmlns:a="http://schemas.openxmlformats.org/drawingml/2006/main" xmlns:r="http://schemas.openxmlformats.org/officeDocument/2006/relationships" xmlns:p="http://schemas.openxmlformats.org/presentationml/2006/main">
   <p:cSld>
     <p:spTree>
@@ -14836,7 +14231,7 @@
         </p:nvSpPr>
         <p:spPr>
           <a:xfrm>
-            <a:off x="767588" y="4547305"/>
+            <a:off x="802758" y="4564890"/>
             <a:ext cx="1994282" cy="828000"/>
           </a:xfrm>
           <a:prstGeom prst="roundRect">
@@ -14886,8 +14281,8 @@
         </p:nvSpPr>
         <p:spPr>
           <a:xfrm>
-            <a:off x="1327085" y="4751904"/>
-            <a:ext cx="885179" cy="430887"/>
+            <a:off x="776978" y="4570694"/>
+            <a:ext cx="2041521" cy="800219"/>
           </a:xfrm>
           <a:prstGeom prst="rect">
             <a:avLst/>
@@ -14903,15 +14298,71 @@
           </a:bodyPr>
           <a:lstStyle/>
           <a:p>
-            <a:r>
-              <a:rPr lang="es-PE" sz="2200" b="1" dirty="0" err="1" smtClean="0">
+            <a:pPr algn="ctr"/>
+            <a:r>
+              <a:rPr lang="es-PE" sz="2400" b="1" dirty="0" err="1" smtClean="0">
                 <a:solidFill>
                   <a:srgbClr val="FF0000"/>
                 </a:solidFill>
               </a:rPr>
               <a:t>Inside</a:t>
             </a:r>
-            <a:endParaRPr lang="es-PE" sz="2200" b="1" dirty="0">
+            <a:r>
+              <a:rPr lang="es-PE" sz="2200" b="1" dirty="0" smtClean="0">
+                <a:solidFill>
+                  <a:srgbClr val="FF0000"/>
+                </a:solidFill>
+              </a:rPr>
+              <a:t/>
+            </a:r>
+            <a:br>
+              <a:rPr lang="es-PE" sz="2200" b="1" dirty="0" smtClean="0">
+                <a:solidFill>
+                  <a:srgbClr val="FF0000"/>
+                </a:solidFill>
+              </a:rPr>
+            </a:br>
+            <a:r>
+              <a:rPr lang="es-PE" sz="2200" b="1" dirty="0" smtClean="0">
+                <a:solidFill>
+                  <a:srgbClr val="FF0000"/>
+                </a:solidFill>
+              </a:rPr>
+              <a:t>"</a:t>
+            </a:r>
+            <a:r>
+              <a:rPr lang="es-PE" sz="2000" b="1" dirty="0" err="1" smtClean="0">
+                <a:solidFill>
+                  <a:srgbClr val="FF0000"/>
+                </a:solidFill>
+              </a:rPr>
+              <a:t>Unit</a:t>
+            </a:r>
+            <a:r>
+              <a:rPr lang="es-PE" sz="2000" b="1" dirty="0" smtClean="0">
+                <a:solidFill>
+                  <a:srgbClr val="FF0000"/>
+                </a:solidFill>
+              </a:rPr>
+              <a:t> </a:t>
+            </a:r>
+            <a:r>
+              <a:rPr lang="es-PE" sz="2000" b="1" dirty="0" err="1" smtClean="0">
+                <a:solidFill>
+                  <a:srgbClr val="FF0000"/>
+                </a:solidFill>
+              </a:rPr>
+              <a:t>Testing</a:t>
+            </a:r>
+            <a:r>
+              <a:rPr lang="es-PE" sz="2000" b="1" dirty="0" smtClean="0">
+                <a:solidFill>
+                  <a:srgbClr val="FF0000"/>
+                </a:solidFill>
+              </a:rPr>
+              <a:t>" DB</a:t>
+            </a:r>
+            <a:endParaRPr lang="es-PE" sz="2000" b="1" dirty="0">
               <a:solidFill>
                 <a:srgbClr val="FF0000"/>
               </a:solidFill>
@@ -15016,6 +14467,1133 @@
     <p:extLst>
       <p:ext uri="{BB962C8B-B14F-4D97-AF65-F5344CB8AC3E}">
         <p14:creationId xmlns:p14="http://schemas.microsoft.com/office/powerpoint/2010/main" val="1166353858"/>
+      </p:ext>
+    </p:extLst>
+  </p:cSld>
+  <p:clrMapOvr>
+    <a:masterClrMapping/>
+  </p:clrMapOvr>
+  <p:timing>
+    <p:tnLst>
+      <p:par>
+        <p:cTn id="1" dur="indefinite" restart="never" nodeType="tmRoot"/>
+      </p:par>
+    </p:tnLst>
+  </p:timing>
+</p:sld>
+</file>
+
+<file path=ppt/slides/slide25.xml><?xml version="1.0" encoding="utf-8"?>
+<p:sld xmlns:a="http://schemas.openxmlformats.org/drawingml/2006/main" xmlns:r="http://schemas.openxmlformats.org/officeDocument/2006/relationships" xmlns:p="http://schemas.openxmlformats.org/presentationml/2006/main">
+  <p:cSld>
+    <p:spTree>
+      <p:nvGrpSpPr>
+        <p:cNvPr id="1" name=""/>
+        <p:cNvGrpSpPr/>
+        <p:nvPr/>
+      </p:nvGrpSpPr>
+      <p:grpSpPr>
+        <a:xfrm>
+          <a:off x="0" y="0"/>
+          <a:ext cx="0" cy="0"/>
+          <a:chOff x="0" y="0"/>
+          <a:chExt cx="0" cy="0"/>
+        </a:xfrm>
+      </p:grpSpPr>
+      <p:sp>
+        <p:nvSpPr>
+          <p:cNvPr id="6" name="5 Marcador de contenido"/>
+          <p:cNvSpPr txBox="1">
+            <a:spLocks/>
+          </p:cNvSpPr>
+          <p:nvPr/>
+        </p:nvSpPr>
+        <p:spPr bwMode="auto">
+          <a:xfrm>
+            <a:off x="323528" y="1484784"/>
+            <a:ext cx="8568952" cy="3168352"/>
+          </a:xfrm>
+          <a:prstGeom prst="rect">
+            <a:avLst/>
+          </a:prstGeom>
+          <a:noFill/>
+          <a:ln w="9525">
+            <a:noFill/>
+            <a:miter lim="800000"/>
+            <a:headEnd/>
+            <a:tailEnd/>
+          </a:ln>
+        </p:spPr>
+        <p:txBody>
+          <a:bodyPr vert="horz" wrap="square" lIns="91440" tIns="45720" rIns="91440" bIns="45720" numCol="1" anchor="t" anchorCtr="0" compatLnSpc="1">
+            <a:prstTxWarp prst="textNoShape">
+              <a:avLst/>
+            </a:prstTxWarp>
+          </a:bodyPr>
+          <a:lstStyle>
+            <a:lvl1pPr marL="342900" indent="-342900" algn="l" rtl="0" eaLnBrk="1" fontAlgn="base" hangingPunct="1">
+              <a:spcBef>
+                <a:spcPct val="20000"/>
+              </a:spcBef>
+              <a:spcAft>
+                <a:spcPct val="0"/>
+              </a:spcAft>
+              <a:buFont typeface="Arial" charset="0"/>
+              <a:buChar char="•"/>
+              <a:defRPr sz="3200" kern="1200">
+                <a:solidFill>
+                  <a:schemeClr val="tx1"/>
+                </a:solidFill>
+                <a:latin typeface="+mn-lt"/>
+                <a:ea typeface="+mn-ea"/>
+                <a:cs typeface="+mn-cs"/>
+              </a:defRPr>
+            </a:lvl1pPr>
+            <a:lvl2pPr marL="742950" indent="-285750" algn="l" rtl="0" eaLnBrk="1" fontAlgn="base" hangingPunct="1">
+              <a:spcBef>
+                <a:spcPct val="20000"/>
+              </a:spcBef>
+              <a:spcAft>
+                <a:spcPct val="0"/>
+              </a:spcAft>
+              <a:buFont typeface="Arial" charset="0"/>
+              <a:buChar char="–"/>
+              <a:defRPr sz="2800" kern="1200">
+                <a:solidFill>
+                  <a:schemeClr val="tx1"/>
+                </a:solidFill>
+                <a:latin typeface="+mn-lt"/>
+                <a:ea typeface="+mn-ea"/>
+                <a:cs typeface="+mn-cs"/>
+              </a:defRPr>
+            </a:lvl2pPr>
+            <a:lvl3pPr marL="1143000" indent="-228600" algn="l" rtl="0" eaLnBrk="1" fontAlgn="base" hangingPunct="1">
+              <a:spcBef>
+                <a:spcPct val="20000"/>
+              </a:spcBef>
+              <a:spcAft>
+                <a:spcPct val="0"/>
+              </a:spcAft>
+              <a:buFont typeface="Arial" charset="0"/>
+              <a:buChar char="•"/>
+              <a:defRPr sz="2400" kern="1200">
+                <a:solidFill>
+                  <a:schemeClr val="tx1"/>
+                </a:solidFill>
+                <a:latin typeface="+mn-lt"/>
+                <a:ea typeface="+mn-ea"/>
+                <a:cs typeface="+mn-cs"/>
+              </a:defRPr>
+            </a:lvl3pPr>
+            <a:lvl4pPr marL="1600200" indent="-228600" algn="l" rtl="0" eaLnBrk="1" fontAlgn="base" hangingPunct="1">
+              <a:spcBef>
+                <a:spcPct val="20000"/>
+              </a:spcBef>
+              <a:spcAft>
+                <a:spcPct val="0"/>
+              </a:spcAft>
+              <a:buFont typeface="Arial" charset="0"/>
+              <a:buChar char="–"/>
+              <a:defRPr sz="2000" kern="1200">
+                <a:solidFill>
+                  <a:schemeClr val="tx1"/>
+                </a:solidFill>
+                <a:latin typeface="+mn-lt"/>
+                <a:ea typeface="+mn-ea"/>
+                <a:cs typeface="+mn-cs"/>
+              </a:defRPr>
+            </a:lvl4pPr>
+            <a:lvl5pPr marL="2057400" indent="-228600" algn="l" rtl="0" eaLnBrk="1" fontAlgn="base" hangingPunct="1">
+              <a:spcBef>
+                <a:spcPct val="20000"/>
+              </a:spcBef>
+              <a:spcAft>
+                <a:spcPct val="0"/>
+              </a:spcAft>
+              <a:buFont typeface="Arial" charset="0"/>
+              <a:buChar char="»"/>
+              <a:defRPr sz="2000" kern="1200">
+                <a:solidFill>
+                  <a:schemeClr val="tx1"/>
+                </a:solidFill>
+                <a:latin typeface="+mn-lt"/>
+                <a:ea typeface="+mn-ea"/>
+                <a:cs typeface="+mn-cs"/>
+              </a:defRPr>
+            </a:lvl5pPr>
+            <a:lvl6pPr marL="2514600" indent="-228600" algn="l" defTabSz="914400" rtl="0" eaLnBrk="1" latinLnBrk="0" hangingPunct="1">
+              <a:spcBef>
+                <a:spcPct val="20000"/>
+              </a:spcBef>
+              <a:buFont typeface="Arial" pitchFamily="34" charset="0"/>
+              <a:buChar char="•"/>
+              <a:defRPr sz="2000" kern="1200">
+                <a:solidFill>
+                  <a:schemeClr val="tx1"/>
+                </a:solidFill>
+                <a:latin typeface="+mn-lt"/>
+                <a:ea typeface="+mn-ea"/>
+                <a:cs typeface="+mn-cs"/>
+              </a:defRPr>
+            </a:lvl6pPr>
+            <a:lvl7pPr marL="2971800" indent="-228600" algn="l" defTabSz="914400" rtl="0" eaLnBrk="1" latinLnBrk="0" hangingPunct="1">
+              <a:spcBef>
+                <a:spcPct val="20000"/>
+              </a:spcBef>
+              <a:buFont typeface="Arial" pitchFamily="34" charset="0"/>
+              <a:buChar char="•"/>
+              <a:defRPr sz="2000" kern="1200">
+                <a:solidFill>
+                  <a:schemeClr val="tx1"/>
+                </a:solidFill>
+                <a:latin typeface="+mn-lt"/>
+                <a:ea typeface="+mn-ea"/>
+                <a:cs typeface="+mn-cs"/>
+              </a:defRPr>
+            </a:lvl7pPr>
+            <a:lvl8pPr marL="3429000" indent="-228600" algn="l" defTabSz="914400" rtl="0" eaLnBrk="1" latinLnBrk="0" hangingPunct="1">
+              <a:spcBef>
+                <a:spcPct val="20000"/>
+              </a:spcBef>
+              <a:buFont typeface="Arial" pitchFamily="34" charset="0"/>
+              <a:buChar char="•"/>
+              <a:defRPr sz="2000" kern="1200">
+                <a:solidFill>
+                  <a:schemeClr val="tx1"/>
+                </a:solidFill>
+                <a:latin typeface="+mn-lt"/>
+                <a:ea typeface="+mn-ea"/>
+                <a:cs typeface="+mn-cs"/>
+              </a:defRPr>
+            </a:lvl8pPr>
+            <a:lvl9pPr marL="3886200" indent="-228600" algn="l" defTabSz="914400" rtl="0" eaLnBrk="1" latinLnBrk="0" hangingPunct="1">
+              <a:spcBef>
+                <a:spcPct val="20000"/>
+              </a:spcBef>
+              <a:buFont typeface="Arial" pitchFamily="34" charset="0"/>
+              <a:buChar char="•"/>
+              <a:defRPr sz="2000" kern="1200">
+                <a:solidFill>
+                  <a:schemeClr val="tx1"/>
+                </a:solidFill>
+                <a:latin typeface="+mn-lt"/>
+                <a:ea typeface="+mn-ea"/>
+                <a:cs typeface="+mn-cs"/>
+              </a:defRPr>
+            </a:lvl9pPr>
+          </a:lstStyle>
+          <a:p>
+            <a:pPr marL="0" indent="0">
+              <a:buNone/>
+            </a:pPr>
+            <a:r>
+              <a:rPr lang="es-PE" sz="2800" dirty="0"/>
+              <a:t>Tienen todas las características de las </a:t>
+            </a:r>
+            <a:r>
+              <a:rPr lang="es-PE" sz="2800" dirty="0" err="1"/>
+              <a:t>xUnit</a:t>
+            </a:r>
+            <a:r>
+              <a:rPr lang="es-PE" sz="2800" dirty="0"/>
+              <a:t> </a:t>
+            </a:r>
+            <a:r>
+              <a:rPr lang="es-PE" sz="2800" dirty="0" smtClean="0"/>
+              <a:t>Frameworks tradicionales. Nos permiten escribir pruebas utilizando lenguaje SQL en forma de </a:t>
+            </a:r>
+            <a:r>
+              <a:rPr lang="es-PE" sz="2800" dirty="0" err="1" smtClean="0"/>
+              <a:t>Store</a:t>
+            </a:r>
+            <a:r>
+              <a:rPr lang="es-PE" sz="2800" dirty="0" smtClean="0"/>
+              <a:t> </a:t>
+            </a:r>
+            <a:r>
+              <a:rPr lang="es-PE" sz="2800" dirty="0" err="1" smtClean="0"/>
+              <a:t>Procedures</a:t>
+            </a:r>
+            <a:r>
+              <a:rPr lang="es-PE" sz="2800" dirty="0" smtClean="0"/>
+              <a:t>.</a:t>
+            </a:r>
+          </a:p>
+          <a:p>
+            <a:pPr marL="0" indent="0">
+              <a:buNone/>
+            </a:pPr>
+            <a:endParaRPr lang="es-PE" sz="2800" dirty="0" smtClean="0"/>
+          </a:p>
+          <a:p>
+            <a:pPr lvl="1" indent="-342900">
+              <a:buFont typeface="Courier New" pitchFamily="49" charset="0"/>
+              <a:buChar char="o"/>
+            </a:pPr>
+            <a:r>
+              <a:rPr lang="es-PE" dirty="0" smtClean="0">
+                <a:solidFill>
+                  <a:srgbClr val="FF0000"/>
+                </a:solidFill>
+              </a:rPr>
+              <a:t>SQL Server:  </a:t>
+            </a:r>
+            <a:r>
+              <a:rPr lang="es-PE" sz="2400" dirty="0" err="1"/>
+              <a:t>tSQLt</a:t>
+            </a:r>
+            <a:r>
+              <a:rPr lang="es-PE" sz="2400" dirty="0"/>
+              <a:t>, </a:t>
+            </a:r>
+            <a:r>
+              <a:rPr lang="es-PE" sz="2400" dirty="0" err="1"/>
+              <a:t>TSQLUnit</a:t>
+            </a:r>
+            <a:r>
+              <a:rPr lang="es-PE" sz="2400" dirty="0"/>
+              <a:t> …..</a:t>
+            </a:r>
+          </a:p>
+          <a:p>
+            <a:pPr lvl="1" indent="-342900">
+              <a:buFont typeface="Courier New" pitchFamily="49" charset="0"/>
+              <a:buChar char="o"/>
+            </a:pPr>
+            <a:r>
+              <a:rPr lang="es-PE" dirty="0" smtClean="0">
+                <a:solidFill>
+                  <a:srgbClr val="FF0000"/>
+                </a:solidFill>
+              </a:rPr>
+              <a:t>Oracle:  </a:t>
+            </a:r>
+            <a:r>
+              <a:rPr lang="es-PE" sz="2400" dirty="0" err="1" smtClean="0"/>
+              <a:t>utPLSQL</a:t>
+            </a:r>
+            <a:r>
+              <a:rPr lang="es-PE" sz="2400" dirty="0" smtClean="0"/>
+              <a:t>, PLUTO …..</a:t>
+            </a:r>
+          </a:p>
+        </p:txBody>
+      </p:sp>
+      <p:sp>
+        <p:nvSpPr>
+          <p:cNvPr id="4" name="2 Título"/>
+          <p:cNvSpPr txBox="1">
+            <a:spLocks/>
+          </p:cNvSpPr>
+          <p:nvPr/>
+        </p:nvSpPr>
+        <p:spPr bwMode="auto">
+          <a:xfrm>
+            <a:off x="493204" y="471810"/>
+            <a:ext cx="8229600" cy="724942"/>
+          </a:xfrm>
+          <a:prstGeom prst="rect">
+            <a:avLst/>
+          </a:prstGeom>
+          <a:noFill/>
+          <a:ln w="9525">
+            <a:noFill/>
+            <a:miter lim="800000"/>
+            <a:headEnd/>
+            <a:tailEnd/>
+          </a:ln>
+        </p:spPr>
+        <p:txBody>
+          <a:bodyPr vert="horz" wrap="square" lIns="91440" tIns="45720" rIns="91440" bIns="45720" numCol="1" anchor="ctr" anchorCtr="0" compatLnSpc="1">
+            <a:prstTxWarp prst="textNoShape">
+              <a:avLst/>
+            </a:prstTxWarp>
+          </a:bodyPr>
+          <a:lstStyle>
+            <a:lvl1pPr algn="ctr" rtl="0" eaLnBrk="1" fontAlgn="base" hangingPunct="1">
+              <a:spcBef>
+                <a:spcPct val="0"/>
+              </a:spcBef>
+              <a:spcAft>
+                <a:spcPct val="0"/>
+              </a:spcAft>
+              <a:defRPr sz="4400" kern="1200">
+                <a:solidFill>
+                  <a:schemeClr val="tx1"/>
+                </a:solidFill>
+                <a:latin typeface="+mj-lt"/>
+                <a:ea typeface="+mj-ea"/>
+                <a:cs typeface="+mj-cs"/>
+              </a:defRPr>
+            </a:lvl1pPr>
+            <a:lvl2pPr algn="ctr" rtl="0" eaLnBrk="1" fontAlgn="base" hangingPunct="1">
+              <a:spcBef>
+                <a:spcPct val="0"/>
+              </a:spcBef>
+              <a:spcAft>
+                <a:spcPct val="0"/>
+              </a:spcAft>
+              <a:defRPr sz="4400">
+                <a:solidFill>
+                  <a:schemeClr val="tx1"/>
+                </a:solidFill>
+                <a:latin typeface="Calibri" pitchFamily="34" charset="0"/>
+              </a:defRPr>
+            </a:lvl2pPr>
+            <a:lvl3pPr algn="ctr" rtl="0" eaLnBrk="1" fontAlgn="base" hangingPunct="1">
+              <a:spcBef>
+                <a:spcPct val="0"/>
+              </a:spcBef>
+              <a:spcAft>
+                <a:spcPct val="0"/>
+              </a:spcAft>
+              <a:defRPr sz="4400">
+                <a:solidFill>
+                  <a:schemeClr val="tx1"/>
+                </a:solidFill>
+                <a:latin typeface="Calibri" pitchFamily="34" charset="0"/>
+              </a:defRPr>
+            </a:lvl3pPr>
+            <a:lvl4pPr algn="ctr" rtl="0" eaLnBrk="1" fontAlgn="base" hangingPunct="1">
+              <a:spcBef>
+                <a:spcPct val="0"/>
+              </a:spcBef>
+              <a:spcAft>
+                <a:spcPct val="0"/>
+              </a:spcAft>
+              <a:defRPr sz="4400">
+                <a:solidFill>
+                  <a:schemeClr val="tx1"/>
+                </a:solidFill>
+                <a:latin typeface="Calibri" pitchFamily="34" charset="0"/>
+              </a:defRPr>
+            </a:lvl4pPr>
+            <a:lvl5pPr algn="ctr" rtl="0" eaLnBrk="1" fontAlgn="base" hangingPunct="1">
+              <a:spcBef>
+                <a:spcPct val="0"/>
+              </a:spcBef>
+              <a:spcAft>
+                <a:spcPct val="0"/>
+              </a:spcAft>
+              <a:defRPr sz="4400">
+                <a:solidFill>
+                  <a:schemeClr val="tx1"/>
+                </a:solidFill>
+                <a:latin typeface="Calibri" pitchFamily="34" charset="0"/>
+              </a:defRPr>
+            </a:lvl5pPr>
+            <a:lvl6pPr marL="457200" algn="ctr" rtl="0" eaLnBrk="1" fontAlgn="base" hangingPunct="1">
+              <a:spcBef>
+                <a:spcPct val="0"/>
+              </a:spcBef>
+              <a:spcAft>
+                <a:spcPct val="0"/>
+              </a:spcAft>
+              <a:defRPr sz="4400">
+                <a:solidFill>
+                  <a:schemeClr val="tx1"/>
+                </a:solidFill>
+                <a:latin typeface="Calibri" pitchFamily="34" charset="0"/>
+              </a:defRPr>
+            </a:lvl6pPr>
+            <a:lvl7pPr marL="914400" algn="ctr" rtl="0" eaLnBrk="1" fontAlgn="base" hangingPunct="1">
+              <a:spcBef>
+                <a:spcPct val="0"/>
+              </a:spcBef>
+              <a:spcAft>
+                <a:spcPct val="0"/>
+              </a:spcAft>
+              <a:defRPr sz="4400">
+                <a:solidFill>
+                  <a:schemeClr val="tx1"/>
+                </a:solidFill>
+                <a:latin typeface="Calibri" pitchFamily="34" charset="0"/>
+              </a:defRPr>
+            </a:lvl7pPr>
+            <a:lvl8pPr marL="1371600" algn="ctr" rtl="0" eaLnBrk="1" fontAlgn="base" hangingPunct="1">
+              <a:spcBef>
+                <a:spcPct val="0"/>
+              </a:spcBef>
+              <a:spcAft>
+                <a:spcPct val="0"/>
+              </a:spcAft>
+              <a:defRPr sz="4400">
+                <a:solidFill>
+                  <a:schemeClr val="tx1"/>
+                </a:solidFill>
+                <a:latin typeface="Calibri" pitchFamily="34" charset="0"/>
+              </a:defRPr>
+            </a:lvl8pPr>
+            <a:lvl9pPr marL="1828800" algn="ctr" rtl="0" eaLnBrk="1" fontAlgn="base" hangingPunct="1">
+              <a:spcBef>
+                <a:spcPct val="0"/>
+              </a:spcBef>
+              <a:spcAft>
+                <a:spcPct val="0"/>
+              </a:spcAft>
+              <a:defRPr sz="4400">
+                <a:solidFill>
+                  <a:schemeClr val="tx1"/>
+                </a:solidFill>
+                <a:latin typeface="Calibri" pitchFamily="34" charset="0"/>
+              </a:defRPr>
+            </a:lvl9pPr>
+          </a:lstStyle>
+          <a:p>
+            <a:r>
+              <a:rPr lang="es-PE" dirty="0" err="1" smtClean="0">
+                <a:solidFill>
+                  <a:srgbClr val="00823B"/>
+                </a:solidFill>
+              </a:rPr>
+              <a:t>xUnit</a:t>
+            </a:r>
+            <a:r>
+              <a:rPr lang="es-PE" dirty="0" smtClean="0">
+                <a:solidFill>
+                  <a:srgbClr val="00823B"/>
+                </a:solidFill>
+              </a:rPr>
+              <a:t> DB Frameworks</a:t>
+            </a:r>
+            <a:endParaRPr lang="es-PE" dirty="0">
+              <a:solidFill>
+                <a:srgbClr val="00823B"/>
+              </a:solidFill>
+            </a:endParaRPr>
+          </a:p>
+        </p:txBody>
+      </p:sp>
+    </p:spTree>
+    <p:extLst>
+      <p:ext uri="{BB962C8B-B14F-4D97-AF65-F5344CB8AC3E}">
+        <p14:creationId xmlns:p14="http://schemas.microsoft.com/office/powerpoint/2010/main" val="1622851325"/>
+      </p:ext>
+    </p:extLst>
+  </p:cSld>
+  <p:clrMapOvr>
+    <a:masterClrMapping/>
+  </p:clrMapOvr>
+  <p:timing>
+    <p:tnLst>
+      <p:par>
+        <p:cTn id="1" dur="indefinite" restart="never" nodeType="tmRoot"/>
+      </p:par>
+    </p:tnLst>
+  </p:timing>
+</p:sld>
+</file>
+
+<file path=ppt/slides/slide26.xml><?xml version="1.0" encoding="utf-8"?>
+<p:sld xmlns:a="http://schemas.openxmlformats.org/drawingml/2006/main" xmlns:r="http://schemas.openxmlformats.org/officeDocument/2006/relationships" xmlns:p="http://schemas.openxmlformats.org/presentationml/2006/main">
+  <p:cSld>
+    <p:spTree>
+      <p:nvGrpSpPr>
+        <p:cNvPr id="1" name=""/>
+        <p:cNvGrpSpPr/>
+        <p:nvPr/>
+      </p:nvGrpSpPr>
+      <p:grpSpPr>
+        <a:xfrm>
+          <a:off x="0" y="0"/>
+          <a:ext cx="0" cy="0"/>
+          <a:chOff x="0" y="0"/>
+          <a:chExt cx="0" cy="0"/>
+        </a:xfrm>
+      </p:grpSpPr>
+      <p:sp>
+        <p:nvSpPr>
+          <p:cNvPr id="4" name="2 Título"/>
+          <p:cNvSpPr txBox="1">
+            <a:spLocks/>
+          </p:cNvSpPr>
+          <p:nvPr/>
+        </p:nvSpPr>
+        <p:spPr bwMode="auto">
+          <a:xfrm>
+            <a:off x="457200" y="1124744"/>
+            <a:ext cx="8229600" cy="3672408"/>
+          </a:xfrm>
+          <a:prstGeom prst="rect">
+            <a:avLst/>
+          </a:prstGeom>
+          <a:noFill/>
+          <a:ln w="9525">
+            <a:noFill/>
+            <a:miter lim="800000"/>
+            <a:headEnd/>
+            <a:tailEnd/>
+          </a:ln>
+        </p:spPr>
+        <p:txBody>
+          <a:bodyPr vert="horz" wrap="square" lIns="91440" tIns="45720" rIns="91440" bIns="45720" numCol="1" anchor="ctr" anchorCtr="0" compatLnSpc="1">
+            <a:prstTxWarp prst="textNoShape">
+              <a:avLst/>
+            </a:prstTxWarp>
+          </a:bodyPr>
+          <a:lstStyle>
+            <a:lvl1pPr algn="ctr" rtl="0" eaLnBrk="1" fontAlgn="base" hangingPunct="1">
+              <a:spcBef>
+                <a:spcPct val="0"/>
+              </a:spcBef>
+              <a:spcAft>
+                <a:spcPct val="0"/>
+              </a:spcAft>
+              <a:defRPr sz="4400" kern="1200">
+                <a:solidFill>
+                  <a:schemeClr val="tx1"/>
+                </a:solidFill>
+                <a:latin typeface="+mj-lt"/>
+                <a:ea typeface="+mj-ea"/>
+                <a:cs typeface="+mj-cs"/>
+              </a:defRPr>
+            </a:lvl1pPr>
+            <a:lvl2pPr algn="ctr" rtl="0" eaLnBrk="1" fontAlgn="base" hangingPunct="1">
+              <a:spcBef>
+                <a:spcPct val="0"/>
+              </a:spcBef>
+              <a:spcAft>
+                <a:spcPct val="0"/>
+              </a:spcAft>
+              <a:defRPr sz="4400">
+                <a:solidFill>
+                  <a:schemeClr val="tx1"/>
+                </a:solidFill>
+                <a:latin typeface="Calibri" pitchFamily="34" charset="0"/>
+              </a:defRPr>
+            </a:lvl2pPr>
+            <a:lvl3pPr algn="ctr" rtl="0" eaLnBrk="1" fontAlgn="base" hangingPunct="1">
+              <a:spcBef>
+                <a:spcPct val="0"/>
+              </a:spcBef>
+              <a:spcAft>
+                <a:spcPct val="0"/>
+              </a:spcAft>
+              <a:defRPr sz="4400">
+                <a:solidFill>
+                  <a:schemeClr val="tx1"/>
+                </a:solidFill>
+                <a:latin typeface="Calibri" pitchFamily="34" charset="0"/>
+              </a:defRPr>
+            </a:lvl3pPr>
+            <a:lvl4pPr algn="ctr" rtl="0" eaLnBrk="1" fontAlgn="base" hangingPunct="1">
+              <a:spcBef>
+                <a:spcPct val="0"/>
+              </a:spcBef>
+              <a:spcAft>
+                <a:spcPct val="0"/>
+              </a:spcAft>
+              <a:defRPr sz="4400">
+                <a:solidFill>
+                  <a:schemeClr val="tx1"/>
+                </a:solidFill>
+                <a:latin typeface="Calibri" pitchFamily="34" charset="0"/>
+              </a:defRPr>
+            </a:lvl4pPr>
+            <a:lvl5pPr algn="ctr" rtl="0" eaLnBrk="1" fontAlgn="base" hangingPunct="1">
+              <a:spcBef>
+                <a:spcPct val="0"/>
+              </a:spcBef>
+              <a:spcAft>
+                <a:spcPct val="0"/>
+              </a:spcAft>
+              <a:defRPr sz="4400">
+                <a:solidFill>
+                  <a:schemeClr val="tx1"/>
+                </a:solidFill>
+                <a:latin typeface="Calibri" pitchFamily="34" charset="0"/>
+              </a:defRPr>
+            </a:lvl5pPr>
+            <a:lvl6pPr marL="457200" algn="ctr" rtl="0" eaLnBrk="1" fontAlgn="base" hangingPunct="1">
+              <a:spcBef>
+                <a:spcPct val="0"/>
+              </a:spcBef>
+              <a:spcAft>
+                <a:spcPct val="0"/>
+              </a:spcAft>
+              <a:defRPr sz="4400">
+                <a:solidFill>
+                  <a:schemeClr val="tx1"/>
+                </a:solidFill>
+                <a:latin typeface="Calibri" pitchFamily="34" charset="0"/>
+              </a:defRPr>
+            </a:lvl6pPr>
+            <a:lvl7pPr marL="914400" algn="ctr" rtl="0" eaLnBrk="1" fontAlgn="base" hangingPunct="1">
+              <a:spcBef>
+                <a:spcPct val="0"/>
+              </a:spcBef>
+              <a:spcAft>
+                <a:spcPct val="0"/>
+              </a:spcAft>
+              <a:defRPr sz="4400">
+                <a:solidFill>
+                  <a:schemeClr val="tx1"/>
+                </a:solidFill>
+                <a:latin typeface="Calibri" pitchFamily="34" charset="0"/>
+              </a:defRPr>
+            </a:lvl7pPr>
+            <a:lvl8pPr marL="1371600" algn="ctr" rtl="0" eaLnBrk="1" fontAlgn="base" hangingPunct="1">
+              <a:spcBef>
+                <a:spcPct val="0"/>
+              </a:spcBef>
+              <a:spcAft>
+                <a:spcPct val="0"/>
+              </a:spcAft>
+              <a:defRPr sz="4400">
+                <a:solidFill>
+                  <a:schemeClr val="tx1"/>
+                </a:solidFill>
+                <a:latin typeface="Calibri" pitchFamily="34" charset="0"/>
+              </a:defRPr>
+            </a:lvl8pPr>
+            <a:lvl9pPr marL="1828800" algn="ctr" rtl="0" eaLnBrk="1" fontAlgn="base" hangingPunct="1">
+              <a:spcBef>
+                <a:spcPct val="0"/>
+              </a:spcBef>
+              <a:spcAft>
+                <a:spcPct val="0"/>
+              </a:spcAft>
+              <a:defRPr sz="4400">
+                <a:solidFill>
+                  <a:schemeClr val="tx1"/>
+                </a:solidFill>
+                <a:latin typeface="Calibri" pitchFamily="34" charset="0"/>
+              </a:defRPr>
+            </a:lvl9pPr>
+          </a:lstStyle>
+          <a:p>
+            <a:r>
+              <a:rPr lang="es-PE" dirty="0" smtClean="0">
+                <a:solidFill>
+                  <a:srgbClr val="FFC000"/>
+                </a:solidFill>
+              </a:rPr>
+              <a:t>Ejercicio</a:t>
+            </a:r>
+          </a:p>
+          <a:p>
+            <a:r>
+              <a:rPr lang="es-PE" dirty="0" smtClean="0"/>
+              <a:t>Utilizar </a:t>
+            </a:r>
+            <a:br>
+              <a:rPr lang="es-PE" dirty="0" smtClean="0"/>
+            </a:br>
+            <a:r>
+              <a:rPr lang="es-PE" dirty="0" smtClean="0">
+                <a:solidFill>
+                  <a:srgbClr val="00823B"/>
+                </a:solidFill>
+              </a:rPr>
+              <a:t>"</a:t>
+            </a:r>
+            <a:r>
+              <a:rPr lang="es-PE" dirty="0" err="1" smtClean="0">
+                <a:solidFill>
+                  <a:srgbClr val="00823B"/>
+                </a:solidFill>
+              </a:rPr>
+              <a:t>tSQLt</a:t>
+            </a:r>
+            <a:r>
+              <a:rPr lang="es-PE" dirty="0" smtClean="0">
+                <a:solidFill>
+                  <a:srgbClr val="00823B"/>
+                </a:solidFill>
+              </a:rPr>
+              <a:t> </a:t>
+            </a:r>
+            <a:r>
+              <a:rPr lang="es-PE" dirty="0" err="1" smtClean="0">
+                <a:solidFill>
+                  <a:srgbClr val="00823B"/>
+                </a:solidFill>
+              </a:rPr>
+              <a:t>xUnit</a:t>
+            </a:r>
+            <a:r>
+              <a:rPr lang="es-PE" dirty="0" smtClean="0">
+                <a:solidFill>
+                  <a:srgbClr val="00823B"/>
+                </a:solidFill>
+              </a:rPr>
+              <a:t> DB Framework" </a:t>
+            </a:r>
+          </a:p>
+          <a:p>
+            <a:r>
+              <a:rPr lang="es-PE" dirty="0" smtClean="0"/>
+              <a:t>para crear pruebas unitarias a </a:t>
+            </a:r>
+            <a:r>
+              <a:rPr lang="es-PE" dirty="0" smtClean="0">
+                <a:solidFill>
+                  <a:srgbClr val="00823B"/>
+                </a:solidFill>
+              </a:rPr>
+              <a:t/>
+            </a:r>
+            <a:br>
+              <a:rPr lang="es-PE" dirty="0" smtClean="0">
+                <a:solidFill>
+                  <a:srgbClr val="00823B"/>
+                </a:solidFill>
+              </a:rPr>
+            </a:br>
+            <a:r>
+              <a:rPr lang="es-PE" dirty="0" smtClean="0">
+                <a:solidFill>
+                  <a:srgbClr val="00823B"/>
+                </a:solidFill>
+              </a:rPr>
+              <a:t>"SQL Server (T-SQL) </a:t>
+            </a:r>
+          </a:p>
+          <a:p>
+            <a:r>
+              <a:rPr lang="es-PE" dirty="0" err="1" smtClean="0">
+                <a:solidFill>
+                  <a:srgbClr val="00823B"/>
+                </a:solidFill>
+              </a:rPr>
+              <a:t>Store</a:t>
+            </a:r>
+            <a:r>
+              <a:rPr lang="es-PE" dirty="0" smtClean="0">
+                <a:solidFill>
+                  <a:srgbClr val="00823B"/>
+                </a:solidFill>
+              </a:rPr>
+              <a:t> </a:t>
+            </a:r>
+            <a:r>
+              <a:rPr lang="es-PE" dirty="0" err="1" smtClean="0">
+                <a:solidFill>
+                  <a:srgbClr val="00823B"/>
+                </a:solidFill>
+              </a:rPr>
+              <a:t>Procedures</a:t>
+            </a:r>
+            <a:r>
+              <a:rPr lang="es-PE" dirty="0" smtClean="0">
+                <a:solidFill>
+                  <a:srgbClr val="00823B"/>
+                </a:solidFill>
+              </a:rPr>
+              <a:t>"</a:t>
+            </a:r>
+            <a:endParaRPr lang="es-PE" dirty="0">
+              <a:solidFill>
+                <a:srgbClr val="00823B"/>
+              </a:solidFill>
+            </a:endParaRPr>
+          </a:p>
+        </p:txBody>
+      </p:sp>
+    </p:spTree>
+    <p:extLst>
+      <p:ext uri="{BB962C8B-B14F-4D97-AF65-F5344CB8AC3E}">
+        <p14:creationId xmlns:p14="http://schemas.microsoft.com/office/powerpoint/2010/main" val="433099725"/>
+      </p:ext>
+    </p:extLst>
+  </p:cSld>
+  <p:clrMapOvr>
+    <a:masterClrMapping/>
+  </p:clrMapOvr>
+  <p:timing>
+    <p:tnLst>
+      <p:par>
+        <p:cTn id="1" dur="indefinite" restart="never" nodeType="tmRoot"/>
+      </p:par>
+    </p:tnLst>
+  </p:timing>
+</p:sld>
+</file>
+
+<file path=ppt/slides/slide27.xml><?xml version="1.0" encoding="utf-8"?>
+<p:sld xmlns:a="http://schemas.openxmlformats.org/drawingml/2006/main" xmlns:r="http://schemas.openxmlformats.org/officeDocument/2006/relationships" xmlns:p="http://schemas.openxmlformats.org/presentationml/2006/main">
+  <p:cSld>
+    <p:spTree>
+      <p:nvGrpSpPr>
+        <p:cNvPr id="1" name=""/>
+        <p:cNvGrpSpPr/>
+        <p:nvPr/>
+      </p:nvGrpSpPr>
+      <p:grpSpPr>
+        <a:xfrm>
+          <a:off x="0" y="0"/>
+          <a:ext cx="0" cy="0"/>
+          <a:chOff x="0" y="0"/>
+          <a:chExt cx="0" cy="0"/>
+        </a:xfrm>
+      </p:grpSpPr>
+      <p:sp>
+        <p:nvSpPr>
+          <p:cNvPr id="3" name="2 Título"/>
+          <p:cNvSpPr>
+            <a:spLocks noGrp="1"/>
+          </p:cNvSpPr>
+          <p:nvPr>
+            <p:ph type="title"/>
+          </p:nvPr>
+        </p:nvSpPr>
+        <p:spPr>
+          <a:xfrm>
+            <a:off x="556805" y="183778"/>
+            <a:ext cx="8229600" cy="724942"/>
+          </a:xfrm>
+        </p:spPr>
+        <p:txBody>
+          <a:bodyPr/>
+          <a:lstStyle/>
+          <a:p>
+            <a:r>
+              <a:rPr lang="es-PE" dirty="0" smtClean="0">
+                <a:solidFill>
+                  <a:srgbClr val="00823B"/>
+                </a:solidFill>
+              </a:rPr>
+              <a:t>Visual Studio </a:t>
+            </a:r>
+            <a:r>
+              <a:rPr lang="es-PE" dirty="0" err="1" smtClean="0">
+                <a:solidFill>
+                  <a:srgbClr val="00823B"/>
+                </a:solidFill>
+              </a:rPr>
+              <a:t>Database</a:t>
+            </a:r>
+            <a:r>
+              <a:rPr lang="es-PE" dirty="0" smtClean="0">
+                <a:solidFill>
+                  <a:srgbClr val="00823B"/>
+                </a:solidFill>
+              </a:rPr>
+              <a:t> </a:t>
+            </a:r>
+            <a:r>
+              <a:rPr lang="es-PE" dirty="0" err="1" smtClean="0">
+                <a:solidFill>
+                  <a:srgbClr val="00823B"/>
+                </a:solidFill>
+              </a:rPr>
+              <a:t>Projects</a:t>
+            </a:r>
+            <a:endParaRPr lang="es-PE" dirty="0">
+              <a:solidFill>
+                <a:srgbClr val="00823B"/>
+              </a:solidFill>
+            </a:endParaRPr>
+          </a:p>
+        </p:txBody>
+      </p:sp>
+      <p:sp>
+        <p:nvSpPr>
+          <p:cNvPr id="4" name="3 Rectángulo"/>
+          <p:cNvSpPr/>
+          <p:nvPr/>
+        </p:nvSpPr>
+        <p:spPr>
+          <a:xfrm>
+            <a:off x="492356" y="2299061"/>
+            <a:ext cx="8208000" cy="3693319"/>
+          </a:xfrm>
+          <a:prstGeom prst="rect">
+            <a:avLst/>
+          </a:prstGeom>
+        </p:spPr>
+        <p:txBody>
+          <a:bodyPr wrap="square">
+            <a:spAutoFit/>
+          </a:bodyPr>
+          <a:lstStyle/>
+          <a:p>
+            <a:r>
+              <a:rPr lang="es-PE" sz="2600" dirty="0" smtClean="0">
+                <a:solidFill>
+                  <a:srgbClr val="FFC000"/>
+                </a:solidFill>
+              </a:rPr>
+              <a:t>PROS</a:t>
+            </a:r>
+          </a:p>
+          <a:p>
+            <a:pPr marL="342900" indent="-342900">
+              <a:buFont typeface="Courier New" pitchFamily="49" charset="0"/>
+              <a:buChar char="o"/>
+            </a:pPr>
+            <a:r>
+              <a:rPr lang="es-PE" sz="2600" dirty="0" err="1"/>
+              <a:t>Development</a:t>
+            </a:r>
+            <a:r>
+              <a:rPr lang="es-PE" sz="2600" dirty="0"/>
+              <a:t>, </a:t>
+            </a:r>
+            <a:r>
+              <a:rPr lang="es-PE" sz="2800" b="1" dirty="0" err="1">
+                <a:solidFill>
+                  <a:srgbClr val="FF0000"/>
+                </a:solidFill>
+              </a:rPr>
+              <a:t>Testing</a:t>
+            </a:r>
+            <a:r>
+              <a:rPr lang="es-PE" sz="2800" b="1" dirty="0">
+                <a:solidFill>
+                  <a:srgbClr val="FF0000"/>
+                </a:solidFill>
+              </a:rPr>
+              <a:t>, </a:t>
+            </a:r>
+            <a:r>
+              <a:rPr lang="es-PE" sz="2600" dirty="0" smtClean="0"/>
+              <a:t>Build and  </a:t>
+            </a:r>
+            <a:r>
+              <a:rPr lang="es-PE" sz="2600" dirty="0" err="1" smtClean="0"/>
+              <a:t>Source</a:t>
+            </a:r>
+            <a:r>
+              <a:rPr lang="es-PE" sz="2600" dirty="0" smtClean="0"/>
+              <a:t> Control, </a:t>
+            </a:r>
+            <a:br>
+              <a:rPr lang="es-PE" sz="2600" dirty="0" smtClean="0"/>
+            </a:br>
+            <a:r>
+              <a:rPr lang="es-PE" sz="2600" dirty="0" err="1" smtClean="0"/>
+              <a:t>Code</a:t>
+            </a:r>
+            <a:r>
+              <a:rPr lang="es-PE" sz="2600" dirty="0" smtClean="0"/>
+              <a:t> </a:t>
+            </a:r>
+            <a:r>
+              <a:rPr lang="es-PE" sz="2600" dirty="0" err="1" smtClean="0"/>
+              <a:t>Analysis</a:t>
+            </a:r>
+            <a:r>
+              <a:rPr lang="es-PE" sz="2600" dirty="0" smtClean="0"/>
+              <a:t>, </a:t>
+            </a:r>
+            <a:r>
+              <a:rPr lang="es-PE" sz="2600" dirty="0" err="1" smtClean="0"/>
+              <a:t>Deployment</a:t>
+            </a:r>
+            <a:r>
+              <a:rPr lang="es-PE" sz="2600" dirty="0" smtClean="0"/>
+              <a:t> ……</a:t>
+            </a:r>
+          </a:p>
+          <a:p>
+            <a:pPr marL="342900" indent="-342900">
+              <a:buFont typeface="Courier New" pitchFamily="49" charset="0"/>
+              <a:buChar char="o"/>
+            </a:pPr>
+            <a:r>
+              <a:rPr lang="es-PE" sz="2600" dirty="0" smtClean="0"/>
+              <a:t>Entorno integrado dentro del Visual Studio.</a:t>
+            </a:r>
+            <a:endParaRPr lang="es-PE" sz="2600" dirty="0"/>
+          </a:p>
+          <a:p>
+            <a:endParaRPr lang="es-PE" sz="2600" dirty="0"/>
+          </a:p>
+          <a:p>
+            <a:r>
+              <a:rPr lang="es-PE" sz="2600" dirty="0" smtClean="0">
+                <a:solidFill>
+                  <a:srgbClr val="FFC000"/>
+                </a:solidFill>
+              </a:rPr>
+              <a:t>CONS</a:t>
+            </a:r>
+          </a:p>
+          <a:p>
+            <a:pPr marL="342900" indent="-342900">
+              <a:buFont typeface="Courier New" pitchFamily="49" charset="0"/>
+              <a:buChar char="o"/>
+            </a:pPr>
+            <a:r>
+              <a:rPr lang="es-PE" sz="2600" dirty="0" smtClean="0"/>
+              <a:t>Solo soporta SQL Server.</a:t>
+            </a:r>
+          </a:p>
+          <a:p>
+            <a:pPr marL="342900" indent="-342900">
+              <a:buFont typeface="Courier New" pitchFamily="49" charset="0"/>
+              <a:buChar char="o"/>
+            </a:pPr>
+            <a:r>
+              <a:rPr lang="es-PE" sz="2600" dirty="0" smtClean="0"/>
+              <a:t>Varias características (incluyendo </a:t>
+            </a:r>
+            <a:r>
+              <a:rPr lang="es-PE" sz="2600" dirty="0" err="1" smtClean="0"/>
+              <a:t>Unit</a:t>
+            </a:r>
+            <a:r>
+              <a:rPr lang="es-PE" sz="2600" dirty="0" smtClean="0"/>
+              <a:t> </a:t>
+            </a:r>
+            <a:r>
+              <a:rPr lang="es-PE" sz="2600" dirty="0" err="1" smtClean="0"/>
+              <a:t>Testing</a:t>
+            </a:r>
+            <a:r>
+              <a:rPr lang="es-PE" sz="2600" dirty="0"/>
+              <a:t>)</a:t>
+            </a:r>
+            <a:r>
+              <a:rPr lang="es-PE" sz="2600" dirty="0" smtClean="0"/>
+              <a:t> solo disponibles en las versiones Premium y </a:t>
+            </a:r>
+            <a:r>
+              <a:rPr lang="es-PE" sz="2600" dirty="0" err="1" smtClean="0"/>
+              <a:t>Ultimate</a:t>
+            </a:r>
+            <a:r>
+              <a:rPr lang="es-PE" sz="2600" dirty="0" smtClean="0"/>
+              <a:t>.</a:t>
+            </a:r>
+          </a:p>
+        </p:txBody>
+      </p:sp>
+      <p:sp>
+        <p:nvSpPr>
+          <p:cNvPr id="6" name="5 Rectángulo"/>
+          <p:cNvSpPr/>
+          <p:nvPr/>
+        </p:nvSpPr>
+        <p:spPr>
+          <a:xfrm>
+            <a:off x="323528" y="1196752"/>
+            <a:ext cx="8568000" cy="892552"/>
+          </a:xfrm>
+          <a:prstGeom prst="rect">
+            <a:avLst/>
+          </a:prstGeom>
+        </p:spPr>
+        <p:txBody>
+          <a:bodyPr wrap="square">
+            <a:spAutoFit/>
+          </a:bodyPr>
+          <a:lstStyle/>
+          <a:p>
+            <a:pPr algn="ctr"/>
+            <a:r>
+              <a:rPr lang="es-PE" sz="2600" dirty="0" smtClean="0"/>
+              <a:t>Nos permite gestionar el ciclo de vida de la BD e integrarlo con el resto de la aplicación.</a:t>
+            </a:r>
+            <a:endParaRPr lang="es-PE" sz="2600" dirty="0"/>
+          </a:p>
+        </p:txBody>
+      </p:sp>
+    </p:spTree>
+    <p:extLst>
+      <p:ext uri="{BB962C8B-B14F-4D97-AF65-F5344CB8AC3E}">
+        <p14:creationId xmlns:p14="http://schemas.microsoft.com/office/powerpoint/2010/main" val="436741790"/>
       </p:ext>
     </p:extLst>
   </p:cSld>
@@ -15051,472 +15629,162 @@
       </p:grpSpPr>
       <p:sp>
         <p:nvSpPr>
-          <p:cNvPr id="6" name="5 Marcador de contenido"/>
-          <p:cNvSpPr txBox="1">
-            <a:spLocks/>
+          <p:cNvPr id="3" name="2 Título"/>
+          <p:cNvSpPr>
+            <a:spLocks noGrp="1"/>
           </p:cNvSpPr>
+          <p:nvPr>
+            <p:ph type="title"/>
+          </p:nvPr>
+        </p:nvSpPr>
+        <p:spPr>
+          <a:xfrm>
+            <a:off x="556805" y="183778"/>
+            <a:ext cx="8229600" cy="724942"/>
+          </a:xfrm>
+        </p:spPr>
+        <p:txBody>
+          <a:bodyPr/>
+          <a:lstStyle/>
+          <a:p>
+            <a:r>
+              <a:rPr lang="es-PE" dirty="0" err="1" smtClean="0">
+                <a:solidFill>
+                  <a:srgbClr val="00823B"/>
+                </a:solidFill>
+              </a:rPr>
+              <a:t>Testing</a:t>
+            </a:r>
+            <a:r>
+              <a:rPr lang="es-PE" dirty="0" smtClean="0">
+                <a:solidFill>
+                  <a:srgbClr val="00823B"/>
+                </a:solidFill>
+              </a:rPr>
+              <a:t> utilizando VS DB </a:t>
+            </a:r>
+            <a:r>
+              <a:rPr lang="es-PE" dirty="0" err="1" smtClean="0">
+                <a:solidFill>
+                  <a:srgbClr val="00823B"/>
+                </a:solidFill>
+              </a:rPr>
+              <a:t>Projects</a:t>
+            </a:r>
+            <a:endParaRPr lang="es-PE" dirty="0">
+              <a:solidFill>
+                <a:srgbClr val="00823B"/>
+              </a:solidFill>
+            </a:endParaRPr>
+          </a:p>
+        </p:txBody>
+      </p:sp>
+      <p:sp>
+        <p:nvSpPr>
+          <p:cNvPr id="6" name="5 Rectángulo"/>
+          <p:cNvSpPr/>
           <p:nvPr/>
         </p:nvSpPr>
+        <p:spPr>
+          <a:xfrm>
+            <a:off x="323528" y="1024280"/>
+            <a:ext cx="8568000" cy="892552"/>
+          </a:xfrm>
+          <a:prstGeom prst="rect">
+            <a:avLst/>
+          </a:prstGeom>
+        </p:spPr>
+        <p:txBody>
+          <a:bodyPr wrap="square">
+            <a:spAutoFit/>
+          </a:bodyPr>
+          <a:lstStyle/>
+          <a:p>
+            <a:pPr algn="ctr"/>
+            <a:r>
+              <a:rPr lang="es-PE" sz="2600" dirty="0" smtClean="0"/>
+              <a:t>Entorno mixto a través del cual creamos pruebas utilizando SQL pero las ejecutamos a través de </a:t>
+            </a:r>
+            <a:r>
+              <a:rPr lang="es-PE" sz="2600" dirty="0" err="1" smtClean="0"/>
+              <a:t>MSTests</a:t>
+            </a:r>
+            <a:r>
+              <a:rPr lang="es-PE" sz="2600" dirty="0" smtClean="0"/>
+              <a:t>.</a:t>
+            </a:r>
+            <a:endParaRPr lang="es-PE" sz="2600" dirty="0"/>
+          </a:p>
+        </p:txBody>
+      </p:sp>
+      <p:pic>
+        <p:nvPicPr>
+          <p:cNvPr id="2051" name="Picture 3"/>
+          <p:cNvPicPr>
+            <a:picLocks noChangeAspect="1" noChangeArrowheads="1"/>
+          </p:cNvPicPr>
+          <p:nvPr/>
+        </p:nvPicPr>
+        <p:blipFill>
+          <a:blip r:embed="rId3">
+            <a:extLst>
+              <a:ext uri="{28A0092B-C50C-407E-A947-70E740481C1C}">
+                <a14:useLocalDpi xmlns:a14="http://schemas.microsoft.com/office/drawing/2010/main" val="0"/>
+              </a:ext>
+            </a:extLst>
+          </a:blip>
+          <a:srcRect/>
+          <a:stretch>
+            <a:fillRect/>
+          </a:stretch>
+        </p:blipFill>
         <p:spPr bwMode="auto">
           <a:xfrm>
-            <a:off x="323528" y="1484784"/>
-            <a:ext cx="8568952" cy="3168352"/>
+            <a:off x="0" y="2140757"/>
+            <a:ext cx="9144000" cy="4384587"/>
           </a:xfrm>
           <a:prstGeom prst="rect">
             <a:avLst/>
           </a:prstGeom>
           <a:noFill/>
-          <a:ln w="9525">
+          <a:ln>
             <a:noFill/>
-            <a:miter lim="800000"/>
-            <a:headEnd/>
-            <a:tailEnd/>
           </a:ln>
+          <a:effectLst/>
+          <a:extLst>
+            <a:ext uri="{909E8E84-426E-40DD-AFC4-6F175D3DCCD1}">
+              <a14:hiddenFill xmlns:a14="http://schemas.microsoft.com/office/drawing/2010/main">
+                <a:solidFill>
+                  <a:schemeClr val="accent1"/>
+                </a:solidFill>
+              </a14:hiddenFill>
+            </a:ext>
+            <a:ext uri="{91240B29-F687-4F45-9708-019B960494DF}">
+              <a14:hiddenLine xmlns:a14="http://schemas.microsoft.com/office/drawing/2010/main" w="9525">
+                <a:solidFill>
+                  <a:schemeClr val="tx1"/>
+                </a:solidFill>
+                <a:miter lim="800000"/>
+                <a:headEnd/>
+                <a:tailEnd/>
+              </a14:hiddenLine>
+            </a:ext>
+            <a:ext uri="{AF507438-7753-43E0-B8FC-AC1667EBCBE1}">
+              <a14:hiddenEffects xmlns:a14="http://schemas.microsoft.com/office/drawing/2010/main">
+                <a:effectLst>
+                  <a:outerShdw dist="35921" dir="2700000" algn="ctr" rotWithShape="0">
+                    <a:schemeClr val="bg2"/>
+                  </a:outerShdw>
+                </a:effectLst>
+              </a14:hiddenEffects>
+            </a:ext>
+          </a:extLst>
         </p:spPr>
-        <p:txBody>
-          <a:bodyPr vert="horz" wrap="square" lIns="91440" tIns="45720" rIns="91440" bIns="45720" numCol="1" anchor="t" anchorCtr="0" compatLnSpc="1">
-            <a:prstTxWarp prst="textNoShape">
-              <a:avLst/>
-            </a:prstTxWarp>
-          </a:bodyPr>
-          <a:lstStyle>
-            <a:lvl1pPr marL="342900" indent="-342900" algn="l" rtl="0" eaLnBrk="1" fontAlgn="base" hangingPunct="1">
-              <a:spcBef>
-                <a:spcPct val="20000"/>
-              </a:spcBef>
-              <a:spcAft>
-                <a:spcPct val="0"/>
-              </a:spcAft>
-              <a:buFont typeface="Arial" charset="0"/>
-              <a:buChar char="•"/>
-              <a:defRPr sz="3200" kern="1200">
-                <a:solidFill>
-                  <a:schemeClr val="tx1"/>
-                </a:solidFill>
-                <a:latin typeface="+mn-lt"/>
-                <a:ea typeface="+mn-ea"/>
-                <a:cs typeface="+mn-cs"/>
-              </a:defRPr>
-            </a:lvl1pPr>
-            <a:lvl2pPr marL="742950" indent="-285750" algn="l" rtl="0" eaLnBrk="1" fontAlgn="base" hangingPunct="1">
-              <a:spcBef>
-                <a:spcPct val="20000"/>
-              </a:spcBef>
-              <a:spcAft>
-                <a:spcPct val="0"/>
-              </a:spcAft>
-              <a:buFont typeface="Arial" charset="0"/>
-              <a:buChar char="–"/>
-              <a:defRPr sz="2800" kern="1200">
-                <a:solidFill>
-                  <a:schemeClr val="tx1"/>
-                </a:solidFill>
-                <a:latin typeface="+mn-lt"/>
-                <a:ea typeface="+mn-ea"/>
-                <a:cs typeface="+mn-cs"/>
-              </a:defRPr>
-            </a:lvl2pPr>
-            <a:lvl3pPr marL="1143000" indent="-228600" algn="l" rtl="0" eaLnBrk="1" fontAlgn="base" hangingPunct="1">
-              <a:spcBef>
-                <a:spcPct val="20000"/>
-              </a:spcBef>
-              <a:spcAft>
-                <a:spcPct val="0"/>
-              </a:spcAft>
-              <a:buFont typeface="Arial" charset="0"/>
-              <a:buChar char="•"/>
-              <a:defRPr sz="2400" kern="1200">
-                <a:solidFill>
-                  <a:schemeClr val="tx1"/>
-                </a:solidFill>
-                <a:latin typeface="+mn-lt"/>
-                <a:ea typeface="+mn-ea"/>
-                <a:cs typeface="+mn-cs"/>
-              </a:defRPr>
-            </a:lvl3pPr>
-            <a:lvl4pPr marL="1600200" indent="-228600" algn="l" rtl="0" eaLnBrk="1" fontAlgn="base" hangingPunct="1">
-              <a:spcBef>
-                <a:spcPct val="20000"/>
-              </a:spcBef>
-              <a:spcAft>
-                <a:spcPct val="0"/>
-              </a:spcAft>
-              <a:buFont typeface="Arial" charset="0"/>
-              <a:buChar char="–"/>
-              <a:defRPr sz="2000" kern="1200">
-                <a:solidFill>
-                  <a:schemeClr val="tx1"/>
-                </a:solidFill>
-                <a:latin typeface="+mn-lt"/>
-                <a:ea typeface="+mn-ea"/>
-                <a:cs typeface="+mn-cs"/>
-              </a:defRPr>
-            </a:lvl4pPr>
-            <a:lvl5pPr marL="2057400" indent="-228600" algn="l" rtl="0" eaLnBrk="1" fontAlgn="base" hangingPunct="1">
-              <a:spcBef>
-                <a:spcPct val="20000"/>
-              </a:spcBef>
-              <a:spcAft>
-                <a:spcPct val="0"/>
-              </a:spcAft>
-              <a:buFont typeface="Arial" charset="0"/>
-              <a:buChar char="»"/>
-              <a:defRPr sz="2000" kern="1200">
-                <a:solidFill>
-                  <a:schemeClr val="tx1"/>
-                </a:solidFill>
-                <a:latin typeface="+mn-lt"/>
-                <a:ea typeface="+mn-ea"/>
-                <a:cs typeface="+mn-cs"/>
-              </a:defRPr>
-            </a:lvl5pPr>
-            <a:lvl6pPr marL="2514600" indent="-228600" algn="l" defTabSz="914400" rtl="0" eaLnBrk="1" latinLnBrk="0" hangingPunct="1">
-              <a:spcBef>
-                <a:spcPct val="20000"/>
-              </a:spcBef>
-              <a:buFont typeface="Arial" pitchFamily="34" charset="0"/>
-              <a:buChar char="•"/>
-              <a:defRPr sz="2000" kern="1200">
-                <a:solidFill>
-                  <a:schemeClr val="tx1"/>
-                </a:solidFill>
-                <a:latin typeface="+mn-lt"/>
-                <a:ea typeface="+mn-ea"/>
-                <a:cs typeface="+mn-cs"/>
-              </a:defRPr>
-            </a:lvl6pPr>
-            <a:lvl7pPr marL="2971800" indent="-228600" algn="l" defTabSz="914400" rtl="0" eaLnBrk="1" latinLnBrk="0" hangingPunct="1">
-              <a:spcBef>
-                <a:spcPct val="20000"/>
-              </a:spcBef>
-              <a:buFont typeface="Arial" pitchFamily="34" charset="0"/>
-              <a:buChar char="•"/>
-              <a:defRPr sz="2000" kern="1200">
-                <a:solidFill>
-                  <a:schemeClr val="tx1"/>
-                </a:solidFill>
-                <a:latin typeface="+mn-lt"/>
-                <a:ea typeface="+mn-ea"/>
-                <a:cs typeface="+mn-cs"/>
-              </a:defRPr>
-            </a:lvl7pPr>
-            <a:lvl8pPr marL="3429000" indent="-228600" algn="l" defTabSz="914400" rtl="0" eaLnBrk="1" latinLnBrk="0" hangingPunct="1">
-              <a:spcBef>
-                <a:spcPct val="20000"/>
-              </a:spcBef>
-              <a:buFont typeface="Arial" pitchFamily="34" charset="0"/>
-              <a:buChar char="•"/>
-              <a:defRPr sz="2000" kern="1200">
-                <a:solidFill>
-                  <a:schemeClr val="tx1"/>
-                </a:solidFill>
-                <a:latin typeface="+mn-lt"/>
-                <a:ea typeface="+mn-ea"/>
-                <a:cs typeface="+mn-cs"/>
-              </a:defRPr>
-            </a:lvl8pPr>
-            <a:lvl9pPr marL="3886200" indent="-228600" algn="l" defTabSz="914400" rtl="0" eaLnBrk="1" latinLnBrk="0" hangingPunct="1">
-              <a:spcBef>
-                <a:spcPct val="20000"/>
-              </a:spcBef>
-              <a:buFont typeface="Arial" pitchFamily="34" charset="0"/>
-              <a:buChar char="•"/>
-              <a:defRPr sz="2000" kern="1200">
-                <a:solidFill>
-                  <a:schemeClr val="tx1"/>
-                </a:solidFill>
-                <a:latin typeface="+mn-lt"/>
-                <a:ea typeface="+mn-ea"/>
-                <a:cs typeface="+mn-cs"/>
-              </a:defRPr>
-            </a:lvl9pPr>
-          </a:lstStyle>
-          <a:p>
-            <a:pPr marL="0" indent="0">
-              <a:buNone/>
-            </a:pPr>
-            <a:r>
-              <a:rPr lang="es-PE" sz="2800" dirty="0"/>
-              <a:t>Tienen todas las características de las </a:t>
-            </a:r>
-            <a:r>
-              <a:rPr lang="es-PE" sz="2800" dirty="0" err="1"/>
-              <a:t>xUnit</a:t>
-            </a:r>
-            <a:r>
-              <a:rPr lang="es-PE" sz="2800" dirty="0"/>
-              <a:t> </a:t>
-            </a:r>
-            <a:r>
-              <a:rPr lang="es-PE" sz="2800" dirty="0" smtClean="0"/>
-              <a:t>Frameworks tradicionales. Nos permiten escribir pruebas utilizando lenguaje SQL en forma de </a:t>
-            </a:r>
-            <a:r>
-              <a:rPr lang="es-PE" sz="2800" dirty="0" err="1" smtClean="0"/>
-              <a:t>Store</a:t>
-            </a:r>
-            <a:r>
-              <a:rPr lang="es-PE" sz="2800" dirty="0" smtClean="0"/>
-              <a:t> </a:t>
-            </a:r>
-            <a:r>
-              <a:rPr lang="es-PE" sz="2800" dirty="0" err="1" smtClean="0"/>
-              <a:t>Procedures</a:t>
-            </a:r>
-            <a:r>
-              <a:rPr lang="es-PE" sz="2800" dirty="0" smtClean="0"/>
-              <a:t>.</a:t>
-            </a:r>
-          </a:p>
-          <a:p>
-            <a:pPr marL="0" indent="0">
-              <a:buNone/>
-            </a:pPr>
-            <a:endParaRPr lang="es-PE" sz="2800" dirty="0" smtClean="0"/>
-          </a:p>
-          <a:p>
-            <a:pPr lvl="1" indent="-342900">
-              <a:buFont typeface="Courier New" pitchFamily="49" charset="0"/>
-              <a:buChar char="o"/>
-            </a:pPr>
-            <a:r>
-              <a:rPr lang="es-PE" dirty="0" smtClean="0">
-                <a:solidFill>
-                  <a:srgbClr val="FF0000"/>
-                </a:solidFill>
-              </a:rPr>
-              <a:t>SQL Server:  </a:t>
-            </a:r>
-            <a:r>
-              <a:rPr lang="es-PE" sz="2400" dirty="0" err="1"/>
-              <a:t>tSQLt</a:t>
-            </a:r>
-            <a:r>
-              <a:rPr lang="es-PE" sz="2400" dirty="0"/>
-              <a:t>, </a:t>
-            </a:r>
-            <a:r>
-              <a:rPr lang="es-PE" sz="2400" dirty="0" err="1"/>
-              <a:t>TSQLUnit</a:t>
-            </a:r>
-            <a:r>
-              <a:rPr lang="es-PE" sz="2400" dirty="0"/>
-              <a:t> …..</a:t>
-            </a:r>
-          </a:p>
-          <a:p>
-            <a:pPr lvl="1" indent="-342900">
-              <a:buFont typeface="Courier New" pitchFamily="49" charset="0"/>
-              <a:buChar char="o"/>
-            </a:pPr>
-            <a:r>
-              <a:rPr lang="es-PE" dirty="0" smtClean="0">
-                <a:solidFill>
-                  <a:srgbClr val="FF0000"/>
-                </a:solidFill>
-              </a:rPr>
-              <a:t>Oracle:  </a:t>
-            </a:r>
-            <a:r>
-              <a:rPr lang="es-PE" sz="2400" dirty="0" err="1" smtClean="0"/>
-              <a:t>utPLSQL</a:t>
-            </a:r>
-            <a:r>
-              <a:rPr lang="es-PE" sz="2400" dirty="0" smtClean="0"/>
-              <a:t>, PLUTO …..</a:t>
-            </a:r>
-          </a:p>
-        </p:txBody>
-      </p:sp>
-      <p:sp>
-        <p:nvSpPr>
-          <p:cNvPr id="4" name="2 Título"/>
-          <p:cNvSpPr txBox="1">
-            <a:spLocks/>
-          </p:cNvSpPr>
-          <p:nvPr/>
-        </p:nvSpPr>
-        <p:spPr bwMode="auto">
-          <a:xfrm>
-            <a:off x="493204" y="471810"/>
-            <a:ext cx="8229600" cy="724942"/>
-          </a:xfrm>
-          <a:prstGeom prst="rect">
-            <a:avLst/>
-          </a:prstGeom>
-          <a:noFill/>
-          <a:ln w="9525">
-            <a:noFill/>
-            <a:miter lim="800000"/>
-            <a:headEnd/>
-            <a:tailEnd/>
-          </a:ln>
-        </p:spPr>
-        <p:txBody>
-          <a:bodyPr vert="horz" wrap="square" lIns="91440" tIns="45720" rIns="91440" bIns="45720" numCol="1" anchor="ctr" anchorCtr="0" compatLnSpc="1">
-            <a:prstTxWarp prst="textNoShape">
-              <a:avLst/>
-            </a:prstTxWarp>
-          </a:bodyPr>
-          <a:lstStyle>
-            <a:lvl1pPr algn="ctr" rtl="0" eaLnBrk="1" fontAlgn="base" hangingPunct="1">
-              <a:spcBef>
-                <a:spcPct val="0"/>
-              </a:spcBef>
-              <a:spcAft>
-                <a:spcPct val="0"/>
-              </a:spcAft>
-              <a:defRPr sz="4400" kern="1200">
-                <a:solidFill>
-                  <a:schemeClr val="tx1"/>
-                </a:solidFill>
-                <a:latin typeface="+mj-lt"/>
-                <a:ea typeface="+mj-ea"/>
-                <a:cs typeface="+mj-cs"/>
-              </a:defRPr>
-            </a:lvl1pPr>
-            <a:lvl2pPr algn="ctr" rtl="0" eaLnBrk="1" fontAlgn="base" hangingPunct="1">
-              <a:spcBef>
-                <a:spcPct val="0"/>
-              </a:spcBef>
-              <a:spcAft>
-                <a:spcPct val="0"/>
-              </a:spcAft>
-              <a:defRPr sz="4400">
-                <a:solidFill>
-                  <a:schemeClr val="tx1"/>
-                </a:solidFill>
-                <a:latin typeface="Calibri" pitchFamily="34" charset="0"/>
-              </a:defRPr>
-            </a:lvl2pPr>
-            <a:lvl3pPr algn="ctr" rtl="0" eaLnBrk="1" fontAlgn="base" hangingPunct="1">
-              <a:spcBef>
-                <a:spcPct val="0"/>
-              </a:spcBef>
-              <a:spcAft>
-                <a:spcPct val="0"/>
-              </a:spcAft>
-              <a:defRPr sz="4400">
-                <a:solidFill>
-                  <a:schemeClr val="tx1"/>
-                </a:solidFill>
-                <a:latin typeface="Calibri" pitchFamily="34" charset="0"/>
-              </a:defRPr>
-            </a:lvl3pPr>
-            <a:lvl4pPr algn="ctr" rtl="0" eaLnBrk="1" fontAlgn="base" hangingPunct="1">
-              <a:spcBef>
-                <a:spcPct val="0"/>
-              </a:spcBef>
-              <a:spcAft>
-                <a:spcPct val="0"/>
-              </a:spcAft>
-              <a:defRPr sz="4400">
-                <a:solidFill>
-                  <a:schemeClr val="tx1"/>
-                </a:solidFill>
-                <a:latin typeface="Calibri" pitchFamily="34" charset="0"/>
-              </a:defRPr>
-            </a:lvl4pPr>
-            <a:lvl5pPr algn="ctr" rtl="0" eaLnBrk="1" fontAlgn="base" hangingPunct="1">
-              <a:spcBef>
-                <a:spcPct val="0"/>
-              </a:spcBef>
-              <a:spcAft>
-                <a:spcPct val="0"/>
-              </a:spcAft>
-              <a:defRPr sz="4400">
-                <a:solidFill>
-                  <a:schemeClr val="tx1"/>
-                </a:solidFill>
-                <a:latin typeface="Calibri" pitchFamily="34" charset="0"/>
-              </a:defRPr>
-            </a:lvl5pPr>
-            <a:lvl6pPr marL="457200" algn="ctr" rtl="0" eaLnBrk="1" fontAlgn="base" hangingPunct="1">
-              <a:spcBef>
-                <a:spcPct val="0"/>
-              </a:spcBef>
-              <a:spcAft>
-                <a:spcPct val="0"/>
-              </a:spcAft>
-              <a:defRPr sz="4400">
-                <a:solidFill>
-                  <a:schemeClr val="tx1"/>
-                </a:solidFill>
-                <a:latin typeface="Calibri" pitchFamily="34" charset="0"/>
-              </a:defRPr>
-            </a:lvl6pPr>
-            <a:lvl7pPr marL="914400" algn="ctr" rtl="0" eaLnBrk="1" fontAlgn="base" hangingPunct="1">
-              <a:spcBef>
-                <a:spcPct val="0"/>
-              </a:spcBef>
-              <a:spcAft>
-                <a:spcPct val="0"/>
-              </a:spcAft>
-              <a:defRPr sz="4400">
-                <a:solidFill>
-                  <a:schemeClr val="tx1"/>
-                </a:solidFill>
-                <a:latin typeface="Calibri" pitchFamily="34" charset="0"/>
-              </a:defRPr>
-            </a:lvl7pPr>
-            <a:lvl8pPr marL="1371600" algn="ctr" rtl="0" eaLnBrk="1" fontAlgn="base" hangingPunct="1">
-              <a:spcBef>
-                <a:spcPct val="0"/>
-              </a:spcBef>
-              <a:spcAft>
-                <a:spcPct val="0"/>
-              </a:spcAft>
-              <a:defRPr sz="4400">
-                <a:solidFill>
-                  <a:schemeClr val="tx1"/>
-                </a:solidFill>
-                <a:latin typeface="Calibri" pitchFamily="34" charset="0"/>
-              </a:defRPr>
-            </a:lvl8pPr>
-            <a:lvl9pPr marL="1828800" algn="ctr" rtl="0" eaLnBrk="1" fontAlgn="base" hangingPunct="1">
-              <a:spcBef>
-                <a:spcPct val="0"/>
-              </a:spcBef>
-              <a:spcAft>
-                <a:spcPct val="0"/>
-              </a:spcAft>
-              <a:defRPr sz="4400">
-                <a:solidFill>
-                  <a:schemeClr val="tx1"/>
-                </a:solidFill>
-                <a:latin typeface="Calibri" pitchFamily="34" charset="0"/>
-              </a:defRPr>
-            </a:lvl9pPr>
-          </a:lstStyle>
-          <a:p>
-            <a:r>
-              <a:rPr lang="es-PE" dirty="0" err="1" smtClean="0">
-                <a:solidFill>
-                  <a:srgbClr val="00823B"/>
-                </a:solidFill>
-              </a:rPr>
-              <a:t>xUnit</a:t>
-            </a:r>
-            <a:r>
-              <a:rPr lang="es-PE" dirty="0" smtClean="0">
-                <a:solidFill>
-                  <a:srgbClr val="00823B"/>
-                </a:solidFill>
-              </a:rPr>
-              <a:t> DB Frameworks</a:t>
-            </a:r>
-            <a:endParaRPr lang="es-PE" dirty="0">
-              <a:solidFill>
-                <a:srgbClr val="00823B"/>
-              </a:solidFill>
-            </a:endParaRPr>
-          </a:p>
-        </p:txBody>
-      </p:sp>
+      </p:pic>
     </p:spTree>
     <p:extLst>
       <p:ext uri="{BB962C8B-B14F-4D97-AF65-F5344CB8AC3E}">
-        <p14:creationId xmlns:p14="http://schemas.microsoft.com/office/powerpoint/2010/main" val="1622851325"/>
+        <p14:creationId xmlns:p14="http://schemas.microsoft.com/office/powerpoint/2010/main" val="1482383444"/>
       </p:ext>
     </p:extLst>
   </p:cSld>
@@ -15734,7 +16002,7 @@
                   <a:srgbClr val="00823B"/>
                 </a:solidFill>
               </a:rPr>
-              <a:t>"</a:t>
+              <a:t>"Visual Studio DB </a:t>
             </a:r>
             <a:r>
               <a:rPr lang="es-PE" dirty="0" err="1" smtClean="0">
@@ -15742,7 +16010,7 @@
                   <a:srgbClr val="00823B"/>
                 </a:solidFill>
               </a:rPr>
-              <a:t>tSQLt</a:t>
+              <a:t>Projects</a:t>
             </a:r>
             <a:r>
               <a:rPr lang="es-PE" dirty="0" smtClean="0">
@@ -15750,23 +16018,7 @@
                   <a:srgbClr val="00823B"/>
                 </a:solidFill>
               </a:rPr>
-              <a:t> </a:t>
-            </a:r>
-            <a:r>
-              <a:rPr lang="es-PE" dirty="0" err="1" smtClean="0">
-                <a:solidFill>
-                  <a:srgbClr val="00823B"/>
-                </a:solidFill>
-              </a:rPr>
-              <a:t>xUnit</a:t>
-            </a:r>
-            <a:r>
-              <a:rPr lang="es-PE" dirty="0" smtClean="0">
-                <a:solidFill>
-                  <a:srgbClr val="00823B"/>
-                </a:solidFill>
-              </a:rPr>
-              <a:t> DB Framework" </a:t>
+              <a:t>" </a:t>
             </a:r>
           </a:p>
           <a:p>
@@ -15842,7 +16094,7 @@
     </p:spTree>
     <p:extLst>
       <p:ext uri="{BB962C8B-B14F-4D97-AF65-F5344CB8AC3E}">
-        <p14:creationId xmlns:p14="http://schemas.microsoft.com/office/powerpoint/2010/main" val="433099725"/>
+        <p14:creationId xmlns:p14="http://schemas.microsoft.com/office/powerpoint/2010/main" val="590461063"/>
       </p:ext>
     </p:extLst>
   </p:cSld>
@@ -16922,7 +17174,7 @@
         </p:nvSpPr>
         <p:spPr>
           <a:xfrm>
-            <a:off x="556805" y="183778"/>
+            <a:off x="524338" y="216030"/>
             <a:ext cx="8229600" cy="724942"/>
           </a:xfrm>
         </p:spPr>
@@ -16931,12 +17183,20 @@
           <a:lstStyle/>
           <a:p>
             <a:r>
+              <a:rPr lang="es-PE" dirty="0" err="1" smtClean="0">
+                <a:solidFill>
+                  <a:srgbClr val="00823B"/>
+                </a:solidFill>
+              </a:rPr>
+              <a:t>Outside</a:t>
+            </a:r>
+            <a:r>
               <a:rPr lang="es-PE" dirty="0" smtClean="0">
                 <a:solidFill>
                   <a:srgbClr val="00823B"/>
                 </a:solidFill>
               </a:rPr>
-              <a:t>Visual Studio </a:t>
+              <a:t> DB vs </a:t>
             </a:r>
             <a:r>
               <a:rPr lang="es-PE" dirty="0" err="1" smtClean="0">
@@ -16944,7 +17204,7 @@
                   <a:srgbClr val="00823B"/>
                 </a:solidFill>
               </a:rPr>
-              <a:t>Database</a:t>
+              <a:t>Inside</a:t>
             </a:r>
             <a:r>
               <a:rPr lang="es-PE" dirty="0" smtClean="0">
@@ -16952,15 +17212,7 @@
                   <a:srgbClr val="00823B"/>
                 </a:solidFill>
               </a:rPr>
-              <a:t> </a:t>
-            </a:r>
-            <a:r>
-              <a:rPr lang="es-PE" dirty="0" err="1" smtClean="0">
-                <a:solidFill>
-                  <a:srgbClr val="00823B"/>
-                </a:solidFill>
-              </a:rPr>
-              <a:t>Projects</a:t>
+              <a:t> DB</a:t>
             </a:r>
             <a:endParaRPr lang="es-PE" dirty="0">
               <a:solidFill>
@@ -16972,211 +17224,122 @@
       </p:sp>
       <p:sp>
         <p:nvSpPr>
-          <p:cNvPr id="4" name="3 Rectángulo"/>
-          <p:cNvSpPr/>
+          <p:cNvPr id="13" name="12 CuadroTexto"/>
+          <p:cNvSpPr txBox="1"/>
           <p:nvPr/>
         </p:nvSpPr>
         <p:spPr>
           <a:xfrm>
-            <a:off x="492356" y="2299061"/>
-            <a:ext cx="8208000" cy="3693319"/>
+            <a:off x="209672" y="1124744"/>
+            <a:ext cx="8712968" cy="4893647"/>
           </a:xfrm>
           <a:prstGeom prst="rect">
             <a:avLst/>
           </a:prstGeom>
+          <a:noFill/>
         </p:spPr>
         <p:txBody>
-          <a:bodyPr wrap="square">
+          <a:bodyPr wrap="square" rtlCol="0">
             <a:spAutoFit/>
           </a:bodyPr>
           <a:lstStyle/>
           <a:p>
-            <a:r>
-              <a:rPr lang="es-PE" sz="2600" dirty="0" smtClean="0">
-                <a:solidFill>
-                  <a:srgbClr val="FFC000"/>
-                </a:solidFill>
-              </a:rPr>
-              <a:t>PROS</a:t>
-            </a:r>
-          </a:p>
-          <a:p>
-            <a:pPr marL="342900" indent="-342900">
-              <a:buFont typeface="Courier New" pitchFamily="49" charset="0"/>
-              <a:buChar char="o"/>
+            <a:pPr marL="457200" indent="-457200">
+              <a:buFont typeface="Arial" pitchFamily="34" charset="0"/>
+              <a:buChar char="•"/>
             </a:pPr>
             <a:r>
-              <a:rPr lang="es-PE" sz="2600" dirty="0" err="1"/>
-              <a:t>Development</a:t>
-            </a:r>
-            <a:r>
-              <a:rPr lang="es-PE" sz="2600" dirty="0"/>
-              <a:t>, </a:t>
-            </a:r>
-            <a:r>
-              <a:rPr lang="es-PE" sz="2800" b="1" dirty="0" err="1">
-                <a:solidFill>
-                  <a:srgbClr val="FF0000"/>
-                </a:solidFill>
-              </a:rPr>
+              <a:rPr lang="es-PE" sz="2600" dirty="0" smtClean="0"/>
+              <a:t>Son más difíciles de escribir y mantener que las pruebas de caja negra (</a:t>
+            </a:r>
+            <a:r>
+              <a:rPr lang="es-PE" sz="2600" dirty="0" err="1" smtClean="0"/>
+              <a:t>Outside</a:t>
+            </a:r>
+            <a:r>
+              <a:rPr lang="es-PE" sz="2600" dirty="0" smtClean="0"/>
+              <a:t> DB </a:t>
+            </a:r>
+            <a:r>
+              <a:rPr lang="es-PE" sz="2600" dirty="0" err="1" smtClean="0"/>
               <a:t>Testing</a:t>
             </a:r>
             <a:r>
-              <a:rPr lang="es-PE" sz="2800" b="1" dirty="0">
-                <a:solidFill>
-                  <a:srgbClr val="FF0000"/>
-                </a:solidFill>
-              </a:rPr>
-              <a:t>, </a:t>
-            </a:r>
-            <a:r>
               <a:rPr lang="es-PE" sz="2600" dirty="0" smtClean="0"/>
-              <a:t>Build and  </a:t>
-            </a:r>
-            <a:r>
-              <a:rPr lang="es-PE" sz="2600" dirty="0" err="1" smtClean="0"/>
-              <a:t>Source</a:t>
-            </a:r>
-            <a:r>
-              <a:rPr lang="es-PE" sz="2600" dirty="0" smtClean="0"/>
-              <a:t> Control, </a:t>
+              <a:t>).</a:t>
             </a:r>
             <a:br>
               <a:rPr lang="es-PE" sz="2600" dirty="0" smtClean="0"/>
             </a:br>
             <a:r>
-              <a:rPr lang="es-PE" sz="2600" dirty="0" err="1" smtClean="0"/>
-              <a:t>Code</a:t>
-            </a:r>
-            <a:r>
               <a:rPr lang="es-PE" sz="2600" dirty="0" smtClean="0"/>
-              <a:t> </a:t>
-            </a:r>
-            <a:r>
-              <a:rPr lang="es-PE" sz="2600" dirty="0" err="1" smtClean="0"/>
-              <a:t>Analysis</a:t>
-            </a:r>
-            <a:r>
+              <a:t/>
+            </a:r>
+            <a:br>
               <a:rPr lang="es-PE" sz="2600" dirty="0" smtClean="0"/>
-              <a:t>, </a:t>
-            </a:r>
-            <a:r>
-              <a:rPr lang="es-PE" sz="2600" dirty="0" err="1" smtClean="0"/>
-              <a:t>Deployment</a:t>
-            </a:r>
+            </a:br>
             <a:r>
               <a:rPr lang="es-PE" sz="2600" dirty="0" smtClean="0"/>
-              <a:t> ……</a:t>
-            </a:r>
-          </a:p>
-          <a:p>
-            <a:pPr marL="342900" indent="-342900">
-              <a:buFont typeface="Courier New" pitchFamily="49" charset="0"/>
-              <a:buChar char="o"/>
+              <a:t>En la mayoría de casos es mejor probar el funcionamiento interno de la BD a través de pruebas de caja negra,</a:t>
+            </a:r>
+          </a:p>
+          <a:p>
+            <a:pPr lvl="1"/>
+            <a:endParaRPr lang="es-PE" sz="2600" dirty="0"/>
+          </a:p>
+          <a:p>
+            <a:pPr marL="457200" indent="-457200">
+              <a:buFont typeface="Arial" pitchFamily="34" charset="0"/>
+              <a:buChar char="•"/>
             </a:pPr>
             <a:r>
-              <a:rPr lang="es-PE" sz="2600" dirty="0" smtClean="0"/>
-              <a:t>Entorno integrado dentro del Visual Studio.</a:t>
-            </a:r>
-            <a:endParaRPr lang="es-PE" sz="2600" dirty="0"/>
-          </a:p>
-          <a:p>
-            <a:endParaRPr lang="es-PE" sz="2600" dirty="0"/>
-          </a:p>
-          <a:p>
-            <a:r>
-              <a:rPr lang="es-PE" sz="2600" dirty="0" smtClean="0">
-                <a:solidFill>
-                  <a:srgbClr val="FFC000"/>
-                </a:solidFill>
-              </a:rPr>
-              <a:t>CONS</a:t>
-            </a:r>
-          </a:p>
-          <a:p>
-            <a:pPr marL="342900" indent="-342900">
-              <a:buFont typeface="Courier New" pitchFamily="49" charset="0"/>
-              <a:buChar char="o"/>
-            </a:pPr>
-            <a:r>
-              <a:rPr lang="es-PE" sz="2600" dirty="0" smtClean="0"/>
-              <a:t>Solo soporta SQL Server.</a:t>
-            </a:r>
-          </a:p>
-          <a:p>
-            <a:pPr marL="342900" indent="-342900">
-              <a:buFont typeface="Courier New" pitchFamily="49" charset="0"/>
-              <a:buChar char="o"/>
-            </a:pPr>
-            <a:r>
-              <a:rPr lang="es-PE" sz="2600" dirty="0" smtClean="0"/>
-              <a:t>Varias características (incluyendo </a:t>
-            </a:r>
-            <a:r>
-              <a:rPr lang="es-PE" sz="2600" dirty="0" err="1" smtClean="0"/>
-              <a:t>Unit</a:t>
-            </a:r>
-            <a:r>
-              <a:rPr lang="es-PE" sz="2600" dirty="0" smtClean="0"/>
-              <a:t> </a:t>
-            </a:r>
-            <a:r>
-              <a:rPr lang="es-PE" sz="2600" dirty="0" err="1" smtClean="0"/>
-              <a:t>Testing</a:t>
-            </a:r>
-            <a:r>
               <a:rPr lang="es-PE" sz="2600" dirty="0"/>
-              <a:t>)</a:t>
-            </a:r>
-            <a:r>
-              <a:rPr lang="es-PE" sz="2600" dirty="0" smtClean="0"/>
-              <a:t> solo disponibles en las versiones Premium y </a:t>
-            </a:r>
-            <a:r>
-              <a:rPr lang="es-PE" sz="2600" dirty="0" err="1" smtClean="0"/>
-              <a:t>Ultimate</a:t>
+              <a:t>Aplicaciones compuestas principalmente por procedimientos de BD: </a:t>
+            </a:r>
+            <a:r>
+              <a:rPr lang="es-PE" sz="2600" dirty="0" err="1"/>
+              <a:t>Batchs</a:t>
+            </a:r>
+            <a:r>
+              <a:rPr lang="es-PE" sz="2600" dirty="0"/>
+              <a:t>, ETL, etc</a:t>
             </a:r>
             <a:r>
               <a:rPr lang="es-PE" sz="2600" dirty="0" smtClean="0"/>
               <a:t>.</a:t>
             </a:r>
           </a:p>
-        </p:txBody>
-      </p:sp>
-      <p:sp>
-        <p:nvSpPr>
-          <p:cNvPr id="6" name="5 Rectángulo"/>
-          <p:cNvSpPr/>
-          <p:nvPr/>
-        </p:nvSpPr>
-        <p:spPr>
-          <a:xfrm>
-            <a:off x="323528" y="1196752"/>
-            <a:ext cx="8568000" cy="892552"/>
-          </a:xfrm>
-          <a:prstGeom prst="rect">
-            <a:avLst/>
-          </a:prstGeom>
-        </p:spPr>
-        <p:txBody>
-          <a:bodyPr wrap="square">
-            <a:spAutoFit/>
-          </a:bodyPr>
-          <a:lstStyle/>
-          <a:p>
-            <a:pPr algn="ctr"/>
+          <a:p>
+            <a:pPr marL="457200" indent="-457200">
+              <a:buFont typeface="Arial" pitchFamily="34" charset="0"/>
+              <a:buChar char="•"/>
+            </a:pPr>
+            <a:endParaRPr lang="es-PE" sz="2600" dirty="0" smtClean="0"/>
+          </a:p>
+          <a:p>
+            <a:pPr marL="457200" indent="-457200">
+              <a:buFont typeface="Arial" pitchFamily="34" charset="0"/>
+              <a:buChar char="•"/>
+            </a:pPr>
             <a:r>
               <a:rPr lang="es-PE" sz="2600" dirty="0" smtClean="0"/>
-              <a:t>Nos permite gestionar el ciclo de vida de la BD e integrarlo con el resto de la aplicación.</a:t>
-            </a:r>
-            <a:endParaRPr lang="es-PE" sz="2600" dirty="0"/>
+              <a:t>Alternativa a considerar cuando se tienen módulos cuyas pruebas necesitan ser automatizadas, pero gran parte del de la aplicación se encuentra en la BD (Aplicaciones </a:t>
+            </a:r>
+            <a:r>
+              <a:rPr lang="es-PE" sz="2600" dirty="0" err="1" smtClean="0"/>
+              <a:t>Legacy</a:t>
+            </a:r>
+            <a:r>
+              <a:rPr lang="es-PE" sz="2600" dirty="0" smtClean="0"/>
+              <a:t>).</a:t>
+            </a:r>
           </a:p>
         </p:txBody>
       </p:sp>
     </p:spTree>
     <p:extLst>
       <p:ext uri="{BB962C8B-B14F-4D97-AF65-F5344CB8AC3E}">
-        <p14:creationId xmlns:p14="http://schemas.microsoft.com/office/powerpoint/2010/main" val="436741790"/>
+        <p14:creationId xmlns:p14="http://schemas.microsoft.com/office/powerpoint/2010/main" val="3540730048"/>
       </p:ext>
     </p:extLst>
   </p:cSld>
@@ -17212,7 +17375,7 @@
       </p:grpSpPr>
       <p:sp>
         <p:nvSpPr>
-          <p:cNvPr id="3" name="2 Título"/>
+          <p:cNvPr id="5" name="2 Título"/>
           <p:cNvSpPr>
             <a:spLocks noGrp="1"/>
           </p:cNvSpPr>
@@ -17222,8 +17385,8 @@
         </p:nvSpPr>
         <p:spPr>
           <a:xfrm>
-            <a:off x="556805" y="183778"/>
-            <a:ext cx="8229600" cy="724942"/>
+            <a:off x="508714" y="116632"/>
+            <a:ext cx="8229600" cy="864096"/>
           </a:xfrm>
         </p:spPr>
         <p:txBody>
@@ -17231,28 +17394,12 @@
           <a:lstStyle/>
           <a:p>
             <a:r>
-              <a:rPr lang="es-PE" dirty="0" err="1" smtClean="0">
+              <a:rPr lang="es-PE" dirty="0" smtClean="0">
                 <a:solidFill>
                   <a:srgbClr val="00823B"/>
                 </a:solidFill>
               </a:rPr>
-              <a:t>Testing</a:t>
-            </a:r>
-            <a:r>
-              <a:rPr lang="es-PE" dirty="0" smtClean="0">
-                <a:solidFill>
-                  <a:srgbClr val="00823B"/>
-                </a:solidFill>
-              </a:rPr>
-              <a:t> utilizando VS DB </a:t>
-            </a:r>
-            <a:r>
-              <a:rPr lang="es-PE" dirty="0" err="1" smtClean="0">
-                <a:solidFill>
-                  <a:srgbClr val="00823B"/>
-                </a:solidFill>
-              </a:rPr>
-              <a:t>Projects</a:t>
+              <a:t>¿ Porqué pruebas de integración?</a:t>
             </a:r>
             <a:endParaRPr lang="es-PE" dirty="0">
               <a:solidFill>
@@ -17264,110 +17411,143 @@
       </p:sp>
       <p:sp>
         <p:nvSpPr>
-          <p:cNvPr id="6" name="5 Rectángulo"/>
-          <p:cNvSpPr/>
+          <p:cNvPr id="8" name="7 CuadroTexto"/>
+          <p:cNvSpPr txBox="1"/>
           <p:nvPr/>
         </p:nvSpPr>
         <p:spPr>
           <a:xfrm>
-            <a:off x="323528" y="1024280"/>
-            <a:ext cx="8568000" cy="892552"/>
-          </a:xfrm>
-          <a:prstGeom prst="rect">
-            <a:avLst/>
-          </a:prstGeom>
-        </p:spPr>
-        <p:txBody>
-          <a:bodyPr wrap="square">
-            <a:spAutoFit/>
-          </a:bodyPr>
-          <a:lstStyle/>
-          <a:p>
-            <a:pPr algn="ctr"/>
-            <a:r>
-              <a:rPr lang="es-PE" sz="2600" dirty="0" smtClean="0"/>
-              <a:t>Entorno mixto a través del cual creamos pruebas utilizando SQL pero las ejecutamos a través de </a:t>
-            </a:r>
-            <a:r>
-              <a:rPr lang="es-PE" sz="2600" dirty="0" err="1" smtClean="0"/>
-              <a:t>MSTests</a:t>
-            </a:r>
-            <a:r>
-              <a:rPr lang="es-PE" sz="2600" dirty="0" smtClean="0"/>
-              <a:t>.</a:t>
-            </a:r>
-            <a:endParaRPr lang="es-PE" sz="2600" dirty="0"/>
-          </a:p>
-        </p:txBody>
-      </p:sp>
-      <p:pic>
-        <p:nvPicPr>
-          <p:cNvPr id="2051" name="Picture 3"/>
-          <p:cNvPicPr>
-            <a:picLocks noChangeAspect="1" noChangeArrowheads="1"/>
-          </p:cNvPicPr>
-          <p:nvPr/>
-        </p:nvPicPr>
-        <p:blipFill>
-          <a:blip r:embed="rId3">
-            <a:extLst>
-              <a:ext uri="{28A0092B-C50C-407E-A947-70E740481C1C}">
-                <a14:useLocalDpi xmlns:a14="http://schemas.microsoft.com/office/drawing/2010/main" val="0"/>
-              </a:ext>
-            </a:extLst>
-          </a:blip>
-          <a:srcRect/>
-          <a:stretch>
-            <a:fillRect/>
-          </a:stretch>
-        </p:blipFill>
-        <p:spPr bwMode="auto">
-          <a:xfrm>
-            <a:off x="0" y="2140757"/>
-            <a:ext cx="9144000" cy="4384587"/>
+            <a:off x="539552" y="1196752"/>
+            <a:ext cx="8136904" cy="4893647"/>
           </a:xfrm>
           <a:prstGeom prst="rect">
             <a:avLst/>
           </a:prstGeom>
           <a:noFill/>
-          <a:ln>
-            <a:noFill/>
-          </a:ln>
-          <a:effectLst/>
-          <a:extLst>
-            <a:ext uri="{909E8E84-426E-40DD-AFC4-6F175D3DCCD1}">
-              <a14:hiddenFill xmlns:a14="http://schemas.microsoft.com/office/drawing/2010/main">
-                <a:solidFill>
-                  <a:schemeClr val="accent1"/>
-                </a:solidFill>
-              </a14:hiddenFill>
-            </a:ext>
-            <a:ext uri="{91240B29-F687-4F45-9708-019B960494DF}">
-              <a14:hiddenLine xmlns:a14="http://schemas.microsoft.com/office/drawing/2010/main" w="9525">
-                <a:solidFill>
-                  <a:schemeClr val="tx1"/>
-                </a:solidFill>
-                <a:miter lim="800000"/>
-                <a:headEnd/>
-                <a:tailEnd/>
-              </a14:hiddenLine>
-            </a:ext>
-            <a:ext uri="{AF507438-7753-43E0-B8FC-AC1667EBCBE1}">
-              <a14:hiddenEffects xmlns:a14="http://schemas.microsoft.com/office/drawing/2010/main">
-                <a:effectLst>
-                  <a:outerShdw dist="35921" dir="2700000" algn="ctr" rotWithShape="0">
-                    <a:schemeClr val="bg2"/>
-                  </a:outerShdw>
-                </a:effectLst>
-              </a14:hiddenEffects>
-            </a:ext>
-          </a:extLst>
         </p:spPr>
-      </p:pic>
+        <p:txBody>
+          <a:bodyPr wrap="square" rtlCol="0">
+            <a:spAutoFit/>
+          </a:bodyPr>
+          <a:lstStyle/>
+          <a:p>
+            <a:pPr algn="ctr"/>
+            <a:r>
+              <a:rPr lang="es-PE" sz="2600" dirty="0" smtClean="0"/>
+              <a:t>Los test de integración son lentos, frágiles, difíciles de escribir pero igual son necesarios.</a:t>
+            </a:r>
+          </a:p>
+          <a:p>
+            <a:pPr marL="571500" indent="-571500">
+              <a:buFont typeface="Arial" pitchFamily="34" charset="0"/>
+              <a:buChar char="•"/>
+            </a:pPr>
+            <a:endParaRPr lang="es-PE" sz="2600" dirty="0" smtClean="0"/>
+          </a:p>
+          <a:p>
+            <a:pPr marL="342900" indent="-342900" fontAlgn="base">
+              <a:spcBef>
+                <a:spcPct val="20000"/>
+              </a:spcBef>
+              <a:spcAft>
+                <a:spcPct val="0"/>
+              </a:spcAft>
+              <a:buFont typeface="Arial" charset="0"/>
+              <a:buChar char="•"/>
+            </a:pPr>
+            <a:r>
+              <a:rPr lang="es-PE" sz="2600" dirty="0"/>
+              <a:t>Una buen conjunto de </a:t>
+            </a:r>
+            <a:r>
+              <a:rPr lang="es-PE" sz="2600" dirty="0">
+                <a:solidFill>
+                  <a:srgbClr val="FF0000"/>
+                </a:solidFill>
+              </a:rPr>
+              <a:t>pruebas unitarias es aún más efectivo si es acompañado de otros  tipos de test.</a:t>
+            </a:r>
+          </a:p>
+          <a:p>
+            <a:pPr marL="342900" indent="-342900" fontAlgn="base">
+              <a:spcBef>
+                <a:spcPct val="20000"/>
+              </a:spcBef>
+              <a:spcAft>
+                <a:spcPct val="0"/>
+              </a:spcAft>
+              <a:buFont typeface="Arial" charset="0"/>
+              <a:buChar char="•"/>
+            </a:pPr>
+            <a:endParaRPr lang="es-ES" sz="2600" dirty="0"/>
+          </a:p>
+          <a:p>
+            <a:pPr marL="342900" indent="-342900" fontAlgn="base">
+              <a:spcBef>
+                <a:spcPct val="20000"/>
+              </a:spcBef>
+              <a:spcAft>
+                <a:spcPct val="0"/>
+              </a:spcAft>
+              <a:buFont typeface="Arial" charset="0"/>
+              <a:buChar char="•"/>
+            </a:pPr>
+            <a:r>
+              <a:rPr lang="es-ES" sz="2600" dirty="0"/>
+              <a:t>Cada tipo de test es una </a:t>
+            </a:r>
+            <a:r>
+              <a:rPr lang="es-ES" sz="2600" dirty="0">
+                <a:solidFill>
+                  <a:srgbClr val="FF0000"/>
+                </a:solidFill>
+              </a:rPr>
+              <a:t>nueva capa de protección en nuestro sistema</a:t>
+            </a:r>
+            <a:r>
+              <a:rPr lang="es-ES" sz="2600" dirty="0" smtClean="0">
+                <a:solidFill>
+                  <a:srgbClr val="FF0000"/>
+                </a:solidFill>
+              </a:rPr>
+              <a:t>.</a:t>
+            </a:r>
+          </a:p>
+          <a:p>
+            <a:pPr marL="342900" indent="-342900" fontAlgn="base">
+              <a:spcBef>
+                <a:spcPct val="20000"/>
+              </a:spcBef>
+              <a:spcAft>
+                <a:spcPct val="0"/>
+              </a:spcAft>
+              <a:buFont typeface="Arial" charset="0"/>
+              <a:buChar char="•"/>
+            </a:pPr>
+            <a:endParaRPr lang="es-ES" sz="2600" dirty="0"/>
+          </a:p>
+          <a:p>
+            <a:pPr marL="342900" indent="-342900" fontAlgn="base">
+              <a:spcBef>
+                <a:spcPct val="20000"/>
+              </a:spcBef>
+              <a:spcAft>
+                <a:spcPct val="0"/>
+              </a:spcAft>
+              <a:buFont typeface="Arial" charset="0"/>
+              <a:buChar char="•"/>
+            </a:pPr>
+            <a:r>
+              <a:rPr lang="es-PE" sz="2600" dirty="0"/>
+              <a:t>El balance  y aplicación efectiva de todos los tipos de test es lo que realmente te dará beneficios.</a:t>
+            </a:r>
+          </a:p>
+        </p:txBody>
+      </p:sp>
     </p:spTree>
     <p:extLst>
       <p:ext uri="{BB962C8B-B14F-4D97-AF65-F5344CB8AC3E}">
-        <p14:creationId xmlns:p14="http://schemas.microsoft.com/office/powerpoint/2010/main" val="1482383444"/>
+        <p14:creationId xmlns:p14="http://schemas.microsoft.com/office/powerpoint/2010/main" val="3027783249"/>
       </p:ext>
     </p:extLst>
   </p:cSld>
@@ -17403,735 +17583,6 @@
       </p:grpSpPr>
       <p:sp>
         <p:nvSpPr>
-          <p:cNvPr id="4" name="2 Título"/>
-          <p:cNvSpPr txBox="1">
-            <a:spLocks/>
-          </p:cNvSpPr>
-          <p:nvPr/>
-        </p:nvSpPr>
-        <p:spPr bwMode="auto">
-          <a:xfrm>
-            <a:off x="457200" y="1124744"/>
-            <a:ext cx="8229600" cy="3672408"/>
-          </a:xfrm>
-          <a:prstGeom prst="rect">
-            <a:avLst/>
-          </a:prstGeom>
-          <a:noFill/>
-          <a:ln w="9525">
-            <a:noFill/>
-            <a:miter lim="800000"/>
-            <a:headEnd/>
-            <a:tailEnd/>
-          </a:ln>
-        </p:spPr>
-        <p:txBody>
-          <a:bodyPr vert="horz" wrap="square" lIns="91440" tIns="45720" rIns="91440" bIns="45720" numCol="1" anchor="ctr" anchorCtr="0" compatLnSpc="1">
-            <a:prstTxWarp prst="textNoShape">
-              <a:avLst/>
-            </a:prstTxWarp>
-          </a:bodyPr>
-          <a:lstStyle>
-            <a:lvl1pPr algn="ctr" rtl="0" eaLnBrk="1" fontAlgn="base" hangingPunct="1">
-              <a:spcBef>
-                <a:spcPct val="0"/>
-              </a:spcBef>
-              <a:spcAft>
-                <a:spcPct val="0"/>
-              </a:spcAft>
-              <a:defRPr sz="4400" kern="1200">
-                <a:solidFill>
-                  <a:schemeClr val="tx1"/>
-                </a:solidFill>
-                <a:latin typeface="+mj-lt"/>
-                <a:ea typeface="+mj-ea"/>
-                <a:cs typeface="+mj-cs"/>
-              </a:defRPr>
-            </a:lvl1pPr>
-            <a:lvl2pPr algn="ctr" rtl="0" eaLnBrk="1" fontAlgn="base" hangingPunct="1">
-              <a:spcBef>
-                <a:spcPct val="0"/>
-              </a:spcBef>
-              <a:spcAft>
-                <a:spcPct val="0"/>
-              </a:spcAft>
-              <a:defRPr sz="4400">
-                <a:solidFill>
-                  <a:schemeClr val="tx1"/>
-                </a:solidFill>
-                <a:latin typeface="Calibri" pitchFamily="34" charset="0"/>
-              </a:defRPr>
-            </a:lvl2pPr>
-            <a:lvl3pPr algn="ctr" rtl="0" eaLnBrk="1" fontAlgn="base" hangingPunct="1">
-              <a:spcBef>
-                <a:spcPct val="0"/>
-              </a:spcBef>
-              <a:spcAft>
-                <a:spcPct val="0"/>
-              </a:spcAft>
-              <a:defRPr sz="4400">
-                <a:solidFill>
-                  <a:schemeClr val="tx1"/>
-                </a:solidFill>
-                <a:latin typeface="Calibri" pitchFamily="34" charset="0"/>
-              </a:defRPr>
-            </a:lvl3pPr>
-            <a:lvl4pPr algn="ctr" rtl="0" eaLnBrk="1" fontAlgn="base" hangingPunct="1">
-              <a:spcBef>
-                <a:spcPct val="0"/>
-              </a:spcBef>
-              <a:spcAft>
-                <a:spcPct val="0"/>
-              </a:spcAft>
-              <a:defRPr sz="4400">
-                <a:solidFill>
-                  <a:schemeClr val="tx1"/>
-                </a:solidFill>
-                <a:latin typeface="Calibri" pitchFamily="34" charset="0"/>
-              </a:defRPr>
-            </a:lvl4pPr>
-            <a:lvl5pPr algn="ctr" rtl="0" eaLnBrk="1" fontAlgn="base" hangingPunct="1">
-              <a:spcBef>
-                <a:spcPct val="0"/>
-              </a:spcBef>
-              <a:spcAft>
-                <a:spcPct val="0"/>
-              </a:spcAft>
-              <a:defRPr sz="4400">
-                <a:solidFill>
-                  <a:schemeClr val="tx1"/>
-                </a:solidFill>
-                <a:latin typeface="Calibri" pitchFamily="34" charset="0"/>
-              </a:defRPr>
-            </a:lvl5pPr>
-            <a:lvl6pPr marL="457200" algn="ctr" rtl="0" eaLnBrk="1" fontAlgn="base" hangingPunct="1">
-              <a:spcBef>
-                <a:spcPct val="0"/>
-              </a:spcBef>
-              <a:spcAft>
-                <a:spcPct val="0"/>
-              </a:spcAft>
-              <a:defRPr sz="4400">
-                <a:solidFill>
-                  <a:schemeClr val="tx1"/>
-                </a:solidFill>
-                <a:latin typeface="Calibri" pitchFamily="34" charset="0"/>
-              </a:defRPr>
-            </a:lvl6pPr>
-            <a:lvl7pPr marL="914400" algn="ctr" rtl="0" eaLnBrk="1" fontAlgn="base" hangingPunct="1">
-              <a:spcBef>
-                <a:spcPct val="0"/>
-              </a:spcBef>
-              <a:spcAft>
-                <a:spcPct val="0"/>
-              </a:spcAft>
-              <a:defRPr sz="4400">
-                <a:solidFill>
-                  <a:schemeClr val="tx1"/>
-                </a:solidFill>
-                <a:latin typeface="Calibri" pitchFamily="34" charset="0"/>
-              </a:defRPr>
-            </a:lvl7pPr>
-            <a:lvl8pPr marL="1371600" algn="ctr" rtl="0" eaLnBrk="1" fontAlgn="base" hangingPunct="1">
-              <a:spcBef>
-                <a:spcPct val="0"/>
-              </a:spcBef>
-              <a:spcAft>
-                <a:spcPct val="0"/>
-              </a:spcAft>
-              <a:defRPr sz="4400">
-                <a:solidFill>
-                  <a:schemeClr val="tx1"/>
-                </a:solidFill>
-                <a:latin typeface="Calibri" pitchFamily="34" charset="0"/>
-              </a:defRPr>
-            </a:lvl8pPr>
-            <a:lvl9pPr marL="1828800" algn="ctr" rtl="0" eaLnBrk="1" fontAlgn="base" hangingPunct="1">
-              <a:spcBef>
-                <a:spcPct val="0"/>
-              </a:spcBef>
-              <a:spcAft>
-                <a:spcPct val="0"/>
-              </a:spcAft>
-              <a:defRPr sz="4400">
-                <a:solidFill>
-                  <a:schemeClr val="tx1"/>
-                </a:solidFill>
-                <a:latin typeface="Calibri" pitchFamily="34" charset="0"/>
-              </a:defRPr>
-            </a:lvl9pPr>
-          </a:lstStyle>
-          <a:p>
-            <a:r>
-              <a:rPr lang="es-PE" dirty="0" smtClean="0">
-                <a:solidFill>
-                  <a:srgbClr val="FFC000"/>
-                </a:solidFill>
-              </a:rPr>
-              <a:t>Ejercicio</a:t>
-            </a:r>
-          </a:p>
-          <a:p>
-            <a:r>
-              <a:rPr lang="es-PE" dirty="0" smtClean="0"/>
-              <a:t>Utilizar </a:t>
-            </a:r>
-            <a:br>
-              <a:rPr lang="es-PE" dirty="0" smtClean="0"/>
-            </a:br>
-            <a:r>
-              <a:rPr lang="es-PE" dirty="0" smtClean="0">
-                <a:solidFill>
-                  <a:srgbClr val="00823B"/>
-                </a:solidFill>
-              </a:rPr>
-              <a:t>"Visual Studio DB </a:t>
-            </a:r>
-            <a:r>
-              <a:rPr lang="es-PE" dirty="0" err="1" smtClean="0">
-                <a:solidFill>
-                  <a:srgbClr val="00823B"/>
-                </a:solidFill>
-              </a:rPr>
-              <a:t>Projects</a:t>
-            </a:r>
-            <a:r>
-              <a:rPr lang="es-PE" dirty="0" smtClean="0">
-                <a:solidFill>
-                  <a:srgbClr val="00823B"/>
-                </a:solidFill>
-              </a:rPr>
-              <a:t>" </a:t>
-            </a:r>
-          </a:p>
-          <a:p>
-            <a:r>
-              <a:rPr lang="es-PE" dirty="0" smtClean="0"/>
-              <a:t>para crear pruebas unitarias a </a:t>
-            </a:r>
-            <a:r>
-              <a:rPr lang="es-PE" dirty="0" smtClean="0">
-                <a:solidFill>
-                  <a:srgbClr val="00823B"/>
-                </a:solidFill>
-              </a:rPr>
-              <a:t/>
-            </a:r>
-            <a:br>
-              <a:rPr lang="es-PE" dirty="0" smtClean="0">
-                <a:solidFill>
-                  <a:srgbClr val="00823B"/>
-                </a:solidFill>
-              </a:rPr>
-            </a:br>
-            <a:r>
-              <a:rPr lang="es-PE" dirty="0" smtClean="0">
-                <a:solidFill>
-                  <a:srgbClr val="00823B"/>
-                </a:solidFill>
-              </a:rPr>
-              <a:t>"SQL Server (T-SQL) </a:t>
-            </a:r>
-          </a:p>
-          <a:p>
-            <a:r>
-              <a:rPr lang="es-PE" dirty="0" err="1" smtClean="0">
-                <a:solidFill>
-                  <a:srgbClr val="00823B"/>
-                </a:solidFill>
-              </a:rPr>
-              <a:t>Store</a:t>
-            </a:r>
-            <a:r>
-              <a:rPr lang="es-PE" dirty="0" smtClean="0">
-                <a:solidFill>
-                  <a:srgbClr val="00823B"/>
-                </a:solidFill>
-              </a:rPr>
-              <a:t> </a:t>
-            </a:r>
-            <a:r>
-              <a:rPr lang="es-PE" dirty="0" err="1" smtClean="0">
-                <a:solidFill>
-                  <a:srgbClr val="00823B"/>
-                </a:solidFill>
-              </a:rPr>
-              <a:t>Procedures</a:t>
-            </a:r>
-            <a:r>
-              <a:rPr lang="es-PE" dirty="0" smtClean="0">
-                <a:solidFill>
-                  <a:srgbClr val="00823B"/>
-                </a:solidFill>
-              </a:rPr>
-              <a:t>"</a:t>
-            </a:r>
-            <a:endParaRPr lang="es-PE" dirty="0">
-              <a:solidFill>
-                <a:srgbClr val="00823B"/>
-              </a:solidFill>
-            </a:endParaRPr>
-          </a:p>
-        </p:txBody>
-      </p:sp>
-    </p:spTree>
-    <p:extLst>
-      <p:ext uri="{BB962C8B-B14F-4D97-AF65-F5344CB8AC3E}">
-        <p14:creationId xmlns:p14="http://schemas.microsoft.com/office/powerpoint/2010/main" val="590461063"/>
-      </p:ext>
-    </p:extLst>
-  </p:cSld>
-  <p:clrMapOvr>
-    <a:masterClrMapping/>
-  </p:clrMapOvr>
-  <p:timing>
-    <p:tnLst>
-      <p:par>
-        <p:cTn id="1" dur="indefinite" restart="never" nodeType="tmRoot"/>
-      </p:par>
-    </p:tnLst>
-  </p:timing>
-</p:sld>
-</file>
-
-<file path=ppt/slides/slide33.xml><?xml version="1.0" encoding="utf-8"?>
-<p:sld xmlns:a="http://schemas.openxmlformats.org/drawingml/2006/main" xmlns:r="http://schemas.openxmlformats.org/officeDocument/2006/relationships" xmlns:p="http://schemas.openxmlformats.org/presentationml/2006/main">
-  <p:cSld>
-    <p:spTree>
-      <p:nvGrpSpPr>
-        <p:cNvPr id="1" name=""/>
-        <p:cNvGrpSpPr/>
-        <p:nvPr/>
-      </p:nvGrpSpPr>
-      <p:grpSpPr>
-        <a:xfrm>
-          <a:off x="0" y="0"/>
-          <a:ext cx="0" cy="0"/>
-          <a:chOff x="0" y="0"/>
-          <a:chExt cx="0" cy="0"/>
-        </a:xfrm>
-      </p:grpSpPr>
-      <p:sp>
-        <p:nvSpPr>
-          <p:cNvPr id="3" name="2 Título"/>
-          <p:cNvSpPr>
-            <a:spLocks noGrp="1"/>
-          </p:cNvSpPr>
-          <p:nvPr>
-            <p:ph type="title"/>
-          </p:nvPr>
-        </p:nvSpPr>
-        <p:spPr>
-          <a:xfrm>
-            <a:off x="524338" y="216030"/>
-            <a:ext cx="8229600" cy="724942"/>
-          </a:xfrm>
-        </p:spPr>
-        <p:txBody>
-          <a:bodyPr/>
-          <a:lstStyle/>
-          <a:p>
-            <a:r>
-              <a:rPr lang="es-PE" dirty="0" err="1" smtClean="0">
-                <a:solidFill>
-                  <a:srgbClr val="00823B"/>
-                </a:solidFill>
-              </a:rPr>
-              <a:t>Outside</a:t>
-            </a:r>
-            <a:r>
-              <a:rPr lang="es-PE" dirty="0" smtClean="0">
-                <a:solidFill>
-                  <a:srgbClr val="00823B"/>
-                </a:solidFill>
-              </a:rPr>
-              <a:t> DB vs </a:t>
-            </a:r>
-            <a:r>
-              <a:rPr lang="es-PE" dirty="0" err="1" smtClean="0">
-                <a:solidFill>
-                  <a:srgbClr val="00823B"/>
-                </a:solidFill>
-              </a:rPr>
-              <a:t>Inside</a:t>
-            </a:r>
-            <a:r>
-              <a:rPr lang="es-PE" dirty="0" smtClean="0">
-                <a:solidFill>
-                  <a:srgbClr val="00823B"/>
-                </a:solidFill>
-              </a:rPr>
-              <a:t> DB</a:t>
-            </a:r>
-            <a:endParaRPr lang="es-PE" dirty="0">
-              <a:solidFill>
-                <a:srgbClr val="00823B"/>
-              </a:solidFill>
-            </a:endParaRPr>
-          </a:p>
-        </p:txBody>
-      </p:sp>
-      <p:sp>
-        <p:nvSpPr>
-          <p:cNvPr id="13" name="12 CuadroTexto"/>
-          <p:cNvSpPr txBox="1"/>
-          <p:nvPr/>
-        </p:nvSpPr>
-        <p:spPr>
-          <a:xfrm>
-            <a:off x="209672" y="1124744"/>
-            <a:ext cx="8712968" cy="4893647"/>
-          </a:xfrm>
-          <a:prstGeom prst="rect">
-            <a:avLst/>
-          </a:prstGeom>
-          <a:noFill/>
-        </p:spPr>
-        <p:txBody>
-          <a:bodyPr wrap="square" rtlCol="0">
-            <a:spAutoFit/>
-          </a:bodyPr>
-          <a:lstStyle/>
-          <a:p>
-            <a:pPr marL="457200" indent="-457200">
-              <a:buFont typeface="Arial" pitchFamily="34" charset="0"/>
-              <a:buChar char="•"/>
-            </a:pPr>
-            <a:r>
-              <a:rPr lang="es-PE" sz="2600" dirty="0" smtClean="0"/>
-              <a:t>Son más difíciles de escribir y mantener que las pruebas de caja negra (</a:t>
-            </a:r>
-            <a:r>
-              <a:rPr lang="es-PE" sz="2600" dirty="0" err="1" smtClean="0"/>
-              <a:t>Outside</a:t>
-            </a:r>
-            <a:r>
-              <a:rPr lang="es-PE" sz="2600" dirty="0" smtClean="0"/>
-              <a:t> DB </a:t>
-            </a:r>
-            <a:r>
-              <a:rPr lang="es-PE" sz="2600" dirty="0" err="1" smtClean="0"/>
-              <a:t>Testing</a:t>
-            </a:r>
-            <a:r>
-              <a:rPr lang="es-PE" sz="2600" dirty="0" smtClean="0"/>
-              <a:t>).</a:t>
-            </a:r>
-            <a:br>
-              <a:rPr lang="es-PE" sz="2600" dirty="0" smtClean="0"/>
-            </a:br>
-            <a:r>
-              <a:rPr lang="es-PE" sz="2600" dirty="0" smtClean="0"/>
-              <a:t/>
-            </a:r>
-            <a:br>
-              <a:rPr lang="es-PE" sz="2600" dirty="0" smtClean="0"/>
-            </a:br>
-            <a:r>
-              <a:rPr lang="es-PE" sz="2600" dirty="0" smtClean="0"/>
-              <a:t>En la mayoría de casos es mejor probar el funcionamiento interno de la BD a través de pruebas de caja negra,</a:t>
-            </a:r>
-          </a:p>
-          <a:p>
-            <a:pPr lvl="1"/>
-            <a:endParaRPr lang="es-PE" sz="2600" dirty="0"/>
-          </a:p>
-          <a:p>
-            <a:pPr marL="457200" indent="-457200">
-              <a:buFont typeface="Arial" pitchFamily="34" charset="0"/>
-              <a:buChar char="•"/>
-            </a:pPr>
-            <a:r>
-              <a:rPr lang="es-PE" sz="2600" dirty="0"/>
-              <a:t>Aplicaciones compuestas principalmente por procedimientos de BD: </a:t>
-            </a:r>
-            <a:r>
-              <a:rPr lang="es-PE" sz="2600" dirty="0" err="1"/>
-              <a:t>Batchs</a:t>
-            </a:r>
-            <a:r>
-              <a:rPr lang="es-PE" sz="2600" dirty="0"/>
-              <a:t>, ETL, etc</a:t>
-            </a:r>
-            <a:r>
-              <a:rPr lang="es-PE" sz="2600" dirty="0" smtClean="0"/>
-              <a:t>.</a:t>
-            </a:r>
-          </a:p>
-          <a:p>
-            <a:pPr marL="457200" indent="-457200">
-              <a:buFont typeface="Arial" pitchFamily="34" charset="0"/>
-              <a:buChar char="•"/>
-            </a:pPr>
-            <a:endParaRPr lang="es-PE" sz="2600" dirty="0" smtClean="0"/>
-          </a:p>
-          <a:p>
-            <a:pPr marL="457200" indent="-457200">
-              <a:buFont typeface="Arial" pitchFamily="34" charset="0"/>
-              <a:buChar char="•"/>
-            </a:pPr>
-            <a:r>
-              <a:rPr lang="es-PE" sz="2600" dirty="0" smtClean="0"/>
-              <a:t>Alternativa a considerar cuando se tienen módulos cuyas pruebas necesitan ser automatizadas, pero gran parte del de la aplicación se encuentra en la BD (Aplicaciones </a:t>
-            </a:r>
-            <a:r>
-              <a:rPr lang="es-PE" sz="2600" dirty="0" err="1" smtClean="0"/>
-              <a:t>Legacy</a:t>
-            </a:r>
-            <a:r>
-              <a:rPr lang="es-PE" sz="2600" dirty="0" smtClean="0"/>
-              <a:t>).</a:t>
-            </a:r>
-          </a:p>
-        </p:txBody>
-      </p:sp>
-    </p:spTree>
-    <p:extLst>
-      <p:ext uri="{BB962C8B-B14F-4D97-AF65-F5344CB8AC3E}">
-        <p14:creationId xmlns:p14="http://schemas.microsoft.com/office/powerpoint/2010/main" val="3540730048"/>
-      </p:ext>
-    </p:extLst>
-  </p:cSld>
-  <p:clrMapOvr>
-    <a:masterClrMapping/>
-  </p:clrMapOvr>
-  <p:timing>
-    <p:tnLst>
-      <p:par>
-        <p:cTn id="1" dur="indefinite" restart="never" nodeType="tmRoot"/>
-      </p:par>
-    </p:tnLst>
-  </p:timing>
-</p:sld>
-</file>
-
-<file path=ppt/slides/slide34.xml><?xml version="1.0" encoding="utf-8"?>
-<p:sld xmlns:a="http://schemas.openxmlformats.org/drawingml/2006/main" xmlns:r="http://schemas.openxmlformats.org/officeDocument/2006/relationships" xmlns:p="http://schemas.openxmlformats.org/presentationml/2006/main">
-  <p:cSld>
-    <p:spTree>
-      <p:nvGrpSpPr>
-        <p:cNvPr id="1" name=""/>
-        <p:cNvGrpSpPr/>
-        <p:nvPr/>
-      </p:nvGrpSpPr>
-      <p:grpSpPr>
-        <a:xfrm>
-          <a:off x="0" y="0"/>
-          <a:ext cx="0" cy="0"/>
-          <a:chOff x="0" y="0"/>
-          <a:chExt cx="0" cy="0"/>
-        </a:xfrm>
-      </p:grpSpPr>
-      <p:sp>
-        <p:nvSpPr>
-          <p:cNvPr id="5" name="2 Título"/>
-          <p:cNvSpPr>
-            <a:spLocks noGrp="1"/>
-          </p:cNvSpPr>
-          <p:nvPr>
-            <p:ph type="title"/>
-          </p:nvPr>
-        </p:nvSpPr>
-        <p:spPr>
-          <a:xfrm>
-            <a:off x="508714" y="116632"/>
-            <a:ext cx="8229600" cy="864096"/>
-          </a:xfrm>
-        </p:spPr>
-        <p:txBody>
-          <a:bodyPr/>
-          <a:lstStyle/>
-          <a:p>
-            <a:r>
-              <a:rPr lang="es-PE" dirty="0" smtClean="0">
-                <a:solidFill>
-                  <a:srgbClr val="00823B"/>
-                </a:solidFill>
-              </a:rPr>
-              <a:t>¿ Porqué pruebas de integración?</a:t>
-            </a:r>
-            <a:endParaRPr lang="es-PE" dirty="0">
-              <a:solidFill>
-                <a:srgbClr val="00823B"/>
-              </a:solidFill>
-            </a:endParaRPr>
-          </a:p>
-        </p:txBody>
-      </p:sp>
-      <p:sp>
-        <p:nvSpPr>
-          <p:cNvPr id="8" name="7 CuadroTexto"/>
-          <p:cNvSpPr txBox="1"/>
-          <p:nvPr/>
-        </p:nvSpPr>
-        <p:spPr>
-          <a:xfrm>
-            <a:off x="539552" y="1196752"/>
-            <a:ext cx="8136904" cy="4893647"/>
-          </a:xfrm>
-          <a:prstGeom prst="rect">
-            <a:avLst/>
-          </a:prstGeom>
-          <a:noFill/>
-        </p:spPr>
-        <p:txBody>
-          <a:bodyPr wrap="square" rtlCol="0">
-            <a:spAutoFit/>
-          </a:bodyPr>
-          <a:lstStyle/>
-          <a:p>
-            <a:pPr algn="ctr"/>
-            <a:r>
-              <a:rPr lang="es-PE" sz="2600" dirty="0" smtClean="0"/>
-              <a:t>Los test de integración son lentos, frágiles, difíciles de escribir pero igual son necesarios.</a:t>
-            </a:r>
-          </a:p>
-          <a:p>
-            <a:pPr marL="571500" indent="-571500">
-              <a:buFont typeface="Arial" pitchFamily="34" charset="0"/>
-              <a:buChar char="•"/>
-            </a:pPr>
-            <a:endParaRPr lang="es-PE" sz="2600" dirty="0" smtClean="0"/>
-          </a:p>
-          <a:p>
-            <a:pPr marL="342900" indent="-342900" fontAlgn="base">
-              <a:spcBef>
-                <a:spcPct val="20000"/>
-              </a:spcBef>
-              <a:spcAft>
-                <a:spcPct val="0"/>
-              </a:spcAft>
-              <a:buFont typeface="Arial" charset="0"/>
-              <a:buChar char="•"/>
-            </a:pPr>
-            <a:r>
-              <a:rPr lang="es-PE" sz="2600" dirty="0"/>
-              <a:t>Una buen conjunto de </a:t>
-            </a:r>
-            <a:r>
-              <a:rPr lang="es-PE" sz="2600" dirty="0">
-                <a:solidFill>
-                  <a:srgbClr val="FF0000"/>
-                </a:solidFill>
-              </a:rPr>
-              <a:t>pruebas unitarias es aún más efectivo si es acompañado de otros  tipos de test.</a:t>
-            </a:r>
-          </a:p>
-          <a:p>
-            <a:pPr marL="342900" indent="-342900" fontAlgn="base">
-              <a:spcBef>
-                <a:spcPct val="20000"/>
-              </a:spcBef>
-              <a:spcAft>
-                <a:spcPct val="0"/>
-              </a:spcAft>
-              <a:buFont typeface="Arial" charset="0"/>
-              <a:buChar char="•"/>
-            </a:pPr>
-            <a:endParaRPr lang="es-ES" sz="2600" dirty="0"/>
-          </a:p>
-          <a:p>
-            <a:pPr marL="342900" indent="-342900" fontAlgn="base">
-              <a:spcBef>
-                <a:spcPct val="20000"/>
-              </a:spcBef>
-              <a:spcAft>
-                <a:spcPct val="0"/>
-              </a:spcAft>
-              <a:buFont typeface="Arial" charset="0"/>
-              <a:buChar char="•"/>
-            </a:pPr>
-            <a:r>
-              <a:rPr lang="es-ES" sz="2600" dirty="0"/>
-              <a:t>Cada tipo de test es una </a:t>
-            </a:r>
-            <a:r>
-              <a:rPr lang="es-ES" sz="2600" dirty="0">
-                <a:solidFill>
-                  <a:srgbClr val="FF0000"/>
-                </a:solidFill>
-              </a:rPr>
-              <a:t>nueva capa de protección en nuestro sistema</a:t>
-            </a:r>
-            <a:r>
-              <a:rPr lang="es-ES" sz="2600" dirty="0" smtClean="0">
-                <a:solidFill>
-                  <a:srgbClr val="FF0000"/>
-                </a:solidFill>
-              </a:rPr>
-              <a:t>.</a:t>
-            </a:r>
-          </a:p>
-          <a:p>
-            <a:pPr marL="342900" indent="-342900" fontAlgn="base">
-              <a:spcBef>
-                <a:spcPct val="20000"/>
-              </a:spcBef>
-              <a:spcAft>
-                <a:spcPct val="0"/>
-              </a:spcAft>
-              <a:buFont typeface="Arial" charset="0"/>
-              <a:buChar char="•"/>
-            </a:pPr>
-            <a:endParaRPr lang="es-ES" sz="2600" dirty="0"/>
-          </a:p>
-          <a:p>
-            <a:pPr marL="342900" indent="-342900" fontAlgn="base">
-              <a:spcBef>
-                <a:spcPct val="20000"/>
-              </a:spcBef>
-              <a:spcAft>
-                <a:spcPct val="0"/>
-              </a:spcAft>
-              <a:buFont typeface="Arial" charset="0"/>
-              <a:buChar char="•"/>
-            </a:pPr>
-            <a:r>
-              <a:rPr lang="es-PE" sz="2600" dirty="0"/>
-              <a:t>El balance  y aplicación efectiva de todos los tipos de test es lo que realmente te dará beneficios.</a:t>
-            </a:r>
-          </a:p>
-        </p:txBody>
-      </p:sp>
-    </p:spTree>
-    <p:extLst>
-      <p:ext uri="{BB962C8B-B14F-4D97-AF65-F5344CB8AC3E}">
-        <p14:creationId xmlns:p14="http://schemas.microsoft.com/office/powerpoint/2010/main" val="3027783249"/>
-      </p:ext>
-    </p:extLst>
-  </p:cSld>
-  <p:clrMapOvr>
-    <a:masterClrMapping/>
-  </p:clrMapOvr>
-  <p:timing>
-    <p:tnLst>
-      <p:par>
-        <p:cTn id="1" dur="indefinite" restart="never" nodeType="tmRoot"/>
-      </p:par>
-    </p:tnLst>
-  </p:timing>
-</p:sld>
-</file>
-
-<file path=ppt/slides/slide35.xml><?xml version="1.0" encoding="utf-8"?>
-<p:sld xmlns:a="http://schemas.openxmlformats.org/drawingml/2006/main" xmlns:r="http://schemas.openxmlformats.org/officeDocument/2006/relationships" xmlns:p="http://schemas.openxmlformats.org/presentationml/2006/main">
-  <p:cSld>
-    <p:spTree>
-      <p:nvGrpSpPr>
-        <p:cNvPr id="1" name=""/>
-        <p:cNvGrpSpPr/>
-        <p:nvPr/>
-      </p:nvGrpSpPr>
-      <p:grpSpPr>
-        <a:xfrm>
-          <a:off x="0" y="0"/>
-          <a:ext cx="0" cy="0"/>
-          <a:chOff x="0" y="0"/>
-          <a:chExt cx="0" cy="0"/>
-        </a:xfrm>
-      </p:grpSpPr>
-      <p:sp>
-        <p:nvSpPr>
           <p:cNvPr id="3" name="2 Título"/>
           <p:cNvSpPr>
             <a:spLocks noGrp="1"/>
@@ -18482,7 +17933,7 @@
 </p:sld>
 </file>
 
-<file path=ppt/slides/slide36.xml><?xml version="1.0" encoding="utf-8"?>
+<file path=ppt/slides/slide33.xml><?xml version="1.0" encoding="utf-8"?>
 <p:sld xmlns:a="http://schemas.openxmlformats.org/drawingml/2006/main" xmlns:r="http://schemas.openxmlformats.org/officeDocument/2006/relationships" xmlns:p="http://schemas.openxmlformats.org/presentationml/2006/main">
   <p:cSld>
     <p:spTree>

--- a/Diapositivas/3. Database Testing.pptx
+++ b/Diapositivas/3. Database Testing.pptx
@@ -5,7 +5,7 @@
     <p:sldMasterId id="2147483684" r:id="rId1"/>
   </p:sldMasterIdLst>
   <p:notesMasterIdLst>
-    <p:notesMasterId r:id="rId35"/>
+    <p:notesMasterId r:id="rId38"/>
   </p:notesMasterIdLst>
   <p:sldIdLst>
     <p:sldId id="687" r:id="rId2"/>
@@ -25,22 +25,25 @@
     <p:sldId id="557" r:id="rId16"/>
     <p:sldId id="688" r:id="rId17"/>
     <p:sldId id="689" r:id="rId18"/>
-    <p:sldId id="536" r:id="rId19"/>
-    <p:sldId id="538" r:id="rId20"/>
-    <p:sldId id="542" r:id="rId21"/>
+    <p:sldId id="692" r:id="rId19"/>
+    <p:sldId id="536" r:id="rId20"/>
+    <p:sldId id="538" r:id="rId21"/>
     <p:sldId id="578" r:id="rId22"/>
-    <p:sldId id="577" r:id="rId23"/>
-    <p:sldId id="539" r:id="rId24"/>
-    <p:sldId id="562" r:id="rId25"/>
-    <p:sldId id="575" r:id="rId26"/>
-    <p:sldId id="579" r:id="rId27"/>
-    <p:sldId id="583" r:id="rId28"/>
-    <p:sldId id="582" r:id="rId29"/>
-    <p:sldId id="584" r:id="rId30"/>
-    <p:sldId id="574" r:id="rId31"/>
-    <p:sldId id="685" r:id="rId32"/>
-    <p:sldId id="686" r:id="rId33"/>
-    <p:sldId id="585" r:id="rId34"/>
+    <p:sldId id="539" r:id="rId23"/>
+    <p:sldId id="690" r:id="rId24"/>
+    <p:sldId id="691" r:id="rId25"/>
+    <p:sldId id="562" r:id="rId26"/>
+    <p:sldId id="575" r:id="rId27"/>
+    <p:sldId id="579" r:id="rId28"/>
+    <p:sldId id="583" r:id="rId29"/>
+    <p:sldId id="582" r:id="rId30"/>
+    <p:sldId id="584" r:id="rId31"/>
+    <p:sldId id="574" r:id="rId32"/>
+    <p:sldId id="685" r:id="rId33"/>
+    <p:sldId id="693" r:id="rId34"/>
+    <p:sldId id="694" r:id="rId35"/>
+    <p:sldId id="686" r:id="rId36"/>
+    <p:sldId id="585" r:id="rId37"/>
   </p:sldIdLst>
   <p:sldSz cx="9144000" cy="6858000" type="screen4x3"/>
   <p:notesSz cx="6858000" cy="9144000"/>
@@ -277,7 +280,7 @@
           <a:p>
             <a:fld id="{63D5FC4C-9EE1-4746-A368-724F618FC790}" type="datetimeFigureOut">
               <a:rPr lang="es-PE" smtClean="0"/>
-              <a:t>01/02/2013</a:t>
+              <a:t>02/02/2013</a:t>
             </a:fld>
             <a:endParaRPr lang="es-PE"/>
           </a:p>
@@ -1665,7 +1668,42 @@
           <a:bodyPr/>
           <a:lstStyle/>
           <a:p>
-            <a:endParaRPr lang="es-PE" baseline="0" dirty="0" smtClean="0"/>
+            <a:pPr marL="0" marR="0" lvl="1" indent="0" algn="l" defTabSz="914400" rtl="0" eaLnBrk="1" fontAlgn="auto" latinLnBrk="0" hangingPunct="1">
+              <a:lnSpc>
+                <a:spcPct val="100000"/>
+              </a:lnSpc>
+              <a:spcBef>
+                <a:spcPts val="0"/>
+              </a:spcBef>
+              <a:spcAft>
+                <a:spcPts val="0"/>
+              </a:spcAft>
+              <a:buClrTx/>
+              <a:buSzTx/>
+              <a:buFontTx/>
+              <a:buNone/>
+              <a:tabLst/>
+              <a:defRPr/>
+            </a:pPr>
+            <a:r>
+              <a:rPr lang="es-PE" sz="2600" dirty="0" smtClean="0"/>
+              <a:t>EF </a:t>
+            </a:r>
+            <a:r>
+              <a:rPr lang="es-PE" sz="2600" dirty="0" err="1" smtClean="0"/>
+              <a:t>Initializers</a:t>
+            </a:r>
+            <a:r>
+              <a:rPr lang="es-PE" sz="2600" dirty="0" smtClean="0"/>
+              <a:t>: Permite recrear toda la BD </a:t>
+            </a:r>
+            <a:br>
+              <a:rPr lang="es-PE" sz="2600" dirty="0" smtClean="0"/>
+            </a:br>
+            <a:r>
+              <a:rPr lang="es-PE" sz="2600" dirty="0" smtClean="0"/>
+              <a:t>(tablas y datos) antes de realizar las inserciones.</a:t>
+            </a:r>
           </a:p>
         </p:txBody>
       </p:sp>
@@ -1749,61 +1787,14 @@
           <a:bodyPr/>
           <a:lstStyle/>
           <a:p>
-            <a:pPr marL="0" marR="0" lvl="1" indent="0" algn="l" defTabSz="914400" rtl="0" eaLnBrk="1" fontAlgn="auto" latinLnBrk="0" hangingPunct="1">
-              <a:lnSpc>
-                <a:spcPct val="100000"/>
-              </a:lnSpc>
-              <a:spcBef>
-                <a:spcPts val="0"/>
-              </a:spcBef>
-              <a:spcAft>
-                <a:spcPts val="0"/>
-              </a:spcAft>
-              <a:buClrTx/>
-              <a:buSzTx/>
+            <a:endParaRPr lang="es-PE" sz="1200" dirty="0" smtClean="0"/>
+          </a:p>
+          <a:p>
+            <a:pPr marL="171450" indent="-171450">
               <a:buFontTx/>
-              <a:buNone/>
-              <a:tabLst/>
-              <a:defRPr/>
+              <a:buChar char="-"/>
             </a:pPr>
-            <a:r>
-              <a:rPr lang="es-PE" sz="2600" dirty="0" smtClean="0"/>
-              <a:t>Se puede combinar con otros patrones: </a:t>
-            </a:r>
-            <a:br>
-              <a:rPr lang="es-PE" sz="2600" dirty="0" smtClean="0"/>
-            </a:br>
-            <a:r>
-              <a:rPr lang="es-PE" sz="2600" dirty="0" smtClean="0"/>
-              <a:t>Test Data </a:t>
-            </a:r>
-            <a:r>
-              <a:rPr lang="es-PE" sz="2600" dirty="0" err="1" smtClean="0"/>
-              <a:t>Builder</a:t>
-            </a:r>
-            <a:r>
-              <a:rPr lang="es-PE" sz="2600" dirty="0" smtClean="0"/>
-              <a:t>, </a:t>
-            </a:r>
-            <a:r>
-              <a:rPr lang="es-PE" sz="2600" dirty="0" err="1" smtClean="0"/>
-              <a:t>Object</a:t>
-            </a:r>
-            <a:r>
-              <a:rPr lang="es-PE" sz="2600" dirty="0" smtClean="0"/>
-              <a:t> </a:t>
-            </a:r>
-            <a:r>
-              <a:rPr lang="es-PE" sz="2600" dirty="0" err="1" smtClean="0"/>
-              <a:t>Mother</a:t>
-            </a:r>
-            <a:r>
-              <a:rPr lang="es-PE" sz="2600" dirty="0" smtClean="0"/>
-              <a:t>.</a:t>
-            </a:r>
-          </a:p>
-          <a:p>
-            <a:endParaRPr lang="es-PE" dirty="0"/>
+            <a:endParaRPr lang="es-PE" b="0" baseline="0" noProof="0" dirty="0" smtClean="0"/>
           </a:p>
         </p:txBody>
       </p:sp>
@@ -1887,7 +1878,7 @@
           <a:bodyPr/>
           <a:lstStyle/>
           <a:p>
-            <a:pPr marL="0" marR="0" indent="0" algn="l" defTabSz="914400" rtl="0" eaLnBrk="1" fontAlgn="auto" latinLnBrk="0" hangingPunct="1">
+            <a:pPr marL="0" marR="0" lvl="1" indent="0" algn="l" defTabSz="914400" rtl="0" eaLnBrk="1" fontAlgn="auto" latinLnBrk="0" hangingPunct="1">
               <a:lnSpc>
                 <a:spcPct val="100000"/>
               </a:lnSpc>
@@ -1904,6 +1895,43 @@
               <a:tabLst/>
               <a:defRPr/>
             </a:pPr>
+            <a:r>
+              <a:rPr lang="es-PE" sz="2600" dirty="0" smtClean="0"/>
+              <a:t>Se puede combinar con otros patrones: </a:t>
+            </a:r>
+            <a:br>
+              <a:rPr lang="es-PE" sz="2600" dirty="0" smtClean="0"/>
+            </a:br>
+            <a:r>
+              <a:rPr lang="es-PE" sz="2600" dirty="0" smtClean="0"/>
+              <a:t>Test Data </a:t>
+            </a:r>
+            <a:r>
+              <a:rPr lang="es-PE" sz="2600" dirty="0" err="1" smtClean="0"/>
+              <a:t>Builder</a:t>
+            </a:r>
+            <a:r>
+              <a:rPr lang="es-PE" sz="2600" dirty="0" smtClean="0"/>
+              <a:t>, </a:t>
+            </a:r>
+            <a:r>
+              <a:rPr lang="es-PE" sz="2600" dirty="0" err="1" smtClean="0"/>
+              <a:t>Object</a:t>
+            </a:r>
+            <a:r>
+              <a:rPr lang="es-PE" sz="2600" dirty="0" smtClean="0"/>
+              <a:t> </a:t>
+            </a:r>
+            <a:r>
+              <a:rPr lang="es-PE" sz="2600" dirty="0" err="1" smtClean="0"/>
+              <a:t>Mother</a:t>
+            </a:r>
+            <a:r>
+              <a:rPr lang="es-PE" sz="2600" dirty="0" smtClean="0"/>
+              <a:t>.</a:t>
+            </a:r>
+          </a:p>
+          <a:p>
             <a:endParaRPr lang="es-PE" dirty="0"/>
           </a:p>
         </p:txBody>
@@ -2072,14 +2100,24 @@
           <a:bodyPr/>
           <a:lstStyle/>
           <a:p>
-            <a:endParaRPr lang="es-PE" sz="1200" dirty="0" smtClean="0"/>
-          </a:p>
-          <a:p>
-            <a:pPr marL="171450" indent="-171450">
+            <a:pPr marL="0" marR="0" indent="0" algn="l" defTabSz="914400" rtl="0" eaLnBrk="1" fontAlgn="auto" latinLnBrk="0" hangingPunct="1">
+              <a:lnSpc>
+                <a:spcPct val="100000"/>
+              </a:lnSpc>
+              <a:spcBef>
+                <a:spcPts val="0"/>
+              </a:spcBef>
+              <a:spcAft>
+                <a:spcPts val="0"/>
+              </a:spcAft>
+              <a:buClrTx/>
+              <a:buSzTx/>
               <a:buFontTx/>
-              <a:buChar char="-"/>
+              <a:buNone/>
+              <a:tabLst/>
+              <a:defRPr/>
             </a:pPr>
-            <a:endParaRPr lang="es-PE" b="0" baseline="0" noProof="0" dirty="0" smtClean="0"/>
+            <a:endParaRPr lang="es-PE" dirty="0"/>
           </a:p>
         </p:txBody>
       </p:sp>
@@ -2251,39 +2289,24 @@
           <a:bodyPr/>
           <a:lstStyle/>
           <a:p>
-            <a:r>
-              <a:rPr lang="es-PE" sz="1200" dirty="0" smtClean="0"/>
-              <a:t>Implementar los enfoques "Pruebas Autosuficientes" y "</a:t>
-            </a:r>
-            <a:r>
-              <a:rPr lang="es-PE" sz="1200" dirty="0" err="1" smtClean="0"/>
-              <a:t>Transaction</a:t>
-            </a:r>
-            <a:r>
-              <a:rPr lang="es-PE" sz="1200" dirty="0" smtClean="0"/>
-              <a:t> </a:t>
-            </a:r>
-            <a:r>
-              <a:rPr lang="es-PE" sz="1200" dirty="0" err="1" smtClean="0"/>
-              <a:t>Rollback</a:t>
-            </a:r>
-            <a:r>
-              <a:rPr lang="es-PE" sz="1200" dirty="0" smtClean="0"/>
-              <a:t>" .</a:t>
-            </a:r>
-          </a:p>
-          <a:p>
-            <a:r>
-              <a:rPr lang="es-PE" sz="1200" dirty="0" smtClean="0"/>
-              <a:t>Analizar que factores adicionales se deben considerar cuando se utiliza un ORM.</a:t>
-            </a:r>
-          </a:p>
-          <a:p>
-            <a:pPr marL="171450" indent="-171450">
+            <a:pPr marL="0" marR="0" indent="0" algn="l" defTabSz="914400" rtl="0" eaLnBrk="1" fontAlgn="auto" latinLnBrk="0" hangingPunct="1">
+              <a:lnSpc>
+                <a:spcPct val="100000"/>
+              </a:lnSpc>
+              <a:spcBef>
+                <a:spcPts val="0"/>
+              </a:spcBef>
+              <a:spcAft>
+                <a:spcPts val="0"/>
+              </a:spcAft>
+              <a:buClrTx/>
+              <a:buSzTx/>
               <a:buFontTx/>
-              <a:buChar char="-"/>
+              <a:buNone/>
+              <a:tabLst/>
+              <a:defRPr/>
             </a:pPr>
-            <a:endParaRPr lang="es-PE" b="0" baseline="0" noProof="0" dirty="0" smtClean="0"/>
+            <a:endParaRPr lang="es-PE" dirty="0"/>
           </a:p>
         </p:txBody>
       </p:sp>
@@ -2468,47 +2491,11 @@
           <a:bodyPr/>
           <a:lstStyle/>
           <a:p>
-            <a:pPr marL="0" marR="0" indent="0" algn="l" defTabSz="914400" rtl="0" eaLnBrk="1" fontAlgn="auto" latinLnBrk="0" hangingPunct="1">
-              <a:lnSpc>
-                <a:spcPct val="100000"/>
-              </a:lnSpc>
-              <a:spcBef>
-                <a:spcPts val="0"/>
-              </a:spcBef>
-              <a:spcAft>
-                <a:spcPts val="0"/>
-              </a:spcAft>
-              <a:buClrTx/>
-              <a:buSzTx/>
+            <a:pPr marL="171450" indent="-171450">
               <a:buFontTx/>
-              <a:buNone/>
-              <a:tabLst/>
-              <a:defRPr/>
+              <a:buChar char="-"/>
             </a:pPr>
-            <a:r>
-              <a:rPr lang="es-PE" baseline="0" dirty="0" smtClean="0"/>
-              <a:t>Segundo tratar a la </a:t>
-            </a:r>
-            <a:r>
-              <a:rPr lang="es-PE" baseline="0" dirty="0" err="1" smtClean="0"/>
-              <a:t>Bd</a:t>
-            </a:r>
-            <a:r>
-              <a:rPr lang="es-PE" baseline="0" dirty="0" smtClean="0"/>
-              <a:t> como un componente que también puede ser probado de manera independiente. Es más existen muchos casos en los cuales la BD no se comunica con ninguna </a:t>
-            </a:r>
-            <a:r>
-              <a:rPr lang="es-PE" baseline="0" dirty="0" err="1" smtClean="0"/>
-              <a:t>app</a:t>
-            </a:r>
-            <a:r>
-              <a:rPr lang="es-PE" baseline="0" dirty="0" smtClean="0"/>
-              <a:t> directamente.</a:t>
-            </a:r>
-            <a:endParaRPr lang="es-PE" dirty="0" smtClean="0"/>
-          </a:p>
-          <a:p>
-            <a:endParaRPr lang="es-PE" dirty="0"/>
+            <a:endParaRPr lang="es-PE" b="0" baseline="0" noProof="0" dirty="0" smtClean="0"/>
           </a:p>
         </p:txBody>
       </p:sp>
@@ -2592,15 +2579,47 @@
           <a:bodyPr/>
           <a:lstStyle/>
           <a:p>
-            <a:r>
-              <a:rPr lang="es-PE" noProof="0" dirty="0" smtClean="0"/>
-              <a:t>- En</a:t>
-            </a:r>
-            <a:r>
-              <a:rPr lang="es-PE" baseline="0" noProof="0" dirty="0" smtClean="0"/>
-              <a:t> el caso de Oracle las herramientas </a:t>
-            </a:r>
-            <a:endParaRPr lang="es-PE" noProof="0" dirty="0"/>
+            <a:pPr marL="0" marR="0" indent="0" algn="l" defTabSz="914400" rtl="0" eaLnBrk="1" fontAlgn="auto" latinLnBrk="0" hangingPunct="1">
+              <a:lnSpc>
+                <a:spcPct val="100000"/>
+              </a:lnSpc>
+              <a:spcBef>
+                <a:spcPts val="0"/>
+              </a:spcBef>
+              <a:spcAft>
+                <a:spcPts val="0"/>
+              </a:spcAft>
+              <a:buClrTx/>
+              <a:buSzTx/>
+              <a:buFontTx/>
+              <a:buNone/>
+              <a:tabLst/>
+              <a:defRPr/>
+            </a:pPr>
+            <a:r>
+              <a:rPr lang="es-PE" baseline="0" dirty="0" smtClean="0"/>
+              <a:t>Segundo tratar a la </a:t>
+            </a:r>
+            <a:r>
+              <a:rPr lang="es-PE" baseline="0" dirty="0" err="1" smtClean="0"/>
+              <a:t>Bd</a:t>
+            </a:r>
+            <a:r>
+              <a:rPr lang="es-PE" baseline="0" dirty="0" smtClean="0"/>
+              <a:t> como un componente que también puede ser probado de manera independiente. Es más existen muchos casos en los cuales la BD no se comunica con ninguna </a:t>
+            </a:r>
+            <a:r>
+              <a:rPr lang="es-PE" baseline="0" dirty="0" err="1" smtClean="0"/>
+              <a:t>app</a:t>
+            </a:r>
+            <a:r>
+              <a:rPr lang="es-PE" baseline="0" dirty="0" smtClean="0"/>
+              <a:t> directamente.</a:t>
+            </a:r>
+            <a:endParaRPr lang="es-PE" dirty="0" smtClean="0"/>
+          </a:p>
+          <a:p>
+            <a:endParaRPr lang="es-PE" dirty="0"/>
           </a:p>
         </p:txBody>
       </p:sp>
@@ -2684,11 +2703,15 @@
           <a:bodyPr/>
           <a:lstStyle/>
           <a:p>
-            <a:pPr marL="171450" indent="-171450">
-              <a:buFontTx/>
-              <a:buChar char="-"/>
-            </a:pPr>
-            <a:endParaRPr lang="es-PE" b="0" baseline="0" noProof="0" dirty="0" smtClean="0"/>
+            <a:r>
+              <a:rPr lang="es-PE" noProof="0" dirty="0" smtClean="0"/>
+              <a:t>- En</a:t>
+            </a:r>
+            <a:r>
+              <a:rPr lang="es-PE" baseline="0" noProof="0" dirty="0" smtClean="0"/>
+              <a:t> el caso de Oracle las herramientas </a:t>
+            </a:r>
+            <a:endParaRPr lang="es-PE" noProof="0" dirty="0"/>
           </a:p>
         </p:txBody>
       </p:sp>
@@ -2772,24 +2795,11 @@
           <a:bodyPr/>
           <a:lstStyle/>
           <a:p>
-            <a:pPr marL="0" marR="0" indent="0" algn="l" defTabSz="914400" rtl="0" eaLnBrk="1" fontAlgn="auto" latinLnBrk="0" hangingPunct="1">
-              <a:lnSpc>
-                <a:spcPct val="100000"/>
-              </a:lnSpc>
-              <a:spcBef>
-                <a:spcPts val="0"/>
-              </a:spcBef>
-              <a:spcAft>
-                <a:spcPts val="0"/>
-              </a:spcAft>
-              <a:buClrTx/>
-              <a:buSzTx/>
+            <a:pPr marL="171450" indent="-171450">
               <a:buFontTx/>
-              <a:buNone/>
-              <a:tabLst/>
-              <a:defRPr/>
+              <a:buChar char="-"/>
             </a:pPr>
-            <a:endParaRPr lang="es-PE" dirty="0"/>
+            <a:endParaRPr lang="es-PE" b="0" baseline="0" noProof="0" dirty="0" smtClean="0"/>
           </a:p>
         </p:txBody>
       </p:sp>
@@ -2974,11 +2984,24 @@
           <a:bodyPr/>
           <a:lstStyle/>
           <a:p>
-            <a:pPr marL="171450" indent="-171450">
+            <a:pPr marL="0" marR="0" indent="0" algn="l" defTabSz="914400" rtl="0" eaLnBrk="1" fontAlgn="auto" latinLnBrk="0" hangingPunct="1">
+              <a:lnSpc>
+                <a:spcPct val="100000"/>
+              </a:lnSpc>
+              <a:spcBef>
+                <a:spcPts val="0"/>
+              </a:spcBef>
+              <a:spcAft>
+                <a:spcPts val="0"/>
+              </a:spcAft>
+              <a:buClrTx/>
+              <a:buSzTx/>
               <a:buFontTx/>
-              <a:buChar char="-"/>
+              <a:buNone/>
+              <a:tabLst/>
+              <a:defRPr/>
             </a:pPr>
-            <a:endParaRPr lang="es-PE" b="0" baseline="0" noProof="0" dirty="0" smtClean="0"/>
+            <a:endParaRPr lang="es-PE" dirty="0"/>
           </a:p>
         </p:txBody>
       </p:sp>
@@ -3342,7 +3365,11 @@
           <a:bodyPr/>
           <a:lstStyle/>
           <a:p>
-            <a:endParaRPr lang="es-PE" dirty="0"/>
+            <a:pPr marL="171450" indent="-171450">
+              <a:buFontTx/>
+              <a:buChar char="-"/>
+            </a:pPr>
+            <a:endParaRPr lang="es-PE" b="0" baseline="0" noProof="0" dirty="0" smtClean="0"/>
           </a:p>
         </p:txBody>
       </p:sp>
@@ -3426,48 +3453,7 @@
           <a:bodyPr/>
           <a:lstStyle/>
           <a:p>
-            <a:r>
-              <a:rPr lang="es-PE" sz="1200" dirty="0" smtClean="0"/>
-              <a:t>Los </a:t>
-            </a:r>
-            <a:r>
-              <a:rPr lang="es-PE" sz="1200" dirty="0" err="1" smtClean="0"/>
-              <a:t>tests</a:t>
-            </a:r>
-            <a:r>
-              <a:rPr lang="es-PE" sz="1200" dirty="0" smtClean="0"/>
-              <a:t> unitarios no son suficientes, en algún momento el código tendrá que hablar con el mundo exterior.</a:t>
-            </a:r>
-          </a:p>
-          <a:p>
-            <a:r>
-              <a:rPr lang="es-PE" baseline="0" dirty="0" smtClean="0"/>
-              <a:t>-------------------------------------------------------------------------</a:t>
-            </a:r>
-          </a:p>
-          <a:p>
-            <a:r>
-              <a:rPr lang="es-PE" baseline="0" dirty="0" smtClean="0"/>
-              <a:t>Ninguna capa de pruebas es perfecta y si solo dependes de una de ellas tendrás errores en producción.</a:t>
-            </a:r>
-          </a:p>
-          <a:p>
-            <a:endParaRPr lang="es-PE" baseline="0" dirty="0" smtClean="0"/>
-          </a:p>
-          <a:p>
-            <a:r>
-              <a:rPr lang="es-PE" baseline="0" dirty="0" smtClean="0"/>
-              <a:t>Si realizamos pruebas unitarias encontraremos la gran mayoría de errores en el código. Luego si realizamos test de integración (base de datos) encontraremos los restantes.  Luego si realizamos los test de sistema…… test de regresión…..</a:t>
-            </a:r>
-          </a:p>
-          <a:p>
-            <a:endParaRPr lang="es-PE" baseline="0" dirty="0" smtClean="0"/>
-          </a:p>
-          <a:p>
-            <a:r>
-              <a:rPr lang="es-PE" baseline="0" dirty="0" smtClean="0"/>
-              <a:t>Cualquier profesional de seguridad competente sabe que no puede proteger su red si solo se preocupa de los riesgos perimetrales . Tiene que trabajar sobre toda las capas de acceso. Esto mismo es aplicable a las pruebas de software.</a:t>
-            </a:r>
+            <a:endParaRPr lang="es-PE" dirty="0"/>
           </a:p>
         </p:txBody>
       </p:sp>
@@ -3551,11 +3537,48 @@
           <a:bodyPr/>
           <a:lstStyle/>
           <a:p>
-            <a:pPr marL="0" indent="0">
-              <a:buFontTx/>
-              <a:buNone/>
-            </a:pPr>
-            <a:endParaRPr lang="es-PE" dirty="0"/>
+            <a:r>
+              <a:rPr lang="es-PE" sz="1200" dirty="0" smtClean="0"/>
+              <a:t>Los </a:t>
+            </a:r>
+            <a:r>
+              <a:rPr lang="es-PE" sz="1200" dirty="0" err="1" smtClean="0"/>
+              <a:t>tests</a:t>
+            </a:r>
+            <a:r>
+              <a:rPr lang="es-PE" sz="1200" dirty="0" smtClean="0"/>
+              <a:t> unitarios no son suficientes, en algún momento el código tendrá que hablar con el mundo exterior.</a:t>
+            </a:r>
+          </a:p>
+          <a:p>
+            <a:r>
+              <a:rPr lang="es-PE" baseline="0" dirty="0" smtClean="0"/>
+              <a:t>-------------------------------------------------------------------------</a:t>
+            </a:r>
+          </a:p>
+          <a:p>
+            <a:r>
+              <a:rPr lang="es-PE" baseline="0" dirty="0" smtClean="0"/>
+              <a:t>Ninguna capa de pruebas es perfecta y si solo dependes de una de ellas tendrás errores en producción.</a:t>
+            </a:r>
+          </a:p>
+          <a:p>
+            <a:endParaRPr lang="es-PE" baseline="0" dirty="0" smtClean="0"/>
+          </a:p>
+          <a:p>
+            <a:r>
+              <a:rPr lang="es-PE" baseline="0" dirty="0" smtClean="0"/>
+              <a:t>Si realizamos pruebas unitarias encontraremos la gran mayoría de errores en el código. Luego si realizamos test de integración (base de datos) encontraremos los restantes.  Luego si realizamos los test de sistema…… test de regresión…..</a:t>
+            </a:r>
+          </a:p>
+          <a:p>
+            <a:endParaRPr lang="es-PE" baseline="0" dirty="0" smtClean="0"/>
+          </a:p>
+          <a:p>
+            <a:r>
+              <a:rPr lang="es-PE" baseline="0" dirty="0" smtClean="0"/>
+              <a:t>Cualquier profesional de seguridad competente sabe que no puede proteger su red si solo se preocupa de los riesgos perimetrales . Tiene que trabajar sobre toda las capas de acceso. Esto mismo es aplicable a las pruebas de software.</a:t>
+            </a:r>
           </a:p>
         </p:txBody>
       </p:sp>
@@ -3679,6 +3702,266 @@
 </p:notes>
 </file>
 
+<file path=ppt/notesSlides/notesSlide34.xml><?xml version="1.0" encoding="utf-8"?>
+<p:notes xmlns:a="http://schemas.openxmlformats.org/drawingml/2006/main" xmlns:r="http://schemas.openxmlformats.org/officeDocument/2006/relationships" xmlns:p="http://schemas.openxmlformats.org/presentationml/2006/main">
+  <p:cSld>
+    <p:spTree>
+      <p:nvGrpSpPr>
+        <p:cNvPr id="1" name=""/>
+        <p:cNvGrpSpPr/>
+        <p:nvPr/>
+      </p:nvGrpSpPr>
+      <p:grpSpPr>
+        <a:xfrm>
+          <a:off x="0" y="0"/>
+          <a:ext cx="0" cy="0"/>
+          <a:chOff x="0" y="0"/>
+          <a:chExt cx="0" cy="0"/>
+        </a:xfrm>
+      </p:grpSpPr>
+      <p:sp>
+        <p:nvSpPr>
+          <p:cNvPr id="2" name="1 Marcador de imagen de diapositiva"/>
+          <p:cNvSpPr>
+            <a:spLocks noGrp="1" noRot="1" noChangeAspect="1"/>
+          </p:cNvSpPr>
+          <p:nvPr>
+            <p:ph type="sldImg"/>
+          </p:nvPr>
+        </p:nvSpPr>
+        <p:spPr/>
+      </p:sp>
+      <p:sp>
+        <p:nvSpPr>
+          <p:cNvPr id="3" name="2 Marcador de notas"/>
+          <p:cNvSpPr>
+            <a:spLocks noGrp="1"/>
+          </p:cNvSpPr>
+          <p:nvPr>
+            <p:ph type="body" idx="1"/>
+          </p:nvPr>
+        </p:nvSpPr>
+        <p:spPr/>
+        <p:txBody>
+          <a:bodyPr/>
+          <a:lstStyle/>
+          <a:p>
+            <a:pPr marL="0" indent="0">
+              <a:buFontTx/>
+              <a:buNone/>
+            </a:pPr>
+            <a:endParaRPr lang="es-PE" noProof="0" dirty="0"/>
+          </a:p>
+        </p:txBody>
+      </p:sp>
+      <p:sp>
+        <p:nvSpPr>
+          <p:cNvPr id="4" name="3 Marcador de número de diapositiva"/>
+          <p:cNvSpPr>
+            <a:spLocks noGrp="1"/>
+          </p:cNvSpPr>
+          <p:nvPr>
+            <p:ph type="sldNum" sz="quarter" idx="10"/>
+          </p:nvPr>
+        </p:nvSpPr>
+        <p:spPr/>
+        <p:txBody>
+          <a:bodyPr/>
+          <a:lstStyle/>
+          <a:p>
+            <a:fld id="{80C14895-23C8-45AE-85D5-3B35E5980A68}" type="slidenum">
+              <a:rPr lang="es-PE" smtClean="0"/>
+              <a:t>34</a:t>
+            </a:fld>
+            <a:endParaRPr lang="es-PE"/>
+          </a:p>
+        </p:txBody>
+      </p:sp>
+    </p:spTree>
+    <p:extLst>
+      <p:ext uri="{BB962C8B-B14F-4D97-AF65-F5344CB8AC3E}">
+        <p14:creationId xmlns:p14="http://schemas.microsoft.com/office/powerpoint/2010/main" val="3432092158"/>
+      </p:ext>
+    </p:extLst>
+  </p:cSld>
+  <p:clrMapOvr>
+    <a:masterClrMapping/>
+  </p:clrMapOvr>
+</p:notes>
+</file>
+
+<file path=ppt/notesSlides/notesSlide35.xml><?xml version="1.0" encoding="utf-8"?>
+<p:notes xmlns:a="http://schemas.openxmlformats.org/drawingml/2006/main" xmlns:r="http://schemas.openxmlformats.org/officeDocument/2006/relationships" xmlns:p="http://schemas.openxmlformats.org/presentationml/2006/main">
+  <p:cSld>
+    <p:spTree>
+      <p:nvGrpSpPr>
+        <p:cNvPr id="1" name=""/>
+        <p:cNvGrpSpPr/>
+        <p:nvPr/>
+      </p:nvGrpSpPr>
+      <p:grpSpPr>
+        <a:xfrm>
+          <a:off x="0" y="0"/>
+          <a:ext cx="0" cy="0"/>
+          <a:chOff x="0" y="0"/>
+          <a:chExt cx="0" cy="0"/>
+        </a:xfrm>
+      </p:grpSpPr>
+      <p:sp>
+        <p:nvSpPr>
+          <p:cNvPr id="2" name="1 Marcador de imagen de diapositiva"/>
+          <p:cNvSpPr>
+            <a:spLocks noGrp="1" noRot="1" noChangeAspect="1"/>
+          </p:cNvSpPr>
+          <p:nvPr>
+            <p:ph type="sldImg"/>
+          </p:nvPr>
+        </p:nvSpPr>
+        <p:spPr/>
+      </p:sp>
+      <p:sp>
+        <p:nvSpPr>
+          <p:cNvPr id="3" name="2 Marcador de notas"/>
+          <p:cNvSpPr>
+            <a:spLocks noGrp="1"/>
+          </p:cNvSpPr>
+          <p:nvPr>
+            <p:ph type="body" idx="1"/>
+          </p:nvPr>
+        </p:nvSpPr>
+        <p:spPr/>
+        <p:txBody>
+          <a:bodyPr/>
+          <a:lstStyle/>
+          <a:p>
+            <a:pPr marL="0" indent="0">
+              <a:buFontTx/>
+              <a:buNone/>
+            </a:pPr>
+            <a:endParaRPr lang="es-PE" dirty="0"/>
+          </a:p>
+        </p:txBody>
+      </p:sp>
+      <p:sp>
+        <p:nvSpPr>
+          <p:cNvPr id="4" name="3 Marcador de número de diapositiva"/>
+          <p:cNvSpPr>
+            <a:spLocks noGrp="1"/>
+          </p:cNvSpPr>
+          <p:nvPr>
+            <p:ph type="sldNum" sz="quarter" idx="10"/>
+          </p:nvPr>
+        </p:nvSpPr>
+        <p:spPr/>
+        <p:txBody>
+          <a:bodyPr/>
+          <a:lstStyle/>
+          <a:p>
+            <a:fld id="{80C14895-23C8-45AE-85D5-3B35E5980A68}" type="slidenum">
+              <a:rPr lang="es-PE" smtClean="0"/>
+              <a:t>35</a:t>
+            </a:fld>
+            <a:endParaRPr lang="es-PE"/>
+          </a:p>
+        </p:txBody>
+      </p:sp>
+    </p:spTree>
+    <p:extLst>
+      <p:ext uri="{BB962C8B-B14F-4D97-AF65-F5344CB8AC3E}">
+        <p14:creationId xmlns:p14="http://schemas.microsoft.com/office/powerpoint/2010/main" val="3432092158"/>
+      </p:ext>
+    </p:extLst>
+  </p:cSld>
+  <p:clrMapOvr>
+    <a:masterClrMapping/>
+  </p:clrMapOvr>
+</p:notes>
+</file>
+
+<file path=ppt/notesSlides/notesSlide36.xml><?xml version="1.0" encoding="utf-8"?>
+<p:notes xmlns:a="http://schemas.openxmlformats.org/drawingml/2006/main" xmlns:r="http://schemas.openxmlformats.org/officeDocument/2006/relationships" xmlns:p="http://schemas.openxmlformats.org/presentationml/2006/main">
+  <p:cSld>
+    <p:spTree>
+      <p:nvGrpSpPr>
+        <p:cNvPr id="1" name=""/>
+        <p:cNvGrpSpPr/>
+        <p:nvPr/>
+      </p:nvGrpSpPr>
+      <p:grpSpPr>
+        <a:xfrm>
+          <a:off x="0" y="0"/>
+          <a:ext cx="0" cy="0"/>
+          <a:chOff x="0" y="0"/>
+          <a:chExt cx="0" cy="0"/>
+        </a:xfrm>
+      </p:grpSpPr>
+      <p:sp>
+        <p:nvSpPr>
+          <p:cNvPr id="2" name="1 Marcador de imagen de diapositiva"/>
+          <p:cNvSpPr>
+            <a:spLocks noGrp="1" noRot="1" noChangeAspect="1"/>
+          </p:cNvSpPr>
+          <p:nvPr>
+            <p:ph type="sldImg"/>
+          </p:nvPr>
+        </p:nvSpPr>
+        <p:spPr/>
+      </p:sp>
+      <p:sp>
+        <p:nvSpPr>
+          <p:cNvPr id="3" name="2 Marcador de notas"/>
+          <p:cNvSpPr>
+            <a:spLocks noGrp="1"/>
+          </p:cNvSpPr>
+          <p:nvPr>
+            <p:ph type="body" idx="1"/>
+          </p:nvPr>
+        </p:nvSpPr>
+        <p:spPr/>
+        <p:txBody>
+          <a:bodyPr/>
+          <a:lstStyle/>
+          <a:p>
+            <a:endParaRPr lang="es-PE" dirty="0"/>
+          </a:p>
+        </p:txBody>
+      </p:sp>
+      <p:sp>
+        <p:nvSpPr>
+          <p:cNvPr id="4" name="3 Marcador de número de diapositiva"/>
+          <p:cNvSpPr>
+            <a:spLocks noGrp="1"/>
+          </p:cNvSpPr>
+          <p:nvPr>
+            <p:ph type="sldNum" sz="quarter" idx="10"/>
+          </p:nvPr>
+        </p:nvSpPr>
+        <p:spPr/>
+        <p:txBody>
+          <a:bodyPr/>
+          <a:lstStyle/>
+          <a:p>
+            <a:fld id="{80C14895-23C8-45AE-85D5-3B35E5980A68}" type="slidenum">
+              <a:rPr lang="es-PE" smtClean="0"/>
+              <a:t>36</a:t>
+            </a:fld>
+            <a:endParaRPr lang="es-PE"/>
+          </a:p>
+        </p:txBody>
+      </p:sp>
+    </p:spTree>
+    <p:extLst>
+      <p:ext uri="{BB962C8B-B14F-4D97-AF65-F5344CB8AC3E}">
+        <p14:creationId xmlns:p14="http://schemas.microsoft.com/office/powerpoint/2010/main" val="3432092158"/>
+      </p:ext>
+    </p:extLst>
+  </p:cSld>
+  <p:clrMapOvr>
+    <a:masterClrMapping/>
+  </p:clrMapOvr>
+</p:notes>
+</file>
+
 <file path=ppt/notesSlides/notesSlide4.xml><?xml version="1.0" encoding="utf-8"?>
 <p:notes xmlns:a="http://schemas.openxmlformats.org/drawingml/2006/main" xmlns:r="http://schemas.openxmlformats.org/officeDocument/2006/relationships" xmlns:p="http://schemas.openxmlformats.org/presentationml/2006/main">
   <p:cSld>
@@ -5337,7 +5620,7 @@
             <a:fld id="{807CB568-C05F-482F-9F26-AA302B8892DF}" type="datetimeFigureOut">
               <a:rPr lang="es-ES" smtClean="0"/>
               <a:pPr/>
-              <a:t>01/02/2013</a:t>
+              <a:t>02/02/2013</a:t>
             </a:fld>
             <a:endParaRPr lang="es-ES"/>
           </a:p>
@@ -5516,7 +5799,7 @@
             <a:fld id="{807CB568-C05F-482F-9F26-AA302B8892DF}" type="datetimeFigureOut">
               <a:rPr lang="es-ES" smtClean="0"/>
               <a:pPr/>
-              <a:t>01/02/2013</a:t>
+              <a:t>02/02/2013</a:t>
             </a:fld>
             <a:endParaRPr lang="es-ES"/>
           </a:p>
@@ -5705,7 +5988,7 @@
             <a:fld id="{807CB568-C05F-482F-9F26-AA302B8892DF}" type="datetimeFigureOut">
               <a:rPr lang="es-ES" smtClean="0"/>
               <a:pPr/>
-              <a:t>01/02/2013</a:t>
+              <a:t>02/02/2013</a:t>
             </a:fld>
             <a:endParaRPr lang="es-ES"/>
           </a:p>
@@ -5884,7 +6167,7 @@
             <a:fld id="{807CB568-C05F-482F-9F26-AA302B8892DF}" type="datetimeFigureOut">
               <a:rPr lang="es-ES" smtClean="0"/>
               <a:pPr/>
-              <a:t>01/02/2013</a:t>
+              <a:t>02/02/2013</a:t>
             </a:fld>
             <a:endParaRPr lang="es-ES"/>
           </a:p>
@@ -6139,7 +6422,7 @@
             <a:fld id="{807CB568-C05F-482F-9F26-AA302B8892DF}" type="datetimeFigureOut">
               <a:rPr lang="es-ES" smtClean="0"/>
               <a:pPr/>
-              <a:t>01/02/2013</a:t>
+              <a:t>02/02/2013</a:t>
             </a:fld>
             <a:endParaRPr lang="es-ES"/>
           </a:p>
@@ -6436,7 +6719,7 @@
             <a:fld id="{807CB568-C05F-482F-9F26-AA302B8892DF}" type="datetimeFigureOut">
               <a:rPr lang="es-ES" smtClean="0"/>
               <a:pPr/>
-              <a:t>01/02/2013</a:t>
+              <a:t>02/02/2013</a:t>
             </a:fld>
             <a:endParaRPr lang="es-ES"/>
           </a:p>
@@ -6867,7 +7150,7 @@
             <a:fld id="{807CB568-C05F-482F-9F26-AA302B8892DF}" type="datetimeFigureOut">
               <a:rPr lang="es-ES" smtClean="0"/>
               <a:pPr/>
-              <a:t>01/02/2013</a:t>
+              <a:t>02/02/2013</a:t>
             </a:fld>
             <a:endParaRPr lang="es-ES"/>
           </a:p>
@@ -6994,7 +7277,7 @@
             <a:fld id="{807CB568-C05F-482F-9F26-AA302B8892DF}" type="datetimeFigureOut">
               <a:rPr lang="es-ES" smtClean="0"/>
               <a:pPr/>
-              <a:t>01/02/2013</a:t>
+              <a:t>02/02/2013</a:t>
             </a:fld>
             <a:endParaRPr lang="es-ES"/>
           </a:p>
@@ -7098,7 +7381,7 @@
             <a:fld id="{807CB568-C05F-482F-9F26-AA302B8892DF}" type="datetimeFigureOut">
               <a:rPr lang="es-ES" smtClean="0"/>
               <a:pPr/>
-              <a:t>01/02/2013</a:t>
+              <a:t>02/02/2013</a:t>
             </a:fld>
             <a:endParaRPr lang="es-ES"/>
           </a:p>
@@ -7384,7 +7667,7 @@
             <a:fld id="{807CB568-C05F-482F-9F26-AA302B8892DF}" type="datetimeFigureOut">
               <a:rPr lang="es-ES" smtClean="0"/>
               <a:pPr/>
-              <a:t>01/02/2013</a:t>
+              <a:t>02/02/2013</a:t>
             </a:fld>
             <a:endParaRPr lang="es-ES"/>
           </a:p>
@@ -7653,7 +7936,7 @@
             <a:fld id="{807CB568-C05F-482F-9F26-AA302B8892DF}" type="datetimeFigureOut">
               <a:rPr lang="es-ES" smtClean="0"/>
               <a:pPr/>
-              <a:t>01/02/2013</a:t>
+              <a:t>02/02/2013</a:t>
             </a:fld>
             <a:endParaRPr lang="es-ES"/>
           </a:p>
@@ -7904,7 +8187,7 @@
             <a:fld id="{807CB568-C05F-482F-9F26-AA302B8892DF}" type="datetimeFigureOut">
               <a:rPr lang="es-ES" smtClean="0"/>
               <a:pPr/>
-              <a:t>01/02/2013</a:t>
+              <a:t>02/02/2013</a:t>
             </a:fld>
             <a:endParaRPr lang="es-ES"/>
           </a:p>
@@ -9890,8 +10173,8 @@
         </p:nvSpPr>
         <p:spPr>
           <a:xfrm>
-            <a:off x="5104097" y="1631122"/>
-            <a:ext cx="2608215" cy="584775"/>
+            <a:off x="4032589" y="1631122"/>
+            <a:ext cx="4751237" cy="584775"/>
           </a:xfrm>
           <a:prstGeom prst="rect">
             <a:avLst/>
@@ -9914,7 +10197,23 @@
                   <a:srgbClr val="FFC000"/>
                 </a:solidFill>
               </a:rPr>
-              <a:t>¿ Que Probar?</a:t>
+              <a:t>¿ </a:t>
+            </a:r>
+            <a:r>
+              <a:rPr lang="es-PE" sz="3200" b="1" dirty="0" smtClean="0">
+                <a:solidFill>
+                  <a:srgbClr val="FFC000"/>
+                </a:solidFill>
+              </a:rPr>
+              <a:t>Qué nos permite probar</a:t>
+            </a:r>
+            <a:r>
+              <a:rPr lang="es-PE" sz="3200" b="1" dirty="0" smtClean="0">
+                <a:solidFill>
+                  <a:srgbClr val="FFC000"/>
+                </a:solidFill>
+              </a:rPr>
+              <a:t>?</a:t>
             </a:r>
             <a:endParaRPr lang="es-PE" sz="3200" b="1" dirty="0">
               <a:solidFill>
@@ -11614,7 +11913,7 @@
         <p:spPr>
           <a:xfrm>
             <a:off x="323528" y="1711836"/>
-            <a:ext cx="8568952" cy="4493538"/>
+            <a:ext cx="8568952" cy="3293209"/>
           </a:xfrm>
           <a:prstGeom prst="rect">
             <a:avLst/>
@@ -11650,49 +11949,14 @@
             </a:r>
           </a:p>
           <a:p>
+            <a:pPr lvl="1"/>
+            <a:endParaRPr lang="es-PE" sz="2600" dirty="0"/>
+          </a:p>
+          <a:p>
             <a:pPr marL="914400" lvl="1" indent="-457200">
               <a:buFont typeface="Courier New" pitchFamily="49" charset="0"/>
               <a:buChar char="o"/>
             </a:pPr>
-            <a:endParaRPr lang="es-PE" sz="2600" dirty="0" smtClean="0"/>
-          </a:p>
-          <a:p>
-            <a:pPr marL="914400" lvl="1" indent="-457200">
-              <a:buFont typeface="Courier New" pitchFamily="49" charset="0"/>
-              <a:buChar char="o"/>
-            </a:pPr>
-            <a:r>
-              <a:rPr lang="es-PE" sz="2600" dirty="0" smtClean="0"/>
-              <a:t>EF </a:t>
-            </a:r>
-            <a:r>
-              <a:rPr lang="es-PE" sz="2600" dirty="0" err="1" smtClean="0"/>
-              <a:t>Initializers</a:t>
-            </a:r>
-            <a:r>
-              <a:rPr lang="es-PE" sz="2600" dirty="0" smtClean="0"/>
-              <a:t>: Permite recrear toda la BD </a:t>
-            </a:r>
-            <a:br>
-              <a:rPr lang="es-PE" sz="2600" dirty="0" smtClean="0"/>
-            </a:br>
-            <a:r>
-              <a:rPr lang="es-PE" sz="2600" dirty="0" smtClean="0"/>
-              <a:t>(tablas y datos) antes de realizar las inserciones.</a:t>
-            </a:r>
-          </a:p>
-          <a:p>
-            <a:pPr marL="914400" lvl="1" indent="-457200">
-              <a:buFont typeface="Courier New" pitchFamily="49" charset="0"/>
-              <a:buChar char="o"/>
-            </a:pPr>
-            <a:endParaRPr lang="es-PE" sz="2600" dirty="0"/>
-          </a:p>
-          <a:p>
-            <a:pPr marL="914400" lvl="1" indent="-457200">
-              <a:buFont typeface="Courier New" pitchFamily="49" charset="0"/>
-              <a:buChar char="o"/>
-            </a:pPr>
             <a:r>
               <a:rPr lang="es-PE" sz="2600" dirty="0"/>
               <a:t>Los </a:t>
@@ -11703,7 +11967,15 @@
             </a:r>
             <a:r>
               <a:rPr lang="es-PE" sz="2600" dirty="0"/>
-              <a:t> ofrecen la funcionalidad de generar toda la BD (tabas y datos) a partir del modelo de las clases.</a:t>
+              <a:t> ofrecen la funcionalidad de generar toda la BD (</a:t>
+            </a:r>
+            <a:r>
+              <a:rPr lang="es-PE" sz="2600" dirty="0" smtClean="0"/>
+              <a:t>tablas </a:t>
+            </a:r>
+            <a:r>
+              <a:rPr lang="es-PE" sz="2600" dirty="0"/>
+              <a:t>y datos) a partir del modelo de las clases.</a:t>
             </a:r>
           </a:p>
           <a:p>
@@ -11773,31 +12045,332 @@
       </p:grpSpPr>
       <p:sp>
         <p:nvSpPr>
-          <p:cNvPr id="3" name="2 Título"/>
-          <p:cNvSpPr>
-            <a:spLocks noGrp="1"/>
+          <p:cNvPr id="4" name="2 Título"/>
+          <p:cNvSpPr txBox="1">
+            <a:spLocks/>
           </p:cNvSpPr>
-          <p:nvPr>
-            <p:ph type="title"/>
-          </p:nvPr>
-        </p:nvSpPr>
-        <p:spPr>
+          <p:nvPr/>
+        </p:nvSpPr>
+        <p:spPr bwMode="auto">
           <a:xfrm>
-            <a:off x="556805" y="183778"/>
-            <a:ext cx="8229600" cy="724942"/>
+            <a:off x="457200" y="1124744"/>
+            <a:ext cx="8229600" cy="3672408"/>
           </a:xfrm>
+          <a:prstGeom prst="rect">
+            <a:avLst/>
+          </a:prstGeom>
+          <a:noFill/>
+          <a:ln w="9525">
+            <a:noFill/>
+            <a:miter lim="800000"/>
+            <a:headEnd/>
+            <a:tailEnd/>
+          </a:ln>
         </p:spPr>
         <p:txBody>
-          <a:bodyPr/>
-          <a:lstStyle/>
+          <a:bodyPr vert="horz" wrap="square" lIns="91440" tIns="45720" rIns="91440" bIns="45720" numCol="1" anchor="ctr" anchorCtr="0" compatLnSpc="1">
+            <a:prstTxWarp prst="textNoShape">
+              <a:avLst/>
+            </a:prstTxWarp>
+          </a:bodyPr>
+          <a:lstStyle>
+            <a:lvl1pPr algn="ctr" rtl="0" eaLnBrk="1" fontAlgn="base" hangingPunct="1">
+              <a:spcBef>
+                <a:spcPct val="0"/>
+              </a:spcBef>
+              <a:spcAft>
+                <a:spcPct val="0"/>
+              </a:spcAft>
+              <a:defRPr sz="4400" kern="1200">
+                <a:solidFill>
+                  <a:schemeClr val="tx1"/>
+                </a:solidFill>
+                <a:latin typeface="+mj-lt"/>
+                <a:ea typeface="+mj-ea"/>
+                <a:cs typeface="+mj-cs"/>
+              </a:defRPr>
+            </a:lvl1pPr>
+            <a:lvl2pPr algn="ctr" rtl="0" eaLnBrk="1" fontAlgn="base" hangingPunct="1">
+              <a:spcBef>
+                <a:spcPct val="0"/>
+              </a:spcBef>
+              <a:spcAft>
+                <a:spcPct val="0"/>
+              </a:spcAft>
+              <a:defRPr sz="4400">
+                <a:solidFill>
+                  <a:schemeClr val="tx1"/>
+                </a:solidFill>
+                <a:latin typeface="Calibri" pitchFamily="34" charset="0"/>
+              </a:defRPr>
+            </a:lvl2pPr>
+            <a:lvl3pPr algn="ctr" rtl="0" eaLnBrk="1" fontAlgn="base" hangingPunct="1">
+              <a:spcBef>
+                <a:spcPct val="0"/>
+              </a:spcBef>
+              <a:spcAft>
+                <a:spcPct val="0"/>
+              </a:spcAft>
+              <a:defRPr sz="4400">
+                <a:solidFill>
+                  <a:schemeClr val="tx1"/>
+                </a:solidFill>
+                <a:latin typeface="Calibri" pitchFamily="34" charset="0"/>
+              </a:defRPr>
+            </a:lvl3pPr>
+            <a:lvl4pPr algn="ctr" rtl="0" eaLnBrk="1" fontAlgn="base" hangingPunct="1">
+              <a:spcBef>
+                <a:spcPct val="0"/>
+              </a:spcBef>
+              <a:spcAft>
+                <a:spcPct val="0"/>
+              </a:spcAft>
+              <a:defRPr sz="4400">
+                <a:solidFill>
+                  <a:schemeClr val="tx1"/>
+                </a:solidFill>
+                <a:latin typeface="Calibri" pitchFamily="34" charset="0"/>
+              </a:defRPr>
+            </a:lvl4pPr>
+            <a:lvl5pPr algn="ctr" rtl="0" eaLnBrk="1" fontAlgn="base" hangingPunct="1">
+              <a:spcBef>
+                <a:spcPct val="0"/>
+              </a:spcBef>
+              <a:spcAft>
+                <a:spcPct val="0"/>
+              </a:spcAft>
+              <a:defRPr sz="4400">
+                <a:solidFill>
+                  <a:schemeClr val="tx1"/>
+                </a:solidFill>
+                <a:latin typeface="Calibri" pitchFamily="34" charset="0"/>
+              </a:defRPr>
+            </a:lvl5pPr>
+            <a:lvl6pPr marL="457200" algn="ctr" rtl="0" eaLnBrk="1" fontAlgn="base" hangingPunct="1">
+              <a:spcBef>
+                <a:spcPct val="0"/>
+              </a:spcBef>
+              <a:spcAft>
+                <a:spcPct val="0"/>
+              </a:spcAft>
+              <a:defRPr sz="4400">
+                <a:solidFill>
+                  <a:schemeClr val="tx1"/>
+                </a:solidFill>
+                <a:latin typeface="Calibri" pitchFamily="34" charset="0"/>
+              </a:defRPr>
+            </a:lvl6pPr>
+            <a:lvl7pPr marL="914400" algn="ctr" rtl="0" eaLnBrk="1" fontAlgn="base" hangingPunct="1">
+              <a:spcBef>
+                <a:spcPct val="0"/>
+              </a:spcBef>
+              <a:spcAft>
+                <a:spcPct val="0"/>
+              </a:spcAft>
+              <a:defRPr sz="4400">
+                <a:solidFill>
+                  <a:schemeClr val="tx1"/>
+                </a:solidFill>
+                <a:latin typeface="Calibri" pitchFamily="34" charset="0"/>
+              </a:defRPr>
+            </a:lvl7pPr>
+            <a:lvl8pPr marL="1371600" algn="ctr" rtl="0" eaLnBrk="1" fontAlgn="base" hangingPunct="1">
+              <a:spcBef>
+                <a:spcPct val="0"/>
+              </a:spcBef>
+              <a:spcAft>
+                <a:spcPct val="0"/>
+              </a:spcAft>
+              <a:defRPr sz="4400">
+                <a:solidFill>
+                  <a:schemeClr val="tx1"/>
+                </a:solidFill>
+                <a:latin typeface="Calibri" pitchFamily="34" charset="0"/>
+              </a:defRPr>
+            </a:lvl8pPr>
+            <a:lvl9pPr marL="1828800" algn="ctr" rtl="0" eaLnBrk="1" fontAlgn="base" hangingPunct="1">
+              <a:spcBef>
+                <a:spcPct val="0"/>
+              </a:spcBef>
+              <a:spcAft>
+                <a:spcPct val="0"/>
+              </a:spcAft>
+              <a:defRPr sz="4400">
+                <a:solidFill>
+                  <a:schemeClr val="tx1"/>
+                </a:solidFill>
+                <a:latin typeface="Calibri" pitchFamily="34" charset="0"/>
+              </a:defRPr>
+            </a:lvl9pPr>
+          </a:lstStyle>
           <a:p>
             <a:r>
               <a:rPr lang="es-PE" dirty="0" smtClean="0">
                 <a:solidFill>
+                  <a:srgbClr val="FFC000"/>
+                </a:solidFill>
+              </a:rPr>
+              <a:t>Ejercicio</a:t>
+            </a:r>
+            <a:br>
+              <a:rPr lang="es-PE" dirty="0" smtClean="0">
+                <a:solidFill>
+                  <a:srgbClr val="FFC000"/>
+                </a:solidFill>
+              </a:rPr>
+            </a:br>
+            <a:r>
+              <a:rPr lang="es-PE" dirty="0" smtClean="0">
+                <a:solidFill>
                   <a:srgbClr val="00823B"/>
                 </a:solidFill>
               </a:rPr>
-              <a:t>Inicializar el estado de la BD</a:t>
+              <a:t>"</a:t>
+            </a:r>
+            <a:r>
+              <a:rPr lang="es-PE" dirty="0" err="1" smtClean="0">
+                <a:solidFill>
+                  <a:srgbClr val="00823B"/>
+                </a:solidFill>
+              </a:rPr>
+              <a:t>Raw</a:t>
+            </a:r>
+            <a:r>
+              <a:rPr lang="es-PE" dirty="0" smtClean="0">
+                <a:solidFill>
+                  <a:srgbClr val="00823B"/>
+                </a:solidFill>
+              </a:rPr>
+              <a:t>" ADO.NET </a:t>
+            </a:r>
+            <a:r>
+              <a:rPr lang="es-PE" dirty="0" err="1" smtClean="0">
+                <a:solidFill>
+                  <a:srgbClr val="00823B"/>
+                </a:solidFill>
+              </a:rPr>
+              <a:t>Testing</a:t>
+            </a:r>
+            <a:r>
+              <a:rPr lang="es-PE" dirty="0" smtClean="0">
+                <a:solidFill>
+                  <a:srgbClr val="00823B"/>
+                </a:solidFill>
+              </a:rPr>
+              <a:t> </a:t>
+            </a:r>
+            <a:r>
+              <a:rPr lang="es-PE" dirty="0" smtClean="0"/>
+              <a:t/>
+            </a:r>
+            <a:br>
+              <a:rPr lang="es-PE" dirty="0" smtClean="0"/>
+            </a:br>
+            <a:r>
+              <a:rPr lang="es-PE" dirty="0" smtClean="0"/>
+              <a:t>utilizando</a:t>
+            </a:r>
+            <a:r>
+              <a:rPr lang="es-PE" dirty="0" smtClean="0"/>
+              <a:t/>
+            </a:r>
+            <a:br>
+              <a:rPr lang="es-PE" dirty="0" smtClean="0"/>
+            </a:br>
+            <a:r>
+              <a:rPr lang="es-PE" dirty="0" smtClean="0">
+                <a:solidFill>
+                  <a:srgbClr val="00823B"/>
+                </a:solidFill>
+              </a:rPr>
+              <a:t>"</a:t>
+            </a:r>
+            <a:r>
+              <a:rPr lang="es-PE" dirty="0" err="1" smtClean="0">
+                <a:solidFill>
+                  <a:srgbClr val="00823B"/>
+                </a:solidFill>
+              </a:rPr>
+              <a:t>External</a:t>
+            </a:r>
+            <a:r>
+              <a:rPr lang="es-PE" dirty="0" smtClean="0">
+                <a:solidFill>
+                  <a:srgbClr val="00823B"/>
+                </a:solidFill>
+              </a:rPr>
+              <a:t> Data </a:t>
+            </a:r>
+            <a:r>
+              <a:rPr lang="es-PE" dirty="0" err="1" smtClean="0">
+                <a:solidFill>
+                  <a:srgbClr val="00823B"/>
+                </a:solidFill>
+              </a:rPr>
+              <a:t>Source</a:t>
+            </a:r>
+            <a:r>
+              <a:rPr lang="es-PE" dirty="0" smtClean="0">
+                <a:solidFill>
+                  <a:srgbClr val="00823B"/>
+                </a:solidFill>
+              </a:rPr>
+              <a:t>"</a:t>
+            </a:r>
+            <a:r>
+              <a:rPr lang="es-PE" dirty="0" smtClean="0">
+                <a:solidFill>
+                  <a:srgbClr val="00823B"/>
+                </a:solidFill>
+              </a:rPr>
+              <a:t/>
+            </a:r>
+            <a:br>
+              <a:rPr lang="es-PE" dirty="0" smtClean="0">
+                <a:solidFill>
+                  <a:srgbClr val="00823B"/>
+                </a:solidFill>
+              </a:rPr>
+            </a:br>
+            <a:r>
+              <a:rPr lang="es-PE" dirty="0" smtClean="0">
+                <a:solidFill>
+                  <a:srgbClr val="00823B"/>
+                </a:solidFill>
+              </a:rPr>
+              <a:t>"</a:t>
+            </a:r>
+            <a:r>
+              <a:rPr lang="es-PE" dirty="0" err="1" smtClean="0">
+                <a:solidFill>
+                  <a:srgbClr val="00823B"/>
+                </a:solidFill>
+              </a:rPr>
+              <a:t>Nuke</a:t>
+            </a:r>
+            <a:r>
+              <a:rPr lang="es-PE" dirty="0" smtClean="0">
+                <a:solidFill>
+                  <a:srgbClr val="00823B"/>
+                </a:solidFill>
+              </a:rPr>
+              <a:t> and </a:t>
+            </a:r>
+            <a:r>
+              <a:rPr lang="es-PE" dirty="0" err="1" smtClean="0">
+                <a:solidFill>
+                  <a:srgbClr val="00823B"/>
+                </a:solidFill>
+              </a:rPr>
+              <a:t>Pave</a:t>
+            </a:r>
+            <a:r>
+              <a:rPr lang="es-PE" dirty="0" smtClean="0">
+                <a:solidFill>
+                  <a:srgbClr val="00823B"/>
+                </a:solidFill>
+              </a:rPr>
+              <a:t>"</a:t>
             </a:r>
             <a:endParaRPr lang="es-PE" dirty="0">
               <a:solidFill>
@@ -11807,168 +12380,10 @@
           </a:p>
         </p:txBody>
       </p:sp>
-      <p:sp>
-        <p:nvSpPr>
-          <p:cNvPr id="2" name="1 CuadroTexto"/>
-          <p:cNvSpPr txBox="1"/>
-          <p:nvPr/>
-        </p:nvSpPr>
-        <p:spPr>
-          <a:xfrm>
-            <a:off x="323528" y="1006517"/>
-            <a:ext cx="8568952" cy="584775"/>
-          </a:xfrm>
-          <a:prstGeom prst="rect">
-            <a:avLst/>
-          </a:prstGeom>
-          <a:noFill/>
-        </p:spPr>
-        <p:txBody>
-          <a:bodyPr wrap="square" rtlCol="0">
-            <a:spAutoFit/>
-          </a:bodyPr>
-          <a:lstStyle/>
-          <a:p>
-            <a:pPr algn="ctr"/>
-            <a:r>
-              <a:rPr lang="es-PE" sz="3200" b="1" dirty="0" err="1" smtClean="0">
-                <a:solidFill>
-                  <a:srgbClr val="FF0000"/>
-                </a:solidFill>
-              </a:rPr>
-              <a:t>Self-Contained</a:t>
-            </a:r>
-            <a:r>
-              <a:rPr lang="es-PE" sz="3200" b="1" dirty="0" smtClean="0">
-                <a:solidFill>
-                  <a:srgbClr val="FF0000"/>
-                </a:solidFill>
-              </a:rPr>
-              <a:t> </a:t>
-            </a:r>
-            <a:r>
-              <a:rPr lang="es-PE" sz="3200" b="1" dirty="0" err="1" smtClean="0">
-                <a:solidFill>
-                  <a:srgbClr val="FF0000"/>
-                </a:solidFill>
-              </a:rPr>
-              <a:t>Tests</a:t>
-            </a:r>
-            <a:endParaRPr lang="es-PE" sz="3200" b="1" dirty="0" smtClean="0">
-              <a:solidFill>
-                <a:srgbClr val="FF0000"/>
-              </a:solidFill>
-            </a:endParaRPr>
-          </a:p>
-        </p:txBody>
-      </p:sp>
-      <p:sp>
-        <p:nvSpPr>
-          <p:cNvPr id="4" name="3 Rectángulo"/>
-          <p:cNvSpPr/>
-          <p:nvPr/>
-        </p:nvSpPr>
-        <p:spPr>
-          <a:xfrm>
-            <a:off x="323528" y="1662644"/>
-            <a:ext cx="8568952" cy="4093428"/>
-          </a:xfrm>
-          <a:prstGeom prst="rect">
-            <a:avLst/>
-          </a:prstGeom>
-        </p:spPr>
-        <p:txBody>
-          <a:bodyPr wrap="square">
-            <a:spAutoFit/>
-          </a:bodyPr>
-          <a:lstStyle/>
-          <a:p>
-            <a:pPr algn="ctr"/>
-            <a:r>
-              <a:rPr lang="es-PE" sz="2600" dirty="0"/>
-              <a:t>Cada </a:t>
-            </a:r>
-            <a:r>
-              <a:rPr lang="es-PE" sz="2600" dirty="0" smtClean="0"/>
-              <a:t>prueba, </a:t>
-            </a:r>
-            <a:r>
-              <a:rPr lang="es-PE" sz="2600" dirty="0"/>
-              <a:t>por si </a:t>
-            </a:r>
-            <a:r>
-              <a:rPr lang="es-PE" sz="2600" dirty="0" smtClean="0"/>
-              <a:t>misma y de manera interna, inicializa la BD en un estado conocido.</a:t>
-            </a:r>
-            <a:endParaRPr lang="es-PE" sz="2600" dirty="0"/>
-          </a:p>
-          <a:p>
-            <a:endParaRPr lang="es-PE" sz="2600" dirty="0"/>
-          </a:p>
-          <a:p>
-            <a:pPr lvl="1"/>
-            <a:r>
-              <a:rPr lang="es-PE" sz="2600" dirty="0" smtClean="0">
-                <a:solidFill>
-                  <a:srgbClr val="FFC000"/>
-                </a:solidFill>
-              </a:rPr>
-              <a:t>PROS</a:t>
-            </a:r>
-          </a:p>
-          <a:p>
-            <a:pPr marL="800100" lvl="1" indent="-342900">
-              <a:buFont typeface="Courier New" pitchFamily="49" charset="0"/>
-              <a:buChar char="o"/>
-            </a:pPr>
-            <a:r>
-              <a:rPr lang="es-PE" sz="2600" dirty="0" smtClean="0"/>
-              <a:t>Menor </a:t>
-            </a:r>
-            <a:r>
-              <a:rPr lang="es-PE" sz="2600" dirty="0"/>
-              <a:t>impacto en el tiempo de ejecución de las pruebas en comparación a las otras estrategias </a:t>
-            </a:r>
-            <a:endParaRPr lang="es-PE" sz="2600" dirty="0" smtClean="0"/>
-          </a:p>
-          <a:p>
-            <a:pPr marL="800100" lvl="1" indent="-342900">
-              <a:buFont typeface="Courier New" pitchFamily="49" charset="0"/>
-              <a:buChar char="o"/>
-            </a:pPr>
-            <a:endParaRPr lang="es-PE" sz="2600" dirty="0"/>
-          </a:p>
-          <a:p>
-            <a:pPr lvl="1"/>
-            <a:r>
-              <a:rPr lang="es-PE" sz="2600" dirty="0" smtClean="0">
-                <a:solidFill>
-                  <a:srgbClr val="FFC000"/>
-                </a:solidFill>
-              </a:rPr>
-              <a:t>CONS</a:t>
-            </a:r>
-          </a:p>
-          <a:p>
-            <a:pPr marL="800100" lvl="1" indent="-342900">
-              <a:buFont typeface="Courier New" pitchFamily="49" charset="0"/>
-              <a:buChar char="o"/>
-            </a:pPr>
-            <a:r>
-              <a:rPr lang="es-PE" sz="2600" dirty="0" smtClean="0"/>
-              <a:t>Un poco difícil de utilizar sin un ORM.</a:t>
-            </a:r>
-          </a:p>
-          <a:p>
-            <a:pPr lvl="1"/>
-            <a:endParaRPr lang="es-PE" sz="2600" dirty="0" smtClean="0"/>
-          </a:p>
-        </p:txBody>
-      </p:sp>
     </p:spTree>
     <p:extLst>
       <p:ext uri="{BB962C8B-B14F-4D97-AF65-F5344CB8AC3E}">
-        <p14:creationId xmlns:p14="http://schemas.microsoft.com/office/powerpoint/2010/main" val="1057799750"/>
+        <p14:creationId xmlns:p14="http://schemas.microsoft.com/office/powerpoint/2010/main" val="3952853575"/>
       </p:ext>
     </p:extLst>
   </p:cSld>
@@ -12028,7 +12443,7 @@
                   <a:srgbClr val="00823B"/>
                 </a:solidFill>
               </a:rPr>
-              <a:t>Restablecer el estado de la BD</a:t>
+              <a:t>Inicializar el estado de la BD</a:t>
             </a:r>
             <a:endParaRPr lang="es-PE" dirty="0">
               <a:solidFill>
@@ -12067,7 +12482,7 @@
                   <a:srgbClr val="FF0000"/>
                 </a:solidFill>
               </a:rPr>
-              <a:t>Transaction</a:t>
+              <a:t>Self-Contained</a:t>
             </a:r>
             <a:r>
               <a:rPr lang="es-PE" sz="3200" b="1" dirty="0" smtClean="0">
@@ -12075,7 +12490,7 @@
                   <a:srgbClr val="FF0000"/>
                 </a:solidFill>
               </a:rPr>
-              <a:t> - </a:t>
+              <a:t> </a:t>
             </a:r>
             <a:r>
               <a:rPr lang="es-PE" sz="3200" b="1" dirty="0" err="1" smtClean="0">
@@ -12083,7 +12498,7 @@
                   <a:srgbClr val="FF0000"/>
                 </a:solidFill>
               </a:rPr>
-              <a:t>Rollback</a:t>
+              <a:t>Tests</a:t>
             </a:r>
             <a:endParaRPr lang="es-PE" sz="3200" b="1" dirty="0" smtClean="0">
               <a:solidFill>
@@ -12101,8 +12516,8 @@
         </p:nvSpPr>
         <p:spPr>
           <a:xfrm>
-            <a:off x="492356" y="2784410"/>
-            <a:ext cx="8208000" cy="3693319"/>
+            <a:off x="323528" y="1662644"/>
+            <a:ext cx="8568952" cy="4093428"/>
           </a:xfrm>
           <a:prstGeom prst="rect">
             <a:avLst/>
@@ -12114,6 +12529,30 @@
           </a:bodyPr>
           <a:lstStyle/>
           <a:p>
+            <a:pPr algn="ctr"/>
+            <a:r>
+              <a:rPr lang="es-PE" sz="2600" dirty="0"/>
+              <a:t>Cada </a:t>
+            </a:r>
+            <a:r>
+              <a:rPr lang="es-PE" sz="2600" dirty="0" smtClean="0"/>
+              <a:t>prueba, </a:t>
+            </a:r>
+            <a:r>
+              <a:rPr lang="es-PE" sz="2600" dirty="0"/>
+              <a:t>por si </a:t>
+            </a:r>
+            <a:r>
+              <a:rPr lang="es-PE" sz="2600" dirty="0" smtClean="0"/>
+              <a:t>misma y de manera interna, inicializa la BD en un estado conocido.</a:t>
+            </a:r>
+            <a:endParaRPr lang="es-PE" sz="2600" dirty="0"/>
+          </a:p>
+          <a:p>
+            <a:endParaRPr lang="es-PE" sz="2600" dirty="0"/>
+          </a:p>
+          <a:p>
+            <a:pPr lvl="1"/>
             <a:r>
               <a:rPr lang="es-PE" sz="2600" dirty="0" smtClean="0">
                 <a:solidFill>
@@ -12124,30 +12563,29 @@
             </a:r>
           </a:p>
           <a:p>
-            <a:pPr marL="342900" indent="-342900">
+            <a:pPr marL="800100" lvl="1" indent="-342900">
               <a:buFont typeface="Courier New" pitchFamily="49" charset="0"/>
               <a:buChar char="o"/>
             </a:pPr>
             <a:r>
               <a:rPr lang="es-PE" sz="2600" dirty="0" smtClean="0"/>
-              <a:t>Usualmente fácil de implementar.</a:t>
-            </a:r>
-            <a:endParaRPr lang="es-PE" sz="2600" dirty="0"/>
-          </a:p>
-          <a:p>
-            <a:pPr marL="342900" indent="-342900">
+              <a:t>Menor </a:t>
+            </a:r>
+            <a:r>
+              <a:rPr lang="es-PE" sz="2600" dirty="0"/>
+              <a:t>impacto en el tiempo de ejecución de las pruebas en comparación a las otras estrategias </a:t>
+            </a:r>
+            <a:endParaRPr lang="es-PE" sz="2600" dirty="0" smtClean="0"/>
+          </a:p>
+          <a:p>
+            <a:pPr marL="800100" lvl="1" indent="-342900">
               <a:buFont typeface="Courier New" pitchFamily="49" charset="0"/>
               <a:buChar char="o"/>
             </a:pPr>
-            <a:r>
-              <a:rPr lang="es-PE" sz="2600" dirty="0" smtClean="0"/>
-              <a:t>Poco impacto en el tiempo de ejecución de las pruebas.</a:t>
-            </a:r>
-          </a:p>
-          <a:p>
             <a:endParaRPr lang="es-PE" sz="2600" dirty="0"/>
           </a:p>
           <a:p>
+            <a:pPr lvl="1"/>
             <a:r>
               <a:rPr lang="es-PE" sz="2600" dirty="0" smtClean="0">
                 <a:solidFill>
@@ -12158,86 +12596,25 @@
             </a:r>
           </a:p>
           <a:p>
-            <a:pPr marL="342900" indent="-342900">
+            <a:pPr marL="800100" lvl="1" indent="-342900">
               <a:buFont typeface="Courier New" pitchFamily="49" charset="0"/>
               <a:buChar char="o"/>
             </a:pPr>
             <a:r>
               <a:rPr lang="es-PE" sz="2600" dirty="0" smtClean="0"/>
-              <a:t>No siempre se puede utilizar. </a:t>
-            </a:r>
-            <a:br>
-              <a:rPr lang="es-PE" sz="2600" dirty="0" smtClean="0"/>
-            </a:br>
-            <a:r>
-              <a:rPr lang="es-PE" sz="2600" dirty="0" err="1" smtClean="0"/>
-              <a:t>Ejm</a:t>
-            </a:r>
-            <a:r>
-              <a:rPr lang="es-PE" sz="2600" dirty="0" smtClean="0"/>
-              <a:t>: Web </a:t>
-            </a:r>
-            <a:r>
-              <a:rPr lang="es-PE" sz="2600" dirty="0" err="1" smtClean="0"/>
-              <a:t>Testing</a:t>
-            </a:r>
-            <a:r>
-              <a:rPr lang="es-PE" sz="2600" dirty="0" smtClean="0"/>
-              <a:t> ( El test inicializa un proceso diferente que se ejecuta en el navegador, por lo tanto el </a:t>
-            </a:r>
-            <a:r>
-              <a:rPr lang="es-PE" sz="2600" dirty="0" err="1" smtClean="0"/>
-              <a:t>rollback</a:t>
-            </a:r>
-            <a:r>
-              <a:rPr lang="es-PE" sz="2600" dirty="0" smtClean="0"/>
-              <a:t> de la prueba no afecta a lo alterado por el navegador)</a:t>
-            </a:r>
-          </a:p>
-        </p:txBody>
-      </p:sp>
-      <p:sp>
-        <p:nvSpPr>
-          <p:cNvPr id="6" name="5 Rectángulo"/>
-          <p:cNvSpPr/>
-          <p:nvPr/>
-        </p:nvSpPr>
-        <p:spPr>
-          <a:xfrm>
-            <a:off x="323528" y="1682101"/>
-            <a:ext cx="8568000" cy="892552"/>
-          </a:xfrm>
-          <a:prstGeom prst="rect">
-            <a:avLst/>
-          </a:prstGeom>
-        </p:spPr>
-        <p:txBody>
-          <a:bodyPr wrap="square">
-            <a:spAutoFit/>
-          </a:bodyPr>
-          <a:lstStyle/>
-          <a:p>
-            <a:pPr algn="ctr"/>
-            <a:r>
-              <a:rPr lang="es-PE" sz="2600" dirty="0" smtClean="0"/>
-              <a:t>Realizar cada prueba dentro de una transacción y al finalizar su ejecución realizar un </a:t>
-            </a:r>
-            <a:r>
-              <a:rPr lang="es-PE" sz="2600" dirty="0" err="1" smtClean="0"/>
-              <a:t>rollback</a:t>
-            </a:r>
-            <a:r>
-              <a:rPr lang="es-PE" sz="2600" dirty="0" smtClean="0"/>
-              <a:t> para desechar los cambios.</a:t>
-            </a:r>
-            <a:endParaRPr lang="es-PE" sz="2600" dirty="0"/>
+              <a:t>Un poco difícil de utilizar sin un ORM.</a:t>
+            </a:r>
+          </a:p>
+          <a:p>
+            <a:pPr lvl="1"/>
+            <a:endParaRPr lang="es-PE" sz="2600" dirty="0" smtClean="0"/>
           </a:p>
         </p:txBody>
       </p:sp>
     </p:spTree>
     <p:extLst>
       <p:ext uri="{BB962C8B-B14F-4D97-AF65-F5344CB8AC3E}">
-        <p14:creationId xmlns:p14="http://schemas.microsoft.com/office/powerpoint/2010/main" val="3989018668"/>
+        <p14:creationId xmlns:p14="http://schemas.microsoft.com/office/powerpoint/2010/main" val="1057799750"/>
       </p:ext>
     </p:extLst>
   </p:cSld>
@@ -12586,333 +12963,240 @@
       </p:grpSpPr>
       <p:sp>
         <p:nvSpPr>
-          <p:cNvPr id="4" name="2 Título"/>
-          <p:cNvSpPr txBox="1">
-            <a:spLocks/>
+          <p:cNvPr id="3" name="2 Título"/>
+          <p:cNvSpPr>
+            <a:spLocks noGrp="1"/>
           </p:cNvSpPr>
+          <p:nvPr>
+            <p:ph type="title"/>
+          </p:nvPr>
+        </p:nvSpPr>
+        <p:spPr>
+          <a:xfrm>
+            <a:off x="556805" y="183778"/>
+            <a:ext cx="8229600" cy="724942"/>
+          </a:xfrm>
+        </p:spPr>
+        <p:txBody>
+          <a:bodyPr/>
+          <a:lstStyle/>
+          <a:p>
+            <a:r>
+              <a:rPr lang="es-PE" dirty="0" smtClean="0">
+                <a:solidFill>
+                  <a:srgbClr val="00823B"/>
+                </a:solidFill>
+              </a:rPr>
+              <a:t>Restablecer el estado de la BD</a:t>
+            </a:r>
+            <a:endParaRPr lang="es-PE" dirty="0">
+              <a:solidFill>
+                <a:srgbClr val="00823B"/>
+              </a:solidFill>
+            </a:endParaRPr>
+          </a:p>
+        </p:txBody>
+      </p:sp>
+      <p:sp>
+        <p:nvSpPr>
+          <p:cNvPr id="2" name="1 CuadroTexto"/>
+          <p:cNvSpPr txBox="1"/>
           <p:nvPr/>
         </p:nvSpPr>
-        <p:spPr bwMode="auto">
+        <p:spPr>
           <a:xfrm>
-            <a:off x="457200" y="1124744"/>
-            <a:ext cx="8229600" cy="3672408"/>
+            <a:off x="323528" y="1006517"/>
+            <a:ext cx="8568952" cy="584775"/>
           </a:xfrm>
           <a:prstGeom prst="rect">
             <a:avLst/>
           </a:prstGeom>
           <a:noFill/>
-          <a:ln w="9525">
-            <a:noFill/>
-            <a:miter lim="800000"/>
-            <a:headEnd/>
-            <a:tailEnd/>
-          </a:ln>
         </p:spPr>
         <p:txBody>
-          <a:bodyPr vert="horz" wrap="square" lIns="91440" tIns="45720" rIns="91440" bIns="45720" numCol="1" anchor="ctr" anchorCtr="0" compatLnSpc="1">
-            <a:prstTxWarp prst="textNoShape">
-              <a:avLst/>
-            </a:prstTxWarp>
+          <a:bodyPr wrap="square" rtlCol="0">
+            <a:spAutoFit/>
           </a:bodyPr>
-          <a:lstStyle>
-            <a:lvl1pPr algn="ctr" rtl="0" eaLnBrk="1" fontAlgn="base" hangingPunct="1">
-              <a:spcBef>
-                <a:spcPct val="0"/>
-              </a:spcBef>
-              <a:spcAft>
-                <a:spcPct val="0"/>
-              </a:spcAft>
-              <a:defRPr sz="4400" kern="1200">
-                <a:solidFill>
-                  <a:schemeClr val="tx1"/>
-                </a:solidFill>
-                <a:latin typeface="+mj-lt"/>
-                <a:ea typeface="+mj-ea"/>
-                <a:cs typeface="+mj-cs"/>
-              </a:defRPr>
-            </a:lvl1pPr>
-            <a:lvl2pPr algn="ctr" rtl="0" eaLnBrk="1" fontAlgn="base" hangingPunct="1">
-              <a:spcBef>
-                <a:spcPct val="0"/>
-              </a:spcBef>
-              <a:spcAft>
-                <a:spcPct val="0"/>
-              </a:spcAft>
-              <a:defRPr sz="4400">
-                <a:solidFill>
-                  <a:schemeClr val="tx1"/>
-                </a:solidFill>
-                <a:latin typeface="Calibri" pitchFamily="34" charset="0"/>
-              </a:defRPr>
-            </a:lvl2pPr>
-            <a:lvl3pPr algn="ctr" rtl="0" eaLnBrk="1" fontAlgn="base" hangingPunct="1">
-              <a:spcBef>
-                <a:spcPct val="0"/>
-              </a:spcBef>
-              <a:spcAft>
-                <a:spcPct val="0"/>
-              </a:spcAft>
-              <a:defRPr sz="4400">
-                <a:solidFill>
-                  <a:schemeClr val="tx1"/>
-                </a:solidFill>
-                <a:latin typeface="Calibri" pitchFamily="34" charset="0"/>
-              </a:defRPr>
-            </a:lvl3pPr>
-            <a:lvl4pPr algn="ctr" rtl="0" eaLnBrk="1" fontAlgn="base" hangingPunct="1">
-              <a:spcBef>
-                <a:spcPct val="0"/>
-              </a:spcBef>
-              <a:spcAft>
-                <a:spcPct val="0"/>
-              </a:spcAft>
-              <a:defRPr sz="4400">
-                <a:solidFill>
-                  <a:schemeClr val="tx1"/>
-                </a:solidFill>
-                <a:latin typeface="Calibri" pitchFamily="34" charset="0"/>
-              </a:defRPr>
-            </a:lvl4pPr>
-            <a:lvl5pPr algn="ctr" rtl="0" eaLnBrk="1" fontAlgn="base" hangingPunct="1">
-              <a:spcBef>
-                <a:spcPct val="0"/>
-              </a:spcBef>
-              <a:spcAft>
-                <a:spcPct val="0"/>
-              </a:spcAft>
-              <a:defRPr sz="4400">
-                <a:solidFill>
-                  <a:schemeClr val="tx1"/>
-                </a:solidFill>
-                <a:latin typeface="Calibri" pitchFamily="34" charset="0"/>
-              </a:defRPr>
-            </a:lvl5pPr>
-            <a:lvl6pPr marL="457200" algn="ctr" rtl="0" eaLnBrk="1" fontAlgn="base" hangingPunct="1">
-              <a:spcBef>
-                <a:spcPct val="0"/>
-              </a:spcBef>
-              <a:spcAft>
-                <a:spcPct val="0"/>
-              </a:spcAft>
-              <a:defRPr sz="4400">
-                <a:solidFill>
-                  <a:schemeClr val="tx1"/>
-                </a:solidFill>
-                <a:latin typeface="Calibri" pitchFamily="34" charset="0"/>
-              </a:defRPr>
-            </a:lvl6pPr>
-            <a:lvl7pPr marL="914400" algn="ctr" rtl="0" eaLnBrk="1" fontAlgn="base" hangingPunct="1">
-              <a:spcBef>
-                <a:spcPct val="0"/>
-              </a:spcBef>
-              <a:spcAft>
-                <a:spcPct val="0"/>
-              </a:spcAft>
-              <a:defRPr sz="4400">
-                <a:solidFill>
-                  <a:schemeClr val="tx1"/>
-                </a:solidFill>
-                <a:latin typeface="Calibri" pitchFamily="34" charset="0"/>
-              </a:defRPr>
-            </a:lvl7pPr>
-            <a:lvl8pPr marL="1371600" algn="ctr" rtl="0" eaLnBrk="1" fontAlgn="base" hangingPunct="1">
-              <a:spcBef>
-                <a:spcPct val="0"/>
-              </a:spcBef>
-              <a:spcAft>
-                <a:spcPct val="0"/>
-              </a:spcAft>
-              <a:defRPr sz="4400">
-                <a:solidFill>
-                  <a:schemeClr val="tx1"/>
-                </a:solidFill>
-                <a:latin typeface="Calibri" pitchFamily="34" charset="0"/>
-              </a:defRPr>
-            </a:lvl8pPr>
-            <a:lvl9pPr marL="1828800" algn="ctr" rtl="0" eaLnBrk="1" fontAlgn="base" hangingPunct="1">
-              <a:spcBef>
-                <a:spcPct val="0"/>
-              </a:spcBef>
-              <a:spcAft>
-                <a:spcPct val="0"/>
-              </a:spcAft>
-              <a:defRPr sz="4400">
-                <a:solidFill>
-                  <a:schemeClr val="tx1"/>
-                </a:solidFill>
-                <a:latin typeface="Calibri" pitchFamily="34" charset="0"/>
-              </a:defRPr>
-            </a:lvl9pPr>
-          </a:lstStyle>
-          <a:p>
-            <a:r>
-              <a:rPr lang="es-PE" dirty="0" smtClean="0">
-                <a:solidFill>
-                  <a:srgbClr val="FFC000"/>
-                </a:solidFill>
-              </a:rPr>
-              <a:t>Ejercicio</a:t>
-            </a:r>
-            <a:br>
-              <a:rPr lang="es-PE" dirty="0" smtClean="0">
-                <a:solidFill>
-                  <a:srgbClr val="FFC000"/>
-                </a:solidFill>
-              </a:rPr>
-            </a:br>
-            <a:r>
-              <a:rPr lang="es-PE" dirty="0" smtClean="0">
-                <a:solidFill>
-                  <a:srgbClr val="00823B"/>
-                </a:solidFill>
-              </a:rPr>
-              <a:t>"</a:t>
-            </a:r>
-            <a:r>
-              <a:rPr lang="es-PE" dirty="0" err="1" smtClean="0">
-                <a:solidFill>
-                  <a:srgbClr val="00823B"/>
-                </a:solidFill>
-              </a:rPr>
-              <a:t>Raw</a:t>
-            </a:r>
-            <a:r>
-              <a:rPr lang="es-PE" dirty="0" smtClean="0">
-                <a:solidFill>
-                  <a:srgbClr val="00823B"/>
-                </a:solidFill>
-              </a:rPr>
-              <a:t>" ADO.NET </a:t>
-            </a:r>
-            <a:r>
-              <a:rPr lang="es-PE" dirty="0" err="1" smtClean="0">
-                <a:solidFill>
-                  <a:srgbClr val="00823B"/>
-                </a:solidFill>
-              </a:rPr>
-              <a:t>Testing</a:t>
-            </a:r>
-            <a:r>
-              <a:rPr lang="es-PE" dirty="0" smtClean="0">
-                <a:solidFill>
-                  <a:srgbClr val="00823B"/>
-                </a:solidFill>
-              </a:rPr>
-              <a:t> </a:t>
-            </a:r>
-            <a:r>
-              <a:rPr lang="es-PE" dirty="0" smtClean="0"/>
-              <a:t/>
-            </a:r>
-            <a:br>
-              <a:rPr lang="es-PE" dirty="0" smtClean="0"/>
-            </a:br>
-            <a:r>
-              <a:rPr lang="es-PE" dirty="0" smtClean="0"/>
-              <a:t>utilizando</a:t>
-            </a:r>
-            <a:br>
-              <a:rPr lang="es-PE" dirty="0" smtClean="0"/>
-            </a:br>
-            <a:r>
-              <a:rPr lang="es-PE" dirty="0" smtClean="0">
-                <a:solidFill>
-                  <a:srgbClr val="00823B"/>
-                </a:solidFill>
-              </a:rPr>
-              <a:t>"</a:t>
-            </a:r>
-            <a:r>
-              <a:rPr lang="es-PE" dirty="0" err="1" smtClean="0">
-                <a:solidFill>
-                  <a:srgbClr val="00823B"/>
-                </a:solidFill>
-              </a:rPr>
-              <a:t>External</a:t>
-            </a:r>
-            <a:r>
-              <a:rPr lang="es-PE" dirty="0" smtClean="0">
-                <a:solidFill>
-                  <a:srgbClr val="00823B"/>
-                </a:solidFill>
-              </a:rPr>
-              <a:t> Data </a:t>
-            </a:r>
-            <a:r>
-              <a:rPr lang="es-PE" dirty="0" err="1" smtClean="0">
-                <a:solidFill>
-                  <a:srgbClr val="00823B"/>
-                </a:solidFill>
-              </a:rPr>
-              <a:t>Source</a:t>
-            </a:r>
-            <a:r>
-              <a:rPr lang="es-PE" dirty="0" smtClean="0">
-                <a:solidFill>
-                  <a:srgbClr val="00823B"/>
-                </a:solidFill>
-              </a:rPr>
-              <a:t>"</a:t>
-            </a:r>
-            <a:br>
-              <a:rPr lang="es-PE" dirty="0" smtClean="0">
-                <a:solidFill>
-                  <a:srgbClr val="00823B"/>
-                </a:solidFill>
-              </a:rPr>
-            </a:br>
-            <a:r>
-              <a:rPr lang="es-PE" dirty="0" smtClean="0">
-                <a:solidFill>
-                  <a:srgbClr val="00823B"/>
-                </a:solidFill>
-              </a:rPr>
-              <a:t>"</a:t>
-            </a:r>
-            <a:r>
-              <a:rPr lang="es-PE" dirty="0" err="1" smtClean="0">
-                <a:solidFill>
-                  <a:srgbClr val="00823B"/>
-                </a:solidFill>
-              </a:rPr>
-              <a:t>Nuke</a:t>
-            </a:r>
-            <a:r>
-              <a:rPr lang="es-PE" dirty="0" smtClean="0">
-                <a:solidFill>
-                  <a:srgbClr val="00823B"/>
-                </a:solidFill>
-              </a:rPr>
-              <a:t> and </a:t>
-            </a:r>
-            <a:r>
-              <a:rPr lang="es-PE" dirty="0" err="1" smtClean="0">
-                <a:solidFill>
-                  <a:srgbClr val="00823B"/>
-                </a:solidFill>
-              </a:rPr>
-              <a:t>Pave</a:t>
-            </a:r>
-            <a:r>
-              <a:rPr lang="es-PE" dirty="0" smtClean="0">
-                <a:solidFill>
-                  <a:srgbClr val="00823B"/>
-                </a:solidFill>
-              </a:rPr>
-              <a:t>"</a:t>
-            </a:r>
-            <a:endParaRPr lang="es-PE" dirty="0">
+          <a:lstStyle/>
+          <a:p>
+            <a:pPr algn="ctr"/>
+            <a:r>
+              <a:rPr lang="es-PE" sz="3200" b="1" dirty="0" err="1" smtClean="0">
+                <a:solidFill>
+                  <a:srgbClr val="FF0000"/>
+                </a:solidFill>
+              </a:rPr>
+              <a:t>Transaction</a:t>
+            </a:r>
+            <a:r>
+              <a:rPr lang="es-PE" sz="3200" b="1" dirty="0" smtClean="0">
+                <a:solidFill>
+                  <a:srgbClr val="FF0000"/>
+                </a:solidFill>
+              </a:rPr>
+              <a:t> - </a:t>
+            </a:r>
+            <a:r>
+              <a:rPr lang="es-PE" sz="3200" b="1" dirty="0" err="1" smtClean="0">
+                <a:solidFill>
+                  <a:srgbClr val="FF0000"/>
+                </a:solidFill>
+              </a:rPr>
+              <a:t>Rollback</a:t>
+            </a:r>
+            <a:endParaRPr lang="es-PE" sz="3200" b="1" dirty="0" smtClean="0">
               <a:solidFill>
-                <a:srgbClr val="00823B"/>
+                <a:srgbClr val="FF0000"/>
               </a:solidFill>
             </a:endParaRPr>
+          </a:p>
+        </p:txBody>
+      </p:sp>
+      <p:sp>
+        <p:nvSpPr>
+          <p:cNvPr id="4" name="3 Rectángulo"/>
+          <p:cNvSpPr/>
+          <p:nvPr/>
+        </p:nvSpPr>
+        <p:spPr>
+          <a:xfrm>
+            <a:off x="492356" y="2784410"/>
+            <a:ext cx="8208000" cy="3693319"/>
+          </a:xfrm>
+          <a:prstGeom prst="rect">
+            <a:avLst/>
+          </a:prstGeom>
+        </p:spPr>
+        <p:txBody>
+          <a:bodyPr wrap="square">
+            <a:spAutoFit/>
+          </a:bodyPr>
+          <a:lstStyle/>
+          <a:p>
+            <a:r>
+              <a:rPr lang="es-PE" sz="2600" dirty="0" smtClean="0">
+                <a:solidFill>
+                  <a:srgbClr val="FFC000"/>
+                </a:solidFill>
+              </a:rPr>
+              <a:t>PROS</a:t>
+            </a:r>
+          </a:p>
+          <a:p>
+            <a:pPr marL="342900" indent="-342900">
+              <a:buFont typeface="Courier New" pitchFamily="49" charset="0"/>
+              <a:buChar char="o"/>
+            </a:pPr>
+            <a:r>
+              <a:rPr lang="es-PE" sz="2600" dirty="0" smtClean="0"/>
+              <a:t>Usualmente fácil de implementar.</a:t>
+            </a:r>
+            <a:endParaRPr lang="es-PE" sz="2600" dirty="0"/>
+          </a:p>
+          <a:p>
+            <a:pPr marL="342900" indent="-342900">
+              <a:buFont typeface="Courier New" pitchFamily="49" charset="0"/>
+              <a:buChar char="o"/>
+            </a:pPr>
+            <a:r>
+              <a:rPr lang="es-PE" sz="2600" dirty="0" smtClean="0"/>
+              <a:t>Poco impacto en el tiempo de ejecución de las pruebas.</a:t>
+            </a:r>
+          </a:p>
+          <a:p>
+            <a:endParaRPr lang="es-PE" sz="2600" dirty="0"/>
+          </a:p>
+          <a:p>
+            <a:r>
+              <a:rPr lang="es-PE" sz="2600" dirty="0" smtClean="0">
+                <a:solidFill>
+                  <a:srgbClr val="FFC000"/>
+                </a:solidFill>
+              </a:rPr>
+              <a:t>CONS</a:t>
+            </a:r>
+          </a:p>
+          <a:p>
+            <a:pPr marL="342900" indent="-342900">
+              <a:buFont typeface="Courier New" pitchFamily="49" charset="0"/>
+              <a:buChar char="o"/>
+            </a:pPr>
+            <a:r>
+              <a:rPr lang="es-PE" sz="2600" dirty="0" smtClean="0"/>
+              <a:t>No siempre se puede utilizar. </a:t>
+            </a:r>
+            <a:br>
+              <a:rPr lang="es-PE" sz="2600" dirty="0" smtClean="0"/>
+            </a:br>
+            <a:r>
+              <a:rPr lang="es-PE" sz="2600" dirty="0" err="1" smtClean="0"/>
+              <a:t>Ejm</a:t>
+            </a:r>
+            <a:r>
+              <a:rPr lang="es-PE" sz="2600" dirty="0" smtClean="0"/>
+              <a:t>: Web </a:t>
+            </a:r>
+            <a:r>
+              <a:rPr lang="es-PE" sz="2600" dirty="0" err="1" smtClean="0"/>
+              <a:t>Testing</a:t>
+            </a:r>
+            <a:r>
+              <a:rPr lang="es-PE" sz="2600" dirty="0" smtClean="0"/>
+              <a:t> ( El test inicializa un proceso diferente que se ejecuta en el navegador, por lo tanto el </a:t>
+            </a:r>
+            <a:r>
+              <a:rPr lang="es-PE" sz="2600" dirty="0" err="1" smtClean="0"/>
+              <a:t>rollback</a:t>
+            </a:r>
+            <a:r>
+              <a:rPr lang="es-PE" sz="2600" dirty="0" smtClean="0"/>
+              <a:t> de la prueba no afecta a lo alterado por el navegador)</a:t>
+            </a:r>
+          </a:p>
+        </p:txBody>
+      </p:sp>
+      <p:sp>
+        <p:nvSpPr>
+          <p:cNvPr id="6" name="5 Rectángulo"/>
+          <p:cNvSpPr/>
+          <p:nvPr/>
+        </p:nvSpPr>
+        <p:spPr>
+          <a:xfrm>
+            <a:off x="323528" y="1682101"/>
+            <a:ext cx="8568000" cy="892552"/>
+          </a:xfrm>
+          <a:prstGeom prst="rect">
+            <a:avLst/>
+          </a:prstGeom>
+        </p:spPr>
+        <p:txBody>
+          <a:bodyPr wrap="square">
+            <a:spAutoFit/>
+          </a:bodyPr>
+          <a:lstStyle/>
+          <a:p>
+            <a:pPr algn="ctr"/>
+            <a:r>
+              <a:rPr lang="es-PE" sz="2600" dirty="0" smtClean="0"/>
+              <a:t>Realizar cada prueba dentro de una transacción y al finalizar su ejecución realizar un </a:t>
+            </a:r>
+            <a:r>
+              <a:rPr lang="es-PE" sz="2600" dirty="0" err="1" smtClean="0"/>
+              <a:t>rollback</a:t>
+            </a:r>
+            <a:r>
+              <a:rPr lang="es-PE" sz="2600" dirty="0" smtClean="0"/>
+              <a:t> para desechar los cambios.</a:t>
+            </a:r>
+            <a:endParaRPr lang="es-PE" sz="2600" dirty="0"/>
           </a:p>
         </p:txBody>
       </p:sp>
     </p:spTree>
     <p:extLst>
       <p:ext uri="{BB962C8B-B14F-4D97-AF65-F5344CB8AC3E}">
-        <p14:creationId xmlns:p14="http://schemas.microsoft.com/office/powerpoint/2010/main" val="3240687454"/>
+        <p14:creationId xmlns:p14="http://schemas.microsoft.com/office/powerpoint/2010/main" val="3989018668"/>
       </p:ext>
     </p:extLst>
   </p:cSld>
@@ -13123,36 +13407,36 @@
               </a:rPr>
             </a:br>
             <a:r>
-              <a:rPr lang="es-PE" dirty="0" err="1" smtClean="0">
+              <a:rPr lang="es-PE" dirty="0">
                 <a:solidFill>
                   <a:srgbClr val="00823B"/>
                 </a:solidFill>
               </a:rPr>
-              <a:t>Entity</a:t>
-            </a:r>
-            <a:r>
-              <a:rPr lang="es-PE" dirty="0" smtClean="0">
+              <a:t>"</a:t>
+            </a:r>
+            <a:r>
+              <a:rPr lang="es-PE" dirty="0" err="1">
                 <a:solidFill>
                   <a:srgbClr val="00823B"/>
                 </a:solidFill>
               </a:rPr>
-              <a:t> Framework </a:t>
-            </a:r>
-            <a:r>
-              <a:rPr lang="es-PE" dirty="0" err="1" smtClean="0">
+              <a:t>Raw</a:t>
+            </a:r>
+            <a:r>
+              <a:rPr lang="es-PE" dirty="0">
                 <a:solidFill>
                   <a:srgbClr val="00823B"/>
                 </a:solidFill>
               </a:rPr>
+              <a:t>" ADO.NET </a:t>
+            </a:r>
+            <a:r>
+              <a:rPr lang="es-PE" dirty="0" err="1">
+                <a:solidFill>
+                  <a:srgbClr val="00823B"/>
+                </a:solidFill>
+              </a:rPr>
               <a:t>Testing</a:t>
-            </a:r>
-            <a:r>
-              <a:rPr lang="es-PE" dirty="0" smtClean="0">
-                <a:solidFill>
-                  <a:srgbClr val="00823B"/>
-                </a:solidFill>
-              </a:rPr>
-              <a:t> </a:t>
             </a:r>
             <a:r>
               <a:rPr lang="es-PE" dirty="0" smtClean="0"/>
@@ -13182,7 +13466,7 @@
                   <a:srgbClr val="00823B"/>
                 </a:solidFill>
               </a:rPr>
-              <a:t>Nuke</a:t>
+              <a:t>Self-Contained</a:t>
             </a:r>
             <a:r>
               <a:rPr lang="es-PE" dirty="0" smtClean="0">
@@ -13190,23 +13474,15 @@
                   <a:srgbClr val="00823B"/>
                 </a:solidFill>
               </a:rPr>
-              <a:t> and </a:t>
-            </a:r>
-            <a:r>
-              <a:rPr lang="es-PE" dirty="0" err="1" smtClean="0">
+              <a:t>"</a:t>
+            </a:r>
+            <a:r>
+              <a:rPr lang="es-PE" dirty="0" smtClean="0">
                 <a:solidFill>
                   <a:srgbClr val="00823B"/>
                 </a:solidFill>
               </a:rPr>
-              <a:t>Pave</a:t>
-            </a:r>
-            <a:r>
-              <a:rPr lang="es-PE" dirty="0" smtClean="0">
-                <a:solidFill>
-                  <a:srgbClr val="00823B"/>
-                </a:solidFill>
-              </a:rPr>
-              <a:t>"</a:t>
+              <a:t/>
             </a:r>
             <a:br>
               <a:rPr lang="es-PE" dirty="0" smtClean="0">
@@ -13302,312 +13578,47 @@
       </p:grpSpPr>
       <p:sp>
         <p:nvSpPr>
-          <p:cNvPr id="4" name="2 Título"/>
-          <p:cNvSpPr txBox="1">
-            <a:spLocks/>
+          <p:cNvPr id="3" name="2 Título"/>
+          <p:cNvSpPr>
+            <a:spLocks noGrp="1"/>
           </p:cNvSpPr>
-          <p:nvPr/>
-        </p:nvSpPr>
-        <p:spPr bwMode="auto">
+          <p:nvPr>
+            <p:ph type="title"/>
+          </p:nvPr>
+        </p:nvSpPr>
+        <p:spPr>
           <a:xfrm>
-            <a:off x="457200" y="1124744"/>
-            <a:ext cx="8229600" cy="3672408"/>
+            <a:off x="556805" y="188640"/>
+            <a:ext cx="8229600" cy="724942"/>
           </a:xfrm>
-          <a:prstGeom prst="rect">
-            <a:avLst/>
-          </a:prstGeom>
-          <a:noFill/>
-          <a:ln w="9525">
-            <a:noFill/>
-            <a:miter lim="800000"/>
-            <a:headEnd/>
-            <a:tailEnd/>
-          </a:ln>
         </p:spPr>
         <p:txBody>
-          <a:bodyPr vert="horz" wrap="square" lIns="91440" tIns="45720" rIns="91440" bIns="45720" numCol="1" anchor="ctr" anchorCtr="0" compatLnSpc="1">
-            <a:prstTxWarp prst="textNoShape">
-              <a:avLst/>
-            </a:prstTxWarp>
-          </a:bodyPr>
-          <a:lstStyle>
-            <a:lvl1pPr algn="ctr" rtl="0" eaLnBrk="1" fontAlgn="base" hangingPunct="1">
-              <a:spcBef>
-                <a:spcPct val="0"/>
-              </a:spcBef>
-              <a:spcAft>
-                <a:spcPct val="0"/>
-              </a:spcAft>
-              <a:defRPr sz="4400" kern="1200">
-                <a:solidFill>
-                  <a:schemeClr val="tx1"/>
-                </a:solidFill>
-                <a:latin typeface="+mj-lt"/>
-                <a:ea typeface="+mj-ea"/>
-                <a:cs typeface="+mj-cs"/>
-              </a:defRPr>
-            </a:lvl1pPr>
-            <a:lvl2pPr algn="ctr" rtl="0" eaLnBrk="1" fontAlgn="base" hangingPunct="1">
-              <a:spcBef>
-                <a:spcPct val="0"/>
-              </a:spcBef>
-              <a:spcAft>
-                <a:spcPct val="0"/>
-              </a:spcAft>
-              <a:defRPr sz="4400">
-                <a:solidFill>
-                  <a:schemeClr val="tx1"/>
-                </a:solidFill>
-                <a:latin typeface="Calibri" pitchFamily="34" charset="0"/>
-              </a:defRPr>
-            </a:lvl2pPr>
-            <a:lvl3pPr algn="ctr" rtl="0" eaLnBrk="1" fontAlgn="base" hangingPunct="1">
-              <a:spcBef>
-                <a:spcPct val="0"/>
-              </a:spcBef>
-              <a:spcAft>
-                <a:spcPct val="0"/>
-              </a:spcAft>
-              <a:defRPr sz="4400">
-                <a:solidFill>
-                  <a:schemeClr val="tx1"/>
-                </a:solidFill>
-                <a:latin typeface="Calibri" pitchFamily="34" charset="0"/>
-              </a:defRPr>
-            </a:lvl3pPr>
-            <a:lvl4pPr algn="ctr" rtl="0" eaLnBrk="1" fontAlgn="base" hangingPunct="1">
-              <a:spcBef>
-                <a:spcPct val="0"/>
-              </a:spcBef>
-              <a:spcAft>
-                <a:spcPct val="0"/>
-              </a:spcAft>
-              <a:defRPr sz="4400">
-                <a:solidFill>
-                  <a:schemeClr val="tx1"/>
-                </a:solidFill>
-                <a:latin typeface="Calibri" pitchFamily="34" charset="0"/>
-              </a:defRPr>
-            </a:lvl4pPr>
-            <a:lvl5pPr algn="ctr" rtl="0" eaLnBrk="1" fontAlgn="base" hangingPunct="1">
-              <a:spcBef>
-                <a:spcPct val="0"/>
-              </a:spcBef>
-              <a:spcAft>
-                <a:spcPct val="0"/>
-              </a:spcAft>
-              <a:defRPr sz="4400">
-                <a:solidFill>
-                  <a:schemeClr val="tx1"/>
-                </a:solidFill>
-                <a:latin typeface="Calibri" pitchFamily="34" charset="0"/>
-              </a:defRPr>
-            </a:lvl5pPr>
-            <a:lvl6pPr marL="457200" algn="ctr" rtl="0" eaLnBrk="1" fontAlgn="base" hangingPunct="1">
-              <a:spcBef>
-                <a:spcPct val="0"/>
-              </a:spcBef>
-              <a:spcAft>
-                <a:spcPct val="0"/>
-              </a:spcAft>
-              <a:defRPr sz="4400">
-                <a:solidFill>
-                  <a:schemeClr val="tx1"/>
-                </a:solidFill>
-                <a:latin typeface="Calibri" pitchFamily="34" charset="0"/>
-              </a:defRPr>
-            </a:lvl6pPr>
-            <a:lvl7pPr marL="914400" algn="ctr" rtl="0" eaLnBrk="1" fontAlgn="base" hangingPunct="1">
-              <a:spcBef>
-                <a:spcPct val="0"/>
-              </a:spcBef>
-              <a:spcAft>
-                <a:spcPct val="0"/>
-              </a:spcAft>
-              <a:defRPr sz="4400">
-                <a:solidFill>
-                  <a:schemeClr val="tx1"/>
-                </a:solidFill>
-                <a:latin typeface="Calibri" pitchFamily="34" charset="0"/>
-              </a:defRPr>
-            </a:lvl7pPr>
-            <a:lvl8pPr marL="1371600" algn="ctr" rtl="0" eaLnBrk="1" fontAlgn="base" hangingPunct="1">
-              <a:spcBef>
-                <a:spcPct val="0"/>
-              </a:spcBef>
-              <a:spcAft>
-                <a:spcPct val="0"/>
-              </a:spcAft>
-              <a:defRPr sz="4400">
-                <a:solidFill>
-                  <a:schemeClr val="tx1"/>
-                </a:solidFill>
-                <a:latin typeface="Calibri" pitchFamily="34" charset="0"/>
-              </a:defRPr>
-            </a:lvl8pPr>
-            <a:lvl9pPr marL="1828800" algn="ctr" rtl="0" eaLnBrk="1" fontAlgn="base" hangingPunct="1">
-              <a:spcBef>
-                <a:spcPct val="0"/>
-              </a:spcBef>
-              <a:spcAft>
-                <a:spcPct val="0"/>
-              </a:spcAft>
-              <a:defRPr sz="4400">
-                <a:solidFill>
-                  <a:schemeClr val="tx1"/>
-                </a:solidFill>
-                <a:latin typeface="Calibri" pitchFamily="34" charset="0"/>
-              </a:defRPr>
-            </a:lvl9pPr>
-          </a:lstStyle>
-          <a:p>
+          <a:bodyPr/>
+          <a:lstStyle/>
+          <a:p>
+            <a:r>
+              <a:rPr lang="es-PE" dirty="0" err="1" smtClean="0">
+                <a:solidFill>
+                  <a:srgbClr val="00823B"/>
+                </a:solidFill>
+              </a:rPr>
+              <a:t>Entity</a:t>
+            </a:r>
             <a:r>
               <a:rPr lang="es-PE" dirty="0" smtClean="0">
                 <a:solidFill>
-                  <a:srgbClr val="FFC000"/>
-                </a:solidFill>
-              </a:rPr>
-              <a:t>Ejercicio</a:t>
-            </a:r>
-            <a:br>
-              <a:rPr lang="es-PE" dirty="0" smtClean="0">
-                <a:solidFill>
-                  <a:srgbClr val="FFC000"/>
-                </a:solidFill>
-              </a:rPr>
-            </a:br>
+                  <a:srgbClr val="00823B"/>
+                </a:solidFill>
+              </a:rPr>
+              <a:t> Framework </a:t>
+            </a:r>
             <a:r>
               <a:rPr lang="es-PE" dirty="0" err="1" smtClean="0">
                 <a:solidFill>
                   <a:srgbClr val="00823B"/>
                 </a:solidFill>
               </a:rPr>
-              <a:t>Entity</a:t>
-            </a:r>
-            <a:r>
-              <a:rPr lang="es-PE" dirty="0" smtClean="0">
-                <a:solidFill>
-                  <a:srgbClr val="00823B"/>
-                </a:solidFill>
-              </a:rPr>
-              <a:t> Framework </a:t>
-            </a:r>
-            <a:r>
-              <a:rPr lang="es-PE" dirty="0" err="1" smtClean="0">
-                <a:solidFill>
-                  <a:srgbClr val="00823B"/>
-                </a:solidFill>
-              </a:rPr>
               <a:t>Testing</a:t>
-            </a:r>
-            <a:r>
-              <a:rPr lang="es-PE" dirty="0" smtClean="0">
-                <a:solidFill>
-                  <a:srgbClr val="00823B"/>
-                </a:solidFill>
-              </a:rPr>
-              <a:t> </a:t>
-            </a:r>
-            <a:r>
-              <a:rPr lang="es-PE" dirty="0" smtClean="0"/>
-              <a:t/>
-            </a:r>
-            <a:br>
-              <a:rPr lang="es-PE" dirty="0" smtClean="0"/>
-            </a:br>
-            <a:r>
-              <a:rPr lang="es-PE" dirty="0" smtClean="0"/>
-              <a:t>utilizando</a:t>
-            </a:r>
-            <a:br>
-              <a:rPr lang="es-PE" dirty="0" smtClean="0"/>
-            </a:br>
-            <a:r>
-              <a:rPr lang="es-PE" dirty="0" smtClean="0">
-                <a:solidFill>
-                  <a:srgbClr val="00823B"/>
-                </a:solidFill>
-              </a:rPr>
-              <a:t>"</a:t>
-            </a:r>
-            <a:r>
-              <a:rPr lang="es-PE" dirty="0" err="1" smtClean="0">
-                <a:solidFill>
-                  <a:srgbClr val="00823B"/>
-                </a:solidFill>
-              </a:rPr>
-              <a:t>Selft-Contained</a:t>
-            </a:r>
-            <a:r>
-              <a:rPr lang="es-PE" dirty="0" smtClean="0">
-                <a:solidFill>
-                  <a:srgbClr val="00823B"/>
-                </a:solidFill>
-              </a:rPr>
-              <a:t> </a:t>
-            </a:r>
-            <a:r>
-              <a:rPr lang="es-PE" dirty="0" err="1" smtClean="0">
-                <a:solidFill>
-                  <a:srgbClr val="00823B"/>
-                </a:solidFill>
-              </a:rPr>
-              <a:t>Tests</a:t>
-            </a:r>
-            <a:r>
-              <a:rPr lang="es-PE" dirty="0" smtClean="0">
-                <a:solidFill>
-                  <a:srgbClr val="00823B"/>
-                </a:solidFill>
-              </a:rPr>
-              <a:t>"</a:t>
-            </a:r>
-            <a:br>
-              <a:rPr lang="es-PE" dirty="0" smtClean="0">
-                <a:solidFill>
-                  <a:srgbClr val="00823B"/>
-                </a:solidFill>
-              </a:rPr>
-            </a:br>
-            <a:r>
-              <a:rPr lang="es-PE" dirty="0" smtClean="0">
-                <a:solidFill>
-                  <a:srgbClr val="00823B"/>
-                </a:solidFill>
-              </a:rPr>
-              <a:t>"</a:t>
-            </a:r>
-            <a:r>
-              <a:rPr lang="es-PE" dirty="0" err="1" smtClean="0">
-                <a:solidFill>
-                  <a:srgbClr val="00823B"/>
-                </a:solidFill>
-              </a:rPr>
-              <a:t>Transaction</a:t>
-            </a:r>
-            <a:r>
-              <a:rPr lang="es-PE" dirty="0" smtClean="0">
-                <a:solidFill>
-                  <a:srgbClr val="00823B"/>
-                </a:solidFill>
-              </a:rPr>
-              <a:t> - </a:t>
-            </a:r>
-            <a:r>
-              <a:rPr lang="es-PE" dirty="0" err="1" smtClean="0">
-                <a:solidFill>
-                  <a:srgbClr val="00823B"/>
-                </a:solidFill>
-              </a:rPr>
-              <a:t>Rollback</a:t>
-            </a:r>
-            <a:r>
-              <a:rPr lang="es-PE" dirty="0" smtClean="0">
-                <a:solidFill>
-                  <a:srgbClr val="00823B"/>
-                </a:solidFill>
-              </a:rPr>
-              <a:t>"</a:t>
             </a:r>
             <a:endParaRPr lang="es-PE" dirty="0">
               <a:solidFill>
@@ -13617,10 +13628,177 @@
           </a:p>
         </p:txBody>
       </p:sp>
+      <p:sp>
+        <p:nvSpPr>
+          <p:cNvPr id="4" name="3 Rectángulo"/>
+          <p:cNvSpPr/>
+          <p:nvPr/>
+        </p:nvSpPr>
+        <p:spPr>
+          <a:xfrm>
+            <a:off x="323528" y="1052736"/>
+            <a:ext cx="8568000" cy="5201424"/>
+          </a:xfrm>
+          <a:prstGeom prst="rect">
+            <a:avLst/>
+          </a:prstGeom>
+        </p:spPr>
+        <p:txBody>
+          <a:bodyPr wrap="square">
+            <a:spAutoFit/>
+          </a:bodyPr>
+          <a:lstStyle/>
+          <a:p>
+            <a:pPr marL="457200" indent="-457200">
+              <a:buFont typeface="Arial" pitchFamily="34" charset="0"/>
+              <a:buChar char="•"/>
+            </a:pPr>
+            <a:r>
+              <a:rPr lang="es-PE" sz="2600" dirty="0" smtClean="0"/>
+              <a:t>Los mismos patrones de inserción y restauración de BD se aplican en el caso de </a:t>
+            </a:r>
+            <a:r>
+              <a:rPr lang="es-PE" sz="2600" dirty="0" err="1" smtClean="0"/>
+              <a:t>Entity</a:t>
+            </a:r>
+            <a:r>
+              <a:rPr lang="es-PE" sz="2600" dirty="0" smtClean="0"/>
+              <a:t> Framework y cualquier ORM.</a:t>
+            </a:r>
+            <a:endParaRPr lang="es-PE" sz="2600" dirty="0" smtClean="0"/>
+          </a:p>
+          <a:p>
+            <a:pPr marL="342900" indent="-342900">
+              <a:buFont typeface="Courier New" pitchFamily="49" charset="0"/>
+              <a:buChar char="o"/>
+            </a:pPr>
+            <a:endParaRPr lang="es-PE" sz="2600" dirty="0" smtClean="0"/>
+          </a:p>
+          <a:p>
+            <a:pPr marL="800100" lvl="1" indent="-342900">
+              <a:buFont typeface="Courier New" pitchFamily="49" charset="0"/>
+              <a:buChar char="o"/>
+            </a:pPr>
+            <a:r>
+              <a:rPr lang="es-PE" sz="2400" dirty="0" err="1" smtClean="0"/>
+              <a:t>Nuke</a:t>
+            </a:r>
+            <a:r>
+              <a:rPr lang="es-PE" sz="2400" dirty="0" smtClean="0"/>
+              <a:t> and </a:t>
+            </a:r>
+            <a:r>
+              <a:rPr lang="es-PE" sz="2400" dirty="0" err="1" smtClean="0"/>
+              <a:t>Pave</a:t>
+            </a:r>
+            <a:r>
+              <a:rPr lang="es-PE" sz="2400" dirty="0"/>
+              <a:t>: </a:t>
+            </a:r>
+            <a:r>
+              <a:rPr lang="es-PE" sz="2400" dirty="0" smtClean="0"/>
+              <a:t>Generar </a:t>
+            </a:r>
+            <a:r>
+              <a:rPr lang="es-PE" sz="2400" dirty="0"/>
+              <a:t>toda la BD (tablas y datos) a partir del modelo de las </a:t>
+            </a:r>
+            <a:r>
+              <a:rPr lang="es-PE" sz="2400" dirty="0" smtClean="0"/>
+              <a:t>clases.</a:t>
+            </a:r>
+            <a:r>
+              <a:rPr lang="es-PE" sz="2400" dirty="0"/>
+              <a:t> </a:t>
+            </a:r>
+            <a:r>
+              <a:rPr lang="es-PE" sz="2400" dirty="0" err="1" smtClean="0"/>
+              <a:t>Ejm</a:t>
+            </a:r>
+            <a:r>
+              <a:rPr lang="es-PE" sz="2400" dirty="0" smtClean="0"/>
+              <a:t>: EF </a:t>
+            </a:r>
+            <a:r>
+              <a:rPr lang="es-PE" sz="2400" dirty="0" err="1" smtClean="0"/>
+              <a:t>Initializers</a:t>
+            </a:r>
+            <a:r>
+              <a:rPr lang="es-PE" sz="2400" dirty="0" smtClean="0"/>
+              <a:t>.</a:t>
+            </a:r>
+          </a:p>
+          <a:p>
+            <a:pPr marL="800100" lvl="1" indent="-342900">
+              <a:buFont typeface="Courier New" pitchFamily="49" charset="0"/>
+              <a:buChar char="o"/>
+            </a:pPr>
+            <a:r>
+              <a:rPr lang="es-PE" sz="2400" dirty="0" err="1" smtClean="0"/>
+              <a:t>Self-Contained</a:t>
+            </a:r>
+            <a:r>
+              <a:rPr lang="es-PE" sz="2400" dirty="0" smtClean="0"/>
+              <a:t>: Infraestructura para insertar ya viene de caja.</a:t>
+            </a:r>
+          </a:p>
+          <a:p>
+            <a:pPr marL="800100" lvl="1" indent="-342900">
+              <a:buFont typeface="Courier New" pitchFamily="49" charset="0"/>
+              <a:buChar char="o"/>
+            </a:pPr>
+            <a:endParaRPr lang="es-PE" sz="2600" dirty="0" smtClean="0"/>
+          </a:p>
+          <a:p>
+            <a:pPr marL="457200" indent="-457200">
+              <a:buFont typeface="Arial" pitchFamily="34" charset="0"/>
+              <a:buChar char="•"/>
+            </a:pPr>
+            <a:r>
+              <a:rPr lang="es-PE" sz="2600" dirty="0" smtClean="0"/>
+              <a:t>Los </a:t>
+            </a:r>
+            <a:r>
+              <a:rPr lang="es-PE" sz="2600" dirty="0" err="1" smtClean="0"/>
+              <a:t>tests</a:t>
+            </a:r>
+            <a:r>
+              <a:rPr lang="es-PE" sz="2600" dirty="0" smtClean="0"/>
+              <a:t> deben realizar "</a:t>
+            </a:r>
+            <a:r>
+              <a:rPr lang="es-PE" sz="2600" dirty="0" err="1" smtClean="0"/>
+              <a:t>flush</a:t>
+            </a:r>
+            <a:r>
+              <a:rPr lang="es-PE" sz="2600" dirty="0" smtClean="0"/>
+              <a:t>" de la sesión del ORM para asegurar que los datos son sincronizados en la BD y no permanecen solo en memoria.</a:t>
+            </a:r>
+          </a:p>
+          <a:p>
+            <a:pPr marL="457200" indent="-457200">
+              <a:buFont typeface="Arial" pitchFamily="34" charset="0"/>
+              <a:buChar char="•"/>
+            </a:pPr>
+            <a:endParaRPr lang="es-PE" sz="2600" dirty="0"/>
+          </a:p>
+          <a:p>
+            <a:pPr marL="457200" indent="-457200">
+              <a:buFont typeface="Arial" pitchFamily="34" charset="0"/>
+              <a:buChar char="•"/>
+            </a:pPr>
+            <a:r>
+              <a:rPr lang="es-PE" sz="2600" dirty="0" smtClean="0"/>
+              <a:t>Nos permite utilizar una BD en memoria para propósitos de pruebas.</a:t>
+            </a:r>
+            <a:endParaRPr lang="es-PE" sz="2600" dirty="0"/>
+          </a:p>
+        </p:txBody>
+      </p:sp>
     </p:spTree>
     <p:extLst>
       <p:ext uri="{BB962C8B-B14F-4D97-AF65-F5344CB8AC3E}">
-        <p14:creationId xmlns:p14="http://schemas.microsoft.com/office/powerpoint/2010/main" val="562345185"/>
+        <p14:creationId xmlns:p14="http://schemas.microsoft.com/office/powerpoint/2010/main" val="3587015591"/>
       </p:ext>
     </p:extLst>
   </p:cSld>
@@ -13788,7 +13966,7 @@
     </p:spTree>
     <p:extLst>
       <p:ext uri="{BB962C8B-B14F-4D97-AF65-F5344CB8AC3E}">
-        <p14:creationId xmlns:p14="http://schemas.microsoft.com/office/powerpoint/2010/main" val="3587015591"/>
+        <p14:creationId xmlns:p14="http://schemas.microsoft.com/office/powerpoint/2010/main" val="3154933143"/>
       </p:ext>
     </p:extLst>
   </p:cSld>
@@ -13806,6 +13984,352 @@
 </file>
 
 <file path=ppt/slides/slide24.xml><?xml version="1.0" encoding="utf-8"?>
+<p:sld xmlns:a="http://schemas.openxmlformats.org/drawingml/2006/main" xmlns:r="http://schemas.openxmlformats.org/officeDocument/2006/relationships" xmlns:p="http://schemas.openxmlformats.org/presentationml/2006/main">
+  <p:cSld>
+    <p:spTree>
+      <p:nvGrpSpPr>
+        <p:cNvPr id="1" name=""/>
+        <p:cNvGrpSpPr/>
+        <p:nvPr/>
+      </p:nvGrpSpPr>
+      <p:grpSpPr>
+        <a:xfrm>
+          <a:off x="0" y="0"/>
+          <a:ext cx="0" cy="0"/>
+          <a:chOff x="0" y="0"/>
+          <a:chExt cx="0" cy="0"/>
+        </a:xfrm>
+      </p:grpSpPr>
+      <p:sp>
+        <p:nvSpPr>
+          <p:cNvPr id="4" name="2 Título"/>
+          <p:cNvSpPr txBox="1">
+            <a:spLocks/>
+          </p:cNvSpPr>
+          <p:nvPr/>
+        </p:nvSpPr>
+        <p:spPr bwMode="auto">
+          <a:xfrm>
+            <a:off x="457200" y="1124744"/>
+            <a:ext cx="8229600" cy="3672408"/>
+          </a:xfrm>
+          <a:prstGeom prst="rect">
+            <a:avLst/>
+          </a:prstGeom>
+          <a:noFill/>
+          <a:ln w="9525">
+            <a:noFill/>
+            <a:miter lim="800000"/>
+            <a:headEnd/>
+            <a:tailEnd/>
+          </a:ln>
+        </p:spPr>
+        <p:txBody>
+          <a:bodyPr vert="horz" wrap="square" lIns="91440" tIns="45720" rIns="91440" bIns="45720" numCol="1" anchor="ctr" anchorCtr="0" compatLnSpc="1">
+            <a:prstTxWarp prst="textNoShape">
+              <a:avLst/>
+            </a:prstTxWarp>
+          </a:bodyPr>
+          <a:lstStyle>
+            <a:lvl1pPr algn="ctr" rtl="0" eaLnBrk="1" fontAlgn="base" hangingPunct="1">
+              <a:spcBef>
+                <a:spcPct val="0"/>
+              </a:spcBef>
+              <a:spcAft>
+                <a:spcPct val="0"/>
+              </a:spcAft>
+              <a:defRPr sz="4400" kern="1200">
+                <a:solidFill>
+                  <a:schemeClr val="tx1"/>
+                </a:solidFill>
+                <a:latin typeface="+mj-lt"/>
+                <a:ea typeface="+mj-ea"/>
+                <a:cs typeface="+mj-cs"/>
+              </a:defRPr>
+            </a:lvl1pPr>
+            <a:lvl2pPr algn="ctr" rtl="0" eaLnBrk="1" fontAlgn="base" hangingPunct="1">
+              <a:spcBef>
+                <a:spcPct val="0"/>
+              </a:spcBef>
+              <a:spcAft>
+                <a:spcPct val="0"/>
+              </a:spcAft>
+              <a:defRPr sz="4400">
+                <a:solidFill>
+                  <a:schemeClr val="tx1"/>
+                </a:solidFill>
+                <a:latin typeface="Calibri" pitchFamily="34" charset="0"/>
+              </a:defRPr>
+            </a:lvl2pPr>
+            <a:lvl3pPr algn="ctr" rtl="0" eaLnBrk="1" fontAlgn="base" hangingPunct="1">
+              <a:spcBef>
+                <a:spcPct val="0"/>
+              </a:spcBef>
+              <a:spcAft>
+                <a:spcPct val="0"/>
+              </a:spcAft>
+              <a:defRPr sz="4400">
+                <a:solidFill>
+                  <a:schemeClr val="tx1"/>
+                </a:solidFill>
+                <a:latin typeface="Calibri" pitchFamily="34" charset="0"/>
+              </a:defRPr>
+            </a:lvl3pPr>
+            <a:lvl4pPr algn="ctr" rtl="0" eaLnBrk="1" fontAlgn="base" hangingPunct="1">
+              <a:spcBef>
+                <a:spcPct val="0"/>
+              </a:spcBef>
+              <a:spcAft>
+                <a:spcPct val="0"/>
+              </a:spcAft>
+              <a:defRPr sz="4400">
+                <a:solidFill>
+                  <a:schemeClr val="tx1"/>
+                </a:solidFill>
+                <a:latin typeface="Calibri" pitchFamily="34" charset="0"/>
+              </a:defRPr>
+            </a:lvl4pPr>
+            <a:lvl5pPr algn="ctr" rtl="0" eaLnBrk="1" fontAlgn="base" hangingPunct="1">
+              <a:spcBef>
+                <a:spcPct val="0"/>
+              </a:spcBef>
+              <a:spcAft>
+                <a:spcPct val="0"/>
+              </a:spcAft>
+              <a:defRPr sz="4400">
+                <a:solidFill>
+                  <a:schemeClr val="tx1"/>
+                </a:solidFill>
+                <a:latin typeface="Calibri" pitchFamily="34" charset="0"/>
+              </a:defRPr>
+            </a:lvl5pPr>
+            <a:lvl6pPr marL="457200" algn="ctr" rtl="0" eaLnBrk="1" fontAlgn="base" hangingPunct="1">
+              <a:spcBef>
+                <a:spcPct val="0"/>
+              </a:spcBef>
+              <a:spcAft>
+                <a:spcPct val="0"/>
+              </a:spcAft>
+              <a:defRPr sz="4400">
+                <a:solidFill>
+                  <a:schemeClr val="tx1"/>
+                </a:solidFill>
+                <a:latin typeface="Calibri" pitchFamily="34" charset="0"/>
+              </a:defRPr>
+            </a:lvl6pPr>
+            <a:lvl7pPr marL="914400" algn="ctr" rtl="0" eaLnBrk="1" fontAlgn="base" hangingPunct="1">
+              <a:spcBef>
+                <a:spcPct val="0"/>
+              </a:spcBef>
+              <a:spcAft>
+                <a:spcPct val="0"/>
+              </a:spcAft>
+              <a:defRPr sz="4400">
+                <a:solidFill>
+                  <a:schemeClr val="tx1"/>
+                </a:solidFill>
+                <a:latin typeface="Calibri" pitchFamily="34" charset="0"/>
+              </a:defRPr>
+            </a:lvl7pPr>
+            <a:lvl8pPr marL="1371600" algn="ctr" rtl="0" eaLnBrk="1" fontAlgn="base" hangingPunct="1">
+              <a:spcBef>
+                <a:spcPct val="0"/>
+              </a:spcBef>
+              <a:spcAft>
+                <a:spcPct val="0"/>
+              </a:spcAft>
+              <a:defRPr sz="4400">
+                <a:solidFill>
+                  <a:schemeClr val="tx1"/>
+                </a:solidFill>
+                <a:latin typeface="Calibri" pitchFamily="34" charset="0"/>
+              </a:defRPr>
+            </a:lvl8pPr>
+            <a:lvl9pPr marL="1828800" algn="ctr" rtl="0" eaLnBrk="1" fontAlgn="base" hangingPunct="1">
+              <a:spcBef>
+                <a:spcPct val="0"/>
+              </a:spcBef>
+              <a:spcAft>
+                <a:spcPct val="0"/>
+              </a:spcAft>
+              <a:defRPr sz="4400">
+                <a:solidFill>
+                  <a:schemeClr val="tx1"/>
+                </a:solidFill>
+                <a:latin typeface="Calibri" pitchFamily="34" charset="0"/>
+              </a:defRPr>
+            </a:lvl9pPr>
+          </a:lstStyle>
+          <a:p>
+            <a:r>
+              <a:rPr lang="es-PE" dirty="0" smtClean="0">
+                <a:solidFill>
+                  <a:srgbClr val="FFC000"/>
+                </a:solidFill>
+              </a:rPr>
+              <a:t>Ejercicio</a:t>
+            </a:r>
+            <a:br>
+              <a:rPr lang="es-PE" dirty="0" smtClean="0">
+                <a:solidFill>
+                  <a:srgbClr val="FFC000"/>
+                </a:solidFill>
+              </a:rPr>
+            </a:br>
+            <a:r>
+              <a:rPr lang="es-PE" dirty="0" smtClean="0">
+                <a:solidFill>
+                  <a:srgbClr val="00823B"/>
+                </a:solidFill>
+              </a:rPr>
+              <a:t>"</a:t>
+            </a:r>
+            <a:r>
+              <a:rPr lang="es-PE" dirty="0" err="1" smtClean="0">
+                <a:solidFill>
+                  <a:srgbClr val="00823B"/>
+                </a:solidFill>
+              </a:rPr>
+              <a:t>Entity</a:t>
+            </a:r>
+            <a:r>
+              <a:rPr lang="es-PE" dirty="0" smtClean="0">
+                <a:solidFill>
+                  <a:srgbClr val="00823B"/>
+                </a:solidFill>
+              </a:rPr>
+              <a:t> Framework" </a:t>
+            </a:r>
+            <a:r>
+              <a:rPr lang="es-PE" dirty="0" err="1" smtClean="0">
+                <a:solidFill>
+                  <a:srgbClr val="00823B"/>
+                </a:solidFill>
+              </a:rPr>
+              <a:t>Testing</a:t>
+            </a:r>
+            <a:r>
+              <a:rPr lang="es-PE" dirty="0" smtClean="0"/>
+              <a:t/>
+            </a:r>
+            <a:br>
+              <a:rPr lang="es-PE" dirty="0" smtClean="0"/>
+            </a:br>
+            <a:r>
+              <a:rPr lang="es-PE" dirty="0" smtClean="0"/>
+              <a:t>utilizando</a:t>
+            </a:r>
+            <a:br>
+              <a:rPr lang="es-PE" dirty="0" smtClean="0"/>
+            </a:br>
+            <a:r>
+              <a:rPr lang="es-PE" dirty="0" smtClean="0">
+                <a:solidFill>
+                  <a:srgbClr val="00823B"/>
+                </a:solidFill>
+              </a:rPr>
+              <a:t>"</a:t>
+            </a:r>
+            <a:r>
+              <a:rPr lang="es-PE" dirty="0" err="1" smtClean="0">
+                <a:solidFill>
+                  <a:srgbClr val="00823B"/>
+                </a:solidFill>
+              </a:rPr>
+              <a:t>Self-Contained</a:t>
+            </a:r>
+            <a:r>
+              <a:rPr lang="es-PE" dirty="0" smtClean="0">
+                <a:solidFill>
+                  <a:srgbClr val="00823B"/>
+                </a:solidFill>
+              </a:rPr>
+              <a:t>"</a:t>
+            </a:r>
+            <a:r>
+              <a:rPr lang="es-PE" dirty="0" smtClean="0">
+                <a:solidFill>
+                  <a:srgbClr val="00823B"/>
+                </a:solidFill>
+              </a:rPr>
+              <a:t/>
+            </a:r>
+            <a:br>
+              <a:rPr lang="es-PE" dirty="0" smtClean="0">
+                <a:solidFill>
+                  <a:srgbClr val="00823B"/>
+                </a:solidFill>
+              </a:rPr>
+            </a:br>
+            <a:r>
+              <a:rPr lang="es-PE" dirty="0" smtClean="0">
+                <a:solidFill>
+                  <a:srgbClr val="00823B"/>
+                </a:solidFill>
+              </a:rPr>
+              <a:t>"</a:t>
+            </a:r>
+            <a:r>
+              <a:rPr lang="es-PE" dirty="0" err="1" smtClean="0">
+                <a:solidFill>
+                  <a:srgbClr val="00823B"/>
+                </a:solidFill>
+              </a:rPr>
+              <a:t>Transaction</a:t>
+            </a:r>
+            <a:r>
+              <a:rPr lang="es-PE" dirty="0" smtClean="0">
+                <a:solidFill>
+                  <a:srgbClr val="00823B"/>
+                </a:solidFill>
+              </a:rPr>
+              <a:t> - </a:t>
+            </a:r>
+            <a:r>
+              <a:rPr lang="es-PE" dirty="0" err="1" smtClean="0">
+                <a:solidFill>
+                  <a:srgbClr val="00823B"/>
+                </a:solidFill>
+              </a:rPr>
+              <a:t>Rollback</a:t>
+            </a:r>
+            <a:r>
+              <a:rPr lang="es-PE" dirty="0" smtClean="0">
+                <a:solidFill>
+                  <a:srgbClr val="00823B"/>
+                </a:solidFill>
+              </a:rPr>
+              <a:t>"</a:t>
+            </a:r>
+            <a:endParaRPr lang="es-PE" dirty="0">
+              <a:solidFill>
+                <a:srgbClr val="00823B"/>
+              </a:solidFill>
+            </a:endParaRPr>
+          </a:p>
+        </p:txBody>
+      </p:sp>
+    </p:spTree>
+    <p:extLst>
+      <p:ext uri="{BB962C8B-B14F-4D97-AF65-F5344CB8AC3E}">
+        <p14:creationId xmlns:p14="http://schemas.microsoft.com/office/powerpoint/2010/main" val="429994368"/>
+      </p:ext>
+    </p:extLst>
+  </p:cSld>
+  <p:clrMapOvr>
+    <a:masterClrMapping/>
+  </p:clrMapOvr>
+  <p:timing>
+    <p:tnLst>
+      <p:par>
+        <p:cTn id="1" dur="indefinite" restart="never" nodeType="tmRoot"/>
+      </p:par>
+    </p:tnLst>
+  </p:timing>
+</p:sld>
+</file>
+
+<file path=ppt/slides/slide25.xml><?xml version="1.0" encoding="utf-8"?>
 <p:sld xmlns:a="http://schemas.openxmlformats.org/drawingml/2006/main" xmlns:r="http://schemas.openxmlformats.org/officeDocument/2006/relationships" xmlns:p="http://schemas.openxmlformats.org/presentationml/2006/main">
   <p:cSld>
     <p:spTree>
@@ -14189,8 +14713,8 @@
         </p:nvSpPr>
         <p:spPr>
           <a:xfrm>
-            <a:off x="4704605" y="2107691"/>
-            <a:ext cx="2608215" cy="584775"/>
+            <a:off x="3491880" y="2094351"/>
+            <a:ext cx="4751237" cy="584775"/>
           </a:xfrm>
           <a:prstGeom prst="rect">
             <a:avLst/>
@@ -14213,7 +14737,39 @@
                   <a:srgbClr val="FFC000"/>
                 </a:solidFill>
               </a:rPr>
-              <a:t>¿ Que Probar?</a:t>
+              <a:t>¿ </a:t>
+            </a:r>
+            <a:r>
+              <a:rPr lang="es-PE" sz="3200" b="1" dirty="0" smtClean="0">
+                <a:solidFill>
+                  <a:srgbClr val="FFC000"/>
+                </a:solidFill>
+              </a:rPr>
+              <a:t>Qué nos </a:t>
+            </a:r>
+            <a:r>
+              <a:rPr lang="es-PE" sz="3200" b="1" dirty="0" smtClean="0">
+                <a:solidFill>
+                  <a:srgbClr val="FFC000"/>
+                </a:solidFill>
+              </a:rPr>
+              <a:t>permite p</a:t>
+            </a:r>
+            <a:r>
+              <a:rPr lang="es-PE" sz="3200" b="1" dirty="0" smtClean="0">
+                <a:solidFill>
+                  <a:srgbClr val="FFC000"/>
+                </a:solidFill>
+              </a:rPr>
+              <a:t>robar</a:t>
+            </a:r>
+            <a:r>
+              <a:rPr lang="es-PE" sz="3200" b="1" dirty="0" smtClean="0">
+                <a:solidFill>
+                  <a:srgbClr val="FFC000"/>
+                </a:solidFill>
+              </a:rPr>
+              <a:t>?</a:t>
             </a:r>
             <a:endParaRPr lang="es-PE" sz="3200" b="1" dirty="0">
               <a:solidFill>
@@ -14467,507 +15023,6 @@
     <p:extLst>
       <p:ext uri="{BB962C8B-B14F-4D97-AF65-F5344CB8AC3E}">
         <p14:creationId xmlns:p14="http://schemas.microsoft.com/office/powerpoint/2010/main" val="1166353858"/>
-      </p:ext>
-    </p:extLst>
-  </p:cSld>
-  <p:clrMapOvr>
-    <a:masterClrMapping/>
-  </p:clrMapOvr>
-  <p:timing>
-    <p:tnLst>
-      <p:par>
-        <p:cTn id="1" dur="indefinite" restart="never" nodeType="tmRoot"/>
-      </p:par>
-    </p:tnLst>
-  </p:timing>
-</p:sld>
-</file>
-
-<file path=ppt/slides/slide25.xml><?xml version="1.0" encoding="utf-8"?>
-<p:sld xmlns:a="http://schemas.openxmlformats.org/drawingml/2006/main" xmlns:r="http://schemas.openxmlformats.org/officeDocument/2006/relationships" xmlns:p="http://schemas.openxmlformats.org/presentationml/2006/main">
-  <p:cSld>
-    <p:spTree>
-      <p:nvGrpSpPr>
-        <p:cNvPr id="1" name=""/>
-        <p:cNvGrpSpPr/>
-        <p:nvPr/>
-      </p:nvGrpSpPr>
-      <p:grpSpPr>
-        <a:xfrm>
-          <a:off x="0" y="0"/>
-          <a:ext cx="0" cy="0"/>
-          <a:chOff x="0" y="0"/>
-          <a:chExt cx="0" cy="0"/>
-        </a:xfrm>
-      </p:grpSpPr>
-      <p:sp>
-        <p:nvSpPr>
-          <p:cNvPr id="6" name="5 Marcador de contenido"/>
-          <p:cNvSpPr txBox="1">
-            <a:spLocks/>
-          </p:cNvSpPr>
-          <p:nvPr/>
-        </p:nvSpPr>
-        <p:spPr bwMode="auto">
-          <a:xfrm>
-            <a:off x="323528" y="1484784"/>
-            <a:ext cx="8568952" cy="3168352"/>
-          </a:xfrm>
-          <a:prstGeom prst="rect">
-            <a:avLst/>
-          </a:prstGeom>
-          <a:noFill/>
-          <a:ln w="9525">
-            <a:noFill/>
-            <a:miter lim="800000"/>
-            <a:headEnd/>
-            <a:tailEnd/>
-          </a:ln>
-        </p:spPr>
-        <p:txBody>
-          <a:bodyPr vert="horz" wrap="square" lIns="91440" tIns="45720" rIns="91440" bIns="45720" numCol="1" anchor="t" anchorCtr="0" compatLnSpc="1">
-            <a:prstTxWarp prst="textNoShape">
-              <a:avLst/>
-            </a:prstTxWarp>
-          </a:bodyPr>
-          <a:lstStyle>
-            <a:lvl1pPr marL="342900" indent="-342900" algn="l" rtl="0" eaLnBrk="1" fontAlgn="base" hangingPunct="1">
-              <a:spcBef>
-                <a:spcPct val="20000"/>
-              </a:spcBef>
-              <a:spcAft>
-                <a:spcPct val="0"/>
-              </a:spcAft>
-              <a:buFont typeface="Arial" charset="0"/>
-              <a:buChar char="•"/>
-              <a:defRPr sz="3200" kern="1200">
-                <a:solidFill>
-                  <a:schemeClr val="tx1"/>
-                </a:solidFill>
-                <a:latin typeface="+mn-lt"/>
-                <a:ea typeface="+mn-ea"/>
-                <a:cs typeface="+mn-cs"/>
-              </a:defRPr>
-            </a:lvl1pPr>
-            <a:lvl2pPr marL="742950" indent="-285750" algn="l" rtl="0" eaLnBrk="1" fontAlgn="base" hangingPunct="1">
-              <a:spcBef>
-                <a:spcPct val="20000"/>
-              </a:spcBef>
-              <a:spcAft>
-                <a:spcPct val="0"/>
-              </a:spcAft>
-              <a:buFont typeface="Arial" charset="0"/>
-              <a:buChar char="–"/>
-              <a:defRPr sz="2800" kern="1200">
-                <a:solidFill>
-                  <a:schemeClr val="tx1"/>
-                </a:solidFill>
-                <a:latin typeface="+mn-lt"/>
-                <a:ea typeface="+mn-ea"/>
-                <a:cs typeface="+mn-cs"/>
-              </a:defRPr>
-            </a:lvl2pPr>
-            <a:lvl3pPr marL="1143000" indent="-228600" algn="l" rtl="0" eaLnBrk="1" fontAlgn="base" hangingPunct="1">
-              <a:spcBef>
-                <a:spcPct val="20000"/>
-              </a:spcBef>
-              <a:spcAft>
-                <a:spcPct val="0"/>
-              </a:spcAft>
-              <a:buFont typeface="Arial" charset="0"/>
-              <a:buChar char="•"/>
-              <a:defRPr sz="2400" kern="1200">
-                <a:solidFill>
-                  <a:schemeClr val="tx1"/>
-                </a:solidFill>
-                <a:latin typeface="+mn-lt"/>
-                <a:ea typeface="+mn-ea"/>
-                <a:cs typeface="+mn-cs"/>
-              </a:defRPr>
-            </a:lvl3pPr>
-            <a:lvl4pPr marL="1600200" indent="-228600" algn="l" rtl="0" eaLnBrk="1" fontAlgn="base" hangingPunct="1">
-              <a:spcBef>
-                <a:spcPct val="20000"/>
-              </a:spcBef>
-              <a:spcAft>
-                <a:spcPct val="0"/>
-              </a:spcAft>
-              <a:buFont typeface="Arial" charset="0"/>
-              <a:buChar char="–"/>
-              <a:defRPr sz="2000" kern="1200">
-                <a:solidFill>
-                  <a:schemeClr val="tx1"/>
-                </a:solidFill>
-                <a:latin typeface="+mn-lt"/>
-                <a:ea typeface="+mn-ea"/>
-                <a:cs typeface="+mn-cs"/>
-              </a:defRPr>
-            </a:lvl4pPr>
-            <a:lvl5pPr marL="2057400" indent="-228600" algn="l" rtl="0" eaLnBrk="1" fontAlgn="base" hangingPunct="1">
-              <a:spcBef>
-                <a:spcPct val="20000"/>
-              </a:spcBef>
-              <a:spcAft>
-                <a:spcPct val="0"/>
-              </a:spcAft>
-              <a:buFont typeface="Arial" charset="0"/>
-              <a:buChar char="»"/>
-              <a:defRPr sz="2000" kern="1200">
-                <a:solidFill>
-                  <a:schemeClr val="tx1"/>
-                </a:solidFill>
-                <a:latin typeface="+mn-lt"/>
-                <a:ea typeface="+mn-ea"/>
-                <a:cs typeface="+mn-cs"/>
-              </a:defRPr>
-            </a:lvl5pPr>
-            <a:lvl6pPr marL="2514600" indent="-228600" algn="l" defTabSz="914400" rtl="0" eaLnBrk="1" latinLnBrk="0" hangingPunct="1">
-              <a:spcBef>
-                <a:spcPct val="20000"/>
-              </a:spcBef>
-              <a:buFont typeface="Arial" pitchFamily="34" charset="0"/>
-              <a:buChar char="•"/>
-              <a:defRPr sz="2000" kern="1200">
-                <a:solidFill>
-                  <a:schemeClr val="tx1"/>
-                </a:solidFill>
-                <a:latin typeface="+mn-lt"/>
-                <a:ea typeface="+mn-ea"/>
-                <a:cs typeface="+mn-cs"/>
-              </a:defRPr>
-            </a:lvl6pPr>
-            <a:lvl7pPr marL="2971800" indent="-228600" algn="l" defTabSz="914400" rtl="0" eaLnBrk="1" latinLnBrk="0" hangingPunct="1">
-              <a:spcBef>
-                <a:spcPct val="20000"/>
-              </a:spcBef>
-              <a:buFont typeface="Arial" pitchFamily="34" charset="0"/>
-              <a:buChar char="•"/>
-              <a:defRPr sz="2000" kern="1200">
-                <a:solidFill>
-                  <a:schemeClr val="tx1"/>
-                </a:solidFill>
-                <a:latin typeface="+mn-lt"/>
-                <a:ea typeface="+mn-ea"/>
-                <a:cs typeface="+mn-cs"/>
-              </a:defRPr>
-            </a:lvl7pPr>
-            <a:lvl8pPr marL="3429000" indent="-228600" algn="l" defTabSz="914400" rtl="0" eaLnBrk="1" latinLnBrk="0" hangingPunct="1">
-              <a:spcBef>
-                <a:spcPct val="20000"/>
-              </a:spcBef>
-              <a:buFont typeface="Arial" pitchFamily="34" charset="0"/>
-              <a:buChar char="•"/>
-              <a:defRPr sz="2000" kern="1200">
-                <a:solidFill>
-                  <a:schemeClr val="tx1"/>
-                </a:solidFill>
-                <a:latin typeface="+mn-lt"/>
-                <a:ea typeface="+mn-ea"/>
-                <a:cs typeface="+mn-cs"/>
-              </a:defRPr>
-            </a:lvl8pPr>
-            <a:lvl9pPr marL="3886200" indent="-228600" algn="l" defTabSz="914400" rtl="0" eaLnBrk="1" latinLnBrk="0" hangingPunct="1">
-              <a:spcBef>
-                <a:spcPct val="20000"/>
-              </a:spcBef>
-              <a:buFont typeface="Arial" pitchFamily="34" charset="0"/>
-              <a:buChar char="•"/>
-              <a:defRPr sz="2000" kern="1200">
-                <a:solidFill>
-                  <a:schemeClr val="tx1"/>
-                </a:solidFill>
-                <a:latin typeface="+mn-lt"/>
-                <a:ea typeface="+mn-ea"/>
-                <a:cs typeface="+mn-cs"/>
-              </a:defRPr>
-            </a:lvl9pPr>
-          </a:lstStyle>
-          <a:p>
-            <a:pPr marL="0" indent="0">
-              <a:buNone/>
-            </a:pPr>
-            <a:r>
-              <a:rPr lang="es-PE" sz="2800" dirty="0"/>
-              <a:t>Tienen todas las características de las </a:t>
-            </a:r>
-            <a:r>
-              <a:rPr lang="es-PE" sz="2800" dirty="0" err="1"/>
-              <a:t>xUnit</a:t>
-            </a:r>
-            <a:r>
-              <a:rPr lang="es-PE" sz="2800" dirty="0"/>
-              <a:t> </a:t>
-            </a:r>
-            <a:r>
-              <a:rPr lang="es-PE" sz="2800" dirty="0" smtClean="0"/>
-              <a:t>Frameworks tradicionales. Nos permiten escribir pruebas utilizando lenguaje SQL en forma de </a:t>
-            </a:r>
-            <a:r>
-              <a:rPr lang="es-PE" sz="2800" dirty="0" err="1" smtClean="0"/>
-              <a:t>Store</a:t>
-            </a:r>
-            <a:r>
-              <a:rPr lang="es-PE" sz="2800" dirty="0" smtClean="0"/>
-              <a:t> </a:t>
-            </a:r>
-            <a:r>
-              <a:rPr lang="es-PE" sz="2800" dirty="0" err="1" smtClean="0"/>
-              <a:t>Procedures</a:t>
-            </a:r>
-            <a:r>
-              <a:rPr lang="es-PE" sz="2800" dirty="0" smtClean="0"/>
-              <a:t>.</a:t>
-            </a:r>
-          </a:p>
-          <a:p>
-            <a:pPr marL="0" indent="0">
-              <a:buNone/>
-            </a:pPr>
-            <a:endParaRPr lang="es-PE" sz="2800" dirty="0" smtClean="0"/>
-          </a:p>
-          <a:p>
-            <a:pPr lvl="1" indent="-342900">
-              <a:buFont typeface="Courier New" pitchFamily="49" charset="0"/>
-              <a:buChar char="o"/>
-            </a:pPr>
-            <a:r>
-              <a:rPr lang="es-PE" dirty="0" smtClean="0">
-                <a:solidFill>
-                  <a:srgbClr val="FF0000"/>
-                </a:solidFill>
-              </a:rPr>
-              <a:t>SQL Server:  </a:t>
-            </a:r>
-            <a:r>
-              <a:rPr lang="es-PE" sz="2400" dirty="0" err="1"/>
-              <a:t>tSQLt</a:t>
-            </a:r>
-            <a:r>
-              <a:rPr lang="es-PE" sz="2400" dirty="0"/>
-              <a:t>, </a:t>
-            </a:r>
-            <a:r>
-              <a:rPr lang="es-PE" sz="2400" dirty="0" err="1"/>
-              <a:t>TSQLUnit</a:t>
-            </a:r>
-            <a:r>
-              <a:rPr lang="es-PE" sz="2400" dirty="0"/>
-              <a:t> …..</a:t>
-            </a:r>
-          </a:p>
-          <a:p>
-            <a:pPr lvl="1" indent="-342900">
-              <a:buFont typeface="Courier New" pitchFamily="49" charset="0"/>
-              <a:buChar char="o"/>
-            </a:pPr>
-            <a:r>
-              <a:rPr lang="es-PE" dirty="0" smtClean="0">
-                <a:solidFill>
-                  <a:srgbClr val="FF0000"/>
-                </a:solidFill>
-              </a:rPr>
-              <a:t>Oracle:  </a:t>
-            </a:r>
-            <a:r>
-              <a:rPr lang="es-PE" sz="2400" dirty="0" err="1" smtClean="0"/>
-              <a:t>utPLSQL</a:t>
-            </a:r>
-            <a:r>
-              <a:rPr lang="es-PE" sz="2400" dirty="0" smtClean="0"/>
-              <a:t>, PLUTO …..</a:t>
-            </a:r>
-          </a:p>
-        </p:txBody>
-      </p:sp>
-      <p:sp>
-        <p:nvSpPr>
-          <p:cNvPr id="4" name="2 Título"/>
-          <p:cNvSpPr txBox="1">
-            <a:spLocks/>
-          </p:cNvSpPr>
-          <p:nvPr/>
-        </p:nvSpPr>
-        <p:spPr bwMode="auto">
-          <a:xfrm>
-            <a:off x="493204" y="471810"/>
-            <a:ext cx="8229600" cy="724942"/>
-          </a:xfrm>
-          <a:prstGeom prst="rect">
-            <a:avLst/>
-          </a:prstGeom>
-          <a:noFill/>
-          <a:ln w="9525">
-            <a:noFill/>
-            <a:miter lim="800000"/>
-            <a:headEnd/>
-            <a:tailEnd/>
-          </a:ln>
-        </p:spPr>
-        <p:txBody>
-          <a:bodyPr vert="horz" wrap="square" lIns="91440" tIns="45720" rIns="91440" bIns="45720" numCol="1" anchor="ctr" anchorCtr="0" compatLnSpc="1">
-            <a:prstTxWarp prst="textNoShape">
-              <a:avLst/>
-            </a:prstTxWarp>
-          </a:bodyPr>
-          <a:lstStyle>
-            <a:lvl1pPr algn="ctr" rtl="0" eaLnBrk="1" fontAlgn="base" hangingPunct="1">
-              <a:spcBef>
-                <a:spcPct val="0"/>
-              </a:spcBef>
-              <a:spcAft>
-                <a:spcPct val="0"/>
-              </a:spcAft>
-              <a:defRPr sz="4400" kern="1200">
-                <a:solidFill>
-                  <a:schemeClr val="tx1"/>
-                </a:solidFill>
-                <a:latin typeface="+mj-lt"/>
-                <a:ea typeface="+mj-ea"/>
-                <a:cs typeface="+mj-cs"/>
-              </a:defRPr>
-            </a:lvl1pPr>
-            <a:lvl2pPr algn="ctr" rtl="0" eaLnBrk="1" fontAlgn="base" hangingPunct="1">
-              <a:spcBef>
-                <a:spcPct val="0"/>
-              </a:spcBef>
-              <a:spcAft>
-                <a:spcPct val="0"/>
-              </a:spcAft>
-              <a:defRPr sz="4400">
-                <a:solidFill>
-                  <a:schemeClr val="tx1"/>
-                </a:solidFill>
-                <a:latin typeface="Calibri" pitchFamily="34" charset="0"/>
-              </a:defRPr>
-            </a:lvl2pPr>
-            <a:lvl3pPr algn="ctr" rtl="0" eaLnBrk="1" fontAlgn="base" hangingPunct="1">
-              <a:spcBef>
-                <a:spcPct val="0"/>
-              </a:spcBef>
-              <a:spcAft>
-                <a:spcPct val="0"/>
-              </a:spcAft>
-              <a:defRPr sz="4400">
-                <a:solidFill>
-                  <a:schemeClr val="tx1"/>
-                </a:solidFill>
-                <a:latin typeface="Calibri" pitchFamily="34" charset="0"/>
-              </a:defRPr>
-            </a:lvl3pPr>
-            <a:lvl4pPr algn="ctr" rtl="0" eaLnBrk="1" fontAlgn="base" hangingPunct="1">
-              <a:spcBef>
-                <a:spcPct val="0"/>
-              </a:spcBef>
-              <a:spcAft>
-                <a:spcPct val="0"/>
-              </a:spcAft>
-              <a:defRPr sz="4400">
-                <a:solidFill>
-                  <a:schemeClr val="tx1"/>
-                </a:solidFill>
-                <a:latin typeface="Calibri" pitchFamily="34" charset="0"/>
-              </a:defRPr>
-            </a:lvl4pPr>
-            <a:lvl5pPr algn="ctr" rtl="0" eaLnBrk="1" fontAlgn="base" hangingPunct="1">
-              <a:spcBef>
-                <a:spcPct val="0"/>
-              </a:spcBef>
-              <a:spcAft>
-                <a:spcPct val="0"/>
-              </a:spcAft>
-              <a:defRPr sz="4400">
-                <a:solidFill>
-                  <a:schemeClr val="tx1"/>
-                </a:solidFill>
-                <a:latin typeface="Calibri" pitchFamily="34" charset="0"/>
-              </a:defRPr>
-            </a:lvl5pPr>
-            <a:lvl6pPr marL="457200" algn="ctr" rtl="0" eaLnBrk="1" fontAlgn="base" hangingPunct="1">
-              <a:spcBef>
-                <a:spcPct val="0"/>
-              </a:spcBef>
-              <a:spcAft>
-                <a:spcPct val="0"/>
-              </a:spcAft>
-              <a:defRPr sz="4400">
-                <a:solidFill>
-                  <a:schemeClr val="tx1"/>
-                </a:solidFill>
-                <a:latin typeface="Calibri" pitchFamily="34" charset="0"/>
-              </a:defRPr>
-            </a:lvl6pPr>
-            <a:lvl7pPr marL="914400" algn="ctr" rtl="0" eaLnBrk="1" fontAlgn="base" hangingPunct="1">
-              <a:spcBef>
-                <a:spcPct val="0"/>
-              </a:spcBef>
-              <a:spcAft>
-                <a:spcPct val="0"/>
-              </a:spcAft>
-              <a:defRPr sz="4400">
-                <a:solidFill>
-                  <a:schemeClr val="tx1"/>
-                </a:solidFill>
-                <a:latin typeface="Calibri" pitchFamily="34" charset="0"/>
-              </a:defRPr>
-            </a:lvl7pPr>
-            <a:lvl8pPr marL="1371600" algn="ctr" rtl="0" eaLnBrk="1" fontAlgn="base" hangingPunct="1">
-              <a:spcBef>
-                <a:spcPct val="0"/>
-              </a:spcBef>
-              <a:spcAft>
-                <a:spcPct val="0"/>
-              </a:spcAft>
-              <a:defRPr sz="4400">
-                <a:solidFill>
-                  <a:schemeClr val="tx1"/>
-                </a:solidFill>
-                <a:latin typeface="Calibri" pitchFamily="34" charset="0"/>
-              </a:defRPr>
-            </a:lvl8pPr>
-            <a:lvl9pPr marL="1828800" algn="ctr" rtl="0" eaLnBrk="1" fontAlgn="base" hangingPunct="1">
-              <a:spcBef>
-                <a:spcPct val="0"/>
-              </a:spcBef>
-              <a:spcAft>
-                <a:spcPct val="0"/>
-              </a:spcAft>
-              <a:defRPr sz="4400">
-                <a:solidFill>
-                  <a:schemeClr val="tx1"/>
-                </a:solidFill>
-                <a:latin typeface="Calibri" pitchFamily="34" charset="0"/>
-              </a:defRPr>
-            </a:lvl9pPr>
-          </a:lstStyle>
-          <a:p>
-            <a:r>
-              <a:rPr lang="es-PE" dirty="0" err="1" smtClean="0">
-                <a:solidFill>
-                  <a:srgbClr val="00823B"/>
-                </a:solidFill>
-              </a:rPr>
-              <a:t>xUnit</a:t>
-            </a:r>
-            <a:r>
-              <a:rPr lang="es-PE" dirty="0" smtClean="0">
-                <a:solidFill>
-                  <a:srgbClr val="00823B"/>
-                </a:solidFill>
-              </a:rPr>
-              <a:t> DB Frameworks</a:t>
-            </a:r>
-            <a:endParaRPr lang="es-PE" dirty="0">
-              <a:solidFill>
-                <a:srgbClr val="00823B"/>
-              </a:solidFill>
-            </a:endParaRPr>
-          </a:p>
-        </p:txBody>
-      </p:sp>
-    </p:spTree>
-    <p:extLst>
-      <p:ext uri="{BB962C8B-B14F-4D97-AF65-F5344CB8AC3E}">
-        <p14:creationId xmlns:p14="http://schemas.microsoft.com/office/powerpoint/2010/main" val="1622851325"/>
       </p:ext>
     </p:extLst>
   </p:cSld>
@@ -15003,6 +15058,285 @@
       </p:grpSpPr>
       <p:sp>
         <p:nvSpPr>
+          <p:cNvPr id="6" name="5 Marcador de contenido"/>
+          <p:cNvSpPr txBox="1">
+            <a:spLocks/>
+          </p:cNvSpPr>
+          <p:nvPr/>
+        </p:nvSpPr>
+        <p:spPr bwMode="auto">
+          <a:xfrm>
+            <a:off x="323528" y="1484784"/>
+            <a:ext cx="8568952" cy="3168352"/>
+          </a:xfrm>
+          <a:prstGeom prst="rect">
+            <a:avLst/>
+          </a:prstGeom>
+          <a:noFill/>
+          <a:ln w="9525">
+            <a:noFill/>
+            <a:miter lim="800000"/>
+            <a:headEnd/>
+            <a:tailEnd/>
+          </a:ln>
+        </p:spPr>
+        <p:txBody>
+          <a:bodyPr vert="horz" wrap="square" lIns="91440" tIns="45720" rIns="91440" bIns="45720" numCol="1" anchor="t" anchorCtr="0" compatLnSpc="1">
+            <a:prstTxWarp prst="textNoShape">
+              <a:avLst/>
+            </a:prstTxWarp>
+          </a:bodyPr>
+          <a:lstStyle>
+            <a:lvl1pPr marL="342900" indent="-342900" algn="l" rtl="0" eaLnBrk="1" fontAlgn="base" hangingPunct="1">
+              <a:spcBef>
+                <a:spcPct val="20000"/>
+              </a:spcBef>
+              <a:spcAft>
+                <a:spcPct val="0"/>
+              </a:spcAft>
+              <a:buFont typeface="Arial" charset="0"/>
+              <a:buChar char="•"/>
+              <a:defRPr sz="3200" kern="1200">
+                <a:solidFill>
+                  <a:schemeClr val="tx1"/>
+                </a:solidFill>
+                <a:latin typeface="+mn-lt"/>
+                <a:ea typeface="+mn-ea"/>
+                <a:cs typeface="+mn-cs"/>
+              </a:defRPr>
+            </a:lvl1pPr>
+            <a:lvl2pPr marL="742950" indent="-285750" algn="l" rtl="0" eaLnBrk="1" fontAlgn="base" hangingPunct="1">
+              <a:spcBef>
+                <a:spcPct val="20000"/>
+              </a:spcBef>
+              <a:spcAft>
+                <a:spcPct val="0"/>
+              </a:spcAft>
+              <a:buFont typeface="Arial" charset="0"/>
+              <a:buChar char="–"/>
+              <a:defRPr sz="2800" kern="1200">
+                <a:solidFill>
+                  <a:schemeClr val="tx1"/>
+                </a:solidFill>
+                <a:latin typeface="+mn-lt"/>
+                <a:ea typeface="+mn-ea"/>
+                <a:cs typeface="+mn-cs"/>
+              </a:defRPr>
+            </a:lvl2pPr>
+            <a:lvl3pPr marL="1143000" indent="-228600" algn="l" rtl="0" eaLnBrk="1" fontAlgn="base" hangingPunct="1">
+              <a:spcBef>
+                <a:spcPct val="20000"/>
+              </a:spcBef>
+              <a:spcAft>
+                <a:spcPct val="0"/>
+              </a:spcAft>
+              <a:buFont typeface="Arial" charset="0"/>
+              <a:buChar char="•"/>
+              <a:defRPr sz="2400" kern="1200">
+                <a:solidFill>
+                  <a:schemeClr val="tx1"/>
+                </a:solidFill>
+                <a:latin typeface="+mn-lt"/>
+                <a:ea typeface="+mn-ea"/>
+                <a:cs typeface="+mn-cs"/>
+              </a:defRPr>
+            </a:lvl3pPr>
+            <a:lvl4pPr marL="1600200" indent="-228600" algn="l" rtl="0" eaLnBrk="1" fontAlgn="base" hangingPunct="1">
+              <a:spcBef>
+                <a:spcPct val="20000"/>
+              </a:spcBef>
+              <a:spcAft>
+                <a:spcPct val="0"/>
+              </a:spcAft>
+              <a:buFont typeface="Arial" charset="0"/>
+              <a:buChar char="–"/>
+              <a:defRPr sz="2000" kern="1200">
+                <a:solidFill>
+                  <a:schemeClr val="tx1"/>
+                </a:solidFill>
+                <a:latin typeface="+mn-lt"/>
+                <a:ea typeface="+mn-ea"/>
+                <a:cs typeface="+mn-cs"/>
+              </a:defRPr>
+            </a:lvl4pPr>
+            <a:lvl5pPr marL="2057400" indent="-228600" algn="l" rtl="0" eaLnBrk="1" fontAlgn="base" hangingPunct="1">
+              <a:spcBef>
+                <a:spcPct val="20000"/>
+              </a:spcBef>
+              <a:spcAft>
+                <a:spcPct val="0"/>
+              </a:spcAft>
+              <a:buFont typeface="Arial" charset="0"/>
+              <a:buChar char="»"/>
+              <a:defRPr sz="2000" kern="1200">
+                <a:solidFill>
+                  <a:schemeClr val="tx1"/>
+                </a:solidFill>
+                <a:latin typeface="+mn-lt"/>
+                <a:ea typeface="+mn-ea"/>
+                <a:cs typeface="+mn-cs"/>
+              </a:defRPr>
+            </a:lvl5pPr>
+            <a:lvl6pPr marL="2514600" indent="-228600" algn="l" defTabSz="914400" rtl="0" eaLnBrk="1" latinLnBrk="0" hangingPunct="1">
+              <a:spcBef>
+                <a:spcPct val="20000"/>
+              </a:spcBef>
+              <a:buFont typeface="Arial" pitchFamily="34" charset="0"/>
+              <a:buChar char="•"/>
+              <a:defRPr sz="2000" kern="1200">
+                <a:solidFill>
+                  <a:schemeClr val="tx1"/>
+                </a:solidFill>
+                <a:latin typeface="+mn-lt"/>
+                <a:ea typeface="+mn-ea"/>
+                <a:cs typeface="+mn-cs"/>
+              </a:defRPr>
+            </a:lvl6pPr>
+            <a:lvl7pPr marL="2971800" indent="-228600" algn="l" defTabSz="914400" rtl="0" eaLnBrk="1" latinLnBrk="0" hangingPunct="1">
+              <a:spcBef>
+                <a:spcPct val="20000"/>
+              </a:spcBef>
+              <a:buFont typeface="Arial" pitchFamily="34" charset="0"/>
+              <a:buChar char="•"/>
+              <a:defRPr sz="2000" kern="1200">
+                <a:solidFill>
+                  <a:schemeClr val="tx1"/>
+                </a:solidFill>
+                <a:latin typeface="+mn-lt"/>
+                <a:ea typeface="+mn-ea"/>
+                <a:cs typeface="+mn-cs"/>
+              </a:defRPr>
+            </a:lvl7pPr>
+            <a:lvl8pPr marL="3429000" indent="-228600" algn="l" defTabSz="914400" rtl="0" eaLnBrk="1" latinLnBrk="0" hangingPunct="1">
+              <a:spcBef>
+                <a:spcPct val="20000"/>
+              </a:spcBef>
+              <a:buFont typeface="Arial" pitchFamily="34" charset="0"/>
+              <a:buChar char="•"/>
+              <a:defRPr sz="2000" kern="1200">
+                <a:solidFill>
+                  <a:schemeClr val="tx1"/>
+                </a:solidFill>
+                <a:latin typeface="+mn-lt"/>
+                <a:ea typeface="+mn-ea"/>
+                <a:cs typeface="+mn-cs"/>
+              </a:defRPr>
+            </a:lvl8pPr>
+            <a:lvl9pPr marL="3886200" indent="-228600" algn="l" defTabSz="914400" rtl="0" eaLnBrk="1" latinLnBrk="0" hangingPunct="1">
+              <a:spcBef>
+                <a:spcPct val="20000"/>
+              </a:spcBef>
+              <a:buFont typeface="Arial" pitchFamily="34" charset="0"/>
+              <a:buChar char="•"/>
+              <a:defRPr sz="2000" kern="1200">
+                <a:solidFill>
+                  <a:schemeClr val="tx1"/>
+                </a:solidFill>
+                <a:latin typeface="+mn-lt"/>
+                <a:ea typeface="+mn-ea"/>
+                <a:cs typeface="+mn-cs"/>
+              </a:defRPr>
+            </a:lvl9pPr>
+          </a:lstStyle>
+          <a:p>
+            <a:pPr marL="0" indent="0">
+              <a:buNone/>
+            </a:pPr>
+            <a:r>
+              <a:rPr lang="es-PE" sz="2800" dirty="0"/>
+              <a:t>Tienen todas las características de las </a:t>
+            </a:r>
+            <a:r>
+              <a:rPr lang="es-PE" sz="2800" dirty="0" err="1"/>
+              <a:t>xUnit</a:t>
+            </a:r>
+            <a:r>
+              <a:rPr lang="es-PE" sz="2800" dirty="0"/>
+              <a:t> </a:t>
+            </a:r>
+            <a:r>
+              <a:rPr lang="es-PE" sz="2800" dirty="0" smtClean="0"/>
+              <a:t>Frameworks tradicionales. Nos permiten escribir pruebas utilizando lenguaje SQL en forma de </a:t>
+            </a:r>
+            <a:r>
+              <a:rPr lang="es-PE" sz="2800" dirty="0" err="1" smtClean="0"/>
+              <a:t>Store</a:t>
+            </a:r>
+            <a:r>
+              <a:rPr lang="es-PE" sz="2800" dirty="0" smtClean="0"/>
+              <a:t> </a:t>
+            </a:r>
+            <a:r>
+              <a:rPr lang="es-PE" sz="2800" dirty="0" err="1" smtClean="0"/>
+              <a:t>Procedures</a:t>
+            </a:r>
+            <a:r>
+              <a:rPr lang="es-PE" sz="2800" dirty="0" smtClean="0"/>
+              <a:t>.</a:t>
+            </a:r>
+          </a:p>
+          <a:p>
+            <a:pPr marL="0" indent="0">
+              <a:buNone/>
+            </a:pPr>
+            <a:endParaRPr lang="es-PE" sz="2800" dirty="0" smtClean="0"/>
+          </a:p>
+          <a:p>
+            <a:pPr lvl="1" indent="-342900">
+              <a:buFont typeface="Courier New" pitchFamily="49" charset="0"/>
+              <a:buChar char="o"/>
+            </a:pPr>
+            <a:r>
+              <a:rPr lang="es-PE" dirty="0" smtClean="0">
+                <a:solidFill>
+                  <a:srgbClr val="FF0000"/>
+                </a:solidFill>
+              </a:rPr>
+              <a:t>SQL Server:  </a:t>
+            </a:r>
+            <a:r>
+              <a:rPr lang="es-PE" sz="2400" dirty="0" err="1"/>
+              <a:t>tSQLt</a:t>
+            </a:r>
+            <a:r>
+              <a:rPr lang="es-PE" sz="2400" dirty="0"/>
+              <a:t>, </a:t>
+            </a:r>
+            <a:r>
+              <a:rPr lang="es-PE" sz="2400" dirty="0" err="1"/>
+              <a:t>TSQLUnit</a:t>
+            </a:r>
+            <a:r>
+              <a:rPr lang="es-PE" sz="2400" dirty="0"/>
+              <a:t> …..</a:t>
+            </a:r>
+          </a:p>
+          <a:p>
+            <a:pPr lvl="1" indent="-342900">
+              <a:buFont typeface="Courier New" pitchFamily="49" charset="0"/>
+              <a:buChar char="o"/>
+            </a:pPr>
+            <a:r>
+              <a:rPr lang="es-PE" dirty="0" smtClean="0">
+                <a:solidFill>
+                  <a:srgbClr val="FF0000"/>
+                </a:solidFill>
+              </a:rPr>
+              <a:t>Oracle:  </a:t>
+            </a:r>
+            <a:r>
+              <a:rPr lang="es-PE" sz="2400" dirty="0" err="1" smtClean="0"/>
+              <a:t>utPLSQL</a:t>
+            </a:r>
+            <a:r>
+              <a:rPr lang="es-PE" sz="2400" dirty="0" smtClean="0"/>
+              <a:t>, PLUTO …..</a:t>
+            </a:r>
+          </a:p>
+        </p:txBody>
+      </p:sp>
+      <p:sp>
+        <p:nvSpPr>
           <p:cNvPr id="4" name="2 Título"/>
           <p:cNvSpPr txBox="1">
             <a:spLocks/>
@@ -15011,8 +15345,8 @@
         </p:nvSpPr>
         <p:spPr bwMode="auto">
           <a:xfrm>
-            <a:off x="457200" y="1124744"/>
-            <a:ext cx="8229600" cy="3672408"/>
+            <a:off x="493204" y="471810"/>
+            <a:ext cx="8229600" cy="724942"/>
           </a:xfrm>
           <a:prstGeom prst="rect">
             <a:avLst/>
@@ -15163,124 +15497,20 @@
           </a:lstStyle>
           <a:p>
             <a:r>
+              <a:rPr lang="es-PE" dirty="0" err="1" smtClean="0">
+                <a:solidFill>
+                  <a:srgbClr val="00823B"/>
+                </a:solidFill>
+              </a:rPr>
+              <a:t>xUnit</a:t>
+            </a:r>
+            <a:r>
               <a:rPr lang="es-PE" dirty="0" smtClean="0">
                 <a:solidFill>
-                  <a:srgbClr val="FFC000"/>
-                </a:solidFill>
-              </a:rPr>
-              <a:t>Ejercicio</a:t>
-            </a:r>
-          </a:p>
-          <a:p>
-            <a:r>
-              <a:rPr lang="es-PE" dirty="0" smtClean="0"/>
-              <a:t>Utilizar </a:t>
-            </a:r>
-            <a:br>
-              <a:rPr lang="es-PE" dirty="0" smtClean="0"/>
-            </a:br>
-            <a:r>
-              <a:rPr lang="es-PE" dirty="0" smtClean="0">
-                <a:solidFill>
                   <a:srgbClr val="00823B"/>
                 </a:solidFill>
               </a:rPr>
-              <a:t>"</a:t>
-            </a:r>
-            <a:r>
-              <a:rPr lang="es-PE" dirty="0" err="1" smtClean="0">
-                <a:solidFill>
-                  <a:srgbClr val="00823B"/>
-                </a:solidFill>
-              </a:rPr>
-              <a:t>tSQLt</a:t>
-            </a:r>
-            <a:r>
-              <a:rPr lang="es-PE" dirty="0" smtClean="0">
-                <a:solidFill>
-                  <a:srgbClr val="00823B"/>
-                </a:solidFill>
-              </a:rPr>
-              <a:t> </a:t>
-            </a:r>
-            <a:r>
-              <a:rPr lang="es-PE" dirty="0" err="1" smtClean="0">
-                <a:solidFill>
-                  <a:srgbClr val="00823B"/>
-                </a:solidFill>
-              </a:rPr>
-              <a:t>xUnit</a:t>
-            </a:r>
-            <a:r>
-              <a:rPr lang="es-PE" dirty="0" smtClean="0">
-                <a:solidFill>
-                  <a:srgbClr val="00823B"/>
-                </a:solidFill>
-              </a:rPr>
-              <a:t> DB Framework" </a:t>
-            </a:r>
-          </a:p>
-          <a:p>
-            <a:r>
-              <a:rPr lang="es-PE" dirty="0" smtClean="0"/>
-              <a:t>para crear pruebas unitarias a </a:t>
-            </a:r>
-            <a:r>
-              <a:rPr lang="es-PE" dirty="0" smtClean="0">
-                <a:solidFill>
-                  <a:srgbClr val="00823B"/>
-                </a:solidFill>
-              </a:rPr>
-              <a:t/>
-            </a:r>
-            <a:br>
-              <a:rPr lang="es-PE" dirty="0" smtClean="0">
-                <a:solidFill>
-                  <a:srgbClr val="00823B"/>
-                </a:solidFill>
-              </a:rPr>
-            </a:br>
-            <a:r>
-              <a:rPr lang="es-PE" dirty="0" smtClean="0">
-                <a:solidFill>
-                  <a:srgbClr val="00823B"/>
-                </a:solidFill>
-              </a:rPr>
-              <a:t>"SQL Server (T-SQL) </a:t>
-            </a:r>
-          </a:p>
-          <a:p>
-            <a:r>
-              <a:rPr lang="es-PE" dirty="0" err="1" smtClean="0">
-                <a:solidFill>
-                  <a:srgbClr val="00823B"/>
-                </a:solidFill>
-              </a:rPr>
-              <a:t>Store</a:t>
-            </a:r>
-            <a:r>
-              <a:rPr lang="es-PE" dirty="0" smtClean="0">
-                <a:solidFill>
-                  <a:srgbClr val="00823B"/>
-                </a:solidFill>
-              </a:rPr>
-              <a:t> </a:t>
-            </a:r>
-            <a:r>
-              <a:rPr lang="es-PE" dirty="0" err="1" smtClean="0">
-                <a:solidFill>
-                  <a:srgbClr val="00823B"/>
-                </a:solidFill>
-              </a:rPr>
-              <a:t>Procedures</a:t>
-            </a:r>
-            <a:r>
-              <a:rPr lang="es-PE" dirty="0" smtClean="0">
-                <a:solidFill>
-                  <a:srgbClr val="00823B"/>
-                </a:solidFill>
-              </a:rPr>
-              <a:t>"</a:t>
+              <a:t> DB Frameworks</a:t>
             </a:r>
             <a:endParaRPr lang="es-PE" dirty="0">
               <a:solidFill>
@@ -15293,7 +15523,7 @@
     </p:spTree>
     <p:extLst>
       <p:ext uri="{BB962C8B-B14F-4D97-AF65-F5344CB8AC3E}">
-        <p14:creationId xmlns:p14="http://schemas.microsoft.com/office/powerpoint/2010/main" val="433099725"/>
+        <p14:creationId xmlns:p14="http://schemas.microsoft.com/office/powerpoint/2010/main" val="1622851325"/>
       </p:ext>
     </p:extLst>
   </p:cSld>
@@ -15329,6 +15559,332 @@
       </p:grpSpPr>
       <p:sp>
         <p:nvSpPr>
+          <p:cNvPr id="4" name="2 Título"/>
+          <p:cNvSpPr txBox="1">
+            <a:spLocks/>
+          </p:cNvSpPr>
+          <p:nvPr/>
+        </p:nvSpPr>
+        <p:spPr bwMode="auto">
+          <a:xfrm>
+            <a:off x="457200" y="1124744"/>
+            <a:ext cx="8229600" cy="3672408"/>
+          </a:xfrm>
+          <a:prstGeom prst="rect">
+            <a:avLst/>
+          </a:prstGeom>
+          <a:noFill/>
+          <a:ln w="9525">
+            <a:noFill/>
+            <a:miter lim="800000"/>
+            <a:headEnd/>
+            <a:tailEnd/>
+          </a:ln>
+        </p:spPr>
+        <p:txBody>
+          <a:bodyPr vert="horz" wrap="square" lIns="91440" tIns="45720" rIns="91440" bIns="45720" numCol="1" anchor="ctr" anchorCtr="0" compatLnSpc="1">
+            <a:prstTxWarp prst="textNoShape">
+              <a:avLst/>
+            </a:prstTxWarp>
+          </a:bodyPr>
+          <a:lstStyle>
+            <a:lvl1pPr algn="ctr" rtl="0" eaLnBrk="1" fontAlgn="base" hangingPunct="1">
+              <a:spcBef>
+                <a:spcPct val="0"/>
+              </a:spcBef>
+              <a:spcAft>
+                <a:spcPct val="0"/>
+              </a:spcAft>
+              <a:defRPr sz="4400" kern="1200">
+                <a:solidFill>
+                  <a:schemeClr val="tx1"/>
+                </a:solidFill>
+                <a:latin typeface="+mj-lt"/>
+                <a:ea typeface="+mj-ea"/>
+                <a:cs typeface="+mj-cs"/>
+              </a:defRPr>
+            </a:lvl1pPr>
+            <a:lvl2pPr algn="ctr" rtl="0" eaLnBrk="1" fontAlgn="base" hangingPunct="1">
+              <a:spcBef>
+                <a:spcPct val="0"/>
+              </a:spcBef>
+              <a:spcAft>
+                <a:spcPct val="0"/>
+              </a:spcAft>
+              <a:defRPr sz="4400">
+                <a:solidFill>
+                  <a:schemeClr val="tx1"/>
+                </a:solidFill>
+                <a:latin typeface="Calibri" pitchFamily="34" charset="0"/>
+              </a:defRPr>
+            </a:lvl2pPr>
+            <a:lvl3pPr algn="ctr" rtl="0" eaLnBrk="1" fontAlgn="base" hangingPunct="1">
+              <a:spcBef>
+                <a:spcPct val="0"/>
+              </a:spcBef>
+              <a:spcAft>
+                <a:spcPct val="0"/>
+              </a:spcAft>
+              <a:defRPr sz="4400">
+                <a:solidFill>
+                  <a:schemeClr val="tx1"/>
+                </a:solidFill>
+                <a:latin typeface="Calibri" pitchFamily="34" charset="0"/>
+              </a:defRPr>
+            </a:lvl3pPr>
+            <a:lvl4pPr algn="ctr" rtl="0" eaLnBrk="1" fontAlgn="base" hangingPunct="1">
+              <a:spcBef>
+                <a:spcPct val="0"/>
+              </a:spcBef>
+              <a:spcAft>
+                <a:spcPct val="0"/>
+              </a:spcAft>
+              <a:defRPr sz="4400">
+                <a:solidFill>
+                  <a:schemeClr val="tx1"/>
+                </a:solidFill>
+                <a:latin typeface="Calibri" pitchFamily="34" charset="0"/>
+              </a:defRPr>
+            </a:lvl4pPr>
+            <a:lvl5pPr algn="ctr" rtl="0" eaLnBrk="1" fontAlgn="base" hangingPunct="1">
+              <a:spcBef>
+                <a:spcPct val="0"/>
+              </a:spcBef>
+              <a:spcAft>
+                <a:spcPct val="0"/>
+              </a:spcAft>
+              <a:defRPr sz="4400">
+                <a:solidFill>
+                  <a:schemeClr val="tx1"/>
+                </a:solidFill>
+                <a:latin typeface="Calibri" pitchFamily="34" charset="0"/>
+              </a:defRPr>
+            </a:lvl5pPr>
+            <a:lvl6pPr marL="457200" algn="ctr" rtl="0" eaLnBrk="1" fontAlgn="base" hangingPunct="1">
+              <a:spcBef>
+                <a:spcPct val="0"/>
+              </a:spcBef>
+              <a:spcAft>
+                <a:spcPct val="0"/>
+              </a:spcAft>
+              <a:defRPr sz="4400">
+                <a:solidFill>
+                  <a:schemeClr val="tx1"/>
+                </a:solidFill>
+                <a:latin typeface="Calibri" pitchFamily="34" charset="0"/>
+              </a:defRPr>
+            </a:lvl6pPr>
+            <a:lvl7pPr marL="914400" algn="ctr" rtl="0" eaLnBrk="1" fontAlgn="base" hangingPunct="1">
+              <a:spcBef>
+                <a:spcPct val="0"/>
+              </a:spcBef>
+              <a:spcAft>
+                <a:spcPct val="0"/>
+              </a:spcAft>
+              <a:defRPr sz="4400">
+                <a:solidFill>
+                  <a:schemeClr val="tx1"/>
+                </a:solidFill>
+                <a:latin typeface="Calibri" pitchFamily="34" charset="0"/>
+              </a:defRPr>
+            </a:lvl7pPr>
+            <a:lvl8pPr marL="1371600" algn="ctr" rtl="0" eaLnBrk="1" fontAlgn="base" hangingPunct="1">
+              <a:spcBef>
+                <a:spcPct val="0"/>
+              </a:spcBef>
+              <a:spcAft>
+                <a:spcPct val="0"/>
+              </a:spcAft>
+              <a:defRPr sz="4400">
+                <a:solidFill>
+                  <a:schemeClr val="tx1"/>
+                </a:solidFill>
+                <a:latin typeface="Calibri" pitchFamily="34" charset="0"/>
+              </a:defRPr>
+            </a:lvl8pPr>
+            <a:lvl9pPr marL="1828800" algn="ctr" rtl="0" eaLnBrk="1" fontAlgn="base" hangingPunct="1">
+              <a:spcBef>
+                <a:spcPct val="0"/>
+              </a:spcBef>
+              <a:spcAft>
+                <a:spcPct val="0"/>
+              </a:spcAft>
+              <a:defRPr sz="4400">
+                <a:solidFill>
+                  <a:schemeClr val="tx1"/>
+                </a:solidFill>
+                <a:latin typeface="Calibri" pitchFamily="34" charset="0"/>
+              </a:defRPr>
+            </a:lvl9pPr>
+          </a:lstStyle>
+          <a:p>
+            <a:r>
+              <a:rPr lang="es-PE" dirty="0" smtClean="0">
+                <a:solidFill>
+                  <a:srgbClr val="FFC000"/>
+                </a:solidFill>
+              </a:rPr>
+              <a:t>Ejercicio</a:t>
+            </a:r>
+          </a:p>
+          <a:p>
+            <a:r>
+              <a:rPr lang="es-PE" dirty="0" smtClean="0"/>
+              <a:t>Utilizar </a:t>
+            </a:r>
+            <a:br>
+              <a:rPr lang="es-PE" dirty="0" smtClean="0"/>
+            </a:br>
+            <a:r>
+              <a:rPr lang="es-PE" dirty="0" smtClean="0">
+                <a:solidFill>
+                  <a:srgbClr val="00823B"/>
+                </a:solidFill>
+              </a:rPr>
+              <a:t>"</a:t>
+            </a:r>
+            <a:r>
+              <a:rPr lang="es-PE" dirty="0" err="1" smtClean="0">
+                <a:solidFill>
+                  <a:srgbClr val="00823B"/>
+                </a:solidFill>
+              </a:rPr>
+              <a:t>tSQLt</a:t>
+            </a:r>
+            <a:r>
+              <a:rPr lang="es-PE" dirty="0" smtClean="0">
+                <a:solidFill>
+                  <a:srgbClr val="00823B"/>
+                </a:solidFill>
+              </a:rPr>
+              <a:t> </a:t>
+            </a:r>
+            <a:r>
+              <a:rPr lang="es-PE" dirty="0" err="1" smtClean="0">
+                <a:solidFill>
+                  <a:srgbClr val="00823B"/>
+                </a:solidFill>
+              </a:rPr>
+              <a:t>xUnit</a:t>
+            </a:r>
+            <a:r>
+              <a:rPr lang="es-PE" dirty="0" smtClean="0">
+                <a:solidFill>
+                  <a:srgbClr val="00823B"/>
+                </a:solidFill>
+              </a:rPr>
+              <a:t> DB Framework" </a:t>
+            </a:r>
+          </a:p>
+          <a:p>
+            <a:r>
+              <a:rPr lang="es-PE" dirty="0" smtClean="0"/>
+              <a:t>para crear pruebas unitarias a </a:t>
+            </a:r>
+            <a:r>
+              <a:rPr lang="es-PE" dirty="0" smtClean="0">
+                <a:solidFill>
+                  <a:srgbClr val="00823B"/>
+                </a:solidFill>
+              </a:rPr>
+              <a:t/>
+            </a:r>
+            <a:br>
+              <a:rPr lang="es-PE" dirty="0" smtClean="0">
+                <a:solidFill>
+                  <a:srgbClr val="00823B"/>
+                </a:solidFill>
+              </a:rPr>
+            </a:br>
+            <a:r>
+              <a:rPr lang="es-PE" dirty="0" smtClean="0">
+                <a:solidFill>
+                  <a:srgbClr val="00823B"/>
+                </a:solidFill>
+              </a:rPr>
+              <a:t>"SQL Server (T-SQL) </a:t>
+            </a:r>
+          </a:p>
+          <a:p>
+            <a:r>
+              <a:rPr lang="es-PE" dirty="0" err="1" smtClean="0">
+                <a:solidFill>
+                  <a:srgbClr val="00823B"/>
+                </a:solidFill>
+              </a:rPr>
+              <a:t>Store</a:t>
+            </a:r>
+            <a:r>
+              <a:rPr lang="es-PE" dirty="0" smtClean="0">
+                <a:solidFill>
+                  <a:srgbClr val="00823B"/>
+                </a:solidFill>
+              </a:rPr>
+              <a:t> </a:t>
+            </a:r>
+            <a:r>
+              <a:rPr lang="es-PE" dirty="0" err="1" smtClean="0">
+                <a:solidFill>
+                  <a:srgbClr val="00823B"/>
+                </a:solidFill>
+              </a:rPr>
+              <a:t>Procedures</a:t>
+            </a:r>
+            <a:r>
+              <a:rPr lang="es-PE" dirty="0" smtClean="0">
+                <a:solidFill>
+                  <a:srgbClr val="00823B"/>
+                </a:solidFill>
+              </a:rPr>
+              <a:t>"</a:t>
+            </a:r>
+            <a:endParaRPr lang="es-PE" dirty="0">
+              <a:solidFill>
+                <a:srgbClr val="00823B"/>
+              </a:solidFill>
+            </a:endParaRPr>
+          </a:p>
+        </p:txBody>
+      </p:sp>
+    </p:spTree>
+    <p:extLst>
+      <p:ext uri="{BB962C8B-B14F-4D97-AF65-F5344CB8AC3E}">
+        <p14:creationId xmlns:p14="http://schemas.microsoft.com/office/powerpoint/2010/main" val="433099725"/>
+      </p:ext>
+    </p:extLst>
+  </p:cSld>
+  <p:clrMapOvr>
+    <a:masterClrMapping/>
+  </p:clrMapOvr>
+  <p:timing>
+    <p:tnLst>
+      <p:par>
+        <p:cTn id="1" dur="indefinite" restart="never" nodeType="tmRoot"/>
+      </p:par>
+    </p:tnLst>
+  </p:timing>
+</p:sld>
+</file>
+
+<file path=ppt/slides/slide28.xml><?xml version="1.0" encoding="utf-8"?>
+<p:sld xmlns:a="http://schemas.openxmlformats.org/drawingml/2006/main" xmlns:r="http://schemas.openxmlformats.org/officeDocument/2006/relationships" xmlns:p="http://schemas.openxmlformats.org/presentationml/2006/main">
+  <p:cSld>
+    <p:spTree>
+      <p:nvGrpSpPr>
+        <p:cNvPr id="1" name=""/>
+        <p:cNvGrpSpPr/>
+        <p:nvPr/>
+      </p:nvGrpSpPr>
+      <p:grpSpPr>
+        <a:xfrm>
+          <a:off x="0" y="0"/>
+          <a:ext cx="0" cy="0"/>
+          <a:chOff x="0" y="0"/>
+          <a:chExt cx="0" cy="0"/>
+        </a:xfrm>
+      </p:grpSpPr>
+      <p:sp>
+        <p:nvSpPr>
           <p:cNvPr id="3" name="2 Título"/>
           <p:cNvSpPr>
             <a:spLocks noGrp="1"/>
@@ -15610,7 +16166,7 @@
 </p:sld>
 </file>
 
-<file path=ppt/slides/slide28.xml><?xml version="1.0" encoding="utf-8"?>
+<file path=ppt/slides/slide29.xml><?xml version="1.0" encoding="utf-8"?>
 <p:sld xmlns:a="http://schemas.openxmlformats.org/drawingml/2006/main" xmlns:r="http://schemas.openxmlformats.org/officeDocument/2006/relationships" xmlns:p="http://schemas.openxmlformats.org/presentationml/2006/main">
   <p:cSld>
     <p:spTree>
@@ -15785,316 +16341,6 @@
     <p:extLst>
       <p:ext uri="{BB962C8B-B14F-4D97-AF65-F5344CB8AC3E}">
         <p14:creationId xmlns:p14="http://schemas.microsoft.com/office/powerpoint/2010/main" val="1482383444"/>
-      </p:ext>
-    </p:extLst>
-  </p:cSld>
-  <p:clrMapOvr>
-    <a:masterClrMapping/>
-  </p:clrMapOvr>
-  <p:timing>
-    <p:tnLst>
-      <p:par>
-        <p:cTn id="1" dur="indefinite" restart="never" nodeType="tmRoot"/>
-      </p:par>
-    </p:tnLst>
-  </p:timing>
-</p:sld>
-</file>
-
-<file path=ppt/slides/slide29.xml><?xml version="1.0" encoding="utf-8"?>
-<p:sld xmlns:a="http://schemas.openxmlformats.org/drawingml/2006/main" xmlns:r="http://schemas.openxmlformats.org/officeDocument/2006/relationships" xmlns:p="http://schemas.openxmlformats.org/presentationml/2006/main">
-  <p:cSld>
-    <p:spTree>
-      <p:nvGrpSpPr>
-        <p:cNvPr id="1" name=""/>
-        <p:cNvGrpSpPr/>
-        <p:nvPr/>
-      </p:nvGrpSpPr>
-      <p:grpSpPr>
-        <a:xfrm>
-          <a:off x="0" y="0"/>
-          <a:ext cx="0" cy="0"/>
-          <a:chOff x="0" y="0"/>
-          <a:chExt cx="0" cy="0"/>
-        </a:xfrm>
-      </p:grpSpPr>
-      <p:sp>
-        <p:nvSpPr>
-          <p:cNvPr id="4" name="2 Título"/>
-          <p:cNvSpPr txBox="1">
-            <a:spLocks/>
-          </p:cNvSpPr>
-          <p:nvPr/>
-        </p:nvSpPr>
-        <p:spPr bwMode="auto">
-          <a:xfrm>
-            <a:off x="457200" y="1124744"/>
-            <a:ext cx="8229600" cy="3672408"/>
-          </a:xfrm>
-          <a:prstGeom prst="rect">
-            <a:avLst/>
-          </a:prstGeom>
-          <a:noFill/>
-          <a:ln w="9525">
-            <a:noFill/>
-            <a:miter lim="800000"/>
-            <a:headEnd/>
-            <a:tailEnd/>
-          </a:ln>
-        </p:spPr>
-        <p:txBody>
-          <a:bodyPr vert="horz" wrap="square" lIns="91440" tIns="45720" rIns="91440" bIns="45720" numCol="1" anchor="ctr" anchorCtr="0" compatLnSpc="1">
-            <a:prstTxWarp prst="textNoShape">
-              <a:avLst/>
-            </a:prstTxWarp>
-          </a:bodyPr>
-          <a:lstStyle>
-            <a:lvl1pPr algn="ctr" rtl="0" eaLnBrk="1" fontAlgn="base" hangingPunct="1">
-              <a:spcBef>
-                <a:spcPct val="0"/>
-              </a:spcBef>
-              <a:spcAft>
-                <a:spcPct val="0"/>
-              </a:spcAft>
-              <a:defRPr sz="4400" kern="1200">
-                <a:solidFill>
-                  <a:schemeClr val="tx1"/>
-                </a:solidFill>
-                <a:latin typeface="+mj-lt"/>
-                <a:ea typeface="+mj-ea"/>
-                <a:cs typeface="+mj-cs"/>
-              </a:defRPr>
-            </a:lvl1pPr>
-            <a:lvl2pPr algn="ctr" rtl="0" eaLnBrk="1" fontAlgn="base" hangingPunct="1">
-              <a:spcBef>
-                <a:spcPct val="0"/>
-              </a:spcBef>
-              <a:spcAft>
-                <a:spcPct val="0"/>
-              </a:spcAft>
-              <a:defRPr sz="4400">
-                <a:solidFill>
-                  <a:schemeClr val="tx1"/>
-                </a:solidFill>
-                <a:latin typeface="Calibri" pitchFamily="34" charset="0"/>
-              </a:defRPr>
-            </a:lvl2pPr>
-            <a:lvl3pPr algn="ctr" rtl="0" eaLnBrk="1" fontAlgn="base" hangingPunct="1">
-              <a:spcBef>
-                <a:spcPct val="0"/>
-              </a:spcBef>
-              <a:spcAft>
-                <a:spcPct val="0"/>
-              </a:spcAft>
-              <a:defRPr sz="4400">
-                <a:solidFill>
-                  <a:schemeClr val="tx1"/>
-                </a:solidFill>
-                <a:latin typeface="Calibri" pitchFamily="34" charset="0"/>
-              </a:defRPr>
-            </a:lvl3pPr>
-            <a:lvl4pPr algn="ctr" rtl="0" eaLnBrk="1" fontAlgn="base" hangingPunct="1">
-              <a:spcBef>
-                <a:spcPct val="0"/>
-              </a:spcBef>
-              <a:spcAft>
-                <a:spcPct val="0"/>
-              </a:spcAft>
-              <a:defRPr sz="4400">
-                <a:solidFill>
-                  <a:schemeClr val="tx1"/>
-                </a:solidFill>
-                <a:latin typeface="Calibri" pitchFamily="34" charset="0"/>
-              </a:defRPr>
-            </a:lvl4pPr>
-            <a:lvl5pPr algn="ctr" rtl="0" eaLnBrk="1" fontAlgn="base" hangingPunct="1">
-              <a:spcBef>
-                <a:spcPct val="0"/>
-              </a:spcBef>
-              <a:spcAft>
-                <a:spcPct val="0"/>
-              </a:spcAft>
-              <a:defRPr sz="4400">
-                <a:solidFill>
-                  <a:schemeClr val="tx1"/>
-                </a:solidFill>
-                <a:latin typeface="Calibri" pitchFamily="34" charset="0"/>
-              </a:defRPr>
-            </a:lvl5pPr>
-            <a:lvl6pPr marL="457200" algn="ctr" rtl="0" eaLnBrk="1" fontAlgn="base" hangingPunct="1">
-              <a:spcBef>
-                <a:spcPct val="0"/>
-              </a:spcBef>
-              <a:spcAft>
-                <a:spcPct val="0"/>
-              </a:spcAft>
-              <a:defRPr sz="4400">
-                <a:solidFill>
-                  <a:schemeClr val="tx1"/>
-                </a:solidFill>
-                <a:latin typeface="Calibri" pitchFamily="34" charset="0"/>
-              </a:defRPr>
-            </a:lvl6pPr>
-            <a:lvl7pPr marL="914400" algn="ctr" rtl="0" eaLnBrk="1" fontAlgn="base" hangingPunct="1">
-              <a:spcBef>
-                <a:spcPct val="0"/>
-              </a:spcBef>
-              <a:spcAft>
-                <a:spcPct val="0"/>
-              </a:spcAft>
-              <a:defRPr sz="4400">
-                <a:solidFill>
-                  <a:schemeClr val="tx1"/>
-                </a:solidFill>
-                <a:latin typeface="Calibri" pitchFamily="34" charset="0"/>
-              </a:defRPr>
-            </a:lvl7pPr>
-            <a:lvl8pPr marL="1371600" algn="ctr" rtl="0" eaLnBrk="1" fontAlgn="base" hangingPunct="1">
-              <a:spcBef>
-                <a:spcPct val="0"/>
-              </a:spcBef>
-              <a:spcAft>
-                <a:spcPct val="0"/>
-              </a:spcAft>
-              <a:defRPr sz="4400">
-                <a:solidFill>
-                  <a:schemeClr val="tx1"/>
-                </a:solidFill>
-                <a:latin typeface="Calibri" pitchFamily="34" charset="0"/>
-              </a:defRPr>
-            </a:lvl8pPr>
-            <a:lvl9pPr marL="1828800" algn="ctr" rtl="0" eaLnBrk="1" fontAlgn="base" hangingPunct="1">
-              <a:spcBef>
-                <a:spcPct val="0"/>
-              </a:spcBef>
-              <a:spcAft>
-                <a:spcPct val="0"/>
-              </a:spcAft>
-              <a:defRPr sz="4400">
-                <a:solidFill>
-                  <a:schemeClr val="tx1"/>
-                </a:solidFill>
-                <a:latin typeface="Calibri" pitchFamily="34" charset="0"/>
-              </a:defRPr>
-            </a:lvl9pPr>
-          </a:lstStyle>
-          <a:p>
-            <a:r>
-              <a:rPr lang="es-PE" dirty="0" smtClean="0">
-                <a:solidFill>
-                  <a:srgbClr val="FFC000"/>
-                </a:solidFill>
-              </a:rPr>
-              <a:t>Ejercicio</a:t>
-            </a:r>
-          </a:p>
-          <a:p>
-            <a:r>
-              <a:rPr lang="es-PE" dirty="0" smtClean="0"/>
-              <a:t>Utilizar </a:t>
-            </a:r>
-            <a:br>
-              <a:rPr lang="es-PE" dirty="0" smtClean="0"/>
-            </a:br>
-            <a:r>
-              <a:rPr lang="es-PE" dirty="0" smtClean="0">
-                <a:solidFill>
-                  <a:srgbClr val="00823B"/>
-                </a:solidFill>
-              </a:rPr>
-              <a:t>"Visual Studio DB </a:t>
-            </a:r>
-            <a:r>
-              <a:rPr lang="es-PE" dirty="0" err="1" smtClean="0">
-                <a:solidFill>
-                  <a:srgbClr val="00823B"/>
-                </a:solidFill>
-              </a:rPr>
-              <a:t>Projects</a:t>
-            </a:r>
-            <a:r>
-              <a:rPr lang="es-PE" dirty="0" smtClean="0">
-                <a:solidFill>
-                  <a:srgbClr val="00823B"/>
-                </a:solidFill>
-              </a:rPr>
-              <a:t>" </a:t>
-            </a:r>
-          </a:p>
-          <a:p>
-            <a:r>
-              <a:rPr lang="es-PE" dirty="0" smtClean="0"/>
-              <a:t>para crear pruebas unitarias a </a:t>
-            </a:r>
-            <a:r>
-              <a:rPr lang="es-PE" dirty="0" smtClean="0">
-                <a:solidFill>
-                  <a:srgbClr val="00823B"/>
-                </a:solidFill>
-              </a:rPr>
-              <a:t/>
-            </a:r>
-            <a:br>
-              <a:rPr lang="es-PE" dirty="0" smtClean="0">
-                <a:solidFill>
-                  <a:srgbClr val="00823B"/>
-                </a:solidFill>
-              </a:rPr>
-            </a:br>
-            <a:r>
-              <a:rPr lang="es-PE" dirty="0" smtClean="0">
-                <a:solidFill>
-                  <a:srgbClr val="00823B"/>
-                </a:solidFill>
-              </a:rPr>
-              <a:t>"SQL Server (T-SQL) </a:t>
-            </a:r>
-          </a:p>
-          <a:p>
-            <a:r>
-              <a:rPr lang="es-PE" dirty="0" err="1" smtClean="0">
-                <a:solidFill>
-                  <a:srgbClr val="00823B"/>
-                </a:solidFill>
-              </a:rPr>
-              <a:t>Store</a:t>
-            </a:r>
-            <a:r>
-              <a:rPr lang="es-PE" dirty="0" smtClean="0">
-                <a:solidFill>
-                  <a:srgbClr val="00823B"/>
-                </a:solidFill>
-              </a:rPr>
-              <a:t> </a:t>
-            </a:r>
-            <a:r>
-              <a:rPr lang="es-PE" dirty="0" err="1" smtClean="0">
-                <a:solidFill>
-                  <a:srgbClr val="00823B"/>
-                </a:solidFill>
-              </a:rPr>
-              <a:t>Procedures</a:t>
-            </a:r>
-            <a:r>
-              <a:rPr lang="es-PE" dirty="0" smtClean="0">
-                <a:solidFill>
-                  <a:srgbClr val="00823B"/>
-                </a:solidFill>
-              </a:rPr>
-              <a:t>"</a:t>
-            </a:r>
-            <a:endParaRPr lang="es-PE" dirty="0">
-              <a:solidFill>
-                <a:srgbClr val="00823B"/>
-              </a:solidFill>
-            </a:endParaRPr>
-          </a:p>
-        </p:txBody>
-      </p:sp>
-    </p:spTree>
-    <p:extLst>
-      <p:ext uri="{BB962C8B-B14F-4D97-AF65-F5344CB8AC3E}">
-        <p14:creationId xmlns:p14="http://schemas.microsoft.com/office/powerpoint/2010/main" val="590461063"/>
       </p:ext>
     </p:extLst>
   </p:cSld>
@@ -17146,7 +17392,7 @@
 </file>
 
 <file path=ppt/slides/slide30.xml><?xml version="1.0" encoding="utf-8"?>
-<p:sld xmlns:a="http://schemas.openxmlformats.org/drawingml/2006/main" xmlns:r="http://schemas.openxmlformats.org/officeDocument/2006/relationships" xmlns:p="http://schemas.openxmlformats.org/presentationml/2006/main">
+<p:sld xmlns:a="http://schemas.openxmlformats.org/drawingml/2006/main" xmlns:r="http://schemas.openxmlformats.org/officeDocument/2006/relationships" xmlns:p="http://schemas.openxmlformats.org/presentationml/2006/main" show="0">
   <p:cSld>
     <p:spTree>
       <p:nvGrpSpPr>
@@ -17164,31 +17410,197 @@
       </p:grpSpPr>
       <p:sp>
         <p:nvSpPr>
-          <p:cNvPr id="3" name="2 Título"/>
-          <p:cNvSpPr>
-            <a:spLocks noGrp="1"/>
+          <p:cNvPr id="4" name="2 Título"/>
+          <p:cNvSpPr txBox="1">
+            <a:spLocks/>
           </p:cNvSpPr>
-          <p:nvPr>
-            <p:ph type="title"/>
-          </p:nvPr>
-        </p:nvSpPr>
-        <p:spPr>
+          <p:nvPr/>
+        </p:nvSpPr>
+        <p:spPr bwMode="auto">
           <a:xfrm>
-            <a:off x="524338" y="216030"/>
-            <a:ext cx="8229600" cy="724942"/>
+            <a:off x="457200" y="1124744"/>
+            <a:ext cx="8229600" cy="3672408"/>
           </a:xfrm>
+          <a:prstGeom prst="rect">
+            <a:avLst/>
+          </a:prstGeom>
+          <a:noFill/>
+          <a:ln w="9525">
+            <a:noFill/>
+            <a:miter lim="800000"/>
+            <a:headEnd/>
+            <a:tailEnd/>
+          </a:ln>
         </p:spPr>
         <p:txBody>
-          <a:bodyPr/>
-          <a:lstStyle/>
-          <a:p>
+          <a:bodyPr vert="horz" wrap="square" lIns="91440" tIns="45720" rIns="91440" bIns="45720" numCol="1" anchor="ctr" anchorCtr="0" compatLnSpc="1">
+            <a:prstTxWarp prst="textNoShape">
+              <a:avLst/>
+            </a:prstTxWarp>
+          </a:bodyPr>
+          <a:lstStyle>
+            <a:lvl1pPr algn="ctr" rtl="0" eaLnBrk="1" fontAlgn="base" hangingPunct="1">
+              <a:spcBef>
+                <a:spcPct val="0"/>
+              </a:spcBef>
+              <a:spcAft>
+                <a:spcPct val="0"/>
+              </a:spcAft>
+              <a:defRPr sz="4400" kern="1200">
+                <a:solidFill>
+                  <a:schemeClr val="tx1"/>
+                </a:solidFill>
+                <a:latin typeface="+mj-lt"/>
+                <a:ea typeface="+mj-ea"/>
+                <a:cs typeface="+mj-cs"/>
+              </a:defRPr>
+            </a:lvl1pPr>
+            <a:lvl2pPr algn="ctr" rtl="0" eaLnBrk="1" fontAlgn="base" hangingPunct="1">
+              <a:spcBef>
+                <a:spcPct val="0"/>
+              </a:spcBef>
+              <a:spcAft>
+                <a:spcPct val="0"/>
+              </a:spcAft>
+              <a:defRPr sz="4400">
+                <a:solidFill>
+                  <a:schemeClr val="tx1"/>
+                </a:solidFill>
+                <a:latin typeface="Calibri" pitchFamily="34" charset="0"/>
+              </a:defRPr>
+            </a:lvl2pPr>
+            <a:lvl3pPr algn="ctr" rtl="0" eaLnBrk="1" fontAlgn="base" hangingPunct="1">
+              <a:spcBef>
+                <a:spcPct val="0"/>
+              </a:spcBef>
+              <a:spcAft>
+                <a:spcPct val="0"/>
+              </a:spcAft>
+              <a:defRPr sz="4400">
+                <a:solidFill>
+                  <a:schemeClr val="tx1"/>
+                </a:solidFill>
+                <a:latin typeface="Calibri" pitchFamily="34" charset="0"/>
+              </a:defRPr>
+            </a:lvl3pPr>
+            <a:lvl4pPr algn="ctr" rtl="0" eaLnBrk="1" fontAlgn="base" hangingPunct="1">
+              <a:spcBef>
+                <a:spcPct val="0"/>
+              </a:spcBef>
+              <a:spcAft>
+                <a:spcPct val="0"/>
+              </a:spcAft>
+              <a:defRPr sz="4400">
+                <a:solidFill>
+                  <a:schemeClr val="tx1"/>
+                </a:solidFill>
+                <a:latin typeface="Calibri" pitchFamily="34" charset="0"/>
+              </a:defRPr>
+            </a:lvl4pPr>
+            <a:lvl5pPr algn="ctr" rtl="0" eaLnBrk="1" fontAlgn="base" hangingPunct="1">
+              <a:spcBef>
+                <a:spcPct val="0"/>
+              </a:spcBef>
+              <a:spcAft>
+                <a:spcPct val="0"/>
+              </a:spcAft>
+              <a:defRPr sz="4400">
+                <a:solidFill>
+                  <a:schemeClr val="tx1"/>
+                </a:solidFill>
+                <a:latin typeface="Calibri" pitchFamily="34" charset="0"/>
+              </a:defRPr>
+            </a:lvl5pPr>
+            <a:lvl6pPr marL="457200" algn="ctr" rtl="0" eaLnBrk="1" fontAlgn="base" hangingPunct="1">
+              <a:spcBef>
+                <a:spcPct val="0"/>
+              </a:spcBef>
+              <a:spcAft>
+                <a:spcPct val="0"/>
+              </a:spcAft>
+              <a:defRPr sz="4400">
+                <a:solidFill>
+                  <a:schemeClr val="tx1"/>
+                </a:solidFill>
+                <a:latin typeface="Calibri" pitchFamily="34" charset="0"/>
+              </a:defRPr>
+            </a:lvl6pPr>
+            <a:lvl7pPr marL="914400" algn="ctr" rtl="0" eaLnBrk="1" fontAlgn="base" hangingPunct="1">
+              <a:spcBef>
+                <a:spcPct val="0"/>
+              </a:spcBef>
+              <a:spcAft>
+                <a:spcPct val="0"/>
+              </a:spcAft>
+              <a:defRPr sz="4400">
+                <a:solidFill>
+                  <a:schemeClr val="tx1"/>
+                </a:solidFill>
+                <a:latin typeface="Calibri" pitchFamily="34" charset="0"/>
+              </a:defRPr>
+            </a:lvl7pPr>
+            <a:lvl8pPr marL="1371600" algn="ctr" rtl="0" eaLnBrk="1" fontAlgn="base" hangingPunct="1">
+              <a:spcBef>
+                <a:spcPct val="0"/>
+              </a:spcBef>
+              <a:spcAft>
+                <a:spcPct val="0"/>
+              </a:spcAft>
+              <a:defRPr sz="4400">
+                <a:solidFill>
+                  <a:schemeClr val="tx1"/>
+                </a:solidFill>
+                <a:latin typeface="Calibri" pitchFamily="34" charset="0"/>
+              </a:defRPr>
+            </a:lvl8pPr>
+            <a:lvl9pPr marL="1828800" algn="ctr" rtl="0" eaLnBrk="1" fontAlgn="base" hangingPunct="1">
+              <a:spcBef>
+                <a:spcPct val="0"/>
+              </a:spcBef>
+              <a:spcAft>
+                <a:spcPct val="0"/>
+              </a:spcAft>
+              <a:defRPr sz="4400">
+                <a:solidFill>
+                  <a:schemeClr val="tx1"/>
+                </a:solidFill>
+                <a:latin typeface="Calibri" pitchFamily="34" charset="0"/>
+              </a:defRPr>
+            </a:lvl9pPr>
+          </a:lstStyle>
+          <a:p>
+            <a:r>
+              <a:rPr lang="es-PE" dirty="0" smtClean="0">
+                <a:solidFill>
+                  <a:srgbClr val="FFC000"/>
+                </a:solidFill>
+              </a:rPr>
+              <a:t>Ejercicio</a:t>
+            </a:r>
+          </a:p>
+          <a:p>
+            <a:r>
+              <a:rPr lang="es-PE" dirty="0" smtClean="0"/>
+              <a:t>Utilizar </a:t>
+            </a:r>
+            <a:br>
+              <a:rPr lang="es-PE" dirty="0" smtClean="0"/>
+            </a:br>
+            <a:r>
+              <a:rPr lang="es-PE" dirty="0" smtClean="0">
+                <a:solidFill>
+                  <a:srgbClr val="00823B"/>
+                </a:solidFill>
+              </a:rPr>
+              <a:t>"Visual Studio DB </a:t>
+            </a:r>
             <a:r>
               <a:rPr lang="es-PE" dirty="0" err="1" smtClean="0">
                 <a:solidFill>
                   <a:srgbClr val="00823B"/>
                 </a:solidFill>
               </a:rPr>
-              <a:t>Outside</a:t>
+              <a:t>Projects</a:t>
             </a:r>
             <a:r>
               <a:rPr lang="es-PE" dirty="0" smtClean="0">
@@ -17196,15 +17608,46 @@
                   <a:srgbClr val="00823B"/>
                 </a:solidFill>
               </a:rPr>
-              <a:t> DB vs </a:t>
-            </a:r>
+              <a:t>" </a:t>
+            </a:r>
+          </a:p>
+          <a:p>
+            <a:r>
+              <a:rPr lang="es-PE" dirty="0" smtClean="0"/>
+              <a:t>para crear pruebas unitarias a </a:t>
+            </a:r>
+            <a:r>
+              <a:rPr lang="es-PE" dirty="0" smtClean="0">
+                <a:solidFill>
+                  <a:srgbClr val="00823B"/>
+                </a:solidFill>
+              </a:rPr>
+              <a:t/>
+            </a:r>
+            <a:br>
+              <a:rPr lang="es-PE" dirty="0" smtClean="0">
+                <a:solidFill>
+                  <a:srgbClr val="00823B"/>
+                </a:solidFill>
+              </a:rPr>
+            </a:br>
+            <a:r>
+              <a:rPr lang="es-PE" dirty="0" smtClean="0">
+                <a:solidFill>
+                  <a:srgbClr val="00823B"/>
+                </a:solidFill>
+              </a:rPr>
+              <a:t>"SQL Server (T-SQL) </a:t>
+            </a:r>
+          </a:p>
+          <a:p>
             <a:r>
               <a:rPr lang="es-PE" dirty="0" err="1" smtClean="0">
                 <a:solidFill>
                   <a:srgbClr val="00823B"/>
                 </a:solidFill>
               </a:rPr>
-              <a:t>Inside</a:t>
+              <a:t>Store</a:t>
             </a:r>
             <a:r>
               <a:rPr lang="es-PE" dirty="0" smtClean="0">
@@ -17212,7 +17655,23 @@
                   <a:srgbClr val="00823B"/>
                 </a:solidFill>
               </a:rPr>
-              <a:t> DB</a:t>
+              <a:t> </a:t>
+            </a:r>
+            <a:r>
+              <a:rPr lang="es-PE" dirty="0" err="1" smtClean="0">
+                <a:solidFill>
+                  <a:srgbClr val="00823B"/>
+                </a:solidFill>
+              </a:rPr>
+              <a:t>Procedures</a:t>
+            </a:r>
+            <a:r>
+              <a:rPr lang="es-PE" dirty="0" smtClean="0">
+                <a:solidFill>
+                  <a:srgbClr val="00823B"/>
+                </a:solidFill>
+              </a:rPr>
+              <a:t>"</a:t>
             </a:r>
             <a:endParaRPr lang="es-PE" dirty="0">
               <a:solidFill>
@@ -17222,130 +17681,24 @@
           </a:p>
         </p:txBody>
       </p:sp>
-      <p:sp>
-        <p:nvSpPr>
-          <p:cNvPr id="13" name="12 CuadroTexto"/>
-          <p:cNvSpPr txBox="1"/>
-          <p:nvPr/>
-        </p:nvSpPr>
-        <p:spPr>
-          <a:xfrm>
-            <a:off x="209672" y="1124744"/>
-            <a:ext cx="8712968" cy="4893647"/>
-          </a:xfrm>
-          <a:prstGeom prst="rect">
-            <a:avLst/>
-          </a:prstGeom>
-          <a:noFill/>
-        </p:spPr>
-        <p:txBody>
-          <a:bodyPr wrap="square" rtlCol="0">
-            <a:spAutoFit/>
-          </a:bodyPr>
-          <a:lstStyle/>
-          <a:p>
-            <a:pPr marL="457200" indent="-457200">
-              <a:buFont typeface="Arial" pitchFamily="34" charset="0"/>
-              <a:buChar char="•"/>
-            </a:pPr>
-            <a:r>
-              <a:rPr lang="es-PE" sz="2600" dirty="0" smtClean="0"/>
-              <a:t>Son más difíciles de escribir y mantener que las pruebas de caja negra (</a:t>
-            </a:r>
-            <a:r>
-              <a:rPr lang="es-PE" sz="2600" dirty="0" err="1" smtClean="0"/>
-              <a:t>Outside</a:t>
-            </a:r>
-            <a:r>
-              <a:rPr lang="es-PE" sz="2600" dirty="0" smtClean="0"/>
-              <a:t> DB </a:t>
-            </a:r>
-            <a:r>
-              <a:rPr lang="es-PE" sz="2600" dirty="0" err="1" smtClean="0"/>
-              <a:t>Testing</a:t>
-            </a:r>
-            <a:r>
-              <a:rPr lang="es-PE" sz="2600" dirty="0" smtClean="0"/>
-              <a:t>).</a:t>
-            </a:r>
-            <a:br>
-              <a:rPr lang="es-PE" sz="2600" dirty="0" smtClean="0"/>
-            </a:br>
-            <a:r>
-              <a:rPr lang="es-PE" sz="2600" dirty="0" smtClean="0"/>
-              <a:t/>
-            </a:r>
-            <a:br>
-              <a:rPr lang="es-PE" sz="2600" dirty="0" smtClean="0"/>
-            </a:br>
-            <a:r>
-              <a:rPr lang="es-PE" sz="2600" dirty="0" smtClean="0"/>
-              <a:t>En la mayoría de casos es mejor probar el funcionamiento interno de la BD a través de pruebas de caja negra,</a:t>
-            </a:r>
-          </a:p>
-          <a:p>
-            <a:pPr lvl="1"/>
-            <a:endParaRPr lang="es-PE" sz="2600" dirty="0"/>
-          </a:p>
-          <a:p>
-            <a:pPr marL="457200" indent="-457200">
-              <a:buFont typeface="Arial" pitchFamily="34" charset="0"/>
-              <a:buChar char="•"/>
-            </a:pPr>
-            <a:r>
-              <a:rPr lang="es-PE" sz="2600" dirty="0"/>
-              <a:t>Aplicaciones compuestas principalmente por procedimientos de BD: </a:t>
-            </a:r>
-            <a:r>
-              <a:rPr lang="es-PE" sz="2600" dirty="0" err="1"/>
-              <a:t>Batchs</a:t>
-            </a:r>
-            <a:r>
-              <a:rPr lang="es-PE" sz="2600" dirty="0"/>
-              <a:t>, ETL, etc</a:t>
-            </a:r>
-            <a:r>
-              <a:rPr lang="es-PE" sz="2600" dirty="0" smtClean="0"/>
-              <a:t>.</a:t>
-            </a:r>
-          </a:p>
-          <a:p>
-            <a:pPr marL="457200" indent="-457200">
-              <a:buFont typeface="Arial" pitchFamily="34" charset="0"/>
-              <a:buChar char="•"/>
-            </a:pPr>
-            <a:endParaRPr lang="es-PE" sz="2600" dirty="0" smtClean="0"/>
-          </a:p>
-          <a:p>
-            <a:pPr marL="457200" indent="-457200">
-              <a:buFont typeface="Arial" pitchFamily="34" charset="0"/>
-              <a:buChar char="•"/>
-            </a:pPr>
-            <a:r>
-              <a:rPr lang="es-PE" sz="2600" dirty="0" smtClean="0"/>
-              <a:t>Alternativa a considerar cuando se tienen módulos cuyas pruebas necesitan ser automatizadas, pero gran parte del de la aplicación se encuentra en la BD (Aplicaciones </a:t>
-            </a:r>
-            <a:r>
-              <a:rPr lang="es-PE" sz="2600" dirty="0" err="1" smtClean="0"/>
-              <a:t>Legacy</a:t>
-            </a:r>
-            <a:r>
-              <a:rPr lang="es-PE" sz="2600" dirty="0" smtClean="0"/>
-              <a:t>).</a:t>
-            </a:r>
-          </a:p>
-        </p:txBody>
-      </p:sp>
     </p:spTree>
     <p:extLst>
       <p:ext uri="{BB962C8B-B14F-4D97-AF65-F5344CB8AC3E}">
-        <p14:creationId xmlns:p14="http://schemas.microsoft.com/office/powerpoint/2010/main" val="3540730048"/>
+        <p14:creationId xmlns:p14="http://schemas.microsoft.com/office/powerpoint/2010/main" val="590461063"/>
       </p:ext>
     </p:extLst>
   </p:cSld>
   <p:clrMapOvr>
     <a:masterClrMapping/>
   </p:clrMapOvr>
+  <mc:AlternateContent xmlns:mc="http://schemas.openxmlformats.org/markup-compatibility/2006">
+    <mc:Choice xmlns:p14="http://schemas.microsoft.com/office/powerpoint/2010/main" Requires="p14">
+      <p:transition spd="slow" p14:dur="2000"/>
+    </mc:Choice>
+    <mc:Fallback>
+      <p:transition spd="slow"/>
+    </mc:Fallback>
+  </mc:AlternateContent>
   <p:timing>
     <p:tnLst>
       <p:par>
@@ -17375,7 +17728,7 @@
       </p:grpSpPr>
       <p:sp>
         <p:nvSpPr>
-          <p:cNvPr id="5" name="2 Título"/>
+          <p:cNvPr id="3" name="2 Título"/>
           <p:cNvSpPr>
             <a:spLocks noGrp="1"/>
           </p:cNvSpPr>
@@ -17385,8 +17738,8 @@
         </p:nvSpPr>
         <p:spPr>
           <a:xfrm>
-            <a:off x="508714" y="116632"/>
-            <a:ext cx="8229600" cy="864096"/>
+            <a:off x="524338" y="216030"/>
+            <a:ext cx="8229600" cy="724942"/>
           </a:xfrm>
         </p:spPr>
         <p:txBody>
@@ -17399,7 +17752,31 @@
                   <a:srgbClr val="00823B"/>
                 </a:solidFill>
               </a:rPr>
-              <a:t>¿ Porqué pruebas de integración?</a:t>
+              <a:t>¿Cuándo utilizar </a:t>
+            </a:r>
+            <a:r>
+              <a:rPr lang="es-PE" dirty="0" err="1" smtClean="0">
+                <a:solidFill>
+                  <a:srgbClr val="00823B"/>
+                </a:solidFill>
+              </a:rPr>
+              <a:t>Inside</a:t>
+            </a:r>
+            <a:r>
+              <a:rPr lang="es-PE" dirty="0" smtClean="0">
+                <a:solidFill>
+                  <a:srgbClr val="00823B"/>
+                </a:solidFill>
+              </a:rPr>
+              <a:t> DB</a:t>
+            </a:r>
+            <a:r>
+              <a:rPr lang="en-US" dirty="0">
+                <a:solidFill>
+                  <a:srgbClr val="00823B"/>
+                </a:solidFill>
+              </a:rPr>
+              <a:t>?</a:t>
             </a:r>
             <a:endParaRPr lang="es-PE" dirty="0">
               <a:solidFill>
@@ -17411,14 +17788,14 @@
       </p:sp>
       <p:sp>
         <p:nvSpPr>
-          <p:cNvPr id="8" name="7 CuadroTexto"/>
+          <p:cNvPr id="13" name="12 CuadroTexto"/>
           <p:cNvSpPr txBox="1"/>
           <p:nvPr/>
         </p:nvSpPr>
         <p:spPr>
           <a:xfrm>
-            <a:off x="539552" y="1196752"/>
-            <a:ext cx="8136904" cy="4893647"/>
+            <a:off x="209672" y="1124744"/>
+            <a:ext cx="8712968" cy="4093428"/>
           </a:xfrm>
           <a:prstGeom prst="rect">
             <a:avLst/>
@@ -17433,113 +17810,132 @@
           <a:p>
             <a:pPr algn="ctr"/>
             <a:r>
+              <a:rPr lang="es-PE" sz="2600" dirty="0" smtClean="0">
+                <a:solidFill>
+                  <a:srgbClr val="FFC000"/>
+                </a:solidFill>
+              </a:rPr>
+              <a:t>En </a:t>
+            </a:r>
+            <a:r>
+              <a:rPr lang="es-PE" sz="2600" dirty="0" smtClean="0">
+                <a:solidFill>
+                  <a:srgbClr val="FFC000"/>
+                </a:solidFill>
+              </a:rPr>
+              <a:t>la mayoría de casos es mejor probar el funcionamiento interno de la BD a través de pruebas de caja </a:t>
+            </a:r>
+            <a:r>
+              <a:rPr lang="es-PE" sz="2600" dirty="0">
+                <a:solidFill>
+                  <a:srgbClr val="FFC000"/>
+                </a:solidFill>
+              </a:rPr>
+              <a:t>negra </a:t>
+            </a:r>
+            <a:r>
+              <a:rPr lang="es-PE" sz="2600" dirty="0" smtClean="0">
+                <a:solidFill>
+                  <a:srgbClr val="FFC000"/>
+                </a:solidFill>
+              </a:rPr>
+              <a:t>(</a:t>
+            </a:r>
+            <a:r>
+              <a:rPr lang="es-PE" sz="2600" dirty="0" err="1">
+                <a:solidFill>
+                  <a:srgbClr val="FFC000"/>
+                </a:solidFill>
+              </a:rPr>
+              <a:t>Outside</a:t>
+            </a:r>
+            <a:r>
+              <a:rPr lang="es-PE" sz="2600" dirty="0">
+                <a:solidFill>
+                  <a:srgbClr val="FFC000"/>
+                </a:solidFill>
+              </a:rPr>
+              <a:t> DB </a:t>
+            </a:r>
+            <a:r>
+              <a:rPr lang="es-PE" sz="2600" dirty="0" err="1">
+                <a:solidFill>
+                  <a:srgbClr val="FFC000"/>
+                </a:solidFill>
+              </a:rPr>
+              <a:t>Testing</a:t>
+            </a:r>
+            <a:r>
+              <a:rPr lang="es-PE" sz="2600" dirty="0" smtClean="0">
+                <a:solidFill>
+                  <a:srgbClr val="FFC000"/>
+                </a:solidFill>
+              </a:rPr>
+              <a:t>), </a:t>
+            </a:r>
+            <a:r>
+              <a:rPr lang="es-PE" sz="2600" dirty="0" smtClean="0">
+                <a:solidFill>
+                  <a:srgbClr val="FFC000"/>
+                </a:solidFill>
+              </a:rPr>
+              <a:t>ya que son más fáciles de escribir y mantener.</a:t>
+            </a:r>
+            <a:endParaRPr lang="es-PE" sz="2600" dirty="0" smtClean="0">
+              <a:solidFill>
+                <a:srgbClr val="FFC000"/>
+              </a:solidFill>
+            </a:endParaRPr>
+          </a:p>
+          <a:p>
+            <a:pPr lvl="1"/>
+            <a:endParaRPr lang="es-PE" sz="2600" dirty="0"/>
+          </a:p>
+          <a:p>
+            <a:pPr marL="457200" indent="-457200">
+              <a:buFont typeface="Arial" pitchFamily="34" charset="0"/>
+              <a:buChar char="•"/>
+            </a:pPr>
+            <a:r>
+              <a:rPr lang="es-PE" sz="2600" dirty="0"/>
+              <a:t>Aplicaciones compuestas principalmente por procedimientos de BD: </a:t>
+            </a:r>
+            <a:r>
+              <a:rPr lang="es-PE" sz="2600" dirty="0" err="1"/>
+              <a:t>Batchs</a:t>
+            </a:r>
+            <a:r>
+              <a:rPr lang="es-PE" sz="2600" dirty="0"/>
+              <a:t>, ETL, etc</a:t>
+            </a:r>
+            <a:r>
               <a:rPr lang="es-PE" sz="2600" dirty="0" smtClean="0"/>
-              <a:t>Los test de integración son lentos, frágiles, difíciles de escribir pero igual son necesarios.</a:t>
-            </a:r>
-          </a:p>
-          <a:p>
-            <a:pPr marL="571500" indent="-571500">
+              <a:t>.</a:t>
+            </a:r>
+          </a:p>
+          <a:p>
+            <a:pPr marL="457200" indent="-457200">
               <a:buFont typeface="Arial" pitchFamily="34" charset="0"/>
               <a:buChar char="•"/>
             </a:pPr>
             <a:endParaRPr lang="es-PE" sz="2600" dirty="0" smtClean="0"/>
           </a:p>
           <a:p>
-            <a:pPr marL="342900" indent="-342900" fontAlgn="base">
-              <a:spcBef>
-                <a:spcPct val="20000"/>
-              </a:spcBef>
-              <a:spcAft>
-                <a:spcPct val="0"/>
-              </a:spcAft>
-              <a:buFont typeface="Arial" charset="0"/>
+            <a:pPr marL="457200" indent="-457200">
+              <a:buFont typeface="Arial" pitchFamily="34" charset="0"/>
               <a:buChar char="•"/>
             </a:pPr>
             <a:r>
-              <a:rPr lang="es-PE" sz="2600" dirty="0"/>
-              <a:t>Una buen conjunto de </a:t>
-            </a:r>
-            <a:r>
-              <a:rPr lang="es-PE" sz="2600" dirty="0">
-                <a:solidFill>
-                  <a:srgbClr val="FF0000"/>
-                </a:solidFill>
-              </a:rPr>
-              <a:t>pruebas unitarias es aún más efectivo si es acompañado de otros  tipos de test.</a:t>
-            </a:r>
-          </a:p>
-          <a:p>
-            <a:pPr marL="342900" indent="-342900" fontAlgn="base">
-              <a:spcBef>
-                <a:spcPct val="20000"/>
-              </a:spcBef>
-              <a:spcAft>
-                <a:spcPct val="0"/>
-              </a:spcAft>
-              <a:buFont typeface="Arial" charset="0"/>
-              <a:buChar char="•"/>
-            </a:pPr>
-            <a:endParaRPr lang="es-ES" sz="2600" dirty="0"/>
-          </a:p>
-          <a:p>
-            <a:pPr marL="342900" indent="-342900" fontAlgn="base">
-              <a:spcBef>
-                <a:spcPct val="20000"/>
-              </a:spcBef>
-              <a:spcAft>
-                <a:spcPct val="0"/>
-              </a:spcAft>
-              <a:buFont typeface="Arial" charset="0"/>
-              <a:buChar char="•"/>
-            </a:pPr>
-            <a:r>
-              <a:rPr lang="es-ES" sz="2600" dirty="0"/>
-              <a:t>Cada tipo de test es una </a:t>
-            </a:r>
-            <a:r>
-              <a:rPr lang="es-ES" sz="2600" dirty="0">
-                <a:solidFill>
-                  <a:srgbClr val="FF0000"/>
-                </a:solidFill>
-              </a:rPr>
-              <a:t>nueva capa de protección en nuestro sistema</a:t>
-            </a:r>
-            <a:r>
-              <a:rPr lang="es-ES" sz="2600" dirty="0" smtClean="0">
-                <a:solidFill>
-                  <a:srgbClr val="FF0000"/>
-                </a:solidFill>
-              </a:rPr>
-              <a:t>.</a:t>
-            </a:r>
-          </a:p>
-          <a:p>
-            <a:pPr marL="342900" indent="-342900" fontAlgn="base">
-              <a:spcBef>
-                <a:spcPct val="20000"/>
-              </a:spcBef>
-              <a:spcAft>
-                <a:spcPct val="0"/>
-              </a:spcAft>
-              <a:buFont typeface="Arial" charset="0"/>
-              <a:buChar char="•"/>
-            </a:pPr>
-            <a:endParaRPr lang="es-ES" sz="2600" dirty="0"/>
-          </a:p>
-          <a:p>
-            <a:pPr marL="342900" indent="-342900" fontAlgn="base">
-              <a:spcBef>
-                <a:spcPct val="20000"/>
-              </a:spcBef>
-              <a:spcAft>
-                <a:spcPct val="0"/>
-              </a:spcAft>
-              <a:buFont typeface="Arial" charset="0"/>
-              <a:buChar char="•"/>
-            </a:pPr>
-            <a:r>
-              <a:rPr lang="es-PE" sz="2600" dirty="0"/>
-              <a:t>El balance  y aplicación efectiva de todos los tipos de test es lo que realmente te dará beneficios.</a:t>
+              <a:rPr lang="es-PE" sz="2600" dirty="0" smtClean="0"/>
+              <a:t>Alternativa a considerar cuando se tienen módulos cuyas pruebas necesitan ser automatizadas, pero gran parte del de la aplicación se encuentra en la BD (Aplicaciones </a:t>
+            </a:r>
+            <a:r>
+              <a:rPr lang="es-PE" sz="2600" dirty="0" err="1" smtClean="0"/>
+              <a:t>Legacy</a:t>
+            </a:r>
+            <a:r>
+              <a:rPr lang="es-PE" sz="2600" dirty="0" smtClean="0"/>
+              <a:t>).</a:t>
             </a:r>
           </a:p>
         </p:txBody>
@@ -17547,7 +17943,7 @@
     </p:spTree>
     <p:extLst>
       <p:ext uri="{BB962C8B-B14F-4D97-AF65-F5344CB8AC3E}">
-        <p14:creationId xmlns:p14="http://schemas.microsoft.com/office/powerpoint/2010/main" val="3027783249"/>
+        <p14:creationId xmlns:p14="http://schemas.microsoft.com/office/powerpoint/2010/main" val="3540730048"/>
       </p:ext>
     </p:extLst>
   </p:cSld>
@@ -17565,6 +17961,222 @@
 </file>
 
 <file path=ppt/slides/slide32.xml><?xml version="1.0" encoding="utf-8"?>
+<p:sld xmlns:a="http://schemas.openxmlformats.org/drawingml/2006/main" xmlns:r="http://schemas.openxmlformats.org/officeDocument/2006/relationships" xmlns:p="http://schemas.openxmlformats.org/presentationml/2006/main" show="0">
+  <p:cSld>
+    <p:spTree>
+      <p:nvGrpSpPr>
+        <p:cNvPr id="1" name=""/>
+        <p:cNvGrpSpPr/>
+        <p:nvPr/>
+      </p:nvGrpSpPr>
+      <p:grpSpPr>
+        <a:xfrm>
+          <a:off x="0" y="0"/>
+          <a:ext cx="0" cy="0"/>
+          <a:chOff x="0" y="0"/>
+          <a:chExt cx="0" cy="0"/>
+        </a:xfrm>
+      </p:grpSpPr>
+      <p:sp>
+        <p:nvSpPr>
+          <p:cNvPr id="5" name="2 Título"/>
+          <p:cNvSpPr>
+            <a:spLocks noGrp="1"/>
+          </p:cNvSpPr>
+          <p:nvPr>
+            <p:ph type="title"/>
+          </p:nvPr>
+        </p:nvSpPr>
+        <p:spPr>
+          <a:xfrm>
+            <a:off x="508714" y="116632"/>
+            <a:ext cx="8229600" cy="864096"/>
+          </a:xfrm>
+        </p:spPr>
+        <p:txBody>
+          <a:bodyPr/>
+          <a:lstStyle/>
+          <a:p>
+            <a:r>
+              <a:rPr lang="es-PE" dirty="0" smtClean="0">
+                <a:solidFill>
+                  <a:srgbClr val="00823B"/>
+                </a:solidFill>
+              </a:rPr>
+              <a:t>¿ Porqué pruebas de integración?</a:t>
+            </a:r>
+            <a:endParaRPr lang="es-PE" dirty="0">
+              <a:solidFill>
+                <a:srgbClr val="00823B"/>
+              </a:solidFill>
+            </a:endParaRPr>
+          </a:p>
+        </p:txBody>
+      </p:sp>
+      <p:sp>
+        <p:nvSpPr>
+          <p:cNvPr id="8" name="7 CuadroTexto"/>
+          <p:cNvSpPr txBox="1"/>
+          <p:nvPr/>
+        </p:nvSpPr>
+        <p:spPr>
+          <a:xfrm>
+            <a:off x="539552" y="1196752"/>
+            <a:ext cx="8136904" cy="4893647"/>
+          </a:xfrm>
+          <a:prstGeom prst="rect">
+            <a:avLst/>
+          </a:prstGeom>
+          <a:noFill/>
+        </p:spPr>
+        <p:txBody>
+          <a:bodyPr wrap="square" rtlCol="0">
+            <a:spAutoFit/>
+          </a:bodyPr>
+          <a:lstStyle/>
+          <a:p>
+            <a:pPr algn="ctr"/>
+            <a:r>
+              <a:rPr lang="es-PE" sz="2600" dirty="0" smtClean="0"/>
+              <a:t>Los test de integración son lentos, frágiles, difíciles de escribir pero igual son necesarios.</a:t>
+            </a:r>
+          </a:p>
+          <a:p>
+            <a:pPr marL="571500" indent="-571500">
+              <a:buFont typeface="Arial" pitchFamily="34" charset="0"/>
+              <a:buChar char="•"/>
+            </a:pPr>
+            <a:endParaRPr lang="es-PE" sz="2600" dirty="0" smtClean="0"/>
+          </a:p>
+          <a:p>
+            <a:pPr marL="342900" indent="-342900" fontAlgn="base">
+              <a:spcBef>
+                <a:spcPct val="20000"/>
+              </a:spcBef>
+              <a:spcAft>
+                <a:spcPct val="0"/>
+              </a:spcAft>
+              <a:buFont typeface="Arial" charset="0"/>
+              <a:buChar char="•"/>
+            </a:pPr>
+            <a:r>
+              <a:rPr lang="es-PE" sz="2600" dirty="0"/>
+              <a:t>Una buen conjunto de </a:t>
+            </a:r>
+            <a:r>
+              <a:rPr lang="es-PE" sz="2600" dirty="0">
+                <a:solidFill>
+                  <a:srgbClr val="FF0000"/>
+                </a:solidFill>
+              </a:rPr>
+              <a:t>pruebas unitarias es aún más efectivo si es acompañado de otros  tipos de test.</a:t>
+            </a:r>
+          </a:p>
+          <a:p>
+            <a:pPr marL="342900" indent="-342900" fontAlgn="base">
+              <a:spcBef>
+                <a:spcPct val="20000"/>
+              </a:spcBef>
+              <a:spcAft>
+                <a:spcPct val="0"/>
+              </a:spcAft>
+              <a:buFont typeface="Arial" charset="0"/>
+              <a:buChar char="•"/>
+            </a:pPr>
+            <a:endParaRPr lang="es-ES" sz="2600" dirty="0"/>
+          </a:p>
+          <a:p>
+            <a:pPr marL="342900" indent="-342900" fontAlgn="base">
+              <a:spcBef>
+                <a:spcPct val="20000"/>
+              </a:spcBef>
+              <a:spcAft>
+                <a:spcPct val="0"/>
+              </a:spcAft>
+              <a:buFont typeface="Arial" charset="0"/>
+              <a:buChar char="•"/>
+            </a:pPr>
+            <a:r>
+              <a:rPr lang="es-ES" sz="2600" dirty="0"/>
+              <a:t>Cada tipo de test es una </a:t>
+            </a:r>
+            <a:r>
+              <a:rPr lang="es-ES" sz="2600" dirty="0">
+                <a:solidFill>
+                  <a:srgbClr val="FF0000"/>
+                </a:solidFill>
+              </a:rPr>
+              <a:t>nueva capa de protección en nuestro sistema</a:t>
+            </a:r>
+            <a:r>
+              <a:rPr lang="es-ES" sz="2600" dirty="0" smtClean="0">
+                <a:solidFill>
+                  <a:srgbClr val="FF0000"/>
+                </a:solidFill>
+              </a:rPr>
+              <a:t>.</a:t>
+            </a:r>
+          </a:p>
+          <a:p>
+            <a:pPr marL="342900" indent="-342900" fontAlgn="base">
+              <a:spcBef>
+                <a:spcPct val="20000"/>
+              </a:spcBef>
+              <a:spcAft>
+                <a:spcPct val="0"/>
+              </a:spcAft>
+              <a:buFont typeface="Arial" charset="0"/>
+              <a:buChar char="•"/>
+            </a:pPr>
+            <a:endParaRPr lang="es-ES" sz="2600" dirty="0"/>
+          </a:p>
+          <a:p>
+            <a:pPr marL="342900" indent="-342900" fontAlgn="base">
+              <a:spcBef>
+                <a:spcPct val="20000"/>
+              </a:spcBef>
+              <a:spcAft>
+                <a:spcPct val="0"/>
+              </a:spcAft>
+              <a:buFont typeface="Arial" charset="0"/>
+              <a:buChar char="•"/>
+            </a:pPr>
+            <a:r>
+              <a:rPr lang="es-PE" sz="2600" dirty="0"/>
+              <a:t>El balance  y aplicación efectiva de todos los tipos de test es lo que realmente te dará beneficios.</a:t>
+            </a:r>
+          </a:p>
+        </p:txBody>
+      </p:sp>
+    </p:spTree>
+    <p:extLst>
+      <p:ext uri="{BB962C8B-B14F-4D97-AF65-F5344CB8AC3E}">
+        <p14:creationId xmlns:p14="http://schemas.microsoft.com/office/powerpoint/2010/main" val="3027783249"/>
+      </p:ext>
+    </p:extLst>
+  </p:cSld>
+  <p:clrMapOvr>
+    <a:masterClrMapping/>
+  </p:clrMapOvr>
+  <mc:AlternateContent xmlns:mc="http://schemas.openxmlformats.org/markup-compatibility/2006">
+    <mc:Choice xmlns:p14="http://schemas.microsoft.com/office/powerpoint/2010/main" Requires="p14">
+      <p:transition spd="slow" p14:dur="2000"/>
+    </mc:Choice>
+    <mc:Fallback>
+      <p:transition spd="slow"/>
+    </mc:Fallback>
+  </mc:AlternateContent>
+  <p:timing>
+    <p:tnLst>
+      <p:par>
+        <p:cTn id="1" dur="indefinite" restart="never" nodeType="tmRoot"/>
+      </p:par>
+    </p:tnLst>
+  </p:timing>
+</p:sld>
+</file>
+
+<file path=ppt/slides/slide33.xml><?xml version="1.0" encoding="utf-8"?>
 <p:sld xmlns:a="http://schemas.openxmlformats.org/drawingml/2006/main" xmlns:r="http://schemas.openxmlformats.org/officeDocument/2006/relationships" xmlns:p="http://schemas.openxmlformats.org/presentationml/2006/main">
   <p:cSld>
     <p:spTree>
@@ -17581,6 +18193,748 @@
           <a:chExt cx="0" cy="0"/>
         </a:xfrm>
       </p:grpSpPr>
+      <p:pic>
+        <p:nvPicPr>
+          <p:cNvPr id="2051" name="Picture 3" descr="C:\Users\Snahider\Desktop\FullStack.png"/>
+          <p:cNvPicPr>
+            <a:picLocks noChangeAspect="1" noChangeArrowheads="1"/>
+          </p:cNvPicPr>
+          <p:nvPr/>
+        </p:nvPicPr>
+        <p:blipFill rotWithShape="1">
+          <a:blip r:embed="rId3">
+            <a:extLst>
+              <a:ext uri="{28A0092B-C50C-407E-A947-70E740481C1C}">
+                <a14:useLocalDpi xmlns:a14="http://schemas.microsoft.com/office/drawing/2010/main" val="0"/>
+              </a:ext>
+            </a:extLst>
+          </a:blip>
+          <a:srcRect b="2424"/>
+          <a:stretch/>
+        </p:blipFill>
+        <p:spPr bwMode="auto">
+          <a:xfrm>
+            <a:off x="0" y="1116178"/>
+            <a:ext cx="9144000" cy="5481174"/>
+          </a:xfrm>
+          <a:prstGeom prst="rect">
+            <a:avLst/>
+          </a:prstGeom>
+          <a:noFill/>
+          <a:extLst>
+            <a:ext uri="{909E8E84-426E-40DD-AFC4-6F175D3DCCD1}">
+              <a14:hiddenFill xmlns:a14="http://schemas.microsoft.com/office/drawing/2010/main">
+                <a:solidFill>
+                  <a:srgbClr val="FFFFFF"/>
+                </a:solidFill>
+              </a14:hiddenFill>
+            </a:ext>
+          </a:extLst>
+        </p:spPr>
+      </p:pic>
+      <p:sp>
+        <p:nvSpPr>
+          <p:cNvPr id="11" name="2 Título"/>
+          <p:cNvSpPr>
+            <a:spLocks noGrp="1"/>
+          </p:cNvSpPr>
+          <p:nvPr>
+            <p:ph type="title"/>
+          </p:nvPr>
+        </p:nvSpPr>
+        <p:spPr>
+          <a:xfrm>
+            <a:off x="457200" y="188640"/>
+            <a:ext cx="8229600" cy="792088"/>
+          </a:xfrm>
+        </p:spPr>
+        <p:txBody>
+          <a:bodyPr/>
+          <a:lstStyle/>
+          <a:p>
+            <a:r>
+              <a:rPr lang="es-PE" dirty="0" smtClean="0">
+                <a:solidFill>
+                  <a:srgbClr val="00823B"/>
+                </a:solidFill>
+              </a:rPr>
+              <a:t>¿Dónde aplicar </a:t>
+            </a:r>
+            <a:r>
+              <a:rPr lang="es-PE" dirty="0" smtClean="0">
+                <a:solidFill>
+                  <a:srgbClr val="00823B"/>
+                </a:solidFill>
+              </a:rPr>
+              <a:t>Integration </a:t>
+            </a:r>
+            <a:r>
+              <a:rPr lang="es-PE" dirty="0" err="1" smtClean="0">
+                <a:solidFill>
+                  <a:srgbClr val="00823B"/>
+                </a:solidFill>
+              </a:rPr>
+              <a:t>Tests</a:t>
+            </a:r>
+            <a:r>
+              <a:rPr lang="en-US" dirty="0" smtClean="0">
+                <a:solidFill>
+                  <a:srgbClr val="00823B"/>
+                </a:solidFill>
+              </a:rPr>
+              <a:t>?</a:t>
+            </a:r>
+            <a:endParaRPr lang="es-PE" dirty="0">
+              <a:solidFill>
+                <a:srgbClr val="00823B"/>
+              </a:solidFill>
+            </a:endParaRPr>
+          </a:p>
+        </p:txBody>
+      </p:sp>
+      <p:sp>
+        <p:nvSpPr>
+          <p:cNvPr id="7" name="6 Rectángulo redondeado"/>
+          <p:cNvSpPr/>
+          <p:nvPr/>
+        </p:nvSpPr>
+        <p:spPr>
+          <a:xfrm>
+            <a:off x="1459737" y="4077072"/>
+            <a:ext cx="3672000" cy="864000"/>
+          </a:xfrm>
+          <a:prstGeom prst="roundRect">
+            <a:avLst/>
+          </a:prstGeom>
+          <a:noFill/>
+          <a:ln w="101600">
+            <a:solidFill>
+              <a:srgbClr val="C00000"/>
+            </a:solidFill>
+            <a:prstDash val="solid"/>
+          </a:ln>
+        </p:spPr>
+        <p:style>
+          <a:lnRef idx="2">
+            <a:schemeClr val="accent2"/>
+          </a:lnRef>
+          <a:fillRef idx="1">
+            <a:schemeClr val="lt1"/>
+          </a:fillRef>
+          <a:effectRef idx="0">
+            <a:schemeClr val="accent2"/>
+          </a:effectRef>
+          <a:fontRef idx="minor">
+            <a:schemeClr val="dk1"/>
+          </a:fontRef>
+        </p:style>
+        <p:txBody>
+          <a:bodyPr rtlCol="0" anchor="ctr"/>
+          <a:lstStyle/>
+          <a:p>
+            <a:pPr algn="ctr"/>
+            <a:endParaRPr lang="es-PE">
+              <a:solidFill>
+                <a:schemeClr val="dk1"/>
+              </a:solidFill>
+            </a:endParaRPr>
+          </a:p>
+        </p:txBody>
+      </p:sp>
+      <p:sp>
+        <p:nvSpPr>
+          <p:cNvPr id="12" name="11 CuadroTexto"/>
+          <p:cNvSpPr txBox="1"/>
+          <p:nvPr/>
+        </p:nvSpPr>
+        <p:spPr>
+          <a:xfrm>
+            <a:off x="5472608" y="1196752"/>
+            <a:ext cx="3635896" cy="2246769"/>
+          </a:xfrm>
+          <a:prstGeom prst="rect">
+            <a:avLst/>
+          </a:prstGeom>
+          <a:noFill/>
+        </p:spPr>
+        <p:txBody>
+          <a:bodyPr wrap="square" rtlCol="0">
+            <a:spAutoFit/>
+          </a:bodyPr>
+          <a:lstStyle/>
+          <a:p>
+            <a:pPr algn="ctr"/>
+            <a:r>
+              <a:rPr lang="es-PE" sz="2800" b="1" dirty="0" smtClean="0">
+                <a:solidFill>
+                  <a:srgbClr val="C00000"/>
+                </a:solidFill>
+              </a:rPr>
+              <a:t>Aspectos del </a:t>
+            </a:r>
+            <a:r>
+              <a:rPr lang="es-PE" sz="2800" b="1" dirty="0">
+                <a:solidFill>
+                  <a:srgbClr val="C00000"/>
+                </a:solidFill>
+              </a:rPr>
+              <a:t>código para hablar con el exterior</a:t>
+            </a:r>
+            <a:r>
+              <a:rPr lang="es-PE" sz="2800" b="1" dirty="0" smtClean="0">
+                <a:solidFill>
+                  <a:srgbClr val="C00000"/>
+                </a:solidFill>
+              </a:rPr>
+              <a:t>.</a:t>
+            </a:r>
+          </a:p>
+          <a:p>
+            <a:pPr algn="ctr"/>
+            <a:r>
+              <a:rPr lang="es-PE" sz="2800" b="1" dirty="0">
+                <a:solidFill>
+                  <a:srgbClr val="C00000"/>
+                </a:solidFill>
+              </a:rPr>
+              <a:t>(</a:t>
+            </a:r>
+            <a:r>
+              <a:rPr lang="es-PE" sz="2800" b="1" dirty="0" err="1">
+                <a:solidFill>
+                  <a:srgbClr val="C00000"/>
+                </a:solidFill>
+              </a:rPr>
+              <a:t>Networking</a:t>
+            </a:r>
+            <a:r>
+              <a:rPr lang="es-PE" sz="2800" b="1" dirty="0">
+                <a:solidFill>
+                  <a:srgbClr val="C00000"/>
+                </a:solidFill>
+              </a:rPr>
+              <a:t>, </a:t>
+            </a:r>
+            <a:r>
+              <a:rPr lang="es-PE" sz="2800" b="1" dirty="0" smtClean="0">
+                <a:solidFill>
+                  <a:srgbClr val="C00000"/>
+                </a:solidFill>
+              </a:rPr>
+              <a:t>BD, Files, </a:t>
+            </a:r>
+            <a:r>
+              <a:rPr lang="es-PE" sz="2800" b="1" dirty="0" err="1">
+                <a:solidFill>
+                  <a:srgbClr val="C00000"/>
+                </a:solidFill>
+              </a:rPr>
+              <a:t>C</a:t>
+            </a:r>
+            <a:r>
+              <a:rPr lang="es-PE" sz="2800" b="1" dirty="0" err="1" smtClean="0">
+                <a:solidFill>
+                  <a:srgbClr val="C00000"/>
+                </a:solidFill>
+              </a:rPr>
+              <a:t>aching</a:t>
+            </a:r>
+            <a:r>
+              <a:rPr lang="es-PE" sz="2800" b="1" dirty="0">
+                <a:solidFill>
+                  <a:srgbClr val="C00000"/>
+                </a:solidFill>
+              </a:rPr>
+              <a:t>, </a:t>
+            </a:r>
+            <a:r>
+              <a:rPr lang="es-PE" sz="2800" b="1" dirty="0" err="1">
+                <a:solidFill>
+                  <a:srgbClr val="C00000"/>
+                </a:solidFill>
+              </a:rPr>
+              <a:t>etc</a:t>
+            </a:r>
+            <a:r>
+              <a:rPr lang="es-PE" sz="2800" b="1" dirty="0">
+                <a:solidFill>
+                  <a:srgbClr val="C00000"/>
+                </a:solidFill>
+              </a:rPr>
+              <a:t>)</a:t>
+            </a:r>
+            <a:endParaRPr lang="es-PE" sz="2800" b="1" dirty="0">
+              <a:solidFill>
+                <a:srgbClr val="C00000"/>
+              </a:solidFill>
+            </a:endParaRPr>
+          </a:p>
+        </p:txBody>
+      </p:sp>
+    </p:spTree>
+    <p:extLst>
+      <p:ext uri="{BB962C8B-B14F-4D97-AF65-F5344CB8AC3E}">
+        <p14:creationId xmlns:p14="http://schemas.microsoft.com/office/powerpoint/2010/main" val="3698761515"/>
+      </p:ext>
+    </p:extLst>
+  </p:cSld>
+  <p:clrMapOvr>
+    <a:masterClrMapping/>
+  </p:clrMapOvr>
+  <mc:AlternateContent xmlns:mc="http://schemas.openxmlformats.org/markup-compatibility/2006" xmlns:p14="http://schemas.microsoft.com/office/powerpoint/2010/main">
+    <mc:Choice Requires="p14">
+      <p:transition spd="slow" p14:dur="2000"/>
+    </mc:Choice>
+    <mc:Fallback xmlns="">
+      <p:transition spd="slow"/>
+    </mc:Fallback>
+  </mc:AlternateContent>
+  <p:timing>
+    <p:tnLst>
+      <p:par>
+        <p:cTn id="1" dur="indefinite" restart="never" nodeType="tmRoot">
+          <p:childTnLst>
+            <p:seq concurrent="1" nextAc="seek">
+              <p:cTn id="2" dur="indefinite" nodeType="mainSeq">
+                <p:childTnLst>
+                  <p:par>
+                    <p:cTn id="3" fill="hold">
+                      <p:stCondLst>
+                        <p:cond delay="indefinite"/>
+                      </p:stCondLst>
+                      <p:childTnLst>
+                        <p:par>
+                          <p:cTn id="4" fill="hold">
+                            <p:stCondLst>
+                              <p:cond delay="0"/>
+                            </p:stCondLst>
+                            <p:childTnLst>
+                              <p:par>
+                                <p:cTn id="5" presetID="1" presetClass="entr" presetSubtype="0" fill="hold" grpId="0" nodeType="clickEffect">
+                                  <p:stCondLst>
+                                    <p:cond delay="0"/>
+                                  </p:stCondLst>
+                                  <p:childTnLst>
+                                    <p:set>
+                                      <p:cBhvr>
+                                        <p:cTn id="6" dur="1" fill="hold">
+                                          <p:stCondLst>
+                                            <p:cond delay="0"/>
+                                          </p:stCondLst>
+                                        </p:cTn>
+                                        <p:tgtEl>
+                                          <p:spTgt spid="7"/>
+                                        </p:tgtEl>
+                                        <p:attrNameLst>
+                                          <p:attrName>style.visibility</p:attrName>
+                                        </p:attrNameLst>
+                                      </p:cBhvr>
+                                      <p:to>
+                                        <p:strVal val="visible"/>
+                                      </p:to>
+                                    </p:set>
+                                  </p:childTnLst>
+                                </p:cTn>
+                              </p:par>
+                              <p:par>
+                                <p:cTn id="7" presetID="1" presetClass="entr" presetSubtype="0" fill="hold" grpId="0" nodeType="withEffect">
+                                  <p:stCondLst>
+                                    <p:cond delay="0"/>
+                                  </p:stCondLst>
+                                  <p:childTnLst>
+                                    <p:set>
+                                      <p:cBhvr>
+                                        <p:cTn id="8" dur="1" fill="hold">
+                                          <p:stCondLst>
+                                            <p:cond delay="0"/>
+                                          </p:stCondLst>
+                                        </p:cTn>
+                                        <p:tgtEl>
+                                          <p:spTgt spid="12"/>
+                                        </p:tgtEl>
+                                        <p:attrNameLst>
+                                          <p:attrName>style.visibility</p:attrName>
+                                        </p:attrNameLst>
+                                      </p:cBhvr>
+                                      <p:to>
+                                        <p:strVal val="visible"/>
+                                      </p:to>
+                                    </p:set>
+                                  </p:childTnLst>
+                                </p:cTn>
+                              </p:par>
+                            </p:childTnLst>
+                          </p:cTn>
+                        </p:par>
+                      </p:childTnLst>
+                    </p:cTn>
+                  </p:par>
+                </p:childTnLst>
+              </p:cTn>
+              <p:prevCondLst>
+                <p:cond evt="onPrev" delay="0">
+                  <p:tgtEl>
+                    <p:sldTgt/>
+                  </p:tgtEl>
+                </p:cond>
+              </p:prevCondLst>
+              <p:nextCondLst>
+                <p:cond evt="onNext" delay="0">
+                  <p:tgtEl>
+                    <p:sldTgt/>
+                  </p:tgtEl>
+                </p:cond>
+              </p:nextCondLst>
+            </p:seq>
+          </p:childTnLst>
+        </p:cTn>
+      </p:par>
+    </p:tnLst>
+    <p:bldLst>
+      <p:bldP spid="7" grpId="0" animBg="1"/>
+      <p:bldP spid="12" grpId="0"/>
+    </p:bldLst>
+  </p:timing>
+</p:sld>
+</file>
+
+<file path=ppt/slides/slide34.xml><?xml version="1.0" encoding="utf-8"?>
+<p:sld xmlns:a="http://schemas.openxmlformats.org/drawingml/2006/main" xmlns:r="http://schemas.openxmlformats.org/officeDocument/2006/relationships" xmlns:p="http://schemas.openxmlformats.org/presentationml/2006/main">
+  <p:cSld>
+    <p:spTree>
+      <p:nvGrpSpPr>
+        <p:cNvPr id="1" name=""/>
+        <p:cNvGrpSpPr/>
+        <p:nvPr/>
+      </p:nvGrpSpPr>
+      <p:grpSpPr>
+        <a:xfrm>
+          <a:off x="0" y="0"/>
+          <a:ext cx="0" cy="0"/>
+          <a:chOff x="0" y="0"/>
+          <a:chExt cx="0" cy="0"/>
+        </a:xfrm>
+      </p:grpSpPr>
+      <p:sp>
+        <p:nvSpPr>
+          <p:cNvPr id="5" name="2 Título"/>
+          <p:cNvSpPr>
+            <a:spLocks noGrp="1"/>
+          </p:cNvSpPr>
+          <p:nvPr>
+            <p:ph type="title"/>
+          </p:nvPr>
+        </p:nvSpPr>
+        <p:spPr>
+          <a:xfrm>
+            <a:off x="457200" y="620688"/>
+            <a:ext cx="8229600" cy="2016224"/>
+          </a:xfrm>
+        </p:spPr>
+        <p:txBody>
+          <a:bodyPr/>
+          <a:lstStyle/>
+          <a:p>
+            <a:r>
+              <a:rPr lang="es-PE" dirty="0" smtClean="0">
+                <a:solidFill>
+                  <a:srgbClr val="FFC000"/>
+                </a:solidFill>
+              </a:rPr>
+              <a:t>Ejercicio</a:t>
+            </a:r>
+            <a:br>
+              <a:rPr lang="es-PE" dirty="0" smtClean="0">
+                <a:solidFill>
+                  <a:srgbClr val="FFC000"/>
+                </a:solidFill>
+              </a:rPr>
+            </a:br>
+            <a:r>
+              <a:rPr lang="es-PE" dirty="0" smtClean="0">
+                <a:solidFill>
+                  <a:srgbClr val="00B050"/>
+                </a:solidFill>
+              </a:rPr>
+              <a:t>Realizar pruebas </a:t>
+            </a:r>
+            <a:r>
+              <a:rPr lang="es-PE" dirty="0" smtClean="0">
+                <a:solidFill>
+                  <a:srgbClr val="00B050"/>
+                </a:solidFill>
+              </a:rPr>
+              <a:t>de base de datos a la aplicación Tienda Virtual</a:t>
+            </a:r>
+            <a:endParaRPr lang="es-PE" dirty="0">
+              <a:solidFill>
+                <a:srgbClr val="00B050"/>
+              </a:solidFill>
+            </a:endParaRPr>
+          </a:p>
+        </p:txBody>
+      </p:sp>
+      <p:sp>
+        <p:nvSpPr>
+          <p:cNvPr id="4" name="5 Marcador de contenido"/>
+          <p:cNvSpPr txBox="1">
+            <a:spLocks/>
+          </p:cNvSpPr>
+          <p:nvPr/>
+        </p:nvSpPr>
+        <p:spPr bwMode="auto">
+          <a:xfrm>
+            <a:off x="611560" y="3140968"/>
+            <a:ext cx="8208912" cy="2189718"/>
+          </a:xfrm>
+          <a:prstGeom prst="rect">
+            <a:avLst/>
+          </a:prstGeom>
+          <a:noFill/>
+          <a:ln w="9525">
+            <a:noFill/>
+            <a:miter lim="800000"/>
+            <a:headEnd/>
+            <a:tailEnd/>
+          </a:ln>
+        </p:spPr>
+        <p:txBody>
+          <a:bodyPr vert="horz" wrap="square" lIns="91440" tIns="45720" rIns="91440" bIns="45720" numCol="1" anchor="t" anchorCtr="0" compatLnSpc="1">
+            <a:prstTxWarp prst="textNoShape">
+              <a:avLst/>
+            </a:prstTxWarp>
+          </a:bodyPr>
+          <a:lstStyle>
+            <a:lvl1pPr marL="342900" indent="-342900" algn="l" rtl="0" eaLnBrk="1" fontAlgn="base" hangingPunct="1">
+              <a:spcBef>
+                <a:spcPct val="20000"/>
+              </a:spcBef>
+              <a:spcAft>
+                <a:spcPct val="0"/>
+              </a:spcAft>
+              <a:buFont typeface="Arial" charset="0"/>
+              <a:buChar char="•"/>
+              <a:defRPr sz="3200" kern="1200">
+                <a:solidFill>
+                  <a:schemeClr val="tx1"/>
+                </a:solidFill>
+                <a:latin typeface="+mn-lt"/>
+                <a:ea typeface="+mn-ea"/>
+                <a:cs typeface="+mn-cs"/>
+              </a:defRPr>
+            </a:lvl1pPr>
+            <a:lvl2pPr marL="742950" indent="-285750" algn="l" rtl="0" eaLnBrk="1" fontAlgn="base" hangingPunct="1">
+              <a:spcBef>
+                <a:spcPct val="20000"/>
+              </a:spcBef>
+              <a:spcAft>
+                <a:spcPct val="0"/>
+              </a:spcAft>
+              <a:buFont typeface="Arial" charset="0"/>
+              <a:buChar char="–"/>
+              <a:defRPr sz="2800" kern="1200">
+                <a:solidFill>
+                  <a:schemeClr val="tx1"/>
+                </a:solidFill>
+                <a:latin typeface="+mn-lt"/>
+                <a:ea typeface="+mn-ea"/>
+                <a:cs typeface="+mn-cs"/>
+              </a:defRPr>
+            </a:lvl2pPr>
+            <a:lvl3pPr marL="1143000" indent="-228600" algn="l" rtl="0" eaLnBrk="1" fontAlgn="base" hangingPunct="1">
+              <a:spcBef>
+                <a:spcPct val="20000"/>
+              </a:spcBef>
+              <a:spcAft>
+                <a:spcPct val="0"/>
+              </a:spcAft>
+              <a:buFont typeface="Arial" charset="0"/>
+              <a:buChar char="•"/>
+              <a:defRPr sz="2400" kern="1200">
+                <a:solidFill>
+                  <a:schemeClr val="tx1"/>
+                </a:solidFill>
+                <a:latin typeface="+mn-lt"/>
+                <a:ea typeface="+mn-ea"/>
+                <a:cs typeface="+mn-cs"/>
+              </a:defRPr>
+            </a:lvl3pPr>
+            <a:lvl4pPr marL="1600200" indent="-228600" algn="l" rtl="0" eaLnBrk="1" fontAlgn="base" hangingPunct="1">
+              <a:spcBef>
+                <a:spcPct val="20000"/>
+              </a:spcBef>
+              <a:spcAft>
+                <a:spcPct val="0"/>
+              </a:spcAft>
+              <a:buFont typeface="Arial" charset="0"/>
+              <a:buChar char="–"/>
+              <a:defRPr sz="2000" kern="1200">
+                <a:solidFill>
+                  <a:schemeClr val="tx1"/>
+                </a:solidFill>
+                <a:latin typeface="+mn-lt"/>
+                <a:ea typeface="+mn-ea"/>
+                <a:cs typeface="+mn-cs"/>
+              </a:defRPr>
+            </a:lvl4pPr>
+            <a:lvl5pPr marL="2057400" indent="-228600" algn="l" rtl="0" eaLnBrk="1" fontAlgn="base" hangingPunct="1">
+              <a:spcBef>
+                <a:spcPct val="20000"/>
+              </a:spcBef>
+              <a:spcAft>
+                <a:spcPct val="0"/>
+              </a:spcAft>
+              <a:buFont typeface="Arial" charset="0"/>
+              <a:buChar char="»"/>
+              <a:defRPr sz="2000" kern="1200">
+                <a:solidFill>
+                  <a:schemeClr val="tx1"/>
+                </a:solidFill>
+                <a:latin typeface="+mn-lt"/>
+                <a:ea typeface="+mn-ea"/>
+                <a:cs typeface="+mn-cs"/>
+              </a:defRPr>
+            </a:lvl5pPr>
+            <a:lvl6pPr marL="2514600" indent="-228600" algn="l" defTabSz="914400" rtl="0" eaLnBrk="1" latinLnBrk="0" hangingPunct="1">
+              <a:spcBef>
+                <a:spcPct val="20000"/>
+              </a:spcBef>
+              <a:buFont typeface="Arial" pitchFamily="34" charset="0"/>
+              <a:buChar char="•"/>
+              <a:defRPr sz="2000" kern="1200">
+                <a:solidFill>
+                  <a:schemeClr val="tx1"/>
+                </a:solidFill>
+                <a:latin typeface="+mn-lt"/>
+                <a:ea typeface="+mn-ea"/>
+                <a:cs typeface="+mn-cs"/>
+              </a:defRPr>
+            </a:lvl6pPr>
+            <a:lvl7pPr marL="2971800" indent="-228600" algn="l" defTabSz="914400" rtl="0" eaLnBrk="1" latinLnBrk="0" hangingPunct="1">
+              <a:spcBef>
+                <a:spcPct val="20000"/>
+              </a:spcBef>
+              <a:buFont typeface="Arial" pitchFamily="34" charset="0"/>
+              <a:buChar char="•"/>
+              <a:defRPr sz="2000" kern="1200">
+                <a:solidFill>
+                  <a:schemeClr val="tx1"/>
+                </a:solidFill>
+                <a:latin typeface="+mn-lt"/>
+                <a:ea typeface="+mn-ea"/>
+                <a:cs typeface="+mn-cs"/>
+              </a:defRPr>
+            </a:lvl7pPr>
+            <a:lvl8pPr marL="3429000" indent="-228600" algn="l" defTabSz="914400" rtl="0" eaLnBrk="1" latinLnBrk="0" hangingPunct="1">
+              <a:spcBef>
+                <a:spcPct val="20000"/>
+              </a:spcBef>
+              <a:buFont typeface="Arial" pitchFamily="34" charset="0"/>
+              <a:buChar char="•"/>
+              <a:defRPr sz="2000" kern="1200">
+                <a:solidFill>
+                  <a:schemeClr val="tx1"/>
+                </a:solidFill>
+                <a:latin typeface="+mn-lt"/>
+                <a:ea typeface="+mn-ea"/>
+                <a:cs typeface="+mn-cs"/>
+              </a:defRPr>
+            </a:lvl8pPr>
+            <a:lvl9pPr marL="3886200" indent="-228600" algn="l" defTabSz="914400" rtl="0" eaLnBrk="1" latinLnBrk="0" hangingPunct="1">
+              <a:spcBef>
+                <a:spcPct val="20000"/>
+              </a:spcBef>
+              <a:buFont typeface="Arial" pitchFamily="34" charset="0"/>
+              <a:buChar char="•"/>
+              <a:defRPr sz="2000" kern="1200">
+                <a:solidFill>
+                  <a:schemeClr val="tx1"/>
+                </a:solidFill>
+                <a:latin typeface="+mn-lt"/>
+                <a:ea typeface="+mn-ea"/>
+                <a:cs typeface="+mn-cs"/>
+              </a:defRPr>
+            </a:lvl9pPr>
+          </a:lstStyle>
+          <a:p>
+            <a:r>
+              <a:rPr lang="es-PE" sz="2800" dirty="0" smtClean="0"/>
+              <a:t>Crear un proyecto para las pruebas de integración "</a:t>
+            </a:r>
+            <a:r>
+              <a:rPr lang="es-PE" sz="2800" dirty="0" err="1" smtClean="0"/>
+              <a:t>TiendaVirtual.IntegrationTests</a:t>
+            </a:r>
+            <a:r>
+              <a:rPr lang="es-PE" sz="2800" dirty="0" smtClean="0"/>
+              <a:t>".</a:t>
+            </a:r>
+          </a:p>
+          <a:p>
+            <a:endParaRPr lang="es-PE" sz="2800" dirty="0" smtClean="0"/>
+          </a:p>
+          <a:p>
+            <a:r>
+              <a:rPr lang="es-PE" sz="2800" dirty="0" smtClean="0"/>
+              <a:t>Utilizar cualquier patrón para crear pruebas a la clase</a:t>
+            </a:r>
+            <a:r>
+              <a:rPr lang="es-PE" sz="2800" dirty="0"/>
+              <a:t> </a:t>
+            </a:r>
+            <a:r>
+              <a:rPr lang="es-PE" sz="2800" dirty="0" smtClean="0"/>
+              <a:t>"</a:t>
+            </a:r>
+            <a:r>
+              <a:rPr lang="es-PE" sz="2800" dirty="0" err="1" smtClean="0"/>
+              <a:t>TiendaVirtual.DataAccess.ProductoDAO</a:t>
+            </a:r>
+            <a:r>
+              <a:rPr lang="es-PE" sz="2800" dirty="0" smtClean="0"/>
+              <a:t>"</a:t>
+            </a:r>
+            <a:endParaRPr lang="es-PE" sz="2800" dirty="0" smtClean="0"/>
+          </a:p>
+        </p:txBody>
+      </p:sp>
+    </p:spTree>
+    <p:extLst>
+      <p:ext uri="{BB962C8B-B14F-4D97-AF65-F5344CB8AC3E}">
+        <p14:creationId xmlns:p14="http://schemas.microsoft.com/office/powerpoint/2010/main" val="2026511769"/>
+      </p:ext>
+    </p:extLst>
+  </p:cSld>
+  <p:clrMapOvr>
+    <a:masterClrMapping/>
+  </p:clrMapOvr>
+  <p:timing>
+    <p:tnLst>
+      <p:par>
+        <p:cTn id="1" dur="indefinite" restart="never" nodeType="tmRoot"/>
+      </p:par>
+    </p:tnLst>
+  </p:timing>
+</p:sld>
+</file>
+
+<file path=ppt/slides/slide35.xml><?xml version="1.0" encoding="utf-8"?>
+<p:sld xmlns:a="http://schemas.openxmlformats.org/drawingml/2006/main" xmlns:r="http://schemas.openxmlformats.org/officeDocument/2006/relationships" xmlns:p="http://schemas.openxmlformats.org/presentationml/2006/main">
+  <p:cSld>
+    <p:spTree>
+      <p:nvGrpSpPr>
+        <p:cNvPr id="1" name=""/>
+        <p:cNvGrpSpPr/>
+        <p:nvPr/>
+      </p:nvGrpSpPr>
+      <p:grpSpPr>
+        <a:xfrm>
+          <a:off x="0" y="0"/>
+          <a:ext cx="0" cy="0"/>
+          <a:chOff x="0" y="0"/>
+          <a:chExt cx="0" cy="0"/>
+        </a:xfrm>
+      </p:grpSpPr>
       <p:sp>
         <p:nvSpPr>
           <p:cNvPr id="3" name="2 Título"/>
@@ -17607,7 +18961,15 @@
                   <a:srgbClr val="00823B"/>
                 </a:solidFill>
               </a:rPr>
-              <a:t>Cuando usar un </a:t>
+              <a:t>¿Cuándo </a:t>
+            </a:r>
+            <a:r>
+              <a:rPr lang="es-PE" dirty="0" smtClean="0">
+                <a:solidFill>
+                  <a:srgbClr val="00823B"/>
+                </a:solidFill>
+              </a:rPr>
+              <a:t>usar un </a:t>
             </a:r>
             <a:br>
               <a:rPr lang="es-PE" dirty="0" smtClean="0">
@@ -17622,7 +18984,15 @@
                   <a:srgbClr val="00823B"/>
                 </a:solidFill>
               </a:rPr>
-              <a:t>Test Unitario o Integración</a:t>
+              <a:t>Test Unitario o </a:t>
+            </a:r>
+            <a:r>
+              <a:rPr lang="es-PE" dirty="0" smtClean="0">
+                <a:solidFill>
+                  <a:srgbClr val="00823B"/>
+                </a:solidFill>
+              </a:rPr>
+              <a:t>Integración?</a:t>
             </a:r>
             <a:endParaRPr lang="es-PE" dirty="0">
               <a:solidFill>
@@ -17837,55 +19207,35 @@
             <a:r>
               <a:rPr lang="es-PE" sz="2800" dirty="0" smtClean="0">
                 <a:solidFill>
-                  <a:srgbClr val="FF0000"/>
-                </a:solidFill>
-              </a:rPr>
-              <a:t>El N° de Test Unitarios es proporcional al tamaño del sistema.</a:t>
-            </a:r>
+                  <a:srgbClr val="FFC000"/>
+                </a:solidFill>
+              </a:rPr>
+              <a:t>El N° de Test Unitarios es proporcional al tamaño del sistema</a:t>
+            </a:r>
+            <a:r>
+              <a:rPr lang="es-PE" sz="2800" dirty="0" smtClean="0">
+                <a:solidFill>
+                  <a:srgbClr val="FFC000"/>
+                </a:solidFill>
+              </a:rPr>
+              <a:t>.</a:t>
+            </a:r>
+          </a:p>
+          <a:p>
+            <a:endParaRPr lang="es-PE" sz="2800" dirty="0" smtClean="0">
+              <a:solidFill>
+                <a:srgbClr val="FF0000"/>
+              </a:solidFill>
+            </a:endParaRPr>
           </a:p>
           <a:p>
             <a:r>
               <a:rPr lang="es-PE" sz="2800" dirty="0" smtClean="0"/>
-              <a:t>Usar los test de integración para verificar errores a nivel de sistema (</a:t>
-            </a:r>
-            <a:r>
-              <a:rPr lang="es-PE" sz="2800" dirty="0" err="1" smtClean="0"/>
-              <a:t>Networking</a:t>
+              <a:t>Usar test de integración para probar aspectos </a:t>
             </a:r>
             <a:r>
               <a:rPr lang="es-PE" sz="2800" dirty="0" smtClean="0"/>
-              <a:t>, BD </a:t>
-            </a:r>
-            <a:r>
-              <a:rPr lang="es-PE" sz="2800" dirty="0" err="1" smtClean="0"/>
-              <a:t>Schema</a:t>
-            </a:r>
-            <a:r>
-              <a:rPr lang="es-PE" sz="2800" dirty="0" smtClean="0"/>
-              <a:t>, </a:t>
-            </a:r>
-            <a:r>
-              <a:rPr lang="es-PE" sz="2800" dirty="0" err="1" smtClean="0"/>
-              <a:t>caching</a:t>
-            </a:r>
-            <a:r>
-              <a:rPr lang="es-PE" sz="2800" dirty="0" smtClean="0"/>
-              <a:t>, </a:t>
-            </a:r>
-            <a:r>
-              <a:rPr lang="es-PE" sz="2800" dirty="0" err="1" smtClean="0"/>
-              <a:t>etc</a:t>
-            </a:r>
-            <a:r>
-              <a:rPr lang="es-PE" sz="2800" dirty="0" smtClean="0"/>
-              <a:t>)</a:t>
-            </a:r>
-            <a:br>
-              <a:rPr lang="es-PE" sz="2800" dirty="0" smtClean="0"/>
-            </a:br>
-            <a:r>
-              <a:rPr lang="es-PE" sz="2800" dirty="0" smtClean="0"/>
-              <a:t>y para probar solo aspectos específicos del código para hablar con el exterior.</a:t>
+              <a:t>específicos del código para hablar con el exterior.</a:t>
             </a:r>
             <a:r>
               <a:rPr lang="es-PE" sz="2800" dirty="0" smtClean="0">
@@ -17905,7 +19255,7 @@
             <a:r>
               <a:rPr lang="es-PE" sz="2800" dirty="0" smtClean="0">
                 <a:solidFill>
-                  <a:srgbClr val="FF0000"/>
+                  <a:srgbClr val="FFC000"/>
                 </a:solidFill>
               </a:rPr>
               <a:t>El N° de Test de Integración es proporcional al número de interacciones con el exterior que tenga el sistema.</a:t>
@@ -17933,7 +19283,7 @@
 </p:sld>
 </file>
 
-<file path=ppt/slides/slide33.xml><?xml version="1.0" encoding="utf-8"?>
+<file path=ppt/slides/slide36.xml><?xml version="1.0" encoding="utf-8"?>
 <p:sld xmlns:a="http://schemas.openxmlformats.org/drawingml/2006/main" xmlns:r="http://schemas.openxmlformats.org/officeDocument/2006/relationships" xmlns:p="http://schemas.openxmlformats.org/presentationml/2006/main">
   <p:cSld>
     <p:spTree>

--- a/Diapositivas/3. Database Testing.pptx
+++ b/Diapositivas/3. Database Testing.pptx
@@ -10197,23 +10197,7 @@
                   <a:srgbClr val="FFC000"/>
                 </a:solidFill>
               </a:rPr>
-              <a:t>¿ </a:t>
-            </a:r>
-            <a:r>
-              <a:rPr lang="es-PE" sz="3200" b="1" dirty="0" smtClean="0">
-                <a:solidFill>
-                  <a:srgbClr val="FFC000"/>
-                </a:solidFill>
-              </a:rPr>
-              <a:t>Qué nos permite probar</a:t>
-            </a:r>
-            <a:r>
-              <a:rPr lang="es-PE" sz="3200" b="1" dirty="0" smtClean="0">
-                <a:solidFill>
-                  <a:srgbClr val="FFC000"/>
-                </a:solidFill>
-              </a:rPr>
-              <a:t>?</a:t>
+              <a:t>¿ Qué nos permite probar?</a:t>
             </a:r>
             <a:endParaRPr lang="es-PE" sz="3200" b="1" dirty="0">
               <a:solidFill>
@@ -10747,7 +10731,7 @@
         </p:nvSpPr>
         <p:spPr>
           <a:xfrm>
-            <a:off x="4680136" y="4262898"/>
+            <a:off x="4680136" y="4509120"/>
             <a:ext cx="3806875" cy="584775"/>
           </a:xfrm>
           <a:prstGeom prst="rect">
@@ -10883,7 +10867,7 @@
         </p:nvSpPr>
         <p:spPr>
           <a:xfrm>
-            <a:off x="3135291" y="3501008"/>
+            <a:off x="5218872" y="4016677"/>
             <a:ext cx="2729401" cy="584775"/>
           </a:xfrm>
           <a:prstGeom prst="rect">
@@ -11560,7 +11544,15 @@
                   <a:srgbClr val="00823B"/>
                 </a:solidFill>
               </a:rPr>
-              <a:t>Inicializar y Restablecer la BD</a:t>
+              <a:t>Restablecer </a:t>
+            </a:r>
+            <a:r>
+              <a:rPr lang="es-PE" dirty="0" smtClean="0">
+                <a:solidFill>
+                  <a:srgbClr val="00823B"/>
+                </a:solidFill>
+              </a:rPr>
+              <a:t>el estado de la BD</a:t>
             </a:r>
             <a:endParaRPr lang="es-PE" dirty="0">
               <a:solidFill>
@@ -12270,10 +12262,6 @@
               <a:rPr lang="es-PE" dirty="0" smtClean="0"/>
               <a:t>utilizando</a:t>
             </a:r>
-            <a:r>
-              <a:rPr lang="es-PE" dirty="0" smtClean="0"/>
-              <a:t/>
-            </a:r>
             <a:br>
               <a:rPr lang="es-PE" dirty="0" smtClean="0"/>
             </a:br>
@@ -12316,14 +12304,6 @@
                 </a:solidFill>
               </a:rPr>
               <a:t>"</a:t>
-            </a:r>
-            <a:r>
-              <a:rPr lang="es-PE" dirty="0" smtClean="0">
-                <a:solidFill>
-                  <a:srgbClr val="00823B"/>
-                </a:solidFill>
-              </a:rPr>
-              <a:t/>
             </a:r>
             <a:br>
               <a:rPr lang="es-PE" dirty="0" smtClean="0">
@@ -13476,14 +13456,6 @@
               </a:rPr>
               <a:t>"</a:t>
             </a:r>
-            <a:r>
-              <a:rPr lang="es-PE" dirty="0" smtClean="0">
-                <a:solidFill>
-                  <a:srgbClr val="00823B"/>
-                </a:solidFill>
-              </a:rPr>
-              <a:t/>
-            </a:r>
             <a:br>
               <a:rPr lang="es-PE" dirty="0" smtClean="0">
                 <a:solidFill>
@@ -13665,7 +13637,6 @@
               <a:rPr lang="es-PE" sz="2600" dirty="0" smtClean="0"/>
               <a:t> Framework y cualquier ORM.</a:t>
             </a:r>
-            <a:endParaRPr lang="es-PE" sz="2600" dirty="0" smtClean="0"/>
           </a:p>
           <a:p>
             <a:pPr marL="342900" indent="-342900">
@@ -14245,14 +14216,6 @@
                 </a:solidFill>
               </a:rPr>
               <a:t>"</a:t>
-            </a:r>
-            <a:r>
-              <a:rPr lang="es-PE" dirty="0" smtClean="0">
-                <a:solidFill>
-                  <a:srgbClr val="00823B"/>
-                </a:solidFill>
-              </a:rPr>
-              <a:t/>
             </a:r>
             <a:br>
               <a:rPr lang="es-PE" dirty="0" smtClean="0">
@@ -14737,39 +14700,7 @@
                   <a:srgbClr val="FFC000"/>
                 </a:solidFill>
               </a:rPr>
-              <a:t>¿ </a:t>
-            </a:r>
-            <a:r>
-              <a:rPr lang="es-PE" sz="3200" b="1" dirty="0" smtClean="0">
-                <a:solidFill>
-                  <a:srgbClr val="FFC000"/>
-                </a:solidFill>
-              </a:rPr>
-              <a:t>Qué nos </a:t>
-            </a:r>
-            <a:r>
-              <a:rPr lang="es-PE" sz="3200" b="1" dirty="0" smtClean="0">
-                <a:solidFill>
-                  <a:srgbClr val="FFC000"/>
-                </a:solidFill>
-              </a:rPr>
-              <a:t>permite p</a:t>
-            </a:r>
-            <a:r>
-              <a:rPr lang="es-PE" sz="3200" b="1" dirty="0" smtClean="0">
-                <a:solidFill>
-                  <a:srgbClr val="FFC000"/>
-                </a:solidFill>
-              </a:rPr>
-              <a:t>robar</a:t>
-            </a:r>
-            <a:r>
-              <a:rPr lang="es-PE" sz="3200" b="1" dirty="0" smtClean="0">
-                <a:solidFill>
-                  <a:srgbClr val="FFC000"/>
-                </a:solidFill>
-              </a:rPr>
-              <a:t>?</a:t>
+              <a:t>¿ Qué nos permite probar?</a:t>
             </a:r>
             <a:endParaRPr lang="es-PE" sz="3200" b="1" dirty="0">
               <a:solidFill>
@@ -17691,11 +17622,11 @@
   <p:clrMapOvr>
     <a:masterClrMapping/>
   </p:clrMapOvr>
-  <mc:AlternateContent xmlns:mc="http://schemas.openxmlformats.org/markup-compatibility/2006">
-    <mc:Choice xmlns:p14="http://schemas.microsoft.com/office/powerpoint/2010/main" Requires="p14">
+  <mc:AlternateContent xmlns:mc="http://schemas.openxmlformats.org/markup-compatibility/2006" xmlns:p14="http://schemas.microsoft.com/office/powerpoint/2010/main">
+    <mc:Choice Requires="p14">
       <p:transition spd="slow" p14:dur="2000"/>
     </mc:Choice>
-    <mc:Fallback>
+    <mc:Fallback xmlns="">
       <p:transition spd="slow"/>
     </mc:Fallback>
   </mc:AlternateContent>
@@ -17815,7 +17746,15 @@
                   <a:srgbClr val="FFC000"/>
                 </a:solidFill>
               </a:rPr>
-              <a:t>En </a:t>
+              <a:t>En la mayoría de casos es mejor probar el funcionamiento interno de la BD a través de pruebas de caja </a:t>
+            </a:r>
+            <a:r>
+              <a:rPr lang="es-PE" sz="2600" dirty="0">
+                <a:solidFill>
+                  <a:srgbClr val="FFC000"/>
+                </a:solidFill>
+              </a:rPr>
+              <a:t>negra </a:t>
             </a:r>
             <a:r>
               <a:rPr lang="es-PE" sz="2600" dirty="0" smtClean="0">
@@ -17823,7 +17762,15 @@
                   <a:srgbClr val="FFC000"/>
                 </a:solidFill>
               </a:rPr>
-              <a:t>la mayoría de casos es mejor probar el funcionamiento interno de la BD a través de pruebas de caja </a:t>
+              <a:t>(</a:t>
+            </a:r>
+            <a:r>
+              <a:rPr lang="es-PE" sz="2600" dirty="0" err="1">
+                <a:solidFill>
+                  <a:srgbClr val="FFC000"/>
+                </a:solidFill>
+              </a:rPr>
+              <a:t>Outside</a:t>
             </a:r>
             <a:r>
               <a:rPr lang="es-PE" sz="2600" dirty="0">
@@ -17831,7 +17778,15 @@
                   <a:srgbClr val="FFC000"/>
                 </a:solidFill>
               </a:rPr>
-              <a:t>negra </a:t>
+              <a:t> DB </a:t>
+            </a:r>
+            <a:r>
+              <a:rPr lang="es-PE" sz="2600" dirty="0" err="1">
+                <a:solidFill>
+                  <a:srgbClr val="FFC000"/>
+                </a:solidFill>
+              </a:rPr>
+              <a:t>Testing</a:t>
             </a:r>
             <a:r>
               <a:rPr lang="es-PE" sz="2600" dirty="0" smtClean="0">
@@ -17839,53 +17794,8 @@
                   <a:srgbClr val="FFC000"/>
                 </a:solidFill>
               </a:rPr>
-              <a:t>(</a:t>
-            </a:r>
-            <a:r>
-              <a:rPr lang="es-PE" sz="2600" dirty="0" err="1">
-                <a:solidFill>
-                  <a:srgbClr val="FFC000"/>
-                </a:solidFill>
-              </a:rPr>
-              <a:t>Outside</a:t>
-            </a:r>
-            <a:r>
-              <a:rPr lang="es-PE" sz="2600" dirty="0">
-                <a:solidFill>
-                  <a:srgbClr val="FFC000"/>
-                </a:solidFill>
-              </a:rPr>
-              <a:t> DB </a:t>
-            </a:r>
-            <a:r>
-              <a:rPr lang="es-PE" sz="2600" dirty="0" err="1">
-                <a:solidFill>
-                  <a:srgbClr val="FFC000"/>
-                </a:solidFill>
-              </a:rPr>
-              <a:t>Testing</a:t>
-            </a:r>
-            <a:r>
-              <a:rPr lang="es-PE" sz="2600" dirty="0" smtClean="0">
-                <a:solidFill>
-                  <a:srgbClr val="FFC000"/>
-                </a:solidFill>
-              </a:rPr>
-              <a:t>), </a:t>
-            </a:r>
-            <a:r>
-              <a:rPr lang="es-PE" sz="2600" dirty="0" smtClean="0">
-                <a:solidFill>
-                  <a:srgbClr val="FFC000"/>
-                </a:solidFill>
-              </a:rPr>
-              <a:t>ya que son más fáciles de escribir y mantener.</a:t>
-            </a:r>
-            <a:endParaRPr lang="es-PE" sz="2600" dirty="0" smtClean="0">
-              <a:solidFill>
-                <a:srgbClr val="FFC000"/>
-              </a:solidFill>
-            </a:endParaRPr>
+              <a:t>), ya que son más fáciles de escribir y mantener.</a:t>
+            </a:r>
           </a:p>
           <a:p>
             <a:pPr lvl="1"/>
@@ -18158,11 +18068,11 @@
   <p:clrMapOvr>
     <a:masterClrMapping/>
   </p:clrMapOvr>
-  <mc:AlternateContent xmlns:mc="http://schemas.openxmlformats.org/markup-compatibility/2006">
-    <mc:Choice xmlns:p14="http://schemas.microsoft.com/office/powerpoint/2010/main" Requires="p14">
+  <mc:AlternateContent xmlns:mc="http://schemas.openxmlformats.org/markup-compatibility/2006" xmlns:p14="http://schemas.microsoft.com/office/powerpoint/2010/main">
+    <mc:Choice Requires="p14">
       <p:transition spd="slow" p14:dur="2000"/>
     </mc:Choice>
-    <mc:Fallback>
+    <mc:Fallback xmlns="">
       <p:transition spd="slow"/>
     </mc:Fallback>
   </mc:AlternateContent>
@@ -18258,15 +18168,7 @@
                   <a:srgbClr val="00823B"/>
                 </a:solidFill>
               </a:rPr>
-              <a:t>¿Dónde aplicar </a:t>
-            </a:r>
-            <a:r>
-              <a:rPr lang="es-PE" dirty="0" smtClean="0">
-                <a:solidFill>
-                  <a:srgbClr val="00823B"/>
-                </a:solidFill>
-              </a:rPr>
-              <a:t>Integration </a:t>
+              <a:t>¿Dónde aplicar Integration </a:t>
             </a:r>
             <a:r>
               <a:rPr lang="es-PE" dirty="0" err="1" smtClean="0">
@@ -18463,11 +18365,6 @@
               </a:rPr>
               <a:t>)</a:t>
             </a:r>
-            <a:endParaRPr lang="es-PE" sz="2800" b="1" dirty="0">
-              <a:solidFill>
-                <a:srgbClr val="C00000"/>
-              </a:solidFill>
-            </a:endParaRPr>
           </a:p>
         </p:txBody>
       </p:sp>
@@ -18656,15 +18553,7 @@
                   <a:srgbClr val="00B050"/>
                 </a:solidFill>
               </a:rPr>
-              <a:t>Realizar pruebas </a:t>
-            </a:r>
-            <a:r>
-              <a:rPr lang="es-PE" dirty="0" smtClean="0">
-                <a:solidFill>
-                  <a:srgbClr val="00B050"/>
-                </a:solidFill>
-              </a:rPr>
-              <a:t>de base de datos a la aplicación Tienda Virtual</a:t>
+              <a:t>Realizar pruebas de base de datos a la aplicación Tienda Virtual</a:t>
             </a:r>
             <a:endParaRPr lang="es-PE" dirty="0">
               <a:solidFill>
@@ -18894,7 +18783,6 @@
               <a:rPr lang="es-PE" sz="2800" dirty="0" smtClean="0"/>
               <a:t>"</a:t>
             </a:r>
-            <a:endParaRPr lang="es-PE" sz="2800" dirty="0" smtClean="0"/>
           </a:p>
         </p:txBody>
       </p:sp>
@@ -18961,15 +18849,7 @@
                   <a:srgbClr val="00823B"/>
                 </a:solidFill>
               </a:rPr>
-              <a:t>¿Cuándo </a:t>
-            </a:r>
-            <a:r>
-              <a:rPr lang="es-PE" dirty="0" smtClean="0">
-                <a:solidFill>
-                  <a:srgbClr val="00823B"/>
-                </a:solidFill>
-              </a:rPr>
-              <a:t>usar un </a:t>
+              <a:t>¿Cuándo usar un </a:t>
             </a:r>
             <a:br>
               <a:rPr lang="es-PE" dirty="0" smtClean="0">
@@ -18984,15 +18864,7 @@
                   <a:srgbClr val="00823B"/>
                 </a:solidFill>
               </a:rPr>
-              <a:t>Test Unitario o </a:t>
-            </a:r>
-            <a:r>
-              <a:rPr lang="es-PE" dirty="0" smtClean="0">
-                <a:solidFill>
-                  <a:srgbClr val="00823B"/>
-                </a:solidFill>
-              </a:rPr>
-              <a:t>Integración?</a:t>
+              <a:t>Test Unitario o Integración?</a:t>
             </a:r>
             <a:endParaRPr lang="es-PE" dirty="0">
               <a:solidFill>
@@ -19210,15 +19082,7 @@
                   <a:srgbClr val="FFC000"/>
                 </a:solidFill>
               </a:rPr>
-              <a:t>El N° de Test Unitarios es proporcional al tamaño del sistema</a:t>
-            </a:r>
-            <a:r>
-              <a:rPr lang="es-PE" sz="2800" dirty="0" smtClean="0">
-                <a:solidFill>
-                  <a:srgbClr val="FFC000"/>
-                </a:solidFill>
-              </a:rPr>
-              <a:t>.</a:t>
+              <a:t>El N° de Test Unitarios es proporcional al tamaño del sistema.</a:t>
             </a:r>
           </a:p>
           <a:p>
@@ -19231,11 +19095,7 @@
           <a:p>
             <a:r>
               <a:rPr lang="es-PE" sz="2800" dirty="0" smtClean="0"/>
-              <a:t>Usar test de integración para probar aspectos </a:t>
-            </a:r>
-            <a:r>
-              <a:rPr lang="es-PE" sz="2800" dirty="0" smtClean="0"/>
-              <a:t>específicos del código para hablar con el exterior.</a:t>
+              <a:t>Usar test de integración para probar aspectos específicos del código para hablar con el exterior.</a:t>
             </a:r>
             <a:r>
               <a:rPr lang="es-PE" sz="2800" dirty="0" smtClean="0">

--- a/Diapositivas/3. Database Testing.pptx
+++ b/Diapositivas/3. Database Testing.pptx
@@ -280,7 +280,7 @@
           <a:p>
             <a:fld id="{63D5FC4C-9EE1-4746-A368-724F618FC790}" type="datetimeFigureOut">
               <a:rPr lang="es-PE" smtClean="0"/>
-              <a:t>02/02/2013</a:t>
+              <a:t>06/02/2013</a:t>
             </a:fld>
             <a:endParaRPr lang="es-PE"/>
           </a:p>
@@ -5620,7 +5620,7 @@
             <a:fld id="{807CB568-C05F-482F-9F26-AA302B8892DF}" type="datetimeFigureOut">
               <a:rPr lang="es-ES" smtClean="0"/>
               <a:pPr/>
-              <a:t>02/02/2013</a:t>
+              <a:t>06/02/2013</a:t>
             </a:fld>
             <a:endParaRPr lang="es-ES"/>
           </a:p>
@@ -5799,7 +5799,7 @@
             <a:fld id="{807CB568-C05F-482F-9F26-AA302B8892DF}" type="datetimeFigureOut">
               <a:rPr lang="es-ES" smtClean="0"/>
               <a:pPr/>
-              <a:t>02/02/2013</a:t>
+              <a:t>06/02/2013</a:t>
             </a:fld>
             <a:endParaRPr lang="es-ES"/>
           </a:p>
@@ -5988,7 +5988,7 @@
             <a:fld id="{807CB568-C05F-482F-9F26-AA302B8892DF}" type="datetimeFigureOut">
               <a:rPr lang="es-ES" smtClean="0"/>
               <a:pPr/>
-              <a:t>02/02/2013</a:t>
+              <a:t>06/02/2013</a:t>
             </a:fld>
             <a:endParaRPr lang="es-ES"/>
           </a:p>
@@ -6167,7 +6167,7 @@
             <a:fld id="{807CB568-C05F-482F-9F26-AA302B8892DF}" type="datetimeFigureOut">
               <a:rPr lang="es-ES" smtClean="0"/>
               <a:pPr/>
-              <a:t>02/02/2013</a:t>
+              <a:t>06/02/2013</a:t>
             </a:fld>
             <a:endParaRPr lang="es-ES"/>
           </a:p>
@@ -6422,7 +6422,7 @@
             <a:fld id="{807CB568-C05F-482F-9F26-AA302B8892DF}" type="datetimeFigureOut">
               <a:rPr lang="es-ES" smtClean="0"/>
               <a:pPr/>
-              <a:t>02/02/2013</a:t>
+              <a:t>06/02/2013</a:t>
             </a:fld>
             <a:endParaRPr lang="es-ES"/>
           </a:p>
@@ -6719,7 +6719,7 @@
             <a:fld id="{807CB568-C05F-482F-9F26-AA302B8892DF}" type="datetimeFigureOut">
               <a:rPr lang="es-ES" smtClean="0"/>
               <a:pPr/>
-              <a:t>02/02/2013</a:t>
+              <a:t>06/02/2013</a:t>
             </a:fld>
             <a:endParaRPr lang="es-ES"/>
           </a:p>
@@ -7150,7 +7150,7 @@
             <a:fld id="{807CB568-C05F-482F-9F26-AA302B8892DF}" type="datetimeFigureOut">
               <a:rPr lang="es-ES" smtClean="0"/>
               <a:pPr/>
-              <a:t>02/02/2013</a:t>
+              <a:t>06/02/2013</a:t>
             </a:fld>
             <a:endParaRPr lang="es-ES"/>
           </a:p>
@@ -7277,7 +7277,7 @@
             <a:fld id="{807CB568-C05F-482F-9F26-AA302B8892DF}" type="datetimeFigureOut">
               <a:rPr lang="es-ES" smtClean="0"/>
               <a:pPr/>
-              <a:t>02/02/2013</a:t>
+              <a:t>06/02/2013</a:t>
             </a:fld>
             <a:endParaRPr lang="es-ES"/>
           </a:p>
@@ -7381,7 +7381,7 @@
             <a:fld id="{807CB568-C05F-482F-9F26-AA302B8892DF}" type="datetimeFigureOut">
               <a:rPr lang="es-ES" smtClean="0"/>
               <a:pPr/>
-              <a:t>02/02/2013</a:t>
+              <a:t>06/02/2013</a:t>
             </a:fld>
             <a:endParaRPr lang="es-ES"/>
           </a:p>
@@ -7667,7 +7667,7 @@
             <a:fld id="{807CB568-C05F-482F-9F26-AA302B8892DF}" type="datetimeFigureOut">
               <a:rPr lang="es-ES" smtClean="0"/>
               <a:pPr/>
-              <a:t>02/02/2013</a:t>
+              <a:t>06/02/2013</a:t>
             </a:fld>
             <a:endParaRPr lang="es-ES"/>
           </a:p>
@@ -7936,7 +7936,7 @@
             <a:fld id="{807CB568-C05F-482F-9F26-AA302B8892DF}" type="datetimeFigureOut">
               <a:rPr lang="es-ES" smtClean="0"/>
               <a:pPr/>
-              <a:t>02/02/2013</a:t>
+              <a:t>06/02/2013</a:t>
             </a:fld>
             <a:endParaRPr lang="es-ES"/>
           </a:p>
@@ -8187,7 +8187,7 @@
             <a:fld id="{807CB568-C05F-482F-9F26-AA302B8892DF}" type="datetimeFigureOut">
               <a:rPr lang="es-ES" smtClean="0"/>
               <a:pPr/>
-              <a:t>02/02/2013</a:t>
+              <a:t>06/02/2013</a:t>
             </a:fld>
             <a:endParaRPr lang="es-ES"/>
           </a:p>
@@ -11544,15 +11544,7 @@
                   <a:srgbClr val="00823B"/>
                 </a:solidFill>
               </a:rPr>
-              <a:t>Restablecer </a:t>
-            </a:r>
-            <a:r>
-              <a:rPr lang="es-PE" dirty="0" smtClean="0">
-                <a:solidFill>
-                  <a:srgbClr val="00823B"/>
-                </a:solidFill>
-              </a:rPr>
-              <a:t>el estado de la BD</a:t>
+              <a:t>Restablecer el estado de la BD</a:t>
             </a:r>
             <a:endParaRPr lang="es-PE" dirty="0">
               <a:solidFill>
@@ -18574,7 +18566,7 @@
         <p:spPr bwMode="auto">
           <a:xfrm>
             <a:off x="611560" y="3140968"/>
-            <a:ext cx="8208912" cy="2189718"/>
+            <a:ext cx="8208912" cy="1094859"/>
           </a:xfrm>
           <a:prstGeom prst="rect">
             <a:avLst/>
@@ -18746,42 +18738,28 @@
             </a:lvl9pPr>
           </a:lstStyle>
           <a:p>
+            <a:pPr marL="0" indent="0">
+              <a:buNone/>
+            </a:pPr>
             <a:r>
               <a:rPr lang="es-PE" sz="2800" dirty="0" smtClean="0"/>
-              <a:t>Crear un proyecto para las pruebas de integración "</a:t>
+              <a:t>Utilizar cualquier patrón para crear pruebas a la clase</a:t>
+            </a:r>
+            <a:r>
+              <a:rPr lang="es-PE" sz="2800" dirty="0"/>
+              <a:t> </a:t>
+            </a:r>
+            <a:r>
+              <a:rPr lang="es-PE" sz="2800" dirty="0" smtClean="0"/>
+              <a:t>"</a:t>
             </a:r>
             <a:r>
               <a:rPr lang="es-PE" sz="2800" dirty="0" err="1" smtClean="0"/>
-              <a:t>TiendaVirtual.IntegrationTests</a:t>
+              <a:t>TiendaVirtual.DataAccess.ProductoDAO</a:t>
             </a:r>
             <a:r>
               <a:rPr lang="es-PE" sz="2800" dirty="0" smtClean="0"/>
               <a:t>".</a:t>
-            </a:r>
-          </a:p>
-          <a:p>
-            <a:endParaRPr lang="es-PE" sz="2800" dirty="0" smtClean="0"/>
-          </a:p>
-          <a:p>
-            <a:r>
-              <a:rPr lang="es-PE" sz="2800" dirty="0" smtClean="0"/>
-              <a:t>Utilizar cualquier patrón para crear pruebas a la clase</a:t>
-            </a:r>
-            <a:r>
-              <a:rPr lang="es-PE" sz="2800" dirty="0"/>
-              <a:t> </a:t>
-            </a:r>
-            <a:r>
-              <a:rPr lang="es-PE" sz="2800" dirty="0" smtClean="0"/>
-              <a:t>"</a:t>
-            </a:r>
-            <a:r>
-              <a:rPr lang="es-PE" sz="2800" dirty="0" err="1" smtClean="0"/>
-              <a:t>TiendaVirtual.DataAccess.ProductoDAO</a:t>
-            </a:r>
-            <a:r>
-              <a:rPr lang="es-PE" sz="2800" dirty="0" smtClean="0"/>
-              <a:t>"</a:t>
             </a:r>
           </a:p>
         </p:txBody>
